--- a/Slides/MVA-What'sNewC#6-Module5.pptx
+++ b/Slides/MVA-What'sNewC#6-Module5.pptx
@@ -353,7 +353,7 @@
                 <a:latin typeface="Segoe UI" pitchFamily="34" charset="0"/>
               </a:rPr>
               <a:pPr/>
-              <a:t>2/27/2015</a:t>
+              <a:t>3/3/2015</a:t>
             </a:fld>
             <a:endParaRPr lang="en-US" dirty="0">
               <a:latin typeface="Segoe UI" pitchFamily="34" charset="0"/>
@@ -574,7 +574,7 @@
             <a:fld id="{7C3FBCD4-166E-446F-AF18-7D4A0CF9AEF6}" type="datetimeFigureOut">
               <a:rPr lang="en-US" smtClean="0"/>
               <a:pPr/>
-              <a:t>2/27/2015</a:t>
+              <a:t>3/3/2015</a:t>
             </a:fld>
             <a:endParaRPr lang="en-US" dirty="0"/>
           </a:p>
@@ -4755,7 +4755,6 @@
               <a:rPr lang="en-US" sz="2800" dirty="0" smtClean="0"/>
               <a:t>Dictionary Initializers</a:t>
             </a:r>
-            <a:endParaRPr lang="en-US" sz="2800" dirty="0" smtClean="0"/>
           </a:p>
         </p:txBody>
       </p:sp>
@@ -5243,7 +5242,6 @@
               <a:rPr lang="en-US" sz="2800" dirty="0" smtClean="0"/>
               <a:t>Await in Catch and Finally</a:t>
             </a:r>
-            <a:endParaRPr lang="en-US" sz="2800" dirty="0" smtClean="0"/>
           </a:p>
         </p:txBody>
       </p:sp>
@@ -5812,11 +5810,15 @@
           <a:p>
             <a:r>
               <a:rPr lang="en-US" dirty="0" smtClean="0"/>
-              <a:t>Meet Anthony D. Green | @</a:t>
-            </a:r>
-            <a:r>
-              <a:rPr lang="en-US" dirty="0" err="1" smtClean="0"/>
-              <a:t>IDontKnow</a:t>
+              <a:t>Meet Anthony D. </a:t>
+            </a:r>
+            <a:r>
+              <a:rPr lang="en-US" smtClean="0"/>
+              <a:t>Green </a:t>
+            </a:r>
+            <a:r>
+              <a:rPr lang="en-US" smtClean="0"/>
+              <a:t>|</a:t>
             </a:r>
             <a:endParaRPr lang="en-US" dirty="0"/>
           </a:p>
@@ -5839,42 +5841,39 @@
           <a:p>
             <a:r>
               <a:rPr lang="en-US" dirty="0"/>
-              <a:t>Microsoft </a:t>
-            </a:r>
-            <a:r>
-              <a:rPr lang="en-US" dirty="0" smtClean="0"/>
-              <a:t>Program Manager</a:t>
+              <a:t>Microsoft Program Manager</a:t>
             </a:r>
           </a:p>
           <a:p>
             <a:pPr lvl="1"/>
             <a:r>
-              <a:rPr lang="en-US" dirty="0" smtClean="0"/>
+              <a:rPr lang="en-US" dirty="0"/>
               <a:t>Managed Languages Team</a:t>
             </a:r>
           </a:p>
           <a:p>
             <a:r>
-              <a:rPr lang="en-US" dirty="0" smtClean="0"/>
-              <a:t>Lambdas, Lambdas, Lambdas</a:t>
+              <a:rPr lang="en-US" dirty="0"/>
+              <a:t>Focus on Language APIs</a:t>
             </a:r>
           </a:p>
           <a:p>
             <a:pPr lvl="1"/>
             <a:r>
-              <a:rPr lang="en-US" dirty="0" smtClean="0"/>
-              <a:t>You’re bio and picture is on an internal site</a:t>
+              <a:rPr lang="en-US" dirty="0"/>
+              <a:t>Syntactic and semantic analysis tools</a:t>
             </a:r>
           </a:p>
           <a:p>
             <a:pPr lvl="1"/>
             <a:r>
-              <a:rPr lang="en-US" dirty="0" smtClean="0"/>
-              <a:t>I don’t have access.</a:t>
-            </a:r>
-          </a:p>
-          <a:p>
-            <a:pPr lvl="1"/>
+              <a:rPr lang="en-US" dirty="0"/>
+              <a:t>Diagnostics and </a:t>
+            </a:r>
+            <a:r>
+              <a:rPr lang="en-US" dirty="0" err="1"/>
+              <a:t>Refactorings</a:t>
+            </a:r>
             <a:endParaRPr lang="en-US" dirty="0"/>
           </a:p>
           <a:p>
@@ -5905,8 +5904,8 @@
         </p:blipFill>
         <p:spPr>
           <a:xfrm>
-            <a:off x="9417267" y="4107561"/>
-            <a:ext cx="2542271" cy="2542271"/>
+            <a:off x="9423687" y="4107561"/>
+            <a:ext cx="2529431" cy="2542271"/>
           </a:xfrm>
           <a:prstGeom prst="rect">
             <a:avLst/>
@@ -6532,22 +6531,14 @@
           <a:p>
             <a:r>
               <a:rPr lang="en-US" sz="2800" dirty="0" smtClean="0"/>
-              <a:t>Key | </a:t>
-            </a:r>
+              <a:t>Key | Your existing code won’t break</a:t>
+            </a:r>
+            <a:endParaRPr lang="en-US" sz="2800" dirty="0"/>
+          </a:p>
+          <a:p>
             <a:r>
               <a:rPr lang="en-US" sz="2800" dirty="0" smtClean="0"/>
-              <a:t>Your existing code won’t break</a:t>
-            </a:r>
-            <a:endParaRPr lang="en-US" sz="2800" dirty="0"/>
-          </a:p>
-          <a:p>
-            <a:r>
-              <a:rPr lang="en-US" sz="2800" dirty="0" smtClean="0"/>
-              <a:t>Key </a:t>
-            </a:r>
-            <a:r>
-              <a:rPr lang="en-US" sz="2800" dirty="0" smtClean="0"/>
-              <a:t>| No reason to bulk replace</a:t>
+              <a:t>Key | No reason to bulk replace</a:t>
             </a:r>
           </a:p>
           <a:p>
@@ -6569,7 +6560,6 @@
               <a:rPr lang="en-US" sz="2800" dirty="0" smtClean="0"/>
               <a:t> can automate the process</a:t>
             </a:r>
-            <a:endParaRPr lang="en-US" sz="2800" dirty="0" smtClean="0"/>
           </a:p>
         </p:txBody>
       </p:sp>
@@ -7186,7 +7176,6 @@
               <a:rPr lang="en-US" sz="2800" dirty="0" smtClean="0"/>
               <a:t>Only update when modifying the class</a:t>
             </a:r>
-            <a:endParaRPr lang="en-US" sz="2800" dirty="0" smtClean="0"/>
           </a:p>
         </p:txBody>
       </p:sp>

--- a/Slides/MVA-What'sNewC#6-Module5.pptx
+++ b/Slides/MVA-What'sNewC#6-Module5.pptx
@@ -3,6 +3,7 @@
 <p:presentation xmlns:a="http://schemas.openxmlformats.org/drawingml/2006/main" xmlns:r="http://schemas.openxmlformats.org/officeDocument/2006/relationships" xmlns:p="http://schemas.openxmlformats.org/presentationml/2006/main" saveSubsetFonts="1" autoCompressPictures="0">
   <p:sldMasterIdLst>
     <p:sldMasterId id="2147483843" r:id="rId4"/>
+    <p:sldMasterId id="2147483860" r:id="rId5"/>
   </p:sldMasterIdLst>
   <p:notesMasterIdLst>
     <p:notesMasterId r:id="rId17"/>
@@ -11,18 +12,17 @@
     <p:handoutMasterId r:id="rId18"/>
   </p:handoutMasterIdLst>
   <p:sldIdLst>
-    <p:sldId id="269" r:id="rId5"/>
-    <p:sldId id="270" r:id="rId6"/>
-    <p:sldId id="271" r:id="rId7"/>
-    <p:sldId id="274" r:id="rId8"/>
-    <p:sldId id="284" r:id="rId9"/>
-    <p:sldId id="272" r:id="rId10"/>
-    <p:sldId id="273" r:id="rId11"/>
+    <p:sldId id="290" r:id="rId6"/>
+    <p:sldId id="270" r:id="rId7"/>
+    <p:sldId id="271" r:id="rId8"/>
+    <p:sldId id="289" r:id="rId9"/>
+    <p:sldId id="291" r:id="rId10"/>
+    <p:sldId id="272" r:id="rId11"/>
     <p:sldId id="285" r:id="rId12"/>
     <p:sldId id="267" r:id="rId13"/>
     <p:sldId id="286" r:id="rId14"/>
     <p:sldId id="287" r:id="rId15"/>
-    <p:sldId id="280" r:id="rId16"/>
+    <p:sldId id="288" r:id="rId16"/>
   </p:sldIdLst>
   <p:sldSz cx="12188825" cy="6858000"/>
   <p:notesSz cx="6858000" cy="9144000"/>
@@ -950,7 +950,36 @@
             <p:ph type="sldImg"/>
           </p:nvPr>
         </p:nvSpPr>
+        <p:spPr>
+          <a:xfrm>
+            <a:off x="381000" y="685800"/>
+            <a:ext cx="6096000" cy="3429000"/>
+          </a:xfrm>
+        </p:spPr>
+      </p:sp>
+      <p:sp>
+        <p:nvSpPr>
+          <p:cNvPr id="4" name="Slide Number Placeholder 3"/>
+          <p:cNvSpPr>
+            <a:spLocks noGrp="1"/>
+          </p:cNvSpPr>
+          <p:nvPr>
+            <p:ph type="sldNum" sz="quarter" idx="10"/>
+          </p:nvPr>
+        </p:nvSpPr>
         <p:spPr/>
+        <p:txBody>
+          <a:bodyPr/>
+          <a:lstStyle/>
+          <a:p>
+            <a:fld id="{13F0F35F-DD44-4607-AEC1-49D7A4BC4066}" type="slidenum">
+              <a:rPr lang="en-US" smtClean="0"/>
+              <a:pPr/>
+              <a:t>1</a:t>
+            </a:fld>
+            <a:endParaRPr lang="en-US" dirty="0"/>
+          </a:p>
+        </p:txBody>
       </p:sp>
       <p:sp>
         <p:nvSpPr>
@@ -967,30 +996,6 @@
           <a:bodyPr/>
           <a:lstStyle/>
           <a:p>
-            <a:endParaRPr lang="en-US"/>
-          </a:p>
-        </p:txBody>
-      </p:sp>
-      <p:sp>
-        <p:nvSpPr>
-          <p:cNvPr id="4" name="Slide Number Placeholder 3"/>
-          <p:cNvSpPr>
-            <a:spLocks noGrp="1"/>
-          </p:cNvSpPr>
-          <p:nvPr>
-            <p:ph type="sldNum" sz="quarter" idx="10"/>
-          </p:nvPr>
-        </p:nvSpPr>
-        <p:spPr/>
-        <p:txBody>
-          <a:bodyPr/>
-          <a:lstStyle/>
-          <a:p>
-            <a:fld id="{8B263312-38AA-4E1E-B2B5-0F8F122B24FE}" type="slidenum">
-              <a:rPr lang="en-US" smtClean="0"/>
-              <a:pPr/>
-              <a:t>1</a:t>
-            </a:fld>
             <a:endParaRPr lang="en-US" dirty="0"/>
           </a:p>
         </p:txBody>
@@ -998,7 +1003,7 @@
     </p:spTree>
     <p:extLst>
       <p:ext uri="{BB962C8B-B14F-4D97-AF65-F5344CB8AC3E}">
-        <p14:creationId xmlns:p14="http://schemas.microsoft.com/office/powerpoint/2010/main" val="669691291"/>
+        <p14:creationId xmlns:p14="http://schemas.microsoft.com/office/powerpoint/2010/main" val="3350923301"/>
       </p:ext>
     </p:extLst>
   </p:cSld>
@@ -1052,27 +1057,6 @@
           <a:bodyPr/>
           <a:lstStyle/>
           <a:p>
-            <a:r>
-              <a:rPr lang="en-US" dirty="0" smtClean="0"/>
-              <a:t>Again,</a:t>
-            </a:r>
-            <a:r>
-              <a:rPr lang="en-US" baseline="0" dirty="0" smtClean="0"/>
-              <a:t> new language features will not break existing programs.</a:t>
-            </a:r>
-          </a:p>
-          <a:p>
-            <a:endParaRPr lang="en-US" baseline="0" dirty="0" smtClean="0"/>
-          </a:p>
-          <a:p>
-            <a:r>
-              <a:rPr lang="en-US" dirty="0" smtClean="0"/>
-              <a:t>Decision points come</a:t>
-            </a:r>
-            <a:r>
-              <a:rPr lang="en-US" baseline="0" dirty="0" smtClean="0"/>
-              <a:t> when you are maintaining code, and extending or modifying the code.</a:t>
-            </a:r>
             <a:endParaRPr lang="en-US" dirty="0"/>
           </a:p>
         </p:txBody>
@@ -1096,112 +1080,6 @@
               <a:rPr lang="en-US" smtClean="0"/>
               <a:pPr/>
               <a:t>10</a:t>
-            </a:fld>
-            <a:endParaRPr lang="en-US" dirty="0"/>
-          </a:p>
-        </p:txBody>
-      </p:sp>
-    </p:spTree>
-    <p:extLst>
-      <p:ext uri="{BB962C8B-B14F-4D97-AF65-F5344CB8AC3E}">
-        <p14:creationId xmlns:p14="http://schemas.microsoft.com/office/powerpoint/2010/main" val="102216585"/>
-      </p:ext>
-    </p:extLst>
-  </p:cSld>
-  <p:clrMapOvr>
-    <a:masterClrMapping/>
-  </p:clrMapOvr>
-</p:notes>
-</file>
-
-<file path=ppt/notesSlides/notesSlide11.xml><?xml version="1.0" encoding="utf-8"?>
-<p:notes xmlns:a="http://schemas.openxmlformats.org/drawingml/2006/main" xmlns:r="http://schemas.openxmlformats.org/officeDocument/2006/relationships" xmlns:p="http://schemas.openxmlformats.org/presentationml/2006/main">
-  <p:cSld>
-    <p:spTree>
-      <p:nvGrpSpPr>
-        <p:cNvPr id="1" name=""/>
-        <p:cNvGrpSpPr/>
-        <p:nvPr/>
-      </p:nvGrpSpPr>
-      <p:grpSpPr>
-        <a:xfrm>
-          <a:off x="0" y="0"/>
-          <a:ext cx="0" cy="0"/>
-          <a:chOff x="0" y="0"/>
-          <a:chExt cx="0" cy="0"/>
-        </a:xfrm>
-      </p:grpSpPr>
-      <p:sp>
-        <p:nvSpPr>
-          <p:cNvPr id="2" name="Slide Image Placeholder 1"/>
-          <p:cNvSpPr>
-            <a:spLocks noGrp="1" noRot="1" noChangeAspect="1"/>
-          </p:cNvSpPr>
-          <p:nvPr>
-            <p:ph type="sldImg"/>
-          </p:nvPr>
-        </p:nvSpPr>
-        <p:spPr/>
-      </p:sp>
-      <p:sp>
-        <p:nvSpPr>
-          <p:cNvPr id="3" name="Notes Placeholder 2"/>
-          <p:cNvSpPr>
-            <a:spLocks noGrp="1"/>
-          </p:cNvSpPr>
-          <p:nvPr>
-            <p:ph type="body" idx="1"/>
-          </p:nvPr>
-        </p:nvSpPr>
-        <p:spPr/>
-        <p:txBody>
-          <a:bodyPr/>
-          <a:lstStyle/>
-          <a:p>
-            <a:r>
-              <a:rPr lang="en-US" dirty="0" smtClean="0"/>
-              <a:t>Again,</a:t>
-            </a:r>
-            <a:r>
-              <a:rPr lang="en-US" baseline="0" dirty="0" smtClean="0"/>
-              <a:t> new language features will not break existing programs.</a:t>
-            </a:r>
-          </a:p>
-          <a:p>
-            <a:endParaRPr lang="en-US" baseline="0" dirty="0" smtClean="0"/>
-          </a:p>
-          <a:p>
-            <a:r>
-              <a:rPr lang="en-US" dirty="0" smtClean="0"/>
-              <a:t>Decision points come</a:t>
-            </a:r>
-            <a:r>
-              <a:rPr lang="en-US" baseline="0" dirty="0" smtClean="0"/>
-              <a:t> when you are maintaining code, and extending or modifying the code.</a:t>
-            </a:r>
-            <a:endParaRPr lang="en-US" dirty="0"/>
-          </a:p>
-        </p:txBody>
-      </p:sp>
-      <p:sp>
-        <p:nvSpPr>
-          <p:cNvPr id="4" name="Slide Number Placeholder 3"/>
-          <p:cNvSpPr>
-            <a:spLocks noGrp="1"/>
-          </p:cNvSpPr>
-          <p:nvPr>
-            <p:ph type="sldNum" sz="quarter" idx="10"/>
-          </p:nvPr>
-        </p:nvSpPr>
-        <p:spPr/>
-        <p:txBody>
-          <a:bodyPr/>
-          <a:lstStyle/>
-          <a:p>
-            <a:fld id="{8B263312-38AA-4E1E-B2B5-0F8F122B24FE}" type="slidenum">
-              <a:rPr lang="en-US" smtClean="0"/>
-              <a:pPr/>
-              <a:t>11</a:t>
             </a:fld>
             <a:endParaRPr lang="en-US" dirty="0"/>
           </a:p>
@@ -1264,20 +1142,6 @@
           <a:bodyPr/>
           <a:lstStyle/>
           <a:p>
-            <a:r>
-              <a:rPr lang="en-US" dirty="0" smtClean="0">
-                <a:ea typeface="Segoe UI"/>
-                <a:cs typeface="Segoe UI"/>
-              </a:rPr>
-              <a:t>I</a:t>
-            </a:r>
-            <a:r>
-              <a:rPr lang="en-US" baseline="0" dirty="0" smtClean="0">
-                <a:ea typeface="Segoe UI"/>
-                <a:cs typeface="Segoe UI"/>
-              </a:rPr>
-              <a:t> left these slides in, just to say hello again.</a:t>
-            </a:r>
             <a:endParaRPr lang="en-US" dirty="0">
               <a:ea typeface="Segoe UI"/>
               <a:cs typeface="Segoe UI"/>
@@ -1403,65 +1267,7 @@
           <a:bodyPr/>
           <a:lstStyle/>
           <a:p>
-            <a:r>
-              <a:rPr lang="en-US" sz="900" kern="1200" dirty="0" smtClean="0">
-                <a:solidFill>
-                  <a:schemeClr val="tx1"/>
-                </a:solidFill>
-                <a:effectLst/>
-                <a:latin typeface="Segoe UI" pitchFamily="34" charset="0"/>
-                <a:ea typeface="+mn-ea"/>
-                <a:cs typeface="+mn-cs"/>
-              </a:rPr>
-              <a:t>In this last module, we’ll discuss putting some of these features in practice. Null Conditionals, in particular, can be used with many different idioms. We’ll discuss some of the idioms that make null conditionals amazingly useful.</a:t>
-            </a:r>
-          </a:p>
-          <a:p>
-            <a:r>
-              <a:rPr lang="en-US" sz="900" kern="1200" dirty="0" smtClean="0">
-                <a:solidFill>
-                  <a:schemeClr val="tx1"/>
-                </a:solidFill>
-                <a:effectLst/>
-                <a:latin typeface="Segoe UI" pitchFamily="34" charset="0"/>
-                <a:ea typeface="+mn-ea"/>
-                <a:cs typeface="+mn-cs"/>
-              </a:rPr>
-              <a:t>We’ll also explore how some of these features interrelate with each other or existing features, and we’ll discuss some improvements to the </a:t>
-            </a:r>
-            <a:r>
-              <a:rPr lang="en-US" sz="900" kern="1200" dirty="0" err="1" smtClean="0">
-                <a:solidFill>
-                  <a:schemeClr val="tx1"/>
-                </a:solidFill>
-                <a:effectLst/>
-                <a:latin typeface="Segoe UI" pitchFamily="34" charset="0"/>
-                <a:ea typeface="+mn-ea"/>
-                <a:cs typeface="+mn-cs"/>
-              </a:rPr>
-              <a:t>betterness</a:t>
-            </a:r>
-            <a:r>
-              <a:rPr lang="en-US" sz="900" kern="1200" dirty="0" smtClean="0">
-                <a:solidFill>
-                  <a:schemeClr val="tx1"/>
-                </a:solidFill>
-                <a:effectLst/>
-                <a:latin typeface="Segoe UI" pitchFamily="34" charset="0"/>
-                <a:ea typeface="+mn-ea"/>
-                <a:cs typeface="+mn-cs"/>
-              </a:rPr>
-              <a:t> definition for method overloading. </a:t>
-            </a:r>
-            <a:endParaRPr lang="en-US" sz="900" kern="1200" dirty="0">
-              <a:solidFill>
-                <a:schemeClr val="tx1"/>
-              </a:solidFill>
-              <a:effectLst/>
-              <a:latin typeface="Segoe UI" pitchFamily="34" charset="0"/>
-              <a:ea typeface="+mn-ea"/>
-              <a:cs typeface="+mn-cs"/>
-            </a:endParaRPr>
+            <a:endParaRPr lang="en-US" dirty="0"/>
           </a:p>
         </p:txBody>
       </p:sp>
@@ -1480,19 +1286,27 @@
           <a:bodyPr/>
           <a:lstStyle/>
           <a:p>
-            <a:fld id="{8B263312-38AA-4E1E-B2B5-0F8F122B24FE}" type="slidenum">
-              <a:rPr lang="en-US" smtClean="0"/>
+            <a:fld id="{13F0F35F-DD44-4607-AEC1-49D7A4BC4066}" type="slidenum">
+              <a:rPr lang="en-US" smtClean="0">
+                <a:solidFill>
+                  <a:prstClr val="black"/>
+                </a:solidFill>
+              </a:rPr>
               <a:pPr/>
               <a:t>4</a:t>
             </a:fld>
-            <a:endParaRPr lang="en-US" dirty="0"/>
+            <a:endParaRPr lang="en-US" dirty="0">
+              <a:solidFill>
+                <a:prstClr val="black"/>
+              </a:solidFill>
+            </a:endParaRPr>
           </a:p>
         </p:txBody>
       </p:sp>
     </p:spTree>
     <p:extLst>
       <p:ext uri="{BB962C8B-B14F-4D97-AF65-F5344CB8AC3E}">
-        <p14:creationId xmlns:p14="http://schemas.microsoft.com/office/powerpoint/2010/main" val="3866970992"/>
+        <p14:creationId xmlns:p14="http://schemas.microsoft.com/office/powerpoint/2010/main" val="2976005865"/>
       </p:ext>
     </p:extLst>
   </p:cSld>
@@ -1529,7 +1343,36 @@
             <p:ph type="sldImg"/>
           </p:nvPr>
         </p:nvSpPr>
+        <p:spPr>
+          <a:xfrm>
+            <a:off x="381000" y="685800"/>
+            <a:ext cx="6096000" cy="3429000"/>
+          </a:xfrm>
+        </p:spPr>
+      </p:sp>
+      <p:sp>
+        <p:nvSpPr>
+          <p:cNvPr id="4" name="Slide Number Placeholder 3"/>
+          <p:cNvSpPr>
+            <a:spLocks noGrp="1"/>
+          </p:cNvSpPr>
+          <p:nvPr>
+            <p:ph type="sldNum" sz="quarter" idx="10"/>
+          </p:nvPr>
+        </p:nvSpPr>
         <p:spPr/>
+        <p:txBody>
+          <a:bodyPr/>
+          <a:lstStyle/>
+          <a:p>
+            <a:fld id="{13F0F35F-DD44-4607-AEC1-49D7A4BC4066}" type="slidenum">
+              <a:rPr lang="en-US" smtClean="0"/>
+              <a:pPr/>
+              <a:t>5</a:t>
+            </a:fld>
+            <a:endParaRPr lang="en-US" dirty="0"/>
+          </a:p>
+        </p:txBody>
       </p:sp>
       <p:sp>
         <p:nvSpPr>
@@ -1546,38 +1389,6 @@
           <a:bodyPr/>
           <a:lstStyle/>
           <a:p>
-            <a:r>
-              <a:rPr lang="en-US" dirty="0" smtClean="0"/>
-              <a:t>Here’s the second module. It’s Data Transfer</a:t>
-            </a:r>
-            <a:r>
-              <a:rPr lang="en-US" baseline="0" dirty="0" smtClean="0"/>
-              <a:t> Enhancement.</a:t>
-            </a:r>
-            <a:endParaRPr lang="en-US" dirty="0"/>
-          </a:p>
-        </p:txBody>
-      </p:sp>
-      <p:sp>
-        <p:nvSpPr>
-          <p:cNvPr id="4" name="Slide Number Placeholder 3"/>
-          <p:cNvSpPr>
-            <a:spLocks noGrp="1"/>
-          </p:cNvSpPr>
-          <p:nvPr>
-            <p:ph type="sldNum" sz="quarter" idx="10"/>
-          </p:nvPr>
-        </p:nvSpPr>
-        <p:spPr/>
-        <p:txBody>
-          <a:bodyPr/>
-          <a:lstStyle/>
-          <a:p>
-            <a:fld id="{8B263312-38AA-4E1E-B2B5-0F8F122B24FE}" type="slidenum">
-              <a:rPr lang="en-US" smtClean="0"/>
-              <a:pPr/>
-              <a:t>5</a:t>
-            </a:fld>
             <a:endParaRPr lang="en-US" dirty="0"/>
           </a:p>
         </p:txBody>
@@ -1585,7 +1396,7 @@
     </p:spTree>
     <p:extLst>
       <p:ext uri="{BB962C8B-B14F-4D97-AF65-F5344CB8AC3E}">
-        <p14:creationId xmlns:p14="http://schemas.microsoft.com/office/powerpoint/2010/main" val="2208898804"/>
+        <p14:creationId xmlns:p14="http://schemas.microsoft.com/office/powerpoint/2010/main" val="592095434"/>
       </p:ext>
     </p:extLst>
   </p:cSld>
@@ -1639,22 +1450,6 @@
           <a:bodyPr/>
           <a:lstStyle/>
           <a:p>
-            <a:r>
-              <a:rPr lang="en-US" dirty="0" smtClean="0"/>
-              <a:t>The</a:t>
-            </a:r>
-            <a:r>
-              <a:rPr lang="en-US" baseline="0" dirty="0" smtClean="0"/>
-              <a:t> keys for this session are to understand the new language features and how that will change error handling, and make it easier to write </a:t>
-            </a:r>
-            <a:r>
-              <a:rPr lang="en-US" baseline="0" dirty="0" err="1" smtClean="0"/>
-              <a:t>async</a:t>
-            </a:r>
-            <a:r>
-              <a:rPr lang="en-US" baseline="0" dirty="0" smtClean="0"/>
-              <a:t> code that is robust in the face of error conditions</a:t>
-            </a:r>
             <a:endParaRPr lang="en-US" dirty="0"/>
           </a:p>
         </p:txBody>
@@ -1740,7 +1535,7 @@
           <a:bodyPr/>
           <a:lstStyle/>
           <a:p>
-            <a:endParaRPr lang="en-US"/>
+            <a:endParaRPr lang="en-US" dirty="0"/>
           </a:p>
         </p:txBody>
       </p:sp>
@@ -1771,7 +1566,7 @@
     </p:spTree>
     <p:extLst>
       <p:ext uri="{BB962C8B-B14F-4D97-AF65-F5344CB8AC3E}">
-        <p14:creationId xmlns:p14="http://schemas.microsoft.com/office/powerpoint/2010/main" val="3780343435"/>
+        <p14:creationId xmlns:p14="http://schemas.microsoft.com/office/powerpoint/2010/main" val="2683605714"/>
       </p:ext>
     </p:extLst>
   </p:cSld>
@@ -1825,27 +1620,6 @@
           <a:bodyPr/>
           <a:lstStyle/>
           <a:p>
-            <a:r>
-              <a:rPr lang="en-US" dirty="0" smtClean="0"/>
-              <a:t>Again,</a:t>
-            </a:r>
-            <a:r>
-              <a:rPr lang="en-US" baseline="0" dirty="0" smtClean="0"/>
-              <a:t> new language features will not break existing programs.</a:t>
-            </a:r>
-          </a:p>
-          <a:p>
-            <a:endParaRPr lang="en-US" baseline="0" dirty="0" smtClean="0"/>
-          </a:p>
-          <a:p>
-            <a:r>
-              <a:rPr lang="en-US" dirty="0" smtClean="0"/>
-              <a:t>Decision points come</a:t>
-            </a:r>
-            <a:r>
-              <a:rPr lang="en-US" baseline="0" dirty="0" smtClean="0"/>
-              <a:t> when you are maintaining code, and extending or modifying the code.</a:t>
-            </a:r>
             <a:endParaRPr lang="en-US" dirty="0"/>
           </a:p>
         </p:txBody>
@@ -1877,7 +1651,7 @@
     </p:spTree>
     <p:extLst>
       <p:ext uri="{BB962C8B-B14F-4D97-AF65-F5344CB8AC3E}">
-        <p14:creationId xmlns:p14="http://schemas.microsoft.com/office/powerpoint/2010/main" val="2683605714"/>
+        <p14:creationId xmlns:p14="http://schemas.microsoft.com/office/powerpoint/2010/main" val="2115829590"/>
       </p:ext>
     </p:extLst>
   </p:cSld>
@@ -1931,19 +1705,6 @@
           <a:bodyPr/>
           <a:lstStyle/>
           <a:p>
-            <a:r>
-              <a:rPr lang="en-US" dirty="0" smtClean="0"/>
-              <a:t>Script goes here.</a:t>
-            </a:r>
-          </a:p>
-          <a:p>
-            <a:endParaRPr lang="en-US" dirty="0" smtClean="0"/>
-          </a:p>
-          <a:p>
-            <a:r>
-              <a:rPr lang="en-US" dirty="0" smtClean="0"/>
-              <a:t>Build it, and talk about it.</a:t>
-            </a:r>
             <a:endParaRPr lang="en-US" dirty="0"/>
           </a:p>
         </p:txBody>
@@ -1975,7 +1736,7 @@
     </p:spTree>
     <p:extLst>
       <p:ext uri="{BB962C8B-B14F-4D97-AF65-F5344CB8AC3E}">
-        <p14:creationId xmlns:p14="http://schemas.microsoft.com/office/powerpoint/2010/main" val="2115829590"/>
+        <p14:creationId xmlns:p14="http://schemas.microsoft.com/office/powerpoint/2010/main" val="102216585"/>
       </p:ext>
     </p:extLst>
   </p:cSld>
@@ -2266,6 +2027,3177 @@
 </p:sldLayout>
 </file>
 
+<file path=ppt/slideLayouts/slideLayout10.xml><?xml version="1.0" encoding="utf-8"?>
+<p:sldLayout xmlns:a="http://schemas.openxmlformats.org/drawingml/2006/main" xmlns:r="http://schemas.openxmlformats.org/officeDocument/2006/relationships" xmlns:p="http://schemas.openxmlformats.org/presentationml/2006/main" userDrawn="1">
+  <p:cSld name="Title Slide">
+    <p:spTree>
+      <p:nvGrpSpPr>
+        <p:cNvPr id="1" name=""/>
+        <p:cNvGrpSpPr/>
+        <p:nvPr/>
+      </p:nvGrpSpPr>
+      <p:grpSpPr>
+        <a:xfrm>
+          <a:off x="0" y="0"/>
+          <a:ext cx="0" cy="0"/>
+          <a:chOff x="0" y="0"/>
+          <a:chExt cx="0" cy="0"/>
+        </a:xfrm>
+      </p:grpSpPr>
+      <p:sp>
+        <p:nvSpPr>
+          <p:cNvPr id="3" name="Subtitle 2"/>
+          <p:cNvSpPr>
+            <a:spLocks noGrp="1"/>
+          </p:cNvSpPr>
+          <p:nvPr>
+            <p:ph type="subTitle" idx="1"/>
+          </p:nvPr>
+        </p:nvSpPr>
+        <p:spPr>
+          <a:xfrm>
+            <a:off x="193220" y="5132438"/>
+            <a:ext cx="8577652" cy="1460779"/>
+          </a:xfrm>
+          <a:prstGeom prst="rect">
+            <a:avLst/>
+          </a:prstGeom>
+        </p:spPr>
+        <p:txBody>
+          <a:bodyPr lIns="137160" tIns="137160" rIns="137160" bIns="137160" anchor="b" anchorCtr="0">
+            <a:normAutofit/>
+          </a:bodyPr>
+          <a:lstStyle>
+            <a:lvl1pPr marL="0" indent="0" algn="l" defTabSz="913778" rtl="0" eaLnBrk="1" latinLnBrk="0" hangingPunct="1">
+              <a:lnSpc>
+                <a:spcPct val="100000"/>
+              </a:lnSpc>
+              <a:spcBef>
+                <a:spcPts val="0"/>
+              </a:spcBef>
+              <a:buSzPct val="90000"/>
+              <a:buFont typeface="Arial" pitchFamily="34" charset="0"/>
+              <a:buNone/>
+              <a:defRPr lang="en-US" sz="2399" b="0" kern="0" spc="0" baseline="0" dirty="0">
+                <a:solidFill>
+                  <a:schemeClr val="tx1"/>
+                </a:solidFill>
+                <a:latin typeface="Segoe UI Light" panose="020B0502040204020203" pitchFamily="34" charset="0"/>
+                <a:ea typeface="Segoe UI Light" panose="020B0502040204020203" pitchFamily="34" charset="0"/>
+                <a:cs typeface="Segoe UI Light" panose="020B0502040204020203" pitchFamily="34" charset="0"/>
+              </a:defRPr>
+            </a:lvl1pPr>
+            <a:lvl2pPr marL="456907" indent="0" algn="ctr">
+              <a:buNone/>
+              <a:defRPr>
+                <a:solidFill>
+                  <a:schemeClr val="tx1">
+                    <a:tint val="75000"/>
+                  </a:schemeClr>
+                </a:solidFill>
+              </a:defRPr>
+            </a:lvl2pPr>
+            <a:lvl3pPr marL="913814" indent="0" algn="ctr">
+              <a:buNone/>
+              <a:defRPr>
+                <a:solidFill>
+                  <a:schemeClr val="tx1">
+                    <a:tint val="75000"/>
+                  </a:schemeClr>
+                </a:solidFill>
+              </a:defRPr>
+            </a:lvl3pPr>
+            <a:lvl4pPr marL="1370722" indent="0" algn="ctr">
+              <a:buNone/>
+              <a:defRPr>
+                <a:solidFill>
+                  <a:schemeClr val="tx1">
+                    <a:tint val="75000"/>
+                  </a:schemeClr>
+                </a:solidFill>
+              </a:defRPr>
+            </a:lvl4pPr>
+            <a:lvl5pPr marL="1827630" indent="0" algn="ctr">
+              <a:buNone/>
+              <a:defRPr>
+                <a:solidFill>
+                  <a:schemeClr val="tx1">
+                    <a:tint val="75000"/>
+                  </a:schemeClr>
+                </a:solidFill>
+              </a:defRPr>
+            </a:lvl5pPr>
+            <a:lvl6pPr marL="2284536" indent="0" algn="ctr">
+              <a:buNone/>
+              <a:defRPr>
+                <a:solidFill>
+                  <a:schemeClr val="tx1">
+                    <a:tint val="75000"/>
+                  </a:schemeClr>
+                </a:solidFill>
+              </a:defRPr>
+            </a:lvl6pPr>
+            <a:lvl7pPr marL="2741444" indent="0" algn="ctr">
+              <a:buNone/>
+              <a:defRPr>
+                <a:solidFill>
+                  <a:schemeClr val="tx1">
+                    <a:tint val="75000"/>
+                  </a:schemeClr>
+                </a:solidFill>
+              </a:defRPr>
+            </a:lvl7pPr>
+            <a:lvl8pPr marL="3198351" indent="0" algn="ctr">
+              <a:buNone/>
+              <a:defRPr>
+                <a:solidFill>
+                  <a:schemeClr val="tx1">
+                    <a:tint val="75000"/>
+                  </a:schemeClr>
+                </a:solidFill>
+              </a:defRPr>
+            </a:lvl8pPr>
+            <a:lvl9pPr marL="3655261" indent="0" algn="ctr">
+              <a:buNone/>
+              <a:defRPr>
+                <a:solidFill>
+                  <a:schemeClr val="tx1">
+                    <a:tint val="75000"/>
+                  </a:schemeClr>
+                </a:solidFill>
+              </a:defRPr>
+            </a:lvl9pPr>
+          </a:lstStyle>
+          <a:p>
+            <a:r>
+              <a:rPr lang="en-US" dirty="0" smtClean="0"/>
+              <a:t>Click to edit Master subtitle style</a:t>
+            </a:r>
+            <a:endParaRPr lang="en-US" dirty="0"/>
+          </a:p>
+        </p:txBody>
+      </p:sp>
+      <p:sp>
+        <p:nvSpPr>
+          <p:cNvPr id="10" name="Title 1"/>
+          <p:cNvSpPr>
+            <a:spLocks noGrp="1"/>
+          </p:cNvSpPr>
+          <p:nvPr>
+            <p:ph type="ctrTitle" hasCustomPrompt="1"/>
+          </p:nvPr>
+        </p:nvSpPr>
+        <p:spPr>
+          <a:xfrm>
+            <a:off x="193220" y="2415642"/>
+            <a:ext cx="8577652" cy="2603307"/>
+          </a:xfrm>
+          <a:prstGeom prst="rect">
+            <a:avLst/>
+          </a:prstGeom>
+          <a:solidFill>
+            <a:srgbClr val="007233"/>
+          </a:solidFill>
+          <a:effectLst/>
+        </p:spPr>
+        <p:txBody>
+          <a:bodyPr vert="horz" lIns="137160" tIns="137160" rIns="91409" bIns="137160" rtlCol="0" anchor="b" anchorCtr="0">
+            <a:noAutofit/>
+          </a:bodyPr>
+          <a:lstStyle>
+            <a:lvl1pPr>
+              <a:defRPr lang="en-US" sz="4799" kern="0" dirty="0">
+                <a:ln w="3175">
+                  <a:noFill/>
+                </a:ln>
+                <a:gradFill flip="none" rotWithShape="1">
+                  <a:gsLst>
+                    <a:gs pos="4583">
+                      <a:srgbClr val="FFFFFF"/>
+                    </a:gs>
+                    <a:gs pos="100000">
+                      <a:srgbClr val="FFFFFF"/>
+                    </a:gs>
+                  </a:gsLst>
+                  <a:lin ang="5400000" scaled="0"/>
+                  <a:tileRect/>
+                </a:gradFill>
+              </a:defRPr>
+            </a:lvl1pPr>
+          </a:lstStyle>
+          <a:p>
+            <a:pPr lvl="0"/>
+            <a:r>
+              <a:rPr lang="en-US" dirty="0" smtClean="0"/>
+              <a:t>Course title style</a:t>
+            </a:r>
+            <a:endParaRPr lang="en-US" dirty="0"/>
+          </a:p>
+        </p:txBody>
+      </p:sp>
+      <p:sp>
+        <p:nvSpPr>
+          <p:cNvPr id="8" name="top right small rectangle"/>
+          <p:cNvSpPr/>
+          <p:nvPr userDrawn="1"/>
+        </p:nvSpPr>
+        <p:spPr bwMode="auto">
+          <a:xfrm>
+            <a:off x="8900174" y="2418735"/>
+            <a:ext cx="3087143" cy="2600214"/>
+          </a:xfrm>
+          <a:prstGeom prst="rect">
+            <a:avLst/>
+          </a:prstGeom>
+          <a:solidFill>
+            <a:schemeClr val="tx2"/>
+          </a:solidFill>
+          <a:ln>
+            <a:noFill/>
+            <a:headEnd type="none" w="med" len="med"/>
+            <a:tailEnd type="none" w="med" len="med"/>
+          </a:ln>
+        </p:spPr>
+        <p:style>
+          <a:lnRef idx="2">
+            <a:schemeClr val="accent5">
+              <a:shade val="50000"/>
+            </a:schemeClr>
+          </a:lnRef>
+          <a:fillRef idx="1">
+            <a:schemeClr val="accent5"/>
+          </a:fillRef>
+          <a:effectRef idx="0">
+            <a:schemeClr val="accent5"/>
+          </a:effectRef>
+          <a:fontRef idx="minor">
+            <a:schemeClr val="lt1"/>
+          </a:fontRef>
+        </p:style>
+        <p:txBody>
+          <a:bodyPr vert="horz" wrap="square" lIns="137124" tIns="137124" rIns="137124" bIns="137124" numCol="1" rtlCol="0" anchor="b" anchorCtr="0" compatLnSpc="1">
+            <a:prstTxWarp prst="textNoShape">
+              <a:avLst/>
+            </a:prstTxWarp>
+          </a:bodyPr>
+          <a:lstStyle/>
+          <a:p>
+            <a:pPr defTabSz="913514" fontAlgn="base">
+              <a:spcBef>
+                <a:spcPct val="0"/>
+              </a:spcBef>
+              <a:spcAft>
+                <a:spcPct val="0"/>
+              </a:spcAft>
+            </a:pPr>
+            <a:endParaRPr lang="en-US" sz="1999" dirty="0">
+              <a:gradFill>
+                <a:gsLst>
+                  <a:gs pos="0">
+                    <a:srgbClr val="FFFFFF"/>
+                  </a:gs>
+                  <a:gs pos="100000">
+                    <a:srgbClr val="FFFFFF"/>
+                  </a:gs>
+                </a:gsLst>
+                <a:lin ang="5400000" scaled="0"/>
+              </a:gradFill>
+              <a:latin typeface="Segoe UI Light" panose="020B0502040204020203" pitchFamily="34" charset="0"/>
+              <a:cs typeface="Segoe UI Light" panose="020B0502040204020203" pitchFamily="34" charset="0"/>
+            </a:endParaRPr>
+          </a:p>
+        </p:txBody>
+      </p:sp>
+      <p:pic>
+        <p:nvPicPr>
+          <p:cNvPr id="11" name="Picture 10"/>
+          <p:cNvPicPr>
+            <a:picLocks noChangeAspect="1"/>
+          </p:cNvPicPr>
+          <p:nvPr userDrawn="1"/>
+        </p:nvPicPr>
+        <p:blipFill rotWithShape="1">
+          <a:blip r:embed="rId2" cstate="print">
+            <a:extLst>
+              <a:ext uri="{28A0092B-C50C-407E-A947-70E740481C1C}">
+                <a14:useLocalDpi xmlns:a14="http://schemas.microsoft.com/office/drawing/2010/main" val="0"/>
+              </a:ext>
+            </a:extLst>
+          </a:blip>
+          <a:srcRect l="9720" t="16544" r="7275" b="16691"/>
+          <a:stretch/>
+        </p:blipFill>
+        <p:spPr>
+          <a:xfrm>
+            <a:off x="10729004" y="4630992"/>
+            <a:ext cx="1131393" cy="334740"/>
+          </a:xfrm>
+          <a:prstGeom prst="rect">
+            <a:avLst/>
+          </a:prstGeom>
+        </p:spPr>
+      </p:pic>
+      <p:sp>
+        <p:nvSpPr>
+          <p:cNvPr id="7" name="TextBox 6"/>
+          <p:cNvSpPr txBox="1"/>
+          <p:nvPr userDrawn="1"/>
+        </p:nvSpPr>
+        <p:spPr>
+          <a:xfrm>
+            <a:off x="193221" y="164178"/>
+            <a:ext cx="3690505" cy="246221"/>
+          </a:xfrm>
+          <a:prstGeom prst="rect">
+            <a:avLst/>
+          </a:prstGeom>
+          <a:noFill/>
+        </p:spPr>
+        <p:txBody>
+          <a:bodyPr wrap="square" lIns="0" tIns="0" rIns="0" bIns="0" rtlCol="0" anchor="ctr">
+            <a:spAutoFit/>
+          </a:bodyPr>
+          <a:lstStyle/>
+          <a:p>
+            <a:pPr algn="l"/>
+            <a:r>
+              <a:rPr lang="en-US" sz="1600" dirty="0" smtClean="0">
+                <a:solidFill>
+                  <a:schemeClr val="tx1">
+                    <a:lumMod val="75000"/>
+                    <a:lumOff val="25000"/>
+                    <a:alpha val="99000"/>
+                  </a:schemeClr>
+                </a:solidFill>
+                <a:latin typeface="Segoe UI" panose="020B0502040204020203" pitchFamily="34" charset="0"/>
+                <a:cs typeface="Segoe UI" panose="020B0502040204020203" pitchFamily="34" charset="0"/>
+              </a:rPr>
+              <a:t>Microsoft</a:t>
+            </a:r>
+            <a:r>
+              <a:rPr lang="en-US" sz="1600" baseline="0" dirty="0" smtClean="0">
+                <a:solidFill>
+                  <a:schemeClr val="tx1">
+                    <a:lumMod val="75000"/>
+                    <a:lumOff val="25000"/>
+                    <a:alpha val="99000"/>
+                  </a:schemeClr>
+                </a:solidFill>
+                <a:latin typeface="Segoe UI" panose="020B0502040204020203" pitchFamily="34" charset="0"/>
+                <a:cs typeface="Segoe UI" panose="020B0502040204020203" pitchFamily="34" charset="0"/>
+              </a:rPr>
+              <a:t> Virtual Academy</a:t>
+            </a:r>
+            <a:endParaRPr lang="en-US" sz="1600" dirty="0" smtClean="0">
+              <a:solidFill>
+                <a:schemeClr val="tx1">
+                  <a:lumMod val="75000"/>
+                  <a:lumOff val="25000"/>
+                  <a:alpha val="99000"/>
+                </a:schemeClr>
+              </a:solidFill>
+              <a:latin typeface="Segoe UI" panose="020B0502040204020203" pitchFamily="34" charset="0"/>
+              <a:cs typeface="Segoe UI" panose="020B0502040204020203" pitchFamily="34" charset="0"/>
+            </a:endParaRPr>
+          </a:p>
+        </p:txBody>
+      </p:sp>
+    </p:spTree>
+    <p:extLst>
+      <p:ext uri="{BB962C8B-B14F-4D97-AF65-F5344CB8AC3E}">
+        <p14:creationId xmlns:p14="http://schemas.microsoft.com/office/powerpoint/2010/main" val="3166394467"/>
+      </p:ext>
+    </p:extLst>
+  </p:cSld>
+  <p:clrMapOvr>
+    <a:masterClrMapping/>
+  </p:clrMapOvr>
+  <p:timing>
+    <p:tnLst>
+      <p:par>
+        <p:cTn id="1" dur="indefinite" restart="never" nodeType="tmRoot"/>
+      </p:par>
+    </p:tnLst>
+  </p:timing>
+  <p:extLst mod="1">
+    <p:ext uri="{DCECCB84-F9BA-43D5-87BE-67443E8EF086}">
+      <p15:sldGuideLst xmlns:p15="http://schemas.microsoft.com/office/powerpoint/2012/main">
+        <p15:guide id="4294967295" orient="horz" pos="3792">
+          <p15:clr>
+            <a:srgbClr val="FBAE40"/>
+          </p15:clr>
+        </p15:guide>
+        <p15:guide id="4294967295" pos="3839">
+          <p15:clr>
+            <a:srgbClr val="FBAE40"/>
+          </p15:clr>
+        </p15:guide>
+        <p15:guide id="4294967295" orient="horz" pos="720">
+          <p15:clr>
+            <a:srgbClr val="FBAE40"/>
+          </p15:clr>
+        </p15:guide>
+      </p15:sldGuideLst>
+    </p:ext>
+  </p:extLst>
+</p:sldLayout>
+</file>
+
+<file path=ppt/slideLayouts/slideLayout11.xml><?xml version="1.0" encoding="utf-8"?>
+<p:sldLayout xmlns:a="http://schemas.openxmlformats.org/drawingml/2006/main" xmlns:r="http://schemas.openxmlformats.org/officeDocument/2006/relationships" xmlns:p="http://schemas.openxmlformats.org/presentationml/2006/main" userDrawn="1">
+  <p:cSld name="1_Section Header">
+    <p:spTree>
+      <p:nvGrpSpPr>
+        <p:cNvPr id="1" name=""/>
+        <p:cNvGrpSpPr/>
+        <p:nvPr/>
+      </p:nvGrpSpPr>
+      <p:grpSpPr>
+        <a:xfrm>
+          <a:off x="0" y="0"/>
+          <a:ext cx="0" cy="0"/>
+          <a:chOff x="0" y="0"/>
+          <a:chExt cx="0" cy="0"/>
+        </a:xfrm>
+      </p:grpSpPr>
+      <p:sp>
+        <p:nvSpPr>
+          <p:cNvPr id="9" name="Subtitle 2"/>
+          <p:cNvSpPr txBox="1">
+            <a:spLocks/>
+          </p:cNvSpPr>
+          <p:nvPr userDrawn="1"/>
+        </p:nvSpPr>
+        <p:spPr>
+          <a:xfrm>
+            <a:off x="8736457" y="2685051"/>
+            <a:ext cx="2240640" cy="2355337"/>
+          </a:xfrm>
+          <a:prstGeom prst="rect">
+            <a:avLst/>
+          </a:prstGeom>
+        </p:spPr>
+        <p:txBody>
+          <a:bodyPr vert="horz" lIns="91385" tIns="45693" rIns="91385" bIns="45693" rtlCol="0" anchor="ctr" anchorCtr="0">
+            <a:normAutofit/>
+          </a:bodyPr>
+          <a:lstStyle>
+            <a:lvl1pPr marL="0" indent="0" algn="l" defTabSz="914052" rtl="0" eaLnBrk="1" latinLnBrk="0" hangingPunct="1">
+              <a:lnSpc>
+                <a:spcPct val="100000"/>
+              </a:lnSpc>
+              <a:spcBef>
+                <a:spcPts val="0"/>
+              </a:spcBef>
+              <a:buSzPct val="90000"/>
+              <a:buFont typeface="Arial" pitchFamily="34" charset="0"/>
+              <a:buNone/>
+              <a:defRPr lang="en-US" sz="1800" b="1" kern="1200" spc="-30" baseline="0" dirty="0">
+                <a:gradFill>
+                  <a:gsLst>
+                    <a:gs pos="1250">
+                      <a:srgbClr val="FFFFFF"/>
+                    </a:gs>
+                    <a:gs pos="6250">
+                      <a:srgbClr val="FFFFFF"/>
+                    </a:gs>
+                  </a:gsLst>
+                  <a:lin ang="5400000" scaled="0"/>
+                </a:gradFill>
+                <a:latin typeface="Segoe UI" pitchFamily="34" charset="0"/>
+                <a:ea typeface="Segoe UI" pitchFamily="34" charset="0"/>
+                <a:cs typeface="Segoe UI" pitchFamily="34" charset="0"/>
+              </a:defRPr>
+            </a:lvl1pPr>
+            <a:lvl2pPr marL="457044" indent="0" algn="ctr" defTabSz="914088" rtl="0" eaLnBrk="1" latinLnBrk="0" hangingPunct="1">
+              <a:spcBef>
+                <a:spcPts val="300"/>
+              </a:spcBef>
+              <a:spcAft>
+                <a:spcPts val="300"/>
+              </a:spcAft>
+              <a:buFont typeface="Arial" pitchFamily="34" charset="0"/>
+              <a:buNone/>
+              <a:defRPr sz="2800" kern="1200">
+                <a:solidFill>
+                  <a:schemeClr val="tx1">
+                    <a:tint val="75000"/>
+                  </a:schemeClr>
+                </a:solidFill>
+                <a:latin typeface="Segoe UI" pitchFamily="34" charset="0"/>
+                <a:ea typeface="Segoe UI" pitchFamily="34" charset="0"/>
+                <a:cs typeface="Segoe UI" pitchFamily="34" charset="0"/>
+              </a:defRPr>
+            </a:lvl2pPr>
+            <a:lvl3pPr marL="914088" indent="0" algn="ctr" defTabSz="914088" rtl="0" eaLnBrk="1" latinLnBrk="0" hangingPunct="1">
+              <a:spcBef>
+                <a:spcPts val="200"/>
+              </a:spcBef>
+              <a:spcAft>
+                <a:spcPts val="200"/>
+              </a:spcAft>
+              <a:buFont typeface="Arial" pitchFamily="34" charset="0"/>
+              <a:buNone/>
+              <a:defRPr sz="2400" kern="1200">
+                <a:solidFill>
+                  <a:schemeClr val="tx1">
+                    <a:tint val="75000"/>
+                  </a:schemeClr>
+                </a:solidFill>
+                <a:latin typeface="Segoe UI" pitchFamily="34" charset="0"/>
+                <a:ea typeface="Segoe UI" pitchFamily="34" charset="0"/>
+                <a:cs typeface="Segoe UI" pitchFamily="34" charset="0"/>
+              </a:defRPr>
+            </a:lvl3pPr>
+            <a:lvl4pPr marL="1371133" indent="0" algn="ctr" defTabSz="914088" rtl="0" eaLnBrk="1" latinLnBrk="0" hangingPunct="1">
+              <a:spcBef>
+                <a:spcPct val="20000"/>
+              </a:spcBef>
+              <a:buFont typeface="Arial" pitchFamily="34" charset="0"/>
+              <a:buNone/>
+              <a:defRPr sz="2000" kern="1200">
+                <a:solidFill>
+                  <a:schemeClr val="tx1">
+                    <a:tint val="75000"/>
+                  </a:schemeClr>
+                </a:solidFill>
+                <a:latin typeface="Segoe UI" pitchFamily="34" charset="0"/>
+                <a:ea typeface="Segoe UI" pitchFamily="34" charset="0"/>
+                <a:cs typeface="Segoe UI" pitchFamily="34" charset="0"/>
+              </a:defRPr>
+            </a:lvl4pPr>
+            <a:lvl5pPr marL="1828178" indent="0" algn="ctr" defTabSz="914088" rtl="0" eaLnBrk="1" latinLnBrk="0" hangingPunct="1">
+              <a:spcBef>
+                <a:spcPct val="20000"/>
+              </a:spcBef>
+              <a:buFont typeface="Arial" pitchFamily="34" charset="0"/>
+              <a:buNone/>
+              <a:defRPr sz="2000" kern="1200">
+                <a:solidFill>
+                  <a:schemeClr val="tx1">
+                    <a:tint val="75000"/>
+                  </a:schemeClr>
+                </a:solidFill>
+                <a:latin typeface="Segoe UI" pitchFamily="34" charset="0"/>
+                <a:ea typeface="Segoe UI" pitchFamily="34" charset="0"/>
+                <a:cs typeface="Segoe UI" pitchFamily="34" charset="0"/>
+              </a:defRPr>
+            </a:lvl5pPr>
+            <a:lvl6pPr marL="2285222" indent="0" algn="ctr" defTabSz="914088" rtl="0" eaLnBrk="1" latinLnBrk="0" hangingPunct="1">
+              <a:spcBef>
+                <a:spcPct val="20000"/>
+              </a:spcBef>
+              <a:buFont typeface="Arial" pitchFamily="34" charset="0"/>
+              <a:buNone/>
+              <a:defRPr sz="2000" kern="1200">
+                <a:solidFill>
+                  <a:schemeClr val="tx1">
+                    <a:tint val="75000"/>
+                  </a:schemeClr>
+                </a:solidFill>
+                <a:latin typeface="+mn-lt"/>
+                <a:ea typeface="+mn-ea"/>
+                <a:cs typeface="+mn-cs"/>
+              </a:defRPr>
+            </a:lvl6pPr>
+            <a:lvl7pPr marL="2742267" indent="0" algn="ctr" defTabSz="914088" rtl="0" eaLnBrk="1" latinLnBrk="0" hangingPunct="1">
+              <a:spcBef>
+                <a:spcPct val="20000"/>
+              </a:spcBef>
+              <a:buFont typeface="Arial" pitchFamily="34" charset="0"/>
+              <a:buNone/>
+              <a:defRPr sz="2000" kern="1200">
+                <a:solidFill>
+                  <a:schemeClr val="tx1">
+                    <a:tint val="75000"/>
+                  </a:schemeClr>
+                </a:solidFill>
+                <a:latin typeface="+mn-lt"/>
+                <a:ea typeface="+mn-ea"/>
+                <a:cs typeface="+mn-cs"/>
+              </a:defRPr>
+            </a:lvl7pPr>
+            <a:lvl8pPr marL="3199311" indent="0" algn="ctr" defTabSz="914088" rtl="0" eaLnBrk="1" latinLnBrk="0" hangingPunct="1">
+              <a:spcBef>
+                <a:spcPct val="20000"/>
+              </a:spcBef>
+              <a:buFont typeface="Arial" pitchFamily="34" charset="0"/>
+              <a:buNone/>
+              <a:defRPr sz="2000" kern="1200">
+                <a:solidFill>
+                  <a:schemeClr val="tx1">
+                    <a:tint val="75000"/>
+                  </a:schemeClr>
+                </a:solidFill>
+                <a:latin typeface="+mn-lt"/>
+                <a:ea typeface="+mn-ea"/>
+                <a:cs typeface="+mn-cs"/>
+              </a:defRPr>
+            </a:lvl8pPr>
+            <a:lvl9pPr marL="3656358" indent="0" algn="ctr" defTabSz="914088" rtl="0" eaLnBrk="1" latinLnBrk="0" hangingPunct="1">
+              <a:spcBef>
+                <a:spcPct val="20000"/>
+              </a:spcBef>
+              <a:buFont typeface="Arial" pitchFamily="34" charset="0"/>
+              <a:buNone/>
+              <a:defRPr sz="2000" kern="1200">
+                <a:solidFill>
+                  <a:schemeClr val="tx1">
+                    <a:tint val="75000"/>
+                  </a:schemeClr>
+                </a:solidFill>
+                <a:latin typeface="+mn-lt"/>
+                <a:ea typeface="+mn-ea"/>
+                <a:cs typeface="+mn-cs"/>
+              </a:defRPr>
+            </a:lvl9pPr>
+          </a:lstStyle>
+          <a:p>
+            <a:r>
+              <a:rPr lang="en-US" sz="1799" smtClean="0"/>
+              <a:t>Click to edit Master subtitle style</a:t>
+            </a:r>
+            <a:endParaRPr lang="en-US" sz="1799"/>
+          </a:p>
+        </p:txBody>
+      </p:sp>
+      <p:sp>
+        <p:nvSpPr>
+          <p:cNvPr id="13" name="Title 1"/>
+          <p:cNvSpPr txBox="1">
+            <a:spLocks/>
+          </p:cNvSpPr>
+          <p:nvPr userDrawn="1"/>
+        </p:nvSpPr>
+        <p:spPr>
+          <a:xfrm>
+            <a:off x="193221" y="3376351"/>
+            <a:ext cx="8407677" cy="1692617"/>
+          </a:xfrm>
+          <a:prstGeom prst="rect">
+            <a:avLst/>
+          </a:prstGeom>
+          <a:solidFill>
+            <a:srgbClr val="007233"/>
+          </a:solidFill>
+          <a:effectLst/>
+        </p:spPr>
+        <p:txBody>
+          <a:bodyPr vert="horz" lIns="137124" tIns="137124" rIns="91385" bIns="137124" rtlCol="0" anchor="b" anchorCtr="0">
+            <a:noAutofit/>
+          </a:bodyPr>
+          <a:lstStyle>
+            <a:lvl1pPr algn="l" defTabSz="914088" rtl="0" eaLnBrk="1" latinLnBrk="0" hangingPunct="1">
+              <a:spcBef>
+                <a:spcPct val="0"/>
+              </a:spcBef>
+              <a:buNone/>
+              <a:defRPr lang="en-US" sz="4000" kern="0" dirty="0">
+                <a:ln w="3175">
+                  <a:noFill/>
+                </a:ln>
+                <a:gradFill flip="none" rotWithShape="1">
+                  <a:gsLst>
+                    <a:gs pos="4583">
+                      <a:srgbClr val="FFFFFF"/>
+                    </a:gs>
+                    <a:gs pos="100000">
+                      <a:srgbClr val="FFFFFF"/>
+                    </a:gs>
+                  </a:gsLst>
+                  <a:lin ang="5400000" scaled="0"/>
+                  <a:tileRect/>
+                </a:gradFill>
+                <a:latin typeface="Segoe UI" pitchFamily="34" charset="0"/>
+                <a:ea typeface="Segoe UI" pitchFamily="34" charset="0"/>
+                <a:cs typeface="Segoe UI" pitchFamily="34" charset="0"/>
+              </a:defRPr>
+            </a:lvl1pPr>
+          </a:lstStyle>
+          <a:p>
+            <a:endParaRPr lang="en-US" sz="3999" dirty="0"/>
+          </a:p>
+        </p:txBody>
+      </p:sp>
+      <p:sp>
+        <p:nvSpPr>
+          <p:cNvPr id="14" name="top right small rectangle"/>
+          <p:cNvSpPr/>
+          <p:nvPr userDrawn="1"/>
+        </p:nvSpPr>
+        <p:spPr bwMode="auto">
+          <a:xfrm>
+            <a:off x="8680529" y="3374967"/>
+            <a:ext cx="3256571" cy="1694322"/>
+          </a:xfrm>
+          <a:prstGeom prst="rect">
+            <a:avLst/>
+          </a:prstGeom>
+          <a:solidFill>
+            <a:schemeClr val="tx2"/>
+          </a:solidFill>
+          <a:ln>
+            <a:noFill/>
+            <a:headEnd type="none" w="med" len="med"/>
+            <a:tailEnd type="none" w="med" len="med"/>
+          </a:ln>
+        </p:spPr>
+        <p:style>
+          <a:lnRef idx="2">
+            <a:schemeClr val="accent5">
+              <a:shade val="50000"/>
+            </a:schemeClr>
+          </a:lnRef>
+          <a:fillRef idx="1">
+            <a:schemeClr val="accent5"/>
+          </a:fillRef>
+          <a:effectRef idx="0">
+            <a:schemeClr val="accent5"/>
+          </a:effectRef>
+          <a:fontRef idx="minor">
+            <a:schemeClr val="lt1"/>
+          </a:fontRef>
+        </p:style>
+        <p:txBody>
+          <a:bodyPr vert="horz" wrap="square" lIns="91380" tIns="45691" rIns="91380" bIns="45691" numCol="1" rtlCol="0" anchor="ctr" anchorCtr="0" compatLnSpc="1">
+            <a:prstTxWarp prst="textNoShape">
+              <a:avLst/>
+            </a:prstTxWarp>
+          </a:bodyPr>
+          <a:lstStyle/>
+          <a:p>
+            <a:pPr algn="ctr" defTabSz="913514" fontAlgn="base">
+              <a:spcBef>
+                <a:spcPct val="0"/>
+              </a:spcBef>
+              <a:spcAft>
+                <a:spcPct val="0"/>
+              </a:spcAft>
+            </a:pPr>
+            <a:endParaRPr lang="en-US" sz="2199" dirty="0">
+              <a:gradFill>
+                <a:gsLst>
+                  <a:gs pos="0">
+                    <a:srgbClr val="FFFFFF"/>
+                  </a:gs>
+                  <a:gs pos="100000">
+                    <a:srgbClr val="FFFFFF"/>
+                  </a:gs>
+                </a:gsLst>
+                <a:lin ang="5400000" scaled="0"/>
+              </a:gradFill>
+            </a:endParaRPr>
+          </a:p>
+        </p:txBody>
+      </p:sp>
+      <p:pic>
+        <p:nvPicPr>
+          <p:cNvPr id="15" name="Picture 14"/>
+          <p:cNvPicPr>
+            <a:picLocks noChangeAspect="1"/>
+          </p:cNvPicPr>
+          <p:nvPr userDrawn="1"/>
+        </p:nvPicPr>
+        <p:blipFill rotWithShape="1">
+          <a:blip r:embed="rId2" cstate="print">
+            <a:extLst>
+              <a:ext uri="{28A0092B-C50C-407E-A947-70E740481C1C}">
+                <a14:useLocalDpi xmlns:a14="http://schemas.microsoft.com/office/drawing/2010/main" val="0"/>
+              </a:ext>
+            </a:extLst>
+          </a:blip>
+          <a:srcRect l="9720" t="16544" r="7275" b="16691"/>
+          <a:stretch/>
+        </p:blipFill>
+        <p:spPr>
+          <a:xfrm>
+            <a:off x="11178845" y="4821401"/>
+            <a:ext cx="740153" cy="218986"/>
+          </a:xfrm>
+          <a:prstGeom prst="rect">
+            <a:avLst/>
+          </a:prstGeom>
+        </p:spPr>
+      </p:pic>
+      <p:sp>
+        <p:nvSpPr>
+          <p:cNvPr id="16" name="Text Placeholder 10"/>
+          <p:cNvSpPr>
+            <a:spLocks noGrp="1"/>
+          </p:cNvSpPr>
+          <p:nvPr>
+            <p:ph type="body" sz="quarter" idx="10" hasCustomPrompt="1"/>
+          </p:nvPr>
+        </p:nvSpPr>
+        <p:spPr>
+          <a:xfrm>
+            <a:off x="292025" y="3466407"/>
+            <a:ext cx="8213656" cy="1485524"/>
+          </a:xfrm>
+          <a:prstGeom prst="rect">
+            <a:avLst/>
+          </a:prstGeom>
+        </p:spPr>
+        <p:txBody>
+          <a:bodyPr anchor="b" anchorCtr="0">
+            <a:normAutofit/>
+          </a:bodyPr>
+          <a:lstStyle>
+            <a:lvl1pPr marL="0" indent="0">
+              <a:buNone/>
+              <a:defRPr sz="3599" b="0" baseline="0">
+                <a:solidFill>
+                  <a:schemeClr val="bg1"/>
+                </a:solidFill>
+                <a:latin typeface="Segoe UI Light" panose="020B0502040204020203" pitchFamily="34" charset="0"/>
+                <a:cs typeface="Segoe UI Light" panose="020B0502040204020203" pitchFamily="34" charset="0"/>
+              </a:defRPr>
+            </a:lvl1pPr>
+          </a:lstStyle>
+          <a:p>
+            <a:pPr lvl="0"/>
+            <a:r>
+              <a:rPr lang="en-US" dirty="0" smtClean="0"/>
+              <a:t>Module or Section transition style</a:t>
+            </a:r>
+          </a:p>
+        </p:txBody>
+      </p:sp>
+      <p:sp>
+        <p:nvSpPr>
+          <p:cNvPr id="11" name="Subtitle 2"/>
+          <p:cNvSpPr>
+            <a:spLocks noGrp="1"/>
+          </p:cNvSpPr>
+          <p:nvPr>
+            <p:ph type="subTitle" idx="1"/>
+          </p:nvPr>
+        </p:nvSpPr>
+        <p:spPr>
+          <a:xfrm>
+            <a:off x="193221" y="5132438"/>
+            <a:ext cx="8407677" cy="1460779"/>
+          </a:xfrm>
+          <a:prstGeom prst="rect">
+            <a:avLst/>
+          </a:prstGeom>
+        </p:spPr>
+        <p:txBody>
+          <a:bodyPr lIns="137160" tIns="137160" rIns="137160" bIns="137160" anchor="b" anchorCtr="0">
+            <a:normAutofit/>
+          </a:bodyPr>
+          <a:lstStyle>
+            <a:lvl1pPr marL="0" indent="0" algn="l" defTabSz="913778" rtl="0" eaLnBrk="1" latinLnBrk="0" hangingPunct="1">
+              <a:lnSpc>
+                <a:spcPct val="100000"/>
+              </a:lnSpc>
+              <a:spcBef>
+                <a:spcPts val="0"/>
+              </a:spcBef>
+              <a:buSzPct val="90000"/>
+              <a:buFont typeface="Arial" pitchFamily="34" charset="0"/>
+              <a:buNone/>
+              <a:defRPr lang="en-US" sz="2399" b="0" kern="0" spc="0" baseline="0" dirty="0">
+                <a:solidFill>
+                  <a:schemeClr val="tx1"/>
+                </a:solidFill>
+                <a:latin typeface="Segoe UI Light" panose="020B0502040204020203" pitchFamily="34" charset="0"/>
+                <a:ea typeface="Segoe UI Light" panose="020B0502040204020203" pitchFamily="34" charset="0"/>
+                <a:cs typeface="Segoe UI Light" panose="020B0502040204020203" pitchFamily="34" charset="0"/>
+              </a:defRPr>
+            </a:lvl1pPr>
+            <a:lvl2pPr marL="456907" indent="0" algn="ctr">
+              <a:buNone/>
+              <a:defRPr>
+                <a:solidFill>
+                  <a:schemeClr val="tx1">
+                    <a:tint val="75000"/>
+                  </a:schemeClr>
+                </a:solidFill>
+              </a:defRPr>
+            </a:lvl2pPr>
+            <a:lvl3pPr marL="913814" indent="0" algn="ctr">
+              <a:buNone/>
+              <a:defRPr>
+                <a:solidFill>
+                  <a:schemeClr val="tx1">
+                    <a:tint val="75000"/>
+                  </a:schemeClr>
+                </a:solidFill>
+              </a:defRPr>
+            </a:lvl3pPr>
+            <a:lvl4pPr marL="1370722" indent="0" algn="ctr">
+              <a:buNone/>
+              <a:defRPr>
+                <a:solidFill>
+                  <a:schemeClr val="tx1">
+                    <a:tint val="75000"/>
+                  </a:schemeClr>
+                </a:solidFill>
+              </a:defRPr>
+            </a:lvl4pPr>
+            <a:lvl5pPr marL="1827630" indent="0" algn="ctr">
+              <a:buNone/>
+              <a:defRPr>
+                <a:solidFill>
+                  <a:schemeClr val="tx1">
+                    <a:tint val="75000"/>
+                  </a:schemeClr>
+                </a:solidFill>
+              </a:defRPr>
+            </a:lvl5pPr>
+            <a:lvl6pPr marL="2284536" indent="0" algn="ctr">
+              <a:buNone/>
+              <a:defRPr>
+                <a:solidFill>
+                  <a:schemeClr val="tx1">
+                    <a:tint val="75000"/>
+                  </a:schemeClr>
+                </a:solidFill>
+              </a:defRPr>
+            </a:lvl6pPr>
+            <a:lvl7pPr marL="2741444" indent="0" algn="ctr">
+              <a:buNone/>
+              <a:defRPr>
+                <a:solidFill>
+                  <a:schemeClr val="tx1">
+                    <a:tint val="75000"/>
+                  </a:schemeClr>
+                </a:solidFill>
+              </a:defRPr>
+            </a:lvl7pPr>
+            <a:lvl8pPr marL="3198351" indent="0" algn="ctr">
+              <a:buNone/>
+              <a:defRPr>
+                <a:solidFill>
+                  <a:schemeClr val="tx1">
+                    <a:tint val="75000"/>
+                  </a:schemeClr>
+                </a:solidFill>
+              </a:defRPr>
+            </a:lvl8pPr>
+            <a:lvl9pPr marL="3655261" indent="0" algn="ctr">
+              <a:buNone/>
+              <a:defRPr>
+                <a:solidFill>
+                  <a:schemeClr val="tx1">
+                    <a:tint val="75000"/>
+                  </a:schemeClr>
+                </a:solidFill>
+              </a:defRPr>
+            </a:lvl9pPr>
+          </a:lstStyle>
+          <a:p>
+            <a:r>
+              <a:rPr lang="en-US" dirty="0" smtClean="0"/>
+              <a:t>Click to edit Master subtitle style</a:t>
+            </a:r>
+            <a:endParaRPr lang="en-US" dirty="0"/>
+          </a:p>
+        </p:txBody>
+      </p:sp>
+      <p:sp>
+        <p:nvSpPr>
+          <p:cNvPr id="10" name="TextBox 9"/>
+          <p:cNvSpPr txBox="1"/>
+          <p:nvPr userDrawn="1"/>
+        </p:nvSpPr>
+        <p:spPr>
+          <a:xfrm>
+            <a:off x="193221" y="164178"/>
+            <a:ext cx="3690505" cy="246221"/>
+          </a:xfrm>
+          <a:prstGeom prst="rect">
+            <a:avLst/>
+          </a:prstGeom>
+          <a:noFill/>
+        </p:spPr>
+        <p:txBody>
+          <a:bodyPr wrap="square" lIns="0" tIns="0" rIns="0" bIns="0" rtlCol="0" anchor="ctr">
+            <a:spAutoFit/>
+          </a:bodyPr>
+          <a:lstStyle/>
+          <a:p>
+            <a:pPr algn="l"/>
+            <a:r>
+              <a:rPr lang="en-US" sz="1600" dirty="0" smtClean="0">
+                <a:solidFill>
+                  <a:schemeClr val="tx1">
+                    <a:lumMod val="75000"/>
+                    <a:lumOff val="25000"/>
+                    <a:alpha val="99000"/>
+                  </a:schemeClr>
+                </a:solidFill>
+                <a:latin typeface="Segoe UI" panose="020B0502040204020203" pitchFamily="34" charset="0"/>
+                <a:cs typeface="Segoe UI" panose="020B0502040204020203" pitchFamily="34" charset="0"/>
+              </a:rPr>
+              <a:t>Microsoft</a:t>
+            </a:r>
+            <a:r>
+              <a:rPr lang="en-US" sz="1600" baseline="0" dirty="0" smtClean="0">
+                <a:solidFill>
+                  <a:schemeClr val="tx1">
+                    <a:lumMod val="75000"/>
+                    <a:lumOff val="25000"/>
+                    <a:alpha val="99000"/>
+                  </a:schemeClr>
+                </a:solidFill>
+                <a:latin typeface="Segoe UI" panose="020B0502040204020203" pitchFamily="34" charset="0"/>
+                <a:cs typeface="Segoe UI" panose="020B0502040204020203" pitchFamily="34" charset="0"/>
+              </a:rPr>
+              <a:t> Virtual Academy</a:t>
+            </a:r>
+            <a:endParaRPr lang="en-US" sz="1600" dirty="0" smtClean="0">
+              <a:solidFill>
+                <a:schemeClr val="tx1">
+                  <a:lumMod val="75000"/>
+                  <a:lumOff val="25000"/>
+                  <a:alpha val="99000"/>
+                </a:schemeClr>
+              </a:solidFill>
+              <a:latin typeface="Segoe UI" panose="020B0502040204020203" pitchFamily="34" charset="0"/>
+              <a:cs typeface="Segoe UI" panose="020B0502040204020203" pitchFamily="34" charset="0"/>
+            </a:endParaRPr>
+          </a:p>
+        </p:txBody>
+      </p:sp>
+    </p:spTree>
+    <p:extLst>
+      <p:ext uri="{BB962C8B-B14F-4D97-AF65-F5344CB8AC3E}">
+        <p14:creationId xmlns:p14="http://schemas.microsoft.com/office/powerpoint/2010/main" val="2292716725"/>
+      </p:ext>
+    </p:extLst>
+  </p:cSld>
+  <p:clrMapOvr>
+    <a:masterClrMapping/>
+  </p:clrMapOvr>
+  <p:timing>
+    <p:tnLst>
+      <p:par>
+        <p:cTn id="1" dur="indefinite" restart="never" nodeType="tmRoot"/>
+      </p:par>
+    </p:tnLst>
+  </p:timing>
+  <p:extLst mod="1">
+    <p:ext uri="{DCECCB84-F9BA-43D5-87BE-67443E8EF086}">
+      <p15:sldGuideLst xmlns:p15="http://schemas.microsoft.com/office/powerpoint/2012/main">
+        <p15:guide id="4294967295" orient="horz" pos="2160">
+          <p15:clr>
+            <a:srgbClr val="FBAE40"/>
+          </p15:clr>
+        </p15:guide>
+        <p15:guide id="4294967295" pos="3840">
+          <p15:clr>
+            <a:srgbClr val="FBAE40"/>
+          </p15:clr>
+        </p15:guide>
+      </p15:sldGuideLst>
+    </p:ext>
+  </p:extLst>
+</p:sldLayout>
+</file>
+
+<file path=ppt/slideLayouts/slideLayout12.xml><?xml version="1.0" encoding="utf-8"?>
+<p:sldLayout xmlns:a="http://schemas.openxmlformats.org/drawingml/2006/main" xmlns:r="http://schemas.openxmlformats.org/officeDocument/2006/relationships" xmlns:p="http://schemas.openxmlformats.org/presentationml/2006/main" preserve="1" userDrawn="1">
+  <p:cSld name="Title Slide">
+    <p:spTree>
+      <p:nvGrpSpPr>
+        <p:cNvPr id="1" name=""/>
+        <p:cNvGrpSpPr/>
+        <p:nvPr/>
+      </p:nvGrpSpPr>
+      <p:grpSpPr>
+        <a:xfrm>
+          <a:off x="0" y="0"/>
+          <a:ext cx="0" cy="0"/>
+          <a:chOff x="0" y="0"/>
+          <a:chExt cx="0" cy="0"/>
+        </a:xfrm>
+      </p:grpSpPr>
+      <p:sp>
+        <p:nvSpPr>
+          <p:cNvPr id="3" name="Subtitle 2"/>
+          <p:cNvSpPr>
+            <a:spLocks noGrp="1"/>
+          </p:cNvSpPr>
+          <p:nvPr>
+            <p:ph type="subTitle" idx="1"/>
+          </p:nvPr>
+        </p:nvSpPr>
+        <p:spPr>
+          <a:xfrm>
+            <a:off x="193220" y="5132438"/>
+            <a:ext cx="8577652" cy="1460779"/>
+          </a:xfrm>
+          <a:prstGeom prst="rect">
+            <a:avLst/>
+          </a:prstGeom>
+        </p:spPr>
+        <p:txBody>
+          <a:bodyPr lIns="137160" tIns="137160" rIns="137160" bIns="137160" anchor="b" anchorCtr="0">
+            <a:normAutofit/>
+          </a:bodyPr>
+          <a:lstStyle>
+            <a:lvl1pPr marL="0" indent="0" algn="l" defTabSz="913778" rtl="0" eaLnBrk="1" latinLnBrk="0" hangingPunct="1">
+              <a:lnSpc>
+                <a:spcPct val="100000"/>
+              </a:lnSpc>
+              <a:spcBef>
+                <a:spcPts val="0"/>
+              </a:spcBef>
+              <a:buSzPct val="90000"/>
+              <a:buFont typeface="Arial" pitchFamily="34" charset="0"/>
+              <a:buNone/>
+              <a:defRPr lang="en-US" sz="2399" b="0" kern="0" spc="0" baseline="0" dirty="0">
+                <a:solidFill>
+                  <a:schemeClr val="tx1"/>
+                </a:solidFill>
+                <a:latin typeface="Segoe UI Light" panose="020B0502040204020203" pitchFamily="34" charset="0"/>
+                <a:ea typeface="Segoe UI Light" panose="020B0502040204020203" pitchFamily="34" charset="0"/>
+                <a:cs typeface="Segoe UI Light" panose="020B0502040204020203" pitchFamily="34" charset="0"/>
+              </a:defRPr>
+            </a:lvl1pPr>
+            <a:lvl2pPr marL="456907" indent="0" algn="ctr">
+              <a:buNone/>
+              <a:defRPr>
+                <a:solidFill>
+                  <a:schemeClr val="tx1">
+                    <a:tint val="75000"/>
+                  </a:schemeClr>
+                </a:solidFill>
+              </a:defRPr>
+            </a:lvl2pPr>
+            <a:lvl3pPr marL="913814" indent="0" algn="ctr">
+              <a:buNone/>
+              <a:defRPr>
+                <a:solidFill>
+                  <a:schemeClr val="tx1">
+                    <a:tint val="75000"/>
+                  </a:schemeClr>
+                </a:solidFill>
+              </a:defRPr>
+            </a:lvl3pPr>
+            <a:lvl4pPr marL="1370722" indent="0" algn="ctr">
+              <a:buNone/>
+              <a:defRPr>
+                <a:solidFill>
+                  <a:schemeClr val="tx1">
+                    <a:tint val="75000"/>
+                  </a:schemeClr>
+                </a:solidFill>
+              </a:defRPr>
+            </a:lvl4pPr>
+            <a:lvl5pPr marL="1827630" indent="0" algn="ctr">
+              <a:buNone/>
+              <a:defRPr>
+                <a:solidFill>
+                  <a:schemeClr val="tx1">
+                    <a:tint val="75000"/>
+                  </a:schemeClr>
+                </a:solidFill>
+              </a:defRPr>
+            </a:lvl5pPr>
+            <a:lvl6pPr marL="2284536" indent="0" algn="ctr">
+              <a:buNone/>
+              <a:defRPr>
+                <a:solidFill>
+                  <a:schemeClr val="tx1">
+                    <a:tint val="75000"/>
+                  </a:schemeClr>
+                </a:solidFill>
+              </a:defRPr>
+            </a:lvl6pPr>
+            <a:lvl7pPr marL="2741444" indent="0" algn="ctr">
+              <a:buNone/>
+              <a:defRPr>
+                <a:solidFill>
+                  <a:schemeClr val="tx1">
+                    <a:tint val="75000"/>
+                  </a:schemeClr>
+                </a:solidFill>
+              </a:defRPr>
+            </a:lvl7pPr>
+            <a:lvl8pPr marL="3198351" indent="0" algn="ctr">
+              <a:buNone/>
+              <a:defRPr>
+                <a:solidFill>
+                  <a:schemeClr val="tx1">
+                    <a:tint val="75000"/>
+                  </a:schemeClr>
+                </a:solidFill>
+              </a:defRPr>
+            </a:lvl8pPr>
+            <a:lvl9pPr marL="3655261" indent="0" algn="ctr">
+              <a:buNone/>
+              <a:defRPr>
+                <a:solidFill>
+                  <a:schemeClr val="tx1">
+                    <a:tint val="75000"/>
+                  </a:schemeClr>
+                </a:solidFill>
+              </a:defRPr>
+            </a:lvl9pPr>
+          </a:lstStyle>
+          <a:p>
+            <a:r>
+              <a:rPr lang="en-US" dirty="0" smtClean="0"/>
+              <a:t>Click to edit Master subtitle style</a:t>
+            </a:r>
+            <a:endParaRPr lang="en-US" dirty="0"/>
+          </a:p>
+        </p:txBody>
+      </p:sp>
+      <p:sp>
+        <p:nvSpPr>
+          <p:cNvPr id="10" name="Title 1"/>
+          <p:cNvSpPr>
+            <a:spLocks noGrp="1"/>
+          </p:cNvSpPr>
+          <p:nvPr>
+            <p:ph type="ctrTitle" hasCustomPrompt="1"/>
+          </p:nvPr>
+        </p:nvSpPr>
+        <p:spPr>
+          <a:xfrm>
+            <a:off x="193220" y="2415642"/>
+            <a:ext cx="8577652" cy="2603307"/>
+          </a:xfrm>
+          <a:prstGeom prst="rect">
+            <a:avLst/>
+          </a:prstGeom>
+          <a:solidFill>
+            <a:srgbClr val="007233"/>
+          </a:solidFill>
+          <a:effectLst/>
+        </p:spPr>
+        <p:txBody>
+          <a:bodyPr vert="horz" lIns="137160" tIns="137160" rIns="91409" bIns="137160" rtlCol="0" anchor="b" anchorCtr="0">
+            <a:noAutofit/>
+          </a:bodyPr>
+          <a:lstStyle>
+            <a:lvl1pPr>
+              <a:defRPr lang="en-US" sz="4799" kern="0" dirty="0">
+                <a:ln w="3175">
+                  <a:noFill/>
+                </a:ln>
+                <a:gradFill flip="none" rotWithShape="1">
+                  <a:gsLst>
+                    <a:gs pos="4583">
+                      <a:srgbClr val="FFFFFF"/>
+                    </a:gs>
+                    <a:gs pos="100000">
+                      <a:srgbClr val="FFFFFF"/>
+                    </a:gs>
+                  </a:gsLst>
+                  <a:lin ang="5400000" scaled="0"/>
+                  <a:tileRect/>
+                </a:gradFill>
+              </a:defRPr>
+            </a:lvl1pPr>
+          </a:lstStyle>
+          <a:p>
+            <a:pPr lvl="0"/>
+            <a:r>
+              <a:rPr lang="en-US" dirty="0" smtClean="0"/>
+              <a:t>Course title style</a:t>
+            </a:r>
+            <a:endParaRPr lang="en-US" dirty="0"/>
+          </a:p>
+        </p:txBody>
+      </p:sp>
+      <p:sp>
+        <p:nvSpPr>
+          <p:cNvPr id="8" name="top right small rectangle"/>
+          <p:cNvSpPr/>
+          <p:nvPr userDrawn="1"/>
+        </p:nvSpPr>
+        <p:spPr bwMode="auto">
+          <a:xfrm>
+            <a:off x="8900174" y="2418735"/>
+            <a:ext cx="3087143" cy="2600214"/>
+          </a:xfrm>
+          <a:prstGeom prst="rect">
+            <a:avLst/>
+          </a:prstGeom>
+          <a:solidFill>
+            <a:schemeClr val="tx2"/>
+          </a:solidFill>
+          <a:ln>
+            <a:noFill/>
+            <a:headEnd type="none" w="med" len="med"/>
+            <a:tailEnd type="none" w="med" len="med"/>
+          </a:ln>
+        </p:spPr>
+        <p:style>
+          <a:lnRef idx="2">
+            <a:schemeClr val="accent5">
+              <a:shade val="50000"/>
+            </a:schemeClr>
+          </a:lnRef>
+          <a:fillRef idx="1">
+            <a:schemeClr val="accent5"/>
+          </a:fillRef>
+          <a:effectRef idx="0">
+            <a:schemeClr val="accent5"/>
+          </a:effectRef>
+          <a:fontRef idx="minor">
+            <a:schemeClr val="lt1"/>
+          </a:fontRef>
+        </p:style>
+        <p:txBody>
+          <a:bodyPr vert="horz" wrap="square" lIns="137124" tIns="137124" rIns="137124" bIns="137124" numCol="1" rtlCol="0" anchor="b" anchorCtr="0" compatLnSpc="1">
+            <a:prstTxWarp prst="textNoShape">
+              <a:avLst/>
+            </a:prstTxWarp>
+          </a:bodyPr>
+          <a:lstStyle/>
+          <a:p>
+            <a:pPr defTabSz="913514" fontAlgn="base">
+              <a:spcBef>
+                <a:spcPct val="0"/>
+              </a:spcBef>
+              <a:spcAft>
+                <a:spcPct val="0"/>
+              </a:spcAft>
+            </a:pPr>
+            <a:endParaRPr lang="en-US" sz="1999" dirty="0">
+              <a:gradFill>
+                <a:gsLst>
+                  <a:gs pos="0">
+                    <a:srgbClr val="FFFFFF"/>
+                  </a:gs>
+                  <a:gs pos="100000">
+                    <a:srgbClr val="FFFFFF"/>
+                  </a:gs>
+                </a:gsLst>
+                <a:lin ang="5400000" scaled="0"/>
+              </a:gradFill>
+              <a:latin typeface="Segoe UI Light" panose="020B0502040204020203" pitchFamily="34" charset="0"/>
+              <a:cs typeface="Segoe UI Light" panose="020B0502040204020203" pitchFamily="34" charset="0"/>
+            </a:endParaRPr>
+          </a:p>
+        </p:txBody>
+      </p:sp>
+      <p:pic>
+        <p:nvPicPr>
+          <p:cNvPr id="11" name="Picture 10"/>
+          <p:cNvPicPr>
+            <a:picLocks noChangeAspect="1"/>
+          </p:cNvPicPr>
+          <p:nvPr userDrawn="1"/>
+        </p:nvPicPr>
+        <p:blipFill rotWithShape="1">
+          <a:blip r:embed="rId2" cstate="print">
+            <a:extLst>
+              <a:ext uri="{28A0092B-C50C-407E-A947-70E740481C1C}">
+                <a14:useLocalDpi xmlns:a14="http://schemas.microsoft.com/office/drawing/2010/main" val="0"/>
+              </a:ext>
+            </a:extLst>
+          </a:blip>
+          <a:srcRect l="9720" t="16544" r="7275" b="16691"/>
+          <a:stretch/>
+        </p:blipFill>
+        <p:spPr>
+          <a:xfrm>
+            <a:off x="10729004" y="4630992"/>
+            <a:ext cx="1131393" cy="334740"/>
+          </a:xfrm>
+          <a:prstGeom prst="rect">
+            <a:avLst/>
+          </a:prstGeom>
+        </p:spPr>
+      </p:pic>
+      <p:sp>
+        <p:nvSpPr>
+          <p:cNvPr id="7" name="TextBox 6"/>
+          <p:cNvSpPr txBox="1"/>
+          <p:nvPr userDrawn="1"/>
+        </p:nvSpPr>
+        <p:spPr>
+          <a:xfrm>
+            <a:off x="193221" y="164178"/>
+            <a:ext cx="3690505" cy="246221"/>
+          </a:xfrm>
+          <a:prstGeom prst="rect">
+            <a:avLst/>
+          </a:prstGeom>
+          <a:noFill/>
+        </p:spPr>
+        <p:txBody>
+          <a:bodyPr wrap="square" lIns="0" tIns="0" rIns="0" bIns="0" rtlCol="0" anchor="ctr">
+            <a:spAutoFit/>
+          </a:bodyPr>
+          <a:lstStyle/>
+          <a:p>
+            <a:pPr defTabSz="914126"/>
+            <a:r>
+              <a:rPr lang="en-US" sz="1600" dirty="0" smtClean="0">
+                <a:solidFill>
+                  <a:prstClr val="black">
+                    <a:lumMod val="75000"/>
+                    <a:lumOff val="25000"/>
+                    <a:alpha val="99000"/>
+                  </a:prstClr>
+                </a:solidFill>
+                <a:latin typeface="Segoe UI" panose="020B0502040204020203" pitchFamily="34" charset="0"/>
+                <a:cs typeface="Segoe UI" panose="020B0502040204020203" pitchFamily="34" charset="0"/>
+              </a:rPr>
+              <a:t>Microsoft Virtual Academy</a:t>
+            </a:r>
+          </a:p>
+        </p:txBody>
+      </p:sp>
+    </p:spTree>
+    <p:extLst>
+      <p:ext uri="{BB962C8B-B14F-4D97-AF65-F5344CB8AC3E}">
+        <p14:creationId xmlns:p14="http://schemas.microsoft.com/office/powerpoint/2010/main" val="2984603728"/>
+      </p:ext>
+    </p:extLst>
+  </p:cSld>
+  <p:clrMapOvr>
+    <a:masterClrMapping/>
+  </p:clrMapOvr>
+  <p:timing>
+    <p:tnLst>
+      <p:par>
+        <p:cTn id="1" dur="indefinite" restart="never" nodeType="tmRoot"/>
+      </p:par>
+    </p:tnLst>
+  </p:timing>
+  <p:extLst mod="1">
+    <p:ext uri="{DCECCB84-F9BA-43D5-87BE-67443E8EF086}">
+      <p15:sldGuideLst xmlns:p15="http://schemas.microsoft.com/office/powerpoint/2012/main">
+        <p15:guide id="4294967295" orient="horz" pos="3792">
+          <p15:clr>
+            <a:srgbClr val="FBAE40"/>
+          </p15:clr>
+        </p15:guide>
+        <p15:guide id="4294967295" pos="3839">
+          <p15:clr>
+            <a:srgbClr val="FBAE40"/>
+          </p15:clr>
+        </p15:guide>
+        <p15:guide id="4294967295" orient="horz" pos="720">
+          <p15:clr>
+            <a:srgbClr val="FBAE40"/>
+          </p15:clr>
+        </p15:guide>
+      </p15:sldGuideLst>
+    </p:ext>
+  </p:extLst>
+</p:sldLayout>
+</file>
+
+<file path=ppt/slideLayouts/slideLayout13.xml><?xml version="1.0" encoding="utf-8"?>
+<p:sldLayout xmlns:a="http://schemas.openxmlformats.org/drawingml/2006/main" xmlns:r="http://schemas.openxmlformats.org/officeDocument/2006/relationships" xmlns:p="http://schemas.openxmlformats.org/presentationml/2006/main" userDrawn="1">
+  <p:cSld name="1_Section Header">
+    <p:spTree>
+      <p:nvGrpSpPr>
+        <p:cNvPr id="1" name=""/>
+        <p:cNvGrpSpPr/>
+        <p:nvPr/>
+      </p:nvGrpSpPr>
+      <p:grpSpPr>
+        <a:xfrm>
+          <a:off x="0" y="0"/>
+          <a:ext cx="0" cy="0"/>
+          <a:chOff x="0" y="0"/>
+          <a:chExt cx="0" cy="0"/>
+        </a:xfrm>
+      </p:grpSpPr>
+      <p:sp>
+        <p:nvSpPr>
+          <p:cNvPr id="9" name="Subtitle 2"/>
+          <p:cNvSpPr txBox="1">
+            <a:spLocks/>
+          </p:cNvSpPr>
+          <p:nvPr userDrawn="1"/>
+        </p:nvSpPr>
+        <p:spPr>
+          <a:xfrm>
+            <a:off x="8736457" y="2685051"/>
+            <a:ext cx="2240640" cy="2355337"/>
+          </a:xfrm>
+          <a:prstGeom prst="rect">
+            <a:avLst/>
+          </a:prstGeom>
+        </p:spPr>
+        <p:txBody>
+          <a:bodyPr vert="horz" lIns="91385" tIns="45693" rIns="91385" bIns="45693" rtlCol="0" anchor="ctr" anchorCtr="0">
+            <a:normAutofit/>
+          </a:bodyPr>
+          <a:lstStyle>
+            <a:lvl1pPr marL="0" indent="0" algn="l" defTabSz="914052" rtl="0" eaLnBrk="1" latinLnBrk="0" hangingPunct="1">
+              <a:lnSpc>
+                <a:spcPct val="100000"/>
+              </a:lnSpc>
+              <a:spcBef>
+                <a:spcPts val="0"/>
+              </a:spcBef>
+              <a:buSzPct val="90000"/>
+              <a:buFont typeface="Arial" pitchFamily="34" charset="0"/>
+              <a:buNone/>
+              <a:defRPr lang="en-US" sz="1800" b="1" kern="1200" spc="-30" baseline="0" dirty="0">
+                <a:gradFill>
+                  <a:gsLst>
+                    <a:gs pos="1250">
+                      <a:srgbClr val="FFFFFF"/>
+                    </a:gs>
+                    <a:gs pos="6250">
+                      <a:srgbClr val="FFFFFF"/>
+                    </a:gs>
+                  </a:gsLst>
+                  <a:lin ang="5400000" scaled="0"/>
+                </a:gradFill>
+                <a:latin typeface="Segoe UI" pitchFamily="34" charset="0"/>
+                <a:ea typeface="Segoe UI" pitchFamily="34" charset="0"/>
+                <a:cs typeface="Segoe UI" pitchFamily="34" charset="0"/>
+              </a:defRPr>
+            </a:lvl1pPr>
+            <a:lvl2pPr marL="457044" indent="0" algn="ctr" defTabSz="914088" rtl="0" eaLnBrk="1" latinLnBrk="0" hangingPunct="1">
+              <a:spcBef>
+                <a:spcPts val="300"/>
+              </a:spcBef>
+              <a:spcAft>
+                <a:spcPts val="300"/>
+              </a:spcAft>
+              <a:buFont typeface="Arial" pitchFamily="34" charset="0"/>
+              <a:buNone/>
+              <a:defRPr sz="2800" kern="1200">
+                <a:solidFill>
+                  <a:schemeClr val="tx1">
+                    <a:tint val="75000"/>
+                  </a:schemeClr>
+                </a:solidFill>
+                <a:latin typeface="Segoe UI" pitchFamily="34" charset="0"/>
+                <a:ea typeface="Segoe UI" pitchFamily="34" charset="0"/>
+                <a:cs typeface="Segoe UI" pitchFamily="34" charset="0"/>
+              </a:defRPr>
+            </a:lvl2pPr>
+            <a:lvl3pPr marL="914088" indent="0" algn="ctr" defTabSz="914088" rtl="0" eaLnBrk="1" latinLnBrk="0" hangingPunct="1">
+              <a:spcBef>
+                <a:spcPts val="200"/>
+              </a:spcBef>
+              <a:spcAft>
+                <a:spcPts val="200"/>
+              </a:spcAft>
+              <a:buFont typeface="Arial" pitchFamily="34" charset="0"/>
+              <a:buNone/>
+              <a:defRPr sz="2400" kern="1200">
+                <a:solidFill>
+                  <a:schemeClr val="tx1">
+                    <a:tint val="75000"/>
+                  </a:schemeClr>
+                </a:solidFill>
+                <a:latin typeface="Segoe UI" pitchFamily="34" charset="0"/>
+                <a:ea typeface="Segoe UI" pitchFamily="34" charset="0"/>
+                <a:cs typeface="Segoe UI" pitchFamily="34" charset="0"/>
+              </a:defRPr>
+            </a:lvl3pPr>
+            <a:lvl4pPr marL="1371133" indent="0" algn="ctr" defTabSz="914088" rtl="0" eaLnBrk="1" latinLnBrk="0" hangingPunct="1">
+              <a:spcBef>
+                <a:spcPct val="20000"/>
+              </a:spcBef>
+              <a:buFont typeface="Arial" pitchFamily="34" charset="0"/>
+              <a:buNone/>
+              <a:defRPr sz="2000" kern="1200">
+                <a:solidFill>
+                  <a:schemeClr val="tx1">
+                    <a:tint val="75000"/>
+                  </a:schemeClr>
+                </a:solidFill>
+                <a:latin typeface="Segoe UI" pitchFamily="34" charset="0"/>
+                <a:ea typeface="Segoe UI" pitchFamily="34" charset="0"/>
+                <a:cs typeface="Segoe UI" pitchFamily="34" charset="0"/>
+              </a:defRPr>
+            </a:lvl4pPr>
+            <a:lvl5pPr marL="1828178" indent="0" algn="ctr" defTabSz="914088" rtl="0" eaLnBrk="1" latinLnBrk="0" hangingPunct="1">
+              <a:spcBef>
+                <a:spcPct val="20000"/>
+              </a:spcBef>
+              <a:buFont typeface="Arial" pitchFamily="34" charset="0"/>
+              <a:buNone/>
+              <a:defRPr sz="2000" kern="1200">
+                <a:solidFill>
+                  <a:schemeClr val="tx1">
+                    <a:tint val="75000"/>
+                  </a:schemeClr>
+                </a:solidFill>
+                <a:latin typeface="Segoe UI" pitchFamily="34" charset="0"/>
+                <a:ea typeface="Segoe UI" pitchFamily="34" charset="0"/>
+                <a:cs typeface="Segoe UI" pitchFamily="34" charset="0"/>
+              </a:defRPr>
+            </a:lvl5pPr>
+            <a:lvl6pPr marL="2285222" indent="0" algn="ctr" defTabSz="914088" rtl="0" eaLnBrk="1" latinLnBrk="0" hangingPunct="1">
+              <a:spcBef>
+                <a:spcPct val="20000"/>
+              </a:spcBef>
+              <a:buFont typeface="Arial" pitchFamily="34" charset="0"/>
+              <a:buNone/>
+              <a:defRPr sz="2000" kern="1200">
+                <a:solidFill>
+                  <a:schemeClr val="tx1">
+                    <a:tint val="75000"/>
+                  </a:schemeClr>
+                </a:solidFill>
+                <a:latin typeface="+mn-lt"/>
+                <a:ea typeface="+mn-ea"/>
+                <a:cs typeface="+mn-cs"/>
+              </a:defRPr>
+            </a:lvl6pPr>
+            <a:lvl7pPr marL="2742267" indent="0" algn="ctr" defTabSz="914088" rtl="0" eaLnBrk="1" latinLnBrk="0" hangingPunct="1">
+              <a:spcBef>
+                <a:spcPct val="20000"/>
+              </a:spcBef>
+              <a:buFont typeface="Arial" pitchFamily="34" charset="0"/>
+              <a:buNone/>
+              <a:defRPr sz="2000" kern="1200">
+                <a:solidFill>
+                  <a:schemeClr val="tx1">
+                    <a:tint val="75000"/>
+                  </a:schemeClr>
+                </a:solidFill>
+                <a:latin typeface="+mn-lt"/>
+                <a:ea typeface="+mn-ea"/>
+                <a:cs typeface="+mn-cs"/>
+              </a:defRPr>
+            </a:lvl7pPr>
+            <a:lvl8pPr marL="3199311" indent="0" algn="ctr" defTabSz="914088" rtl="0" eaLnBrk="1" latinLnBrk="0" hangingPunct="1">
+              <a:spcBef>
+                <a:spcPct val="20000"/>
+              </a:spcBef>
+              <a:buFont typeface="Arial" pitchFamily="34" charset="0"/>
+              <a:buNone/>
+              <a:defRPr sz="2000" kern="1200">
+                <a:solidFill>
+                  <a:schemeClr val="tx1">
+                    <a:tint val="75000"/>
+                  </a:schemeClr>
+                </a:solidFill>
+                <a:latin typeface="+mn-lt"/>
+                <a:ea typeface="+mn-ea"/>
+                <a:cs typeface="+mn-cs"/>
+              </a:defRPr>
+            </a:lvl8pPr>
+            <a:lvl9pPr marL="3656358" indent="0" algn="ctr" defTabSz="914088" rtl="0" eaLnBrk="1" latinLnBrk="0" hangingPunct="1">
+              <a:spcBef>
+                <a:spcPct val="20000"/>
+              </a:spcBef>
+              <a:buFont typeface="Arial" pitchFamily="34" charset="0"/>
+              <a:buNone/>
+              <a:defRPr sz="2000" kern="1200">
+                <a:solidFill>
+                  <a:schemeClr val="tx1">
+                    <a:tint val="75000"/>
+                  </a:schemeClr>
+                </a:solidFill>
+                <a:latin typeface="+mn-lt"/>
+                <a:ea typeface="+mn-ea"/>
+                <a:cs typeface="+mn-cs"/>
+              </a:defRPr>
+            </a:lvl9pPr>
+          </a:lstStyle>
+          <a:p>
+            <a:r>
+              <a:rPr sz="1799" smtClean="0"/>
+              <a:t>Click to edit Master subtitle style</a:t>
+            </a:r>
+            <a:endParaRPr sz="1799"/>
+          </a:p>
+        </p:txBody>
+      </p:sp>
+      <p:sp>
+        <p:nvSpPr>
+          <p:cNvPr id="13" name="Title 1"/>
+          <p:cNvSpPr txBox="1">
+            <a:spLocks/>
+          </p:cNvSpPr>
+          <p:nvPr userDrawn="1"/>
+        </p:nvSpPr>
+        <p:spPr>
+          <a:xfrm>
+            <a:off x="193221" y="3376351"/>
+            <a:ext cx="8407677" cy="1692617"/>
+          </a:xfrm>
+          <a:prstGeom prst="rect">
+            <a:avLst/>
+          </a:prstGeom>
+          <a:solidFill>
+            <a:srgbClr val="007233"/>
+          </a:solidFill>
+          <a:effectLst/>
+        </p:spPr>
+        <p:txBody>
+          <a:bodyPr vert="horz" lIns="137124" tIns="137124" rIns="91385" bIns="137124" rtlCol="0" anchor="b" anchorCtr="0">
+            <a:noAutofit/>
+          </a:bodyPr>
+          <a:lstStyle>
+            <a:lvl1pPr algn="l" defTabSz="914088" rtl="0" eaLnBrk="1" latinLnBrk="0" hangingPunct="1">
+              <a:spcBef>
+                <a:spcPct val="0"/>
+              </a:spcBef>
+              <a:buNone/>
+              <a:defRPr lang="en-US" sz="4000" kern="0" dirty="0">
+                <a:ln w="3175">
+                  <a:noFill/>
+                </a:ln>
+                <a:gradFill flip="none" rotWithShape="1">
+                  <a:gsLst>
+                    <a:gs pos="4583">
+                      <a:srgbClr val="FFFFFF"/>
+                    </a:gs>
+                    <a:gs pos="100000">
+                      <a:srgbClr val="FFFFFF"/>
+                    </a:gs>
+                  </a:gsLst>
+                  <a:lin ang="5400000" scaled="0"/>
+                  <a:tileRect/>
+                </a:gradFill>
+                <a:latin typeface="Segoe UI" pitchFamily="34" charset="0"/>
+                <a:ea typeface="Segoe UI" pitchFamily="34" charset="0"/>
+                <a:cs typeface="Segoe UI" pitchFamily="34" charset="0"/>
+              </a:defRPr>
+            </a:lvl1pPr>
+          </a:lstStyle>
+          <a:p>
+            <a:endParaRPr sz="3999"/>
+          </a:p>
+        </p:txBody>
+      </p:sp>
+      <p:sp>
+        <p:nvSpPr>
+          <p:cNvPr id="14" name="top right small rectangle"/>
+          <p:cNvSpPr/>
+          <p:nvPr userDrawn="1"/>
+        </p:nvSpPr>
+        <p:spPr bwMode="auto">
+          <a:xfrm>
+            <a:off x="8680529" y="3374967"/>
+            <a:ext cx="3256571" cy="1694322"/>
+          </a:xfrm>
+          <a:prstGeom prst="rect">
+            <a:avLst/>
+          </a:prstGeom>
+          <a:solidFill>
+            <a:schemeClr val="tx2"/>
+          </a:solidFill>
+          <a:ln>
+            <a:noFill/>
+            <a:headEnd type="none" w="med" len="med"/>
+            <a:tailEnd type="none" w="med" len="med"/>
+          </a:ln>
+        </p:spPr>
+        <p:style>
+          <a:lnRef idx="2">
+            <a:schemeClr val="accent5">
+              <a:shade val="50000"/>
+            </a:schemeClr>
+          </a:lnRef>
+          <a:fillRef idx="1">
+            <a:schemeClr val="accent5"/>
+          </a:fillRef>
+          <a:effectRef idx="0">
+            <a:schemeClr val="accent5"/>
+          </a:effectRef>
+          <a:fontRef idx="minor">
+            <a:schemeClr val="lt1"/>
+          </a:fontRef>
+        </p:style>
+        <p:txBody>
+          <a:bodyPr vert="horz" wrap="square" lIns="91380" tIns="45691" rIns="91380" bIns="45691" numCol="1" rtlCol="0" anchor="ctr" anchorCtr="0" compatLnSpc="1">
+            <a:prstTxWarp prst="textNoShape">
+              <a:avLst/>
+            </a:prstTxWarp>
+          </a:bodyPr>
+          <a:lstStyle/>
+          <a:p>
+            <a:pPr algn="ctr" defTabSz="913514" fontAlgn="base">
+              <a:spcBef>
+                <a:spcPct val="0"/>
+              </a:spcBef>
+              <a:spcAft>
+                <a:spcPct val="0"/>
+              </a:spcAft>
+            </a:pPr>
+            <a:endParaRPr lang="en-US" sz="2199" dirty="0">
+              <a:gradFill>
+                <a:gsLst>
+                  <a:gs pos="0">
+                    <a:srgbClr val="FFFFFF"/>
+                  </a:gs>
+                  <a:gs pos="100000">
+                    <a:srgbClr val="FFFFFF"/>
+                  </a:gs>
+                </a:gsLst>
+                <a:lin ang="5400000" scaled="0"/>
+              </a:gradFill>
+            </a:endParaRPr>
+          </a:p>
+        </p:txBody>
+      </p:sp>
+      <p:pic>
+        <p:nvPicPr>
+          <p:cNvPr id="15" name="Picture 14"/>
+          <p:cNvPicPr>
+            <a:picLocks noChangeAspect="1"/>
+          </p:cNvPicPr>
+          <p:nvPr userDrawn="1"/>
+        </p:nvPicPr>
+        <p:blipFill rotWithShape="1">
+          <a:blip r:embed="rId2" cstate="print">
+            <a:extLst>
+              <a:ext uri="{28A0092B-C50C-407E-A947-70E740481C1C}">
+                <a14:useLocalDpi xmlns:a14="http://schemas.microsoft.com/office/drawing/2010/main" val="0"/>
+              </a:ext>
+            </a:extLst>
+          </a:blip>
+          <a:srcRect l="9720" t="16544" r="7275" b="16691"/>
+          <a:stretch/>
+        </p:blipFill>
+        <p:spPr>
+          <a:xfrm>
+            <a:off x="11178845" y="4821401"/>
+            <a:ext cx="740153" cy="218986"/>
+          </a:xfrm>
+          <a:prstGeom prst="rect">
+            <a:avLst/>
+          </a:prstGeom>
+        </p:spPr>
+      </p:pic>
+      <p:sp>
+        <p:nvSpPr>
+          <p:cNvPr id="16" name="Text Placeholder 10"/>
+          <p:cNvSpPr>
+            <a:spLocks noGrp="1"/>
+          </p:cNvSpPr>
+          <p:nvPr>
+            <p:ph type="body" sz="quarter" idx="10" hasCustomPrompt="1"/>
+          </p:nvPr>
+        </p:nvSpPr>
+        <p:spPr>
+          <a:xfrm>
+            <a:off x="292025" y="3466407"/>
+            <a:ext cx="8213656" cy="1485524"/>
+          </a:xfrm>
+          <a:prstGeom prst="rect">
+            <a:avLst/>
+          </a:prstGeom>
+        </p:spPr>
+        <p:txBody>
+          <a:bodyPr anchor="b" anchorCtr="0">
+            <a:normAutofit/>
+          </a:bodyPr>
+          <a:lstStyle>
+            <a:lvl1pPr marL="0" indent="0">
+              <a:buNone/>
+              <a:defRPr sz="3599" b="0" baseline="0">
+                <a:solidFill>
+                  <a:schemeClr val="bg1"/>
+                </a:solidFill>
+                <a:latin typeface="Segoe UI Light" panose="020B0502040204020203" pitchFamily="34" charset="0"/>
+                <a:cs typeface="Segoe UI Light" panose="020B0502040204020203" pitchFamily="34" charset="0"/>
+              </a:defRPr>
+            </a:lvl1pPr>
+          </a:lstStyle>
+          <a:p>
+            <a:pPr lvl="0"/>
+            <a:r>
+              <a:rPr lang="en-US" dirty="0" smtClean="0"/>
+              <a:t>Module or Section transition style</a:t>
+            </a:r>
+          </a:p>
+        </p:txBody>
+      </p:sp>
+      <p:sp>
+        <p:nvSpPr>
+          <p:cNvPr id="11" name="Subtitle 2"/>
+          <p:cNvSpPr>
+            <a:spLocks noGrp="1"/>
+          </p:cNvSpPr>
+          <p:nvPr>
+            <p:ph type="subTitle" idx="1"/>
+          </p:nvPr>
+        </p:nvSpPr>
+        <p:spPr>
+          <a:xfrm>
+            <a:off x="193221" y="5132438"/>
+            <a:ext cx="8407677" cy="1460779"/>
+          </a:xfrm>
+          <a:prstGeom prst="rect">
+            <a:avLst/>
+          </a:prstGeom>
+        </p:spPr>
+        <p:txBody>
+          <a:bodyPr lIns="137160" tIns="137160" rIns="137160" bIns="137160" anchor="b" anchorCtr="0">
+            <a:normAutofit/>
+          </a:bodyPr>
+          <a:lstStyle>
+            <a:lvl1pPr marL="0" indent="0" algn="l" defTabSz="913778" rtl="0" eaLnBrk="1" latinLnBrk="0" hangingPunct="1">
+              <a:lnSpc>
+                <a:spcPct val="100000"/>
+              </a:lnSpc>
+              <a:spcBef>
+                <a:spcPts val="0"/>
+              </a:spcBef>
+              <a:buSzPct val="90000"/>
+              <a:buFont typeface="Arial" pitchFamily="34" charset="0"/>
+              <a:buNone/>
+              <a:defRPr lang="en-US" sz="2399" b="0" kern="0" spc="0" baseline="0" dirty="0">
+                <a:solidFill>
+                  <a:schemeClr val="tx1"/>
+                </a:solidFill>
+                <a:latin typeface="Segoe UI Light" panose="020B0502040204020203" pitchFamily="34" charset="0"/>
+                <a:ea typeface="Segoe UI Light" panose="020B0502040204020203" pitchFamily="34" charset="0"/>
+                <a:cs typeface="Segoe UI Light" panose="020B0502040204020203" pitchFamily="34" charset="0"/>
+              </a:defRPr>
+            </a:lvl1pPr>
+            <a:lvl2pPr marL="456907" indent="0" algn="ctr">
+              <a:buNone/>
+              <a:defRPr>
+                <a:solidFill>
+                  <a:schemeClr val="tx1">
+                    <a:tint val="75000"/>
+                  </a:schemeClr>
+                </a:solidFill>
+              </a:defRPr>
+            </a:lvl2pPr>
+            <a:lvl3pPr marL="913814" indent="0" algn="ctr">
+              <a:buNone/>
+              <a:defRPr>
+                <a:solidFill>
+                  <a:schemeClr val="tx1">
+                    <a:tint val="75000"/>
+                  </a:schemeClr>
+                </a:solidFill>
+              </a:defRPr>
+            </a:lvl3pPr>
+            <a:lvl4pPr marL="1370722" indent="0" algn="ctr">
+              <a:buNone/>
+              <a:defRPr>
+                <a:solidFill>
+                  <a:schemeClr val="tx1">
+                    <a:tint val="75000"/>
+                  </a:schemeClr>
+                </a:solidFill>
+              </a:defRPr>
+            </a:lvl4pPr>
+            <a:lvl5pPr marL="1827630" indent="0" algn="ctr">
+              <a:buNone/>
+              <a:defRPr>
+                <a:solidFill>
+                  <a:schemeClr val="tx1">
+                    <a:tint val="75000"/>
+                  </a:schemeClr>
+                </a:solidFill>
+              </a:defRPr>
+            </a:lvl5pPr>
+            <a:lvl6pPr marL="2284536" indent="0" algn="ctr">
+              <a:buNone/>
+              <a:defRPr>
+                <a:solidFill>
+                  <a:schemeClr val="tx1">
+                    <a:tint val="75000"/>
+                  </a:schemeClr>
+                </a:solidFill>
+              </a:defRPr>
+            </a:lvl6pPr>
+            <a:lvl7pPr marL="2741444" indent="0" algn="ctr">
+              <a:buNone/>
+              <a:defRPr>
+                <a:solidFill>
+                  <a:schemeClr val="tx1">
+                    <a:tint val="75000"/>
+                  </a:schemeClr>
+                </a:solidFill>
+              </a:defRPr>
+            </a:lvl7pPr>
+            <a:lvl8pPr marL="3198351" indent="0" algn="ctr">
+              <a:buNone/>
+              <a:defRPr>
+                <a:solidFill>
+                  <a:schemeClr val="tx1">
+                    <a:tint val="75000"/>
+                  </a:schemeClr>
+                </a:solidFill>
+              </a:defRPr>
+            </a:lvl8pPr>
+            <a:lvl9pPr marL="3655261" indent="0" algn="ctr">
+              <a:buNone/>
+              <a:defRPr>
+                <a:solidFill>
+                  <a:schemeClr val="tx1">
+                    <a:tint val="75000"/>
+                  </a:schemeClr>
+                </a:solidFill>
+              </a:defRPr>
+            </a:lvl9pPr>
+          </a:lstStyle>
+          <a:p>
+            <a:r>
+              <a:rPr lang="en-US" dirty="0" smtClean="0"/>
+              <a:t>Click to edit Master subtitle style</a:t>
+            </a:r>
+            <a:endParaRPr lang="en-US" dirty="0"/>
+          </a:p>
+        </p:txBody>
+      </p:sp>
+      <p:sp>
+        <p:nvSpPr>
+          <p:cNvPr id="10" name="TextBox 9"/>
+          <p:cNvSpPr txBox="1"/>
+          <p:nvPr userDrawn="1"/>
+        </p:nvSpPr>
+        <p:spPr>
+          <a:xfrm>
+            <a:off x="193221" y="164178"/>
+            <a:ext cx="3690505" cy="246221"/>
+          </a:xfrm>
+          <a:prstGeom prst="rect">
+            <a:avLst/>
+          </a:prstGeom>
+          <a:noFill/>
+        </p:spPr>
+        <p:txBody>
+          <a:bodyPr wrap="square" lIns="0" tIns="0" rIns="0" bIns="0" rtlCol="0" anchor="ctr">
+            <a:spAutoFit/>
+          </a:bodyPr>
+          <a:lstStyle/>
+          <a:p>
+            <a:pPr defTabSz="914126"/>
+            <a:r>
+              <a:rPr lang="en-US" sz="1600" dirty="0" smtClean="0">
+                <a:solidFill>
+                  <a:prstClr val="black">
+                    <a:lumMod val="75000"/>
+                    <a:lumOff val="25000"/>
+                    <a:alpha val="99000"/>
+                  </a:prstClr>
+                </a:solidFill>
+                <a:latin typeface="Segoe UI" panose="020B0502040204020203" pitchFamily="34" charset="0"/>
+                <a:cs typeface="Segoe UI" panose="020B0502040204020203" pitchFamily="34" charset="0"/>
+              </a:rPr>
+              <a:t>Microsoft Virtual Academy</a:t>
+            </a:r>
+          </a:p>
+        </p:txBody>
+      </p:sp>
+    </p:spTree>
+    <p:extLst>
+      <p:ext uri="{BB962C8B-B14F-4D97-AF65-F5344CB8AC3E}">
+        <p14:creationId xmlns:p14="http://schemas.microsoft.com/office/powerpoint/2010/main" val="2595308434"/>
+      </p:ext>
+    </p:extLst>
+  </p:cSld>
+  <p:clrMapOvr>
+    <a:masterClrMapping/>
+  </p:clrMapOvr>
+  <p:timing>
+    <p:tnLst>
+      <p:par>
+        <p:cTn id="1" dur="indefinite" restart="never" nodeType="tmRoot"/>
+      </p:par>
+    </p:tnLst>
+  </p:timing>
+  <p:extLst mod="1">
+    <p:ext uri="{DCECCB84-F9BA-43D5-87BE-67443E8EF086}">
+      <p15:sldGuideLst xmlns:p15="http://schemas.microsoft.com/office/powerpoint/2012/main">
+        <p15:guide id="4294967295" orient="horz" pos="2160">
+          <p15:clr>
+            <a:srgbClr val="FBAE40"/>
+          </p15:clr>
+        </p15:guide>
+        <p15:guide id="4294967295" pos="3840">
+          <p15:clr>
+            <a:srgbClr val="FBAE40"/>
+          </p15:clr>
+        </p15:guide>
+      </p15:sldGuideLst>
+    </p:ext>
+  </p:extLst>
+</p:sldLayout>
+</file>
+
+<file path=ppt/slideLayouts/slideLayout14.xml><?xml version="1.0" encoding="utf-8"?>
+<p:sldLayout xmlns:a="http://schemas.openxmlformats.org/drawingml/2006/main" xmlns:r="http://schemas.openxmlformats.org/officeDocument/2006/relationships" xmlns:p="http://schemas.openxmlformats.org/presentationml/2006/main" preserve="1" userDrawn="1">
+  <p:cSld name="DEMO Layout">
+    <p:spTree>
+      <p:nvGrpSpPr>
+        <p:cNvPr id="1" name=""/>
+        <p:cNvGrpSpPr/>
+        <p:nvPr/>
+      </p:nvGrpSpPr>
+      <p:grpSpPr>
+        <a:xfrm>
+          <a:off x="0" y="0"/>
+          <a:ext cx="0" cy="0"/>
+          <a:chOff x="0" y="0"/>
+          <a:chExt cx="0" cy="0"/>
+        </a:xfrm>
+      </p:grpSpPr>
+      <p:sp>
+        <p:nvSpPr>
+          <p:cNvPr id="3" name="Title Placeholder 9"/>
+          <p:cNvSpPr>
+            <a:spLocks noGrp="1"/>
+          </p:cNvSpPr>
+          <p:nvPr>
+            <p:ph type="title"/>
+          </p:nvPr>
+        </p:nvSpPr>
+        <p:spPr>
+          <a:xfrm>
+            <a:off x="608013" y="4468764"/>
+            <a:ext cx="11430000" cy="1676400"/>
+          </a:xfrm>
+          <a:prstGeom prst="rect">
+            <a:avLst/>
+          </a:prstGeom>
+        </p:spPr>
+        <p:txBody>
+          <a:bodyPr vert="horz" lIns="91409" tIns="45705" rIns="91409" bIns="45705" rtlCol="0" anchor="t" anchorCtr="0">
+            <a:normAutofit/>
+          </a:bodyPr>
+          <a:lstStyle>
+            <a:lvl1pPr>
+              <a:defRPr sz="3599"/>
+            </a:lvl1pPr>
+          </a:lstStyle>
+          <a:p>
+            <a:r>
+              <a:rPr lang="en-US" dirty="0" smtClean="0"/>
+              <a:t>Click to edit Master title style</a:t>
+            </a:r>
+            <a:endParaRPr lang="en-US" dirty="0"/>
+          </a:p>
+        </p:txBody>
+      </p:sp>
+      <p:sp>
+        <p:nvSpPr>
+          <p:cNvPr id="2" name="TextBox 1"/>
+          <p:cNvSpPr txBox="1"/>
+          <p:nvPr userDrawn="1"/>
+        </p:nvSpPr>
+        <p:spPr>
+          <a:xfrm>
+            <a:off x="608013" y="3087325"/>
+            <a:ext cx="11353800" cy="1107996"/>
+          </a:xfrm>
+          <a:prstGeom prst="rect">
+            <a:avLst/>
+          </a:prstGeom>
+          <a:noFill/>
+        </p:spPr>
+        <p:txBody>
+          <a:bodyPr wrap="square" rtlCol="0">
+            <a:spAutoFit/>
+          </a:bodyPr>
+          <a:lstStyle/>
+          <a:p>
+            <a:pPr defTabSz="913814"/>
+            <a:r>
+              <a:rPr lang="en-US" sz="6598" dirty="0">
+                <a:solidFill>
+                  <a:prstClr val="black"/>
+                </a:solidFill>
+                <a:latin typeface="Segoe UI Light" pitchFamily="34" charset="0"/>
+                <a:ea typeface="Segoe UI" pitchFamily="34" charset="0"/>
+                <a:cs typeface="Segoe UI" pitchFamily="34" charset="0"/>
+              </a:rPr>
+              <a:t>DEMO</a:t>
+            </a:r>
+          </a:p>
+        </p:txBody>
+      </p:sp>
+      <p:cxnSp>
+        <p:nvCxnSpPr>
+          <p:cNvPr id="6" name="Straight Connector 5"/>
+          <p:cNvCxnSpPr/>
+          <p:nvPr userDrawn="1"/>
+        </p:nvCxnSpPr>
+        <p:spPr>
+          <a:xfrm>
+            <a:off x="608013" y="4077925"/>
+            <a:ext cx="11353800" cy="0"/>
+          </a:xfrm>
+          <a:prstGeom prst="line">
+            <a:avLst/>
+          </a:prstGeom>
+          <a:ln>
+            <a:solidFill>
+              <a:schemeClr val="tx1"/>
+            </a:solidFill>
+          </a:ln>
+          <a:effectLst>
+            <a:outerShdw blurRad="50800" dist="38100" dir="2700000" algn="tl" rotWithShape="0">
+              <a:prstClr val="black">
+                <a:alpha val="40000"/>
+              </a:prstClr>
+            </a:outerShdw>
+          </a:effectLst>
+        </p:spPr>
+        <p:style>
+          <a:lnRef idx="1">
+            <a:schemeClr val="accent1"/>
+          </a:lnRef>
+          <a:fillRef idx="0">
+            <a:schemeClr val="accent1"/>
+          </a:fillRef>
+          <a:effectRef idx="0">
+            <a:schemeClr val="accent1"/>
+          </a:effectRef>
+          <a:fontRef idx="minor">
+            <a:schemeClr val="tx1"/>
+          </a:fontRef>
+        </p:style>
+      </p:cxnSp>
+      <p:sp>
+        <p:nvSpPr>
+          <p:cNvPr id="7" name="TextBox 6"/>
+          <p:cNvSpPr txBox="1"/>
+          <p:nvPr userDrawn="1"/>
+        </p:nvSpPr>
+        <p:spPr>
+          <a:xfrm>
+            <a:off x="193221" y="164178"/>
+            <a:ext cx="3690505" cy="246221"/>
+          </a:xfrm>
+          <a:prstGeom prst="rect">
+            <a:avLst/>
+          </a:prstGeom>
+          <a:noFill/>
+        </p:spPr>
+        <p:txBody>
+          <a:bodyPr wrap="square" lIns="0" tIns="0" rIns="0" bIns="0" rtlCol="0" anchor="ctr">
+            <a:spAutoFit/>
+          </a:bodyPr>
+          <a:lstStyle/>
+          <a:p>
+            <a:pPr defTabSz="914126"/>
+            <a:r>
+              <a:rPr lang="en-US" sz="1600" dirty="0" smtClean="0">
+                <a:solidFill>
+                  <a:prstClr val="black">
+                    <a:lumMod val="75000"/>
+                    <a:lumOff val="25000"/>
+                    <a:alpha val="99000"/>
+                  </a:prstClr>
+                </a:solidFill>
+                <a:latin typeface="Segoe UI" panose="020B0502040204020203" pitchFamily="34" charset="0"/>
+                <a:cs typeface="Segoe UI" panose="020B0502040204020203" pitchFamily="34" charset="0"/>
+              </a:rPr>
+              <a:t>Microsoft Virtual Academy</a:t>
+            </a:r>
+          </a:p>
+        </p:txBody>
+      </p:sp>
+    </p:spTree>
+    <p:extLst>
+      <p:ext uri="{BB962C8B-B14F-4D97-AF65-F5344CB8AC3E}">
+        <p14:creationId xmlns:p14="http://schemas.microsoft.com/office/powerpoint/2010/main" val="712991109"/>
+      </p:ext>
+    </p:extLst>
+  </p:cSld>
+  <p:clrMapOvr>
+    <a:masterClrMapping/>
+  </p:clrMapOvr>
+  <p:timing>
+    <p:tnLst>
+      <p:par>
+        <p:cTn id="1" dur="indefinite" restart="never" nodeType="tmRoot"/>
+      </p:par>
+    </p:tnLst>
+  </p:timing>
+</p:sldLayout>
+</file>
+
+<file path=ppt/slideLayouts/slideLayout15.xml><?xml version="1.0" encoding="utf-8"?>
+<p:sldLayout xmlns:a="http://schemas.openxmlformats.org/drawingml/2006/main" xmlns:r="http://schemas.openxmlformats.org/officeDocument/2006/relationships" xmlns:p="http://schemas.openxmlformats.org/presentationml/2006/main" preserve="1" userDrawn="1">
+  <p:cSld name="Title and Content">
+    <p:spTree>
+      <p:nvGrpSpPr>
+        <p:cNvPr id="1" name=""/>
+        <p:cNvGrpSpPr/>
+        <p:nvPr/>
+      </p:nvGrpSpPr>
+      <p:grpSpPr>
+        <a:xfrm>
+          <a:off x="0" y="0"/>
+          <a:ext cx="0" cy="0"/>
+          <a:chOff x="0" y="0"/>
+          <a:chExt cx="0" cy="0"/>
+        </a:xfrm>
+      </p:grpSpPr>
+      <p:sp>
+        <p:nvSpPr>
+          <p:cNvPr id="3" name="Title 2"/>
+          <p:cNvSpPr>
+            <a:spLocks noGrp="1"/>
+          </p:cNvSpPr>
+          <p:nvPr>
+            <p:ph type="title"/>
+          </p:nvPr>
+        </p:nvSpPr>
+        <p:spPr/>
+        <p:txBody>
+          <a:bodyPr/>
+          <a:lstStyle/>
+          <a:p>
+            <a:r>
+              <a:rPr lang="en-US" dirty="0" smtClean="0"/>
+              <a:t>Click to edit Master title style</a:t>
+            </a:r>
+            <a:endParaRPr lang="en-US" dirty="0"/>
+          </a:p>
+        </p:txBody>
+      </p:sp>
+      <p:sp>
+        <p:nvSpPr>
+          <p:cNvPr id="6" name="Content Placeholder 5"/>
+          <p:cNvSpPr>
+            <a:spLocks noGrp="1"/>
+          </p:cNvSpPr>
+          <p:nvPr>
+            <p:ph sz="quarter" idx="10"/>
+          </p:nvPr>
+        </p:nvSpPr>
+        <p:spPr>
+          <a:xfrm>
+            <a:off x="379314" y="1388226"/>
+            <a:ext cx="11522249" cy="5290388"/>
+          </a:xfrm>
+          <a:prstGeom prst="rect">
+            <a:avLst/>
+          </a:prstGeom>
+        </p:spPr>
+        <p:txBody>
+          <a:bodyPr/>
+          <a:lstStyle>
+            <a:lvl1pPr>
+              <a:spcBef>
+                <a:spcPts val="1400"/>
+              </a:spcBef>
+              <a:defRPr b="0">
+                <a:solidFill>
+                  <a:schemeClr val="tx1"/>
+                </a:solidFill>
+              </a:defRPr>
+            </a:lvl1pPr>
+            <a:lvl2pPr>
+              <a:defRPr>
+                <a:solidFill>
+                  <a:schemeClr val="tx1"/>
+                </a:solidFill>
+              </a:defRPr>
+            </a:lvl2pPr>
+            <a:lvl3pPr>
+              <a:defRPr>
+                <a:solidFill>
+                  <a:schemeClr val="tx1"/>
+                </a:solidFill>
+              </a:defRPr>
+            </a:lvl3pPr>
+            <a:lvl4pPr>
+              <a:defRPr>
+                <a:solidFill>
+                  <a:schemeClr val="tx1"/>
+                </a:solidFill>
+              </a:defRPr>
+            </a:lvl4pPr>
+            <a:lvl5pPr>
+              <a:defRPr>
+                <a:solidFill>
+                  <a:schemeClr val="tx1"/>
+                </a:solidFill>
+              </a:defRPr>
+            </a:lvl5pPr>
+          </a:lstStyle>
+          <a:p>
+            <a:pPr lvl="0"/>
+            <a:r>
+              <a:rPr lang="en-US" dirty="0" smtClean="0"/>
+              <a:t>Click to edit Master text styles</a:t>
+            </a:r>
+          </a:p>
+          <a:p>
+            <a:pPr lvl="1"/>
+            <a:r>
+              <a:rPr lang="en-US" dirty="0" smtClean="0"/>
+              <a:t>Second level</a:t>
+            </a:r>
+          </a:p>
+          <a:p>
+            <a:pPr lvl="2"/>
+            <a:r>
+              <a:rPr lang="en-US" dirty="0" smtClean="0"/>
+              <a:t>Third level</a:t>
+            </a:r>
+          </a:p>
+          <a:p>
+            <a:pPr lvl="3"/>
+            <a:r>
+              <a:rPr lang="en-US" dirty="0" smtClean="0"/>
+              <a:t>Fourth level</a:t>
+            </a:r>
+          </a:p>
+          <a:p>
+            <a:pPr lvl="4"/>
+            <a:r>
+              <a:rPr lang="en-US" dirty="0" smtClean="0"/>
+              <a:t>Fifth level</a:t>
+            </a:r>
+            <a:endParaRPr lang="en-US" dirty="0"/>
+          </a:p>
+        </p:txBody>
+      </p:sp>
+    </p:spTree>
+    <p:extLst>
+      <p:ext uri="{BB962C8B-B14F-4D97-AF65-F5344CB8AC3E}">
+        <p14:creationId xmlns:p14="http://schemas.microsoft.com/office/powerpoint/2010/main" val="2577785707"/>
+      </p:ext>
+    </p:extLst>
+  </p:cSld>
+  <p:clrMapOvr>
+    <a:masterClrMapping/>
+  </p:clrMapOvr>
+  <p:timing>
+    <p:tnLst>
+      <p:par>
+        <p:cTn id="1" dur="indefinite" restart="never" nodeType="tmRoot"/>
+      </p:par>
+    </p:tnLst>
+  </p:timing>
+</p:sldLayout>
+</file>
+
+<file path=ppt/slideLayouts/slideLayout16.xml><?xml version="1.0" encoding="utf-8"?>
+<p:sldLayout xmlns:a="http://schemas.openxmlformats.org/drawingml/2006/main" xmlns:r="http://schemas.openxmlformats.org/officeDocument/2006/relationships" xmlns:p="http://schemas.openxmlformats.org/presentationml/2006/main" preserve="1" userDrawn="1">
+  <p:cSld name="Two Content">
+    <p:spTree>
+      <p:nvGrpSpPr>
+        <p:cNvPr id="1" name=""/>
+        <p:cNvGrpSpPr/>
+        <p:nvPr/>
+      </p:nvGrpSpPr>
+      <p:grpSpPr>
+        <a:xfrm>
+          <a:off x="0" y="0"/>
+          <a:ext cx="0" cy="0"/>
+          <a:chOff x="0" y="0"/>
+          <a:chExt cx="0" cy="0"/>
+        </a:xfrm>
+      </p:grpSpPr>
+      <p:sp>
+        <p:nvSpPr>
+          <p:cNvPr id="8" name="Content Placeholder 3"/>
+          <p:cNvSpPr>
+            <a:spLocks noGrp="1"/>
+          </p:cNvSpPr>
+          <p:nvPr>
+            <p:ph sz="half" idx="2"/>
+          </p:nvPr>
+        </p:nvSpPr>
+        <p:spPr>
+          <a:xfrm>
+            <a:off x="379413" y="1371602"/>
+            <a:ext cx="5615452" cy="4953001"/>
+          </a:xfrm>
+          <a:prstGeom prst="rect">
+            <a:avLst/>
+          </a:prstGeom>
+        </p:spPr>
+        <p:txBody>
+          <a:bodyPr>
+            <a:normAutofit/>
+          </a:bodyPr>
+          <a:lstStyle>
+            <a:lvl1pPr>
+              <a:defRPr sz="3199"/>
+            </a:lvl1pPr>
+            <a:lvl2pPr>
+              <a:defRPr sz="2799"/>
+            </a:lvl2pPr>
+            <a:lvl3pPr>
+              <a:defRPr sz="2399"/>
+            </a:lvl3pPr>
+            <a:lvl4pPr>
+              <a:defRPr sz="1999"/>
+            </a:lvl4pPr>
+            <a:lvl5pPr>
+              <a:defRPr sz="1999"/>
+            </a:lvl5pPr>
+            <a:lvl6pPr>
+              <a:defRPr sz="1600"/>
+            </a:lvl6pPr>
+            <a:lvl7pPr>
+              <a:defRPr sz="1600"/>
+            </a:lvl7pPr>
+            <a:lvl8pPr>
+              <a:defRPr sz="1600"/>
+            </a:lvl8pPr>
+            <a:lvl9pPr>
+              <a:defRPr sz="1600"/>
+            </a:lvl9pPr>
+          </a:lstStyle>
+          <a:p>
+            <a:pPr lvl="0"/>
+            <a:r>
+              <a:rPr lang="en-US" dirty="0" smtClean="0"/>
+              <a:t>Click to edit Master text styles</a:t>
+            </a:r>
+          </a:p>
+          <a:p>
+            <a:pPr lvl="1"/>
+            <a:r>
+              <a:rPr lang="en-US" dirty="0" smtClean="0"/>
+              <a:t>Second level</a:t>
+            </a:r>
+          </a:p>
+          <a:p>
+            <a:pPr lvl="2"/>
+            <a:r>
+              <a:rPr lang="en-US" dirty="0" smtClean="0"/>
+              <a:t>Third level</a:t>
+            </a:r>
+          </a:p>
+          <a:p>
+            <a:pPr lvl="3"/>
+            <a:r>
+              <a:rPr lang="en-US" dirty="0" smtClean="0"/>
+              <a:t>Fourth level</a:t>
+            </a:r>
+          </a:p>
+          <a:p>
+            <a:pPr lvl="4"/>
+            <a:r>
+              <a:rPr lang="en-US" dirty="0" smtClean="0"/>
+              <a:t>Fifth level</a:t>
+            </a:r>
+            <a:endParaRPr lang="en-US" dirty="0"/>
+          </a:p>
+        </p:txBody>
+      </p:sp>
+      <p:sp>
+        <p:nvSpPr>
+          <p:cNvPr id="9" name="Content Placeholder 5"/>
+          <p:cNvSpPr>
+            <a:spLocks noGrp="1"/>
+          </p:cNvSpPr>
+          <p:nvPr>
+            <p:ph sz="quarter" idx="4"/>
+          </p:nvPr>
+        </p:nvSpPr>
+        <p:spPr>
+          <a:xfrm>
+            <a:off x="6274108" y="1371602"/>
+            <a:ext cx="5617658" cy="4953001"/>
+          </a:xfrm>
+          <a:prstGeom prst="rect">
+            <a:avLst/>
+          </a:prstGeom>
+        </p:spPr>
+        <p:txBody>
+          <a:bodyPr>
+            <a:normAutofit/>
+          </a:bodyPr>
+          <a:lstStyle>
+            <a:lvl1pPr>
+              <a:defRPr sz="3199"/>
+            </a:lvl1pPr>
+            <a:lvl2pPr>
+              <a:defRPr sz="2799"/>
+            </a:lvl2pPr>
+            <a:lvl3pPr>
+              <a:defRPr sz="2399"/>
+            </a:lvl3pPr>
+            <a:lvl4pPr>
+              <a:defRPr sz="1999"/>
+            </a:lvl4pPr>
+            <a:lvl5pPr>
+              <a:defRPr sz="1999"/>
+            </a:lvl5pPr>
+            <a:lvl6pPr>
+              <a:defRPr sz="1600"/>
+            </a:lvl6pPr>
+            <a:lvl7pPr>
+              <a:defRPr sz="1600"/>
+            </a:lvl7pPr>
+            <a:lvl8pPr>
+              <a:defRPr sz="1600"/>
+            </a:lvl8pPr>
+            <a:lvl9pPr>
+              <a:defRPr sz="1600"/>
+            </a:lvl9pPr>
+          </a:lstStyle>
+          <a:p>
+            <a:pPr lvl="0"/>
+            <a:r>
+              <a:rPr lang="en-US" dirty="0" smtClean="0"/>
+              <a:t>Click to edit Master text styles</a:t>
+            </a:r>
+          </a:p>
+          <a:p>
+            <a:pPr lvl="1"/>
+            <a:r>
+              <a:rPr lang="en-US" dirty="0" smtClean="0"/>
+              <a:t>Second level</a:t>
+            </a:r>
+          </a:p>
+          <a:p>
+            <a:pPr lvl="2"/>
+            <a:r>
+              <a:rPr lang="en-US" dirty="0" smtClean="0"/>
+              <a:t>Third level</a:t>
+            </a:r>
+          </a:p>
+          <a:p>
+            <a:pPr lvl="3"/>
+            <a:r>
+              <a:rPr lang="en-US" dirty="0" smtClean="0"/>
+              <a:t>Fourth level</a:t>
+            </a:r>
+          </a:p>
+          <a:p>
+            <a:pPr lvl="4"/>
+            <a:r>
+              <a:rPr lang="en-US" dirty="0" smtClean="0"/>
+              <a:t>Fifth level</a:t>
+            </a:r>
+            <a:endParaRPr lang="en-US" dirty="0"/>
+          </a:p>
+        </p:txBody>
+      </p:sp>
+      <p:sp>
+        <p:nvSpPr>
+          <p:cNvPr id="2" name="Title 1"/>
+          <p:cNvSpPr>
+            <a:spLocks noGrp="1"/>
+          </p:cNvSpPr>
+          <p:nvPr>
+            <p:ph type="title"/>
+          </p:nvPr>
+        </p:nvSpPr>
+        <p:spPr/>
+        <p:txBody>
+          <a:bodyPr/>
+          <a:lstStyle/>
+          <a:p>
+            <a:r>
+              <a:rPr lang="en-US" smtClean="0"/>
+              <a:t>Click to edit Master title style</a:t>
+            </a:r>
+            <a:endParaRPr lang="en-US"/>
+          </a:p>
+        </p:txBody>
+      </p:sp>
+    </p:spTree>
+    <p:extLst>
+      <p:ext uri="{BB962C8B-B14F-4D97-AF65-F5344CB8AC3E}">
+        <p14:creationId xmlns:p14="http://schemas.microsoft.com/office/powerpoint/2010/main" val="3987051358"/>
+      </p:ext>
+    </p:extLst>
+  </p:cSld>
+  <p:clrMapOvr>
+    <a:masterClrMapping/>
+  </p:clrMapOvr>
+  <p:timing>
+    <p:tnLst>
+      <p:par>
+        <p:cTn id="1" dur="indefinite" restart="never" nodeType="tmRoot"/>
+      </p:par>
+    </p:tnLst>
+  </p:timing>
+</p:sldLayout>
+</file>
+
+<file path=ppt/slideLayouts/slideLayout17.xml><?xml version="1.0" encoding="utf-8"?>
+<p:sldLayout xmlns:a="http://schemas.openxmlformats.org/drawingml/2006/main" xmlns:r="http://schemas.openxmlformats.org/officeDocument/2006/relationships" xmlns:p="http://schemas.openxmlformats.org/presentationml/2006/main" preserve="1" userDrawn="1">
+  <p:cSld name="Comparison">
+    <p:spTree>
+      <p:nvGrpSpPr>
+        <p:cNvPr id="1" name=""/>
+        <p:cNvGrpSpPr/>
+        <p:nvPr/>
+      </p:nvGrpSpPr>
+      <p:grpSpPr>
+        <a:xfrm>
+          <a:off x="0" y="0"/>
+          <a:ext cx="0" cy="0"/>
+          <a:chOff x="0" y="0"/>
+          <a:chExt cx="0" cy="0"/>
+        </a:xfrm>
+      </p:grpSpPr>
+      <p:sp>
+        <p:nvSpPr>
+          <p:cNvPr id="3" name="Text Placeholder 2"/>
+          <p:cNvSpPr>
+            <a:spLocks noGrp="1"/>
+          </p:cNvSpPr>
+          <p:nvPr>
+            <p:ph type="body" idx="1"/>
+          </p:nvPr>
+        </p:nvSpPr>
+        <p:spPr>
+          <a:xfrm>
+            <a:off x="379413" y="1330656"/>
+            <a:ext cx="5615452" cy="639762"/>
+          </a:xfrm>
+          <a:prstGeom prst="rect">
+            <a:avLst/>
+          </a:prstGeom>
+          <a:solidFill>
+            <a:srgbClr val="86C400"/>
+          </a:solidFill>
+        </p:spPr>
+        <p:txBody>
+          <a:bodyPr anchor="b">
+            <a:normAutofit/>
+          </a:bodyPr>
+          <a:lstStyle>
+            <a:lvl1pPr marL="0" indent="0">
+              <a:buNone/>
+              <a:defRPr sz="3199" b="1">
+                <a:solidFill>
+                  <a:schemeClr val="bg1"/>
+                </a:solidFill>
+                <a:effectLst/>
+              </a:defRPr>
+            </a:lvl1pPr>
+            <a:lvl2pPr marL="456907" indent="0">
+              <a:buNone/>
+              <a:defRPr sz="1999" b="1"/>
+            </a:lvl2pPr>
+            <a:lvl3pPr marL="913814" indent="0">
+              <a:buNone/>
+              <a:defRPr sz="1799" b="1"/>
+            </a:lvl3pPr>
+            <a:lvl4pPr marL="1370722" indent="0">
+              <a:buNone/>
+              <a:defRPr sz="1600" b="1"/>
+            </a:lvl4pPr>
+            <a:lvl5pPr marL="1827630" indent="0">
+              <a:buNone/>
+              <a:defRPr sz="1600" b="1"/>
+            </a:lvl5pPr>
+            <a:lvl6pPr marL="2284536" indent="0">
+              <a:buNone/>
+              <a:defRPr sz="1600" b="1"/>
+            </a:lvl6pPr>
+            <a:lvl7pPr marL="2741444" indent="0">
+              <a:buNone/>
+              <a:defRPr sz="1600" b="1"/>
+            </a:lvl7pPr>
+            <a:lvl8pPr marL="3198351" indent="0">
+              <a:buNone/>
+              <a:defRPr sz="1600" b="1"/>
+            </a:lvl8pPr>
+            <a:lvl9pPr marL="3655261" indent="0">
+              <a:buNone/>
+              <a:defRPr sz="1600" b="1"/>
+            </a:lvl9pPr>
+          </a:lstStyle>
+          <a:p>
+            <a:pPr lvl="0"/>
+            <a:r>
+              <a:rPr lang="en-US" dirty="0" smtClean="0"/>
+              <a:t>Click to edit Master text styles</a:t>
+            </a:r>
+          </a:p>
+        </p:txBody>
+      </p:sp>
+      <p:sp>
+        <p:nvSpPr>
+          <p:cNvPr id="4" name="Content Placeholder 3"/>
+          <p:cNvSpPr>
+            <a:spLocks noGrp="1"/>
+          </p:cNvSpPr>
+          <p:nvPr>
+            <p:ph sz="half" idx="2"/>
+          </p:nvPr>
+        </p:nvSpPr>
+        <p:spPr>
+          <a:xfrm>
+            <a:off x="379413" y="1981200"/>
+            <a:ext cx="5615452" cy="4648200"/>
+          </a:xfrm>
+          <a:prstGeom prst="rect">
+            <a:avLst/>
+          </a:prstGeom>
+        </p:spPr>
+        <p:txBody>
+          <a:bodyPr/>
+          <a:lstStyle>
+            <a:lvl1pPr>
+              <a:defRPr sz="2799"/>
+            </a:lvl1pPr>
+            <a:lvl2pPr>
+              <a:defRPr sz="2399"/>
+            </a:lvl2pPr>
+            <a:lvl3pPr>
+              <a:defRPr sz="1999"/>
+            </a:lvl3pPr>
+            <a:lvl4pPr>
+              <a:defRPr sz="1799"/>
+            </a:lvl4pPr>
+            <a:lvl5pPr>
+              <a:defRPr sz="1799"/>
+            </a:lvl5pPr>
+            <a:lvl6pPr>
+              <a:defRPr sz="1600"/>
+            </a:lvl6pPr>
+            <a:lvl7pPr>
+              <a:defRPr sz="1600"/>
+            </a:lvl7pPr>
+            <a:lvl8pPr>
+              <a:defRPr sz="1600"/>
+            </a:lvl8pPr>
+            <a:lvl9pPr>
+              <a:defRPr sz="1600"/>
+            </a:lvl9pPr>
+          </a:lstStyle>
+          <a:p>
+            <a:pPr lvl="0"/>
+            <a:r>
+              <a:rPr lang="en-US" dirty="0" smtClean="0"/>
+              <a:t>Click to edit Master text styles</a:t>
+            </a:r>
+          </a:p>
+          <a:p>
+            <a:pPr lvl="1"/>
+            <a:r>
+              <a:rPr lang="en-US" dirty="0" smtClean="0"/>
+              <a:t>Second level</a:t>
+            </a:r>
+          </a:p>
+          <a:p>
+            <a:pPr lvl="2"/>
+            <a:r>
+              <a:rPr lang="en-US" dirty="0" smtClean="0"/>
+              <a:t>Third level</a:t>
+            </a:r>
+          </a:p>
+          <a:p>
+            <a:pPr lvl="3"/>
+            <a:r>
+              <a:rPr lang="en-US" dirty="0" smtClean="0"/>
+              <a:t>Fourth level</a:t>
+            </a:r>
+          </a:p>
+          <a:p>
+            <a:pPr lvl="4"/>
+            <a:r>
+              <a:rPr lang="en-US" dirty="0" smtClean="0"/>
+              <a:t>Fifth level</a:t>
+            </a:r>
+            <a:endParaRPr lang="en-US" dirty="0"/>
+          </a:p>
+        </p:txBody>
+      </p:sp>
+      <p:sp>
+        <p:nvSpPr>
+          <p:cNvPr id="5" name="Text Placeholder 4"/>
+          <p:cNvSpPr>
+            <a:spLocks noGrp="1"/>
+          </p:cNvSpPr>
+          <p:nvPr>
+            <p:ph type="body" sz="quarter" idx="3"/>
+          </p:nvPr>
+        </p:nvSpPr>
+        <p:spPr>
+          <a:xfrm>
+            <a:off x="6344155" y="1330656"/>
+            <a:ext cx="5617658" cy="639762"/>
+          </a:xfrm>
+          <a:prstGeom prst="rect">
+            <a:avLst/>
+          </a:prstGeom>
+          <a:solidFill>
+            <a:srgbClr val="1F497D"/>
+          </a:solidFill>
+        </p:spPr>
+        <p:txBody>
+          <a:bodyPr anchor="b">
+            <a:normAutofit/>
+          </a:bodyPr>
+          <a:lstStyle>
+            <a:lvl1pPr marL="0" indent="0">
+              <a:buNone/>
+              <a:defRPr sz="3199" b="1">
+                <a:solidFill>
+                  <a:schemeClr val="bg1"/>
+                </a:solidFill>
+                <a:effectLst/>
+              </a:defRPr>
+            </a:lvl1pPr>
+            <a:lvl2pPr marL="456907" indent="0">
+              <a:buNone/>
+              <a:defRPr sz="1999" b="1"/>
+            </a:lvl2pPr>
+            <a:lvl3pPr marL="913814" indent="0">
+              <a:buNone/>
+              <a:defRPr sz="1799" b="1"/>
+            </a:lvl3pPr>
+            <a:lvl4pPr marL="1370722" indent="0">
+              <a:buNone/>
+              <a:defRPr sz="1600" b="1"/>
+            </a:lvl4pPr>
+            <a:lvl5pPr marL="1827630" indent="0">
+              <a:buNone/>
+              <a:defRPr sz="1600" b="1"/>
+            </a:lvl5pPr>
+            <a:lvl6pPr marL="2284536" indent="0">
+              <a:buNone/>
+              <a:defRPr sz="1600" b="1"/>
+            </a:lvl6pPr>
+            <a:lvl7pPr marL="2741444" indent="0">
+              <a:buNone/>
+              <a:defRPr sz="1600" b="1"/>
+            </a:lvl7pPr>
+            <a:lvl8pPr marL="3198351" indent="0">
+              <a:buNone/>
+              <a:defRPr sz="1600" b="1"/>
+            </a:lvl8pPr>
+            <a:lvl9pPr marL="3655261" indent="0">
+              <a:buNone/>
+              <a:defRPr sz="1600" b="1"/>
+            </a:lvl9pPr>
+          </a:lstStyle>
+          <a:p>
+            <a:pPr lvl="0"/>
+            <a:r>
+              <a:rPr lang="en-US" dirty="0" smtClean="0"/>
+              <a:t>Click to edit Master text styles</a:t>
+            </a:r>
+          </a:p>
+        </p:txBody>
+      </p:sp>
+      <p:sp>
+        <p:nvSpPr>
+          <p:cNvPr id="6" name="Content Placeholder 5"/>
+          <p:cNvSpPr>
+            <a:spLocks noGrp="1"/>
+          </p:cNvSpPr>
+          <p:nvPr>
+            <p:ph sz="quarter" idx="4"/>
+          </p:nvPr>
+        </p:nvSpPr>
+        <p:spPr>
+          <a:xfrm>
+            <a:off x="6344155" y="1981200"/>
+            <a:ext cx="5617658" cy="4648200"/>
+          </a:xfrm>
+          <a:prstGeom prst="rect">
+            <a:avLst/>
+          </a:prstGeom>
+        </p:spPr>
+        <p:txBody>
+          <a:bodyPr/>
+          <a:lstStyle>
+            <a:lvl1pPr>
+              <a:defRPr sz="2799"/>
+            </a:lvl1pPr>
+            <a:lvl2pPr>
+              <a:defRPr sz="2399"/>
+            </a:lvl2pPr>
+            <a:lvl3pPr>
+              <a:defRPr sz="1999"/>
+            </a:lvl3pPr>
+            <a:lvl4pPr>
+              <a:defRPr sz="1799"/>
+            </a:lvl4pPr>
+            <a:lvl5pPr>
+              <a:defRPr sz="1799"/>
+            </a:lvl5pPr>
+            <a:lvl6pPr>
+              <a:defRPr sz="1600"/>
+            </a:lvl6pPr>
+            <a:lvl7pPr>
+              <a:defRPr sz="1600"/>
+            </a:lvl7pPr>
+            <a:lvl8pPr>
+              <a:defRPr sz="1600"/>
+            </a:lvl8pPr>
+            <a:lvl9pPr>
+              <a:defRPr sz="1600"/>
+            </a:lvl9pPr>
+          </a:lstStyle>
+          <a:p>
+            <a:pPr lvl="0"/>
+            <a:r>
+              <a:rPr lang="en-US" dirty="0" smtClean="0"/>
+              <a:t>Click to edit Master text styles</a:t>
+            </a:r>
+          </a:p>
+          <a:p>
+            <a:pPr lvl="1"/>
+            <a:r>
+              <a:rPr lang="en-US" dirty="0" smtClean="0"/>
+              <a:t>Second level</a:t>
+            </a:r>
+          </a:p>
+          <a:p>
+            <a:pPr lvl="2"/>
+            <a:r>
+              <a:rPr lang="en-US" dirty="0" smtClean="0"/>
+              <a:t>Third level</a:t>
+            </a:r>
+          </a:p>
+          <a:p>
+            <a:pPr lvl="3"/>
+            <a:r>
+              <a:rPr lang="en-US" dirty="0" smtClean="0"/>
+              <a:t>Fourth level</a:t>
+            </a:r>
+          </a:p>
+          <a:p>
+            <a:pPr lvl="4"/>
+            <a:r>
+              <a:rPr lang="en-US" dirty="0" smtClean="0"/>
+              <a:t>Fifth level</a:t>
+            </a:r>
+            <a:endParaRPr lang="en-US" dirty="0"/>
+          </a:p>
+        </p:txBody>
+      </p:sp>
+      <p:sp>
+        <p:nvSpPr>
+          <p:cNvPr id="2" name="Title 1"/>
+          <p:cNvSpPr>
+            <a:spLocks noGrp="1"/>
+          </p:cNvSpPr>
+          <p:nvPr>
+            <p:ph type="title"/>
+          </p:nvPr>
+        </p:nvSpPr>
+        <p:spPr/>
+        <p:txBody>
+          <a:bodyPr/>
+          <a:lstStyle/>
+          <a:p>
+            <a:r>
+              <a:rPr lang="en-US" smtClean="0"/>
+              <a:t>Click to edit Master title style</a:t>
+            </a:r>
+            <a:endParaRPr lang="en-US"/>
+          </a:p>
+        </p:txBody>
+      </p:sp>
+    </p:spTree>
+    <p:extLst>
+      <p:ext uri="{BB962C8B-B14F-4D97-AF65-F5344CB8AC3E}">
+        <p14:creationId xmlns:p14="http://schemas.microsoft.com/office/powerpoint/2010/main" val="721666434"/>
+      </p:ext>
+    </p:extLst>
+  </p:cSld>
+  <p:clrMapOvr>
+    <a:masterClrMapping/>
+  </p:clrMapOvr>
+  <p:timing>
+    <p:tnLst>
+      <p:par>
+        <p:cTn id="1" dur="indefinite" restart="never" nodeType="tmRoot"/>
+      </p:par>
+    </p:tnLst>
+  </p:timing>
+</p:sldLayout>
+</file>
+
+<file path=ppt/slideLayouts/slideLayout18.xml><?xml version="1.0" encoding="utf-8"?>
+<p:sldLayout xmlns:a="http://schemas.openxmlformats.org/drawingml/2006/main" xmlns:r="http://schemas.openxmlformats.org/officeDocument/2006/relationships" xmlns:p="http://schemas.openxmlformats.org/presentationml/2006/main" preserve="1" userDrawn="1">
+  <p:cSld name="Title Only">
+    <p:spTree>
+      <p:nvGrpSpPr>
+        <p:cNvPr id="1" name=""/>
+        <p:cNvGrpSpPr/>
+        <p:nvPr/>
+      </p:nvGrpSpPr>
+      <p:grpSpPr>
+        <a:xfrm>
+          <a:off x="0" y="0"/>
+          <a:ext cx="0" cy="0"/>
+          <a:chOff x="0" y="0"/>
+          <a:chExt cx="0" cy="0"/>
+        </a:xfrm>
+      </p:grpSpPr>
+      <p:sp>
+        <p:nvSpPr>
+          <p:cNvPr id="2" name="Title 1"/>
+          <p:cNvSpPr>
+            <a:spLocks noGrp="1"/>
+          </p:cNvSpPr>
+          <p:nvPr>
+            <p:ph type="title"/>
+          </p:nvPr>
+        </p:nvSpPr>
+        <p:spPr/>
+        <p:txBody>
+          <a:bodyPr/>
+          <a:lstStyle/>
+          <a:p>
+            <a:r>
+              <a:rPr lang="en-US" smtClean="0"/>
+              <a:t>Click to edit Master title style</a:t>
+            </a:r>
+            <a:endParaRPr lang="en-US"/>
+          </a:p>
+        </p:txBody>
+      </p:sp>
+    </p:spTree>
+    <p:extLst>
+      <p:ext uri="{BB962C8B-B14F-4D97-AF65-F5344CB8AC3E}">
+        <p14:creationId xmlns:p14="http://schemas.microsoft.com/office/powerpoint/2010/main" val="1000883293"/>
+      </p:ext>
+    </p:extLst>
+  </p:cSld>
+  <p:clrMapOvr>
+    <a:masterClrMapping/>
+  </p:clrMapOvr>
+  <p:timing>
+    <p:tnLst>
+      <p:par>
+        <p:cTn id="1" dur="indefinite" restart="never" nodeType="tmRoot"/>
+      </p:par>
+    </p:tnLst>
+  </p:timing>
+</p:sldLayout>
+</file>
+
+<file path=ppt/slideLayouts/slideLayout19.xml><?xml version="1.0" encoding="utf-8"?>
+<p:sldLayout xmlns:a="http://schemas.openxmlformats.org/drawingml/2006/main" xmlns:r="http://schemas.openxmlformats.org/officeDocument/2006/relationships" xmlns:p="http://schemas.openxmlformats.org/presentationml/2006/main" type="blank" preserve="1">
+  <p:cSld name="Blank">
+    <p:spTree>
+      <p:nvGrpSpPr>
+        <p:cNvPr id="1" name=""/>
+        <p:cNvGrpSpPr/>
+        <p:nvPr/>
+      </p:nvGrpSpPr>
+      <p:grpSpPr>
+        <a:xfrm>
+          <a:off x="0" y="0"/>
+          <a:ext cx="0" cy="0"/>
+          <a:chOff x="0" y="0"/>
+          <a:chExt cx="0" cy="0"/>
+        </a:xfrm>
+      </p:grpSpPr>
+    </p:spTree>
+    <p:extLst>
+      <p:ext uri="{BB962C8B-B14F-4D97-AF65-F5344CB8AC3E}">
+        <p14:creationId xmlns:p14="http://schemas.microsoft.com/office/powerpoint/2010/main" val="3504406933"/>
+      </p:ext>
+    </p:extLst>
+  </p:cSld>
+  <p:clrMapOvr>
+    <a:masterClrMapping/>
+  </p:clrMapOvr>
+  <p:timing>
+    <p:tnLst>
+      <p:par>
+        <p:cTn id="1" dur="indefinite" restart="never" nodeType="tmRoot"/>
+      </p:par>
+    </p:tnLst>
+  </p:timing>
+</p:sldLayout>
+</file>
+
 <file path=ppt/slideLayouts/slideLayout2.xml><?xml version="1.0" encoding="utf-8"?>
 <p:sldLayout xmlns:a="http://schemas.openxmlformats.org/drawingml/2006/main" xmlns:r="http://schemas.openxmlformats.org/officeDocument/2006/relationships" xmlns:p="http://schemas.openxmlformats.org/presentationml/2006/main" preserve="1" userDrawn="1">
   <p:cSld name="Module Layout">
@@ -2543,6 +5475,217 @@
     </p:tnLst>
   </p:timing>
   <p:hf hdr="0"/>
+</p:sldLayout>
+</file>
+
+<file path=ppt/slideLayouts/slideLayout20.xml><?xml version="1.0" encoding="utf-8"?>
+<p:sldLayout xmlns:a="http://schemas.openxmlformats.org/drawingml/2006/main" xmlns:r="http://schemas.openxmlformats.org/officeDocument/2006/relationships" xmlns:p="http://schemas.openxmlformats.org/presentationml/2006/main" preserve="1" userDrawn="1">
+  <p:cSld name="5_Blank Color 1 Layout">
+    <p:spTree>
+      <p:nvGrpSpPr>
+        <p:cNvPr id="1" name=""/>
+        <p:cNvGrpSpPr/>
+        <p:nvPr/>
+      </p:nvGrpSpPr>
+      <p:grpSpPr>
+        <a:xfrm>
+          <a:off x="0" y="0"/>
+          <a:ext cx="0" cy="0"/>
+          <a:chOff x="0" y="0"/>
+          <a:chExt cx="0" cy="0"/>
+        </a:xfrm>
+      </p:grpSpPr>
+      <p:sp>
+        <p:nvSpPr>
+          <p:cNvPr id="6" name="top right small rectangle"/>
+          <p:cNvSpPr/>
+          <p:nvPr userDrawn="1"/>
+        </p:nvSpPr>
+        <p:spPr bwMode="auto">
+          <a:xfrm>
+            <a:off x="0" y="0"/>
+            <a:ext cx="12188825" cy="6858000"/>
+          </a:xfrm>
+          <a:prstGeom prst="rect">
+            <a:avLst/>
+          </a:prstGeom>
+          <a:solidFill>
+            <a:srgbClr val="002050"/>
+          </a:solidFill>
+          <a:ln>
+            <a:noFill/>
+            <a:headEnd type="none" w="med" len="med"/>
+            <a:tailEnd type="none" w="med" len="med"/>
+          </a:ln>
+        </p:spPr>
+        <p:style>
+          <a:lnRef idx="2">
+            <a:schemeClr val="accent5">
+              <a:shade val="50000"/>
+            </a:schemeClr>
+          </a:lnRef>
+          <a:fillRef idx="1">
+            <a:schemeClr val="accent5"/>
+          </a:fillRef>
+          <a:effectRef idx="0">
+            <a:schemeClr val="accent5"/>
+          </a:effectRef>
+          <a:fontRef idx="minor">
+            <a:schemeClr val="lt1"/>
+          </a:fontRef>
+        </p:style>
+        <p:txBody>
+          <a:bodyPr vert="horz" wrap="square" lIns="91380" tIns="45691" rIns="91380" bIns="45691" numCol="1" rtlCol="0" anchor="ctr" anchorCtr="0" compatLnSpc="1">
+            <a:prstTxWarp prst="textNoShape">
+              <a:avLst/>
+            </a:prstTxWarp>
+          </a:bodyPr>
+          <a:lstStyle/>
+          <a:p>
+            <a:pPr algn="ctr" defTabSz="913514" fontAlgn="base">
+              <a:spcBef>
+                <a:spcPct val="0"/>
+              </a:spcBef>
+              <a:spcAft>
+                <a:spcPct val="0"/>
+              </a:spcAft>
+            </a:pPr>
+            <a:endParaRPr lang="en-US" sz="2199" dirty="0">
+              <a:gradFill>
+                <a:gsLst>
+                  <a:gs pos="0">
+                    <a:srgbClr val="FFFFFF"/>
+                  </a:gs>
+                  <a:gs pos="100000">
+                    <a:srgbClr val="FFFFFF"/>
+                  </a:gs>
+                </a:gsLst>
+                <a:lin ang="5400000" scaled="0"/>
+              </a:gradFill>
+            </a:endParaRPr>
+          </a:p>
+        </p:txBody>
+      </p:sp>
+      <p:sp>
+        <p:nvSpPr>
+          <p:cNvPr id="11" name="Rectangle 2"/>
+          <p:cNvSpPr>
+            <a:spLocks noChangeArrowheads="1"/>
+          </p:cNvSpPr>
+          <p:nvPr userDrawn="1"/>
+        </p:nvSpPr>
+        <p:spPr bwMode="auto">
+          <a:xfrm>
+            <a:off x="529949" y="5960743"/>
+            <a:ext cx="11075933" cy="738664"/>
+          </a:xfrm>
+          <a:prstGeom prst="rect">
+            <a:avLst/>
+          </a:prstGeom>
+          <a:noFill/>
+          <a:ln w="9525">
+            <a:noFill/>
+            <a:miter lim="800000"/>
+            <a:headEnd/>
+            <a:tailEnd/>
+          </a:ln>
+        </p:spPr>
+        <p:txBody>
+          <a:bodyPr wrap="square">
+            <a:spAutoFit/>
+          </a:bodyPr>
+          <a:lstStyle/>
+          <a:p>
+            <a:pPr marL="0" lvl="1" defTabSz="913814">
+              <a:defRPr/>
+            </a:pPr>
+            <a:r>
+              <a:rPr lang="en-US" sz="1050" dirty="0">
+                <a:solidFill>
+                  <a:prstClr val="white">
+                    <a:lumMod val="85000"/>
+                  </a:prstClr>
+                </a:solidFill>
+              </a:rPr>
+              <a:t>©</a:t>
+            </a:r>
+            <a:r>
+              <a:rPr lang="en-US" sz="1050" dirty="0" smtClean="0">
+                <a:solidFill>
+                  <a:prstClr val="white">
+                    <a:lumMod val="85000"/>
+                  </a:prstClr>
+                </a:solidFill>
+              </a:rPr>
+              <a:t>2014 </a:t>
+            </a:r>
+            <a:r>
+              <a:rPr lang="en-US" sz="1050" dirty="0">
+                <a:solidFill>
+                  <a:prstClr val="white">
+                    <a:lumMod val="85000"/>
+                  </a:prstClr>
+                </a:solidFill>
+              </a:rPr>
+              <a:t>Microsoft Corporation. All rights reserved. Microsoft, Windows, Office, Azure, System Center, Dynamics and other product names are or may be registered trademarks and/or trademarks in the U.S. and/or other countries. The information herein is for informational purposes only and represents the current view of Microsoft Corporation as of the date of this presentation. Because Microsoft must respond to changing market conditions, it should not be interpreted to be a commitment on the part of Microsoft, and Microsoft cannot guarantee the accuracy of any information provided after the date of this presentation. MICROSOFT MAKES NO WARRANTIES, EXPRESS, IMPLIED OR STATUTORY, AS TO THE INFORMATION IN THIS PRESENTATION.</a:t>
+            </a:r>
+          </a:p>
+        </p:txBody>
+      </p:sp>
+      <p:pic>
+        <p:nvPicPr>
+          <p:cNvPr id="5" name="Picture 4"/>
+          <p:cNvPicPr>
+            <a:picLocks noChangeAspect="1"/>
+          </p:cNvPicPr>
+          <p:nvPr userDrawn="1"/>
+        </p:nvPicPr>
+        <p:blipFill rotWithShape="1">
+          <a:blip r:embed="rId2" cstate="print">
+            <a:extLst>
+              <a:ext uri="{28A0092B-C50C-407E-A947-70E740481C1C}">
+                <a14:useLocalDpi xmlns:a14="http://schemas.microsoft.com/office/drawing/2010/main" val="0"/>
+              </a:ext>
+            </a:extLst>
+          </a:blip>
+          <a:srcRect l="9719"/>
+          <a:stretch/>
+        </p:blipFill>
+        <p:spPr>
+          <a:xfrm>
+            <a:off x="529949" y="2940117"/>
+            <a:ext cx="5471723" cy="2229412"/>
+          </a:xfrm>
+          <a:prstGeom prst="rect">
+            <a:avLst/>
+          </a:prstGeom>
+        </p:spPr>
+      </p:pic>
+    </p:spTree>
+    <p:extLst>
+      <p:ext uri="{BB962C8B-B14F-4D97-AF65-F5344CB8AC3E}">
+        <p14:creationId xmlns:p14="http://schemas.microsoft.com/office/powerpoint/2010/main" val="1264689567"/>
+      </p:ext>
+    </p:extLst>
+  </p:cSld>
+  <p:clrMapOvr>
+    <a:masterClrMapping/>
+  </p:clrMapOvr>
+  <mc:AlternateContent xmlns:mc="http://schemas.openxmlformats.org/markup-compatibility/2006">
+    <mc:Choice xmlns:p14="http://schemas.microsoft.com/office/powerpoint/2010/main" Requires="p14">
+      <p:transition spd="slow" p14:dur="2000"/>
+    </mc:Choice>
+    <mc:Fallback>
+      <p:transition spd="slow"/>
+    </mc:Fallback>
+  </mc:AlternateContent>
+  <p:timing>
+    <p:tnLst>
+      <p:par>
+        <p:cTn id="1" dur="indefinite" restart="never" nodeType="tmRoot"/>
+      </p:par>
+    </p:tnLst>
+  </p:timing>
 </p:sldLayout>
 </file>
 
@@ -3685,6 +6828,217 @@
 </p:sldLayout>
 </file>
 
+<file path=ppt/slideLayouts/slideLayout9.xml><?xml version="1.0" encoding="utf-8"?>
+<p:sldLayout xmlns:a="http://schemas.openxmlformats.org/drawingml/2006/main" xmlns:r="http://schemas.openxmlformats.org/officeDocument/2006/relationships" xmlns:p="http://schemas.openxmlformats.org/presentationml/2006/main" userDrawn="1">
+  <p:cSld name="5_Blank Color 1 Layout">
+    <p:spTree>
+      <p:nvGrpSpPr>
+        <p:cNvPr id="1" name=""/>
+        <p:cNvGrpSpPr/>
+        <p:nvPr/>
+      </p:nvGrpSpPr>
+      <p:grpSpPr>
+        <a:xfrm>
+          <a:off x="0" y="0"/>
+          <a:ext cx="0" cy="0"/>
+          <a:chOff x="0" y="0"/>
+          <a:chExt cx="0" cy="0"/>
+        </a:xfrm>
+      </p:grpSpPr>
+      <p:sp>
+        <p:nvSpPr>
+          <p:cNvPr id="6" name="top right small rectangle"/>
+          <p:cNvSpPr/>
+          <p:nvPr userDrawn="1"/>
+        </p:nvSpPr>
+        <p:spPr bwMode="auto">
+          <a:xfrm>
+            <a:off x="0" y="0"/>
+            <a:ext cx="12188825" cy="6858000"/>
+          </a:xfrm>
+          <a:prstGeom prst="rect">
+            <a:avLst/>
+          </a:prstGeom>
+          <a:solidFill>
+            <a:srgbClr val="002050"/>
+          </a:solidFill>
+          <a:ln>
+            <a:noFill/>
+            <a:headEnd type="none" w="med" len="med"/>
+            <a:tailEnd type="none" w="med" len="med"/>
+          </a:ln>
+        </p:spPr>
+        <p:style>
+          <a:lnRef idx="2">
+            <a:schemeClr val="accent5">
+              <a:shade val="50000"/>
+            </a:schemeClr>
+          </a:lnRef>
+          <a:fillRef idx="1">
+            <a:schemeClr val="accent5"/>
+          </a:fillRef>
+          <a:effectRef idx="0">
+            <a:schemeClr val="accent5"/>
+          </a:effectRef>
+          <a:fontRef idx="minor">
+            <a:schemeClr val="lt1"/>
+          </a:fontRef>
+        </p:style>
+        <p:txBody>
+          <a:bodyPr vert="horz" wrap="square" lIns="91380" tIns="45691" rIns="91380" bIns="45691" numCol="1" rtlCol="0" anchor="ctr" anchorCtr="0" compatLnSpc="1">
+            <a:prstTxWarp prst="textNoShape">
+              <a:avLst/>
+            </a:prstTxWarp>
+          </a:bodyPr>
+          <a:lstStyle/>
+          <a:p>
+            <a:pPr algn="ctr" defTabSz="913514" fontAlgn="base">
+              <a:spcBef>
+                <a:spcPct val="0"/>
+              </a:spcBef>
+              <a:spcAft>
+                <a:spcPct val="0"/>
+              </a:spcAft>
+            </a:pPr>
+            <a:endParaRPr lang="en-US" sz="2199" dirty="0">
+              <a:gradFill>
+                <a:gsLst>
+                  <a:gs pos="0">
+                    <a:srgbClr val="FFFFFF"/>
+                  </a:gs>
+                  <a:gs pos="100000">
+                    <a:srgbClr val="FFFFFF"/>
+                  </a:gs>
+                </a:gsLst>
+                <a:lin ang="5400000" scaled="0"/>
+              </a:gradFill>
+            </a:endParaRPr>
+          </a:p>
+        </p:txBody>
+      </p:sp>
+      <p:sp>
+        <p:nvSpPr>
+          <p:cNvPr id="11" name="Rectangle 2"/>
+          <p:cNvSpPr>
+            <a:spLocks noChangeArrowheads="1"/>
+          </p:cNvSpPr>
+          <p:nvPr userDrawn="1"/>
+        </p:nvSpPr>
+        <p:spPr bwMode="auto">
+          <a:xfrm>
+            <a:off x="529949" y="5960743"/>
+            <a:ext cx="11075933" cy="900246"/>
+          </a:xfrm>
+          <a:prstGeom prst="rect">
+            <a:avLst/>
+          </a:prstGeom>
+          <a:noFill/>
+          <a:ln w="9525">
+            <a:noFill/>
+            <a:miter lim="800000"/>
+            <a:headEnd/>
+            <a:tailEnd/>
+          </a:ln>
+        </p:spPr>
+        <p:txBody>
+          <a:bodyPr wrap="square">
+            <a:spAutoFit/>
+          </a:bodyPr>
+          <a:lstStyle/>
+          <a:p>
+            <a:pPr marL="0" lvl="1" defTabSz="913814">
+              <a:defRPr/>
+            </a:pPr>
+            <a:r>
+              <a:rPr lang="en-US" sz="1050" dirty="0">
+                <a:solidFill>
+                  <a:schemeClr val="bg1">
+                    <a:lumMod val="85000"/>
+                  </a:schemeClr>
+                </a:solidFill>
+              </a:rPr>
+              <a:t>©</a:t>
+            </a:r>
+            <a:r>
+              <a:rPr lang="en-US" sz="1050" dirty="0" smtClean="0">
+                <a:solidFill>
+                  <a:schemeClr val="bg1">
+                    <a:lumMod val="85000"/>
+                  </a:schemeClr>
+                </a:solidFill>
+              </a:rPr>
+              <a:t>2014 </a:t>
+            </a:r>
+            <a:r>
+              <a:rPr lang="en-US" sz="1050" dirty="0">
+                <a:solidFill>
+                  <a:schemeClr val="bg1">
+                    <a:lumMod val="85000"/>
+                  </a:schemeClr>
+                </a:solidFill>
+              </a:rPr>
+              <a:t>Microsoft Corporation. All rights reserved. Microsoft, Windows, Office, Azure, System Center, Dynamics and other product names are or may be registered trademarks and/or trademarks in the U.S. and/or other countries. The information herein is for informational purposes only and represents the current view of Microsoft Corporation as of the date of this presentation. Because Microsoft must respond to changing market conditions, it should not be interpreted to be a commitment on the part of Microsoft, and Microsoft cannot guarantee the accuracy of any information provided after the date of this presentation. MICROSOFT MAKES NO WARRANTIES, EXPRESS, IMPLIED OR STATUTORY, AS TO THE INFORMATION IN THIS PRESENTATION.</a:t>
+            </a:r>
+          </a:p>
+        </p:txBody>
+      </p:sp>
+      <p:pic>
+        <p:nvPicPr>
+          <p:cNvPr id="5" name="Picture 4"/>
+          <p:cNvPicPr>
+            <a:picLocks noChangeAspect="1"/>
+          </p:cNvPicPr>
+          <p:nvPr userDrawn="1"/>
+        </p:nvPicPr>
+        <p:blipFill rotWithShape="1">
+          <a:blip r:embed="rId2" cstate="print">
+            <a:extLst>
+              <a:ext uri="{28A0092B-C50C-407E-A947-70E740481C1C}">
+                <a14:useLocalDpi xmlns:a14="http://schemas.microsoft.com/office/drawing/2010/main" val="0"/>
+              </a:ext>
+            </a:extLst>
+          </a:blip>
+          <a:srcRect l="9719"/>
+          <a:stretch/>
+        </p:blipFill>
+        <p:spPr>
+          <a:xfrm>
+            <a:off x="529949" y="2940117"/>
+            <a:ext cx="5471723" cy="2229412"/>
+          </a:xfrm>
+          <a:prstGeom prst="rect">
+            <a:avLst/>
+          </a:prstGeom>
+        </p:spPr>
+      </p:pic>
+    </p:spTree>
+    <p:extLst>
+      <p:ext uri="{BB962C8B-B14F-4D97-AF65-F5344CB8AC3E}">
+        <p14:creationId xmlns:p14="http://schemas.microsoft.com/office/powerpoint/2010/main" val="3395412236"/>
+      </p:ext>
+    </p:extLst>
+  </p:cSld>
+  <p:clrMapOvr>
+    <a:masterClrMapping/>
+  </p:clrMapOvr>
+  <mc:AlternateContent xmlns:mc="http://schemas.openxmlformats.org/markup-compatibility/2006">
+    <mc:Choice xmlns:p14="http://schemas.microsoft.com/office/powerpoint/2010/main" Requires="p14">
+      <p:transition spd="slow" p14:dur="2000"/>
+    </mc:Choice>
+    <mc:Fallback>
+      <p:transition spd="slow"/>
+    </mc:Fallback>
+  </mc:AlternateContent>
+  <p:timing>
+    <p:tnLst>
+      <p:par>
+        <p:cTn id="1" dur="indefinite" restart="never" nodeType="tmRoot"/>
+      </p:par>
+    </p:tnLst>
+  </p:timing>
+</p:sldLayout>
+</file>
+
 <file path=ppt/slideMasters/slideMaster1.xml><?xml version="1.0" encoding="utf-8"?>
 <p:sldMaster xmlns:a="http://schemas.openxmlformats.org/drawingml/2006/main" xmlns:r="http://schemas.openxmlformats.org/officeDocument/2006/relationships" xmlns:p="http://schemas.openxmlformats.org/presentationml/2006/main" preserve="1">
   <p:cSld>
@@ -4175,6 +7529,9 @@
     <p:sldLayoutId id="2147483853" r:id="rId6"/>
     <p:sldLayoutId id="2147483857" r:id="rId7"/>
     <p:sldLayoutId id="2147483858" r:id="rId8"/>
+    <p:sldLayoutId id="2147483859" r:id="rId9"/>
+    <p:sldLayoutId id="2147483870" r:id="rId10"/>
+    <p:sldLayoutId id="2147483871" r:id="rId11"/>
   </p:sldLayoutIdLst>
   <p:transition>
     <p:fade/>
@@ -4504,6 +7861,349 @@
 </p:sldMaster>
 </file>
 
+<file path=ppt/slideMasters/slideMaster2.xml><?xml version="1.0" encoding="utf-8"?>
+<p:sldMaster xmlns:a="http://schemas.openxmlformats.org/drawingml/2006/main" xmlns:r="http://schemas.openxmlformats.org/officeDocument/2006/relationships" xmlns:p="http://schemas.openxmlformats.org/presentationml/2006/main" preserve="1">
+  <p:cSld>
+    <p:bg>
+      <p:bgRef idx="1001">
+        <a:schemeClr val="bg1"/>
+      </p:bgRef>
+    </p:bg>
+    <p:spTree>
+      <p:nvGrpSpPr>
+        <p:cNvPr id="1" name=""/>
+        <p:cNvGrpSpPr/>
+        <p:nvPr/>
+      </p:nvGrpSpPr>
+      <p:grpSpPr>
+        <a:xfrm>
+          <a:off x="0" y="0"/>
+          <a:ext cx="0" cy="0"/>
+          <a:chOff x="0" y="0"/>
+          <a:chExt cx="0" cy="0"/>
+        </a:xfrm>
+      </p:grpSpPr>
+      <p:sp>
+        <p:nvSpPr>
+          <p:cNvPr id="10" name="Title Placeholder 9"/>
+          <p:cNvSpPr>
+            <a:spLocks noGrp="1"/>
+          </p:cNvSpPr>
+          <p:nvPr>
+            <p:ph type="title"/>
+          </p:nvPr>
+        </p:nvSpPr>
+        <p:spPr>
+          <a:xfrm>
+            <a:off x="379415" y="182216"/>
+            <a:ext cx="11521431" cy="1063487"/>
+          </a:xfrm>
+          <a:prstGeom prst="rect">
+            <a:avLst/>
+          </a:prstGeom>
+        </p:spPr>
+        <p:txBody>
+          <a:bodyPr vert="horz" lIns="91409" tIns="45705" rIns="91409" bIns="45705" rtlCol="0" anchor="t" anchorCtr="0">
+            <a:normAutofit/>
+          </a:bodyPr>
+          <a:lstStyle/>
+          <a:p>
+            <a:r>
+              <a:rPr lang="en-US" dirty="0" smtClean="0"/>
+              <a:t>Click to edit Master title style</a:t>
+            </a:r>
+            <a:endParaRPr lang="en-US" dirty="0"/>
+          </a:p>
+        </p:txBody>
+      </p:sp>
+    </p:spTree>
+    <p:extLst>
+      <p:ext uri="{BB962C8B-B14F-4D97-AF65-F5344CB8AC3E}">
+        <p14:creationId xmlns:p14="http://schemas.microsoft.com/office/powerpoint/2010/main" val="3490274278"/>
+      </p:ext>
+    </p:extLst>
+  </p:cSld>
+  <p:clrMap bg1="lt1" tx1="dk1" bg2="lt2" tx2="dk2" accent1="accent1" accent2="accent2" accent3="accent3" accent4="accent4" accent5="accent5" accent6="accent6" hlink="hlink" folHlink="folHlink"/>
+  <p:sldLayoutIdLst>
+    <p:sldLayoutId id="2147483861" r:id="rId1"/>
+    <p:sldLayoutId id="2147483862" r:id="rId2"/>
+    <p:sldLayoutId id="2147483863" r:id="rId3"/>
+    <p:sldLayoutId id="2147483864" r:id="rId4"/>
+    <p:sldLayoutId id="2147483865" r:id="rId5"/>
+    <p:sldLayoutId id="2147483866" r:id="rId6"/>
+    <p:sldLayoutId id="2147483867" r:id="rId7"/>
+    <p:sldLayoutId id="2147483868" r:id="rId8"/>
+    <p:sldLayoutId id="2147483869" r:id="rId9"/>
+  </p:sldLayoutIdLst>
+  <p:timing>
+    <p:tnLst>
+      <p:par>
+        <p:cTn id="1" dur="indefinite" restart="never" nodeType="tmRoot"/>
+      </p:par>
+    </p:tnLst>
+  </p:timing>
+  <p:txStyles>
+    <p:titleStyle>
+      <a:lvl1pPr algn="l" defTabSz="913814" rtl="0" eaLnBrk="1" latinLnBrk="0" hangingPunct="1">
+        <a:lnSpc>
+          <a:spcPct val="80000"/>
+        </a:lnSpc>
+        <a:spcBef>
+          <a:spcPct val="0"/>
+        </a:spcBef>
+        <a:buNone/>
+        <a:defRPr sz="4399" kern="1200">
+          <a:solidFill>
+            <a:schemeClr val="tx1"/>
+          </a:solidFill>
+          <a:latin typeface="Segoe UI Light" panose="020B0502040204020203" pitchFamily="34" charset="0"/>
+          <a:ea typeface="Segoe UI Light" panose="020B0502040204020203" pitchFamily="34" charset="0"/>
+          <a:cs typeface="Segoe UI Light" panose="020B0502040204020203" pitchFamily="34" charset="0"/>
+        </a:defRPr>
+      </a:lvl1pPr>
+    </p:titleStyle>
+    <p:bodyStyle>
+      <a:lvl1pPr marL="342680" indent="-342680" algn="l" defTabSz="913814" rtl="0" eaLnBrk="1" latinLnBrk="0" hangingPunct="1">
+        <a:spcBef>
+          <a:spcPts val="1200"/>
+        </a:spcBef>
+        <a:buFont typeface="Arial" pitchFamily="34" charset="0"/>
+        <a:buChar char="•"/>
+        <a:defRPr sz="3199" b="1" kern="0" baseline="0">
+          <a:solidFill>
+            <a:schemeClr val="tx1"/>
+          </a:solidFill>
+          <a:latin typeface="Segoe UI Light" panose="020B0502040204020203" pitchFamily="34" charset="0"/>
+          <a:ea typeface="Segoe UI Light" panose="020B0502040204020203" pitchFamily="34" charset="0"/>
+          <a:cs typeface="Segoe UI Light" panose="020B0502040204020203" pitchFamily="34" charset="0"/>
+        </a:defRPr>
+      </a:lvl1pPr>
+      <a:lvl2pPr marL="742475" indent="-285566" algn="l" defTabSz="913814" rtl="0" eaLnBrk="1" latinLnBrk="0" hangingPunct="1">
+        <a:spcBef>
+          <a:spcPts val="300"/>
+        </a:spcBef>
+        <a:spcAft>
+          <a:spcPts val="300"/>
+        </a:spcAft>
+        <a:buFont typeface="Arial" pitchFamily="34" charset="0"/>
+        <a:buChar char="–"/>
+        <a:defRPr sz="2799" kern="0" baseline="0">
+          <a:solidFill>
+            <a:schemeClr val="tx1"/>
+          </a:solidFill>
+          <a:latin typeface="Segoe UI Light" panose="020B0502040204020203" pitchFamily="34" charset="0"/>
+          <a:ea typeface="Segoe UI Light" panose="020B0502040204020203" pitchFamily="34" charset="0"/>
+          <a:cs typeface="Segoe UI Light" panose="020B0502040204020203" pitchFamily="34" charset="0"/>
+        </a:defRPr>
+      </a:lvl2pPr>
+      <a:lvl3pPr marL="1142269" indent="-228453" algn="l" defTabSz="913814" rtl="0" eaLnBrk="1" latinLnBrk="0" hangingPunct="1">
+        <a:spcBef>
+          <a:spcPts val="200"/>
+        </a:spcBef>
+        <a:spcAft>
+          <a:spcPts val="200"/>
+        </a:spcAft>
+        <a:buFont typeface="Arial" pitchFamily="34" charset="0"/>
+        <a:buChar char="•"/>
+        <a:defRPr sz="2399" kern="0" baseline="0">
+          <a:solidFill>
+            <a:schemeClr val="tx1"/>
+          </a:solidFill>
+          <a:latin typeface="Segoe UI Light" panose="020B0502040204020203" pitchFamily="34" charset="0"/>
+          <a:ea typeface="Segoe UI Light" panose="020B0502040204020203" pitchFamily="34" charset="0"/>
+          <a:cs typeface="Segoe UI Light" panose="020B0502040204020203" pitchFamily="34" charset="0"/>
+        </a:defRPr>
+      </a:lvl3pPr>
+      <a:lvl4pPr marL="1599177" indent="-228453" algn="l" defTabSz="913814" rtl="0" eaLnBrk="1" latinLnBrk="0" hangingPunct="1">
+        <a:spcBef>
+          <a:spcPct val="20000"/>
+        </a:spcBef>
+        <a:buFont typeface="Arial" pitchFamily="34" charset="0"/>
+        <a:buChar char="–"/>
+        <a:defRPr sz="1999" kern="0" baseline="0">
+          <a:solidFill>
+            <a:schemeClr val="tx1"/>
+          </a:solidFill>
+          <a:latin typeface="Segoe UI Light" panose="020B0502040204020203" pitchFamily="34" charset="0"/>
+          <a:ea typeface="Segoe UI Light" panose="020B0502040204020203" pitchFamily="34" charset="0"/>
+          <a:cs typeface="Segoe UI Light" panose="020B0502040204020203" pitchFamily="34" charset="0"/>
+        </a:defRPr>
+      </a:lvl4pPr>
+      <a:lvl5pPr marL="2056083" indent="-228453" algn="l" defTabSz="913814" rtl="0" eaLnBrk="1" latinLnBrk="0" hangingPunct="1">
+        <a:spcBef>
+          <a:spcPct val="20000"/>
+        </a:spcBef>
+        <a:buFont typeface="Arial" pitchFamily="34" charset="0"/>
+        <a:buChar char="»"/>
+        <a:defRPr sz="1999" kern="0" baseline="0">
+          <a:solidFill>
+            <a:schemeClr val="tx1"/>
+          </a:solidFill>
+          <a:latin typeface="Segoe UI Light" panose="020B0502040204020203" pitchFamily="34" charset="0"/>
+          <a:ea typeface="Segoe UI Light" panose="020B0502040204020203" pitchFamily="34" charset="0"/>
+          <a:cs typeface="Segoe UI Light" panose="020B0502040204020203" pitchFamily="34" charset="0"/>
+        </a:defRPr>
+      </a:lvl5pPr>
+      <a:lvl6pPr marL="2512991" indent="-228453" algn="l" defTabSz="913814" rtl="0" eaLnBrk="1" latinLnBrk="0" hangingPunct="1">
+        <a:spcBef>
+          <a:spcPct val="20000"/>
+        </a:spcBef>
+        <a:buFont typeface="Arial" pitchFamily="34" charset="0"/>
+        <a:buChar char="•"/>
+        <a:defRPr sz="1999" kern="1200">
+          <a:solidFill>
+            <a:schemeClr val="tx1"/>
+          </a:solidFill>
+          <a:latin typeface="+mn-lt"/>
+          <a:ea typeface="+mn-ea"/>
+          <a:cs typeface="+mn-cs"/>
+        </a:defRPr>
+      </a:lvl6pPr>
+      <a:lvl7pPr marL="2969898" indent="-228453" algn="l" defTabSz="913814" rtl="0" eaLnBrk="1" latinLnBrk="0" hangingPunct="1">
+        <a:spcBef>
+          <a:spcPct val="20000"/>
+        </a:spcBef>
+        <a:buFont typeface="Arial" pitchFamily="34" charset="0"/>
+        <a:buChar char="•"/>
+        <a:defRPr sz="1999" kern="1200">
+          <a:solidFill>
+            <a:schemeClr val="tx1"/>
+          </a:solidFill>
+          <a:latin typeface="+mn-lt"/>
+          <a:ea typeface="+mn-ea"/>
+          <a:cs typeface="+mn-cs"/>
+        </a:defRPr>
+      </a:lvl7pPr>
+      <a:lvl8pPr marL="3426805" indent="-228453" algn="l" defTabSz="913814" rtl="0" eaLnBrk="1" latinLnBrk="0" hangingPunct="1">
+        <a:spcBef>
+          <a:spcPct val="20000"/>
+        </a:spcBef>
+        <a:buFont typeface="Arial" pitchFamily="34" charset="0"/>
+        <a:buChar char="•"/>
+        <a:defRPr sz="1999" kern="1200">
+          <a:solidFill>
+            <a:schemeClr val="tx1"/>
+          </a:solidFill>
+          <a:latin typeface="+mn-lt"/>
+          <a:ea typeface="+mn-ea"/>
+          <a:cs typeface="+mn-cs"/>
+        </a:defRPr>
+      </a:lvl8pPr>
+      <a:lvl9pPr marL="3883713" indent="-228453" algn="l" defTabSz="913814" rtl="0" eaLnBrk="1" latinLnBrk="0" hangingPunct="1">
+        <a:spcBef>
+          <a:spcPct val="20000"/>
+        </a:spcBef>
+        <a:buFont typeface="Arial" pitchFamily="34" charset="0"/>
+        <a:buChar char="•"/>
+        <a:defRPr sz="1999" kern="1200">
+          <a:solidFill>
+            <a:schemeClr val="tx1"/>
+          </a:solidFill>
+          <a:latin typeface="+mn-lt"/>
+          <a:ea typeface="+mn-ea"/>
+          <a:cs typeface="+mn-cs"/>
+        </a:defRPr>
+      </a:lvl9pPr>
+    </p:bodyStyle>
+    <p:otherStyle>
+      <a:defPPr>
+        <a:defRPr lang="en-US"/>
+      </a:defPPr>
+      <a:lvl1pPr marL="0" algn="l" defTabSz="913814" rtl="0" eaLnBrk="1" latinLnBrk="0" hangingPunct="1">
+        <a:defRPr sz="1799" kern="1200">
+          <a:solidFill>
+            <a:schemeClr val="tx1"/>
+          </a:solidFill>
+          <a:latin typeface="+mn-lt"/>
+          <a:ea typeface="+mn-ea"/>
+          <a:cs typeface="+mn-cs"/>
+        </a:defRPr>
+      </a:lvl1pPr>
+      <a:lvl2pPr marL="456907" algn="l" defTabSz="913814" rtl="0" eaLnBrk="1" latinLnBrk="0" hangingPunct="1">
+        <a:defRPr sz="1799" kern="1200">
+          <a:solidFill>
+            <a:schemeClr val="tx1"/>
+          </a:solidFill>
+          <a:latin typeface="+mn-lt"/>
+          <a:ea typeface="+mn-ea"/>
+          <a:cs typeface="+mn-cs"/>
+        </a:defRPr>
+      </a:lvl2pPr>
+      <a:lvl3pPr marL="913814" algn="l" defTabSz="913814" rtl="0" eaLnBrk="1" latinLnBrk="0" hangingPunct="1">
+        <a:defRPr sz="1799" kern="1200">
+          <a:solidFill>
+            <a:schemeClr val="tx1"/>
+          </a:solidFill>
+          <a:latin typeface="+mn-lt"/>
+          <a:ea typeface="+mn-ea"/>
+          <a:cs typeface="+mn-cs"/>
+        </a:defRPr>
+      </a:lvl3pPr>
+      <a:lvl4pPr marL="1370722" algn="l" defTabSz="913814" rtl="0" eaLnBrk="1" latinLnBrk="0" hangingPunct="1">
+        <a:defRPr sz="1799" kern="1200">
+          <a:solidFill>
+            <a:schemeClr val="tx1"/>
+          </a:solidFill>
+          <a:latin typeface="+mn-lt"/>
+          <a:ea typeface="+mn-ea"/>
+          <a:cs typeface="+mn-cs"/>
+        </a:defRPr>
+      </a:lvl4pPr>
+      <a:lvl5pPr marL="1827630" algn="l" defTabSz="913814" rtl="0" eaLnBrk="1" latinLnBrk="0" hangingPunct="1">
+        <a:defRPr sz="1799" kern="1200">
+          <a:solidFill>
+            <a:schemeClr val="tx1"/>
+          </a:solidFill>
+          <a:latin typeface="+mn-lt"/>
+          <a:ea typeface="+mn-ea"/>
+          <a:cs typeface="+mn-cs"/>
+        </a:defRPr>
+      </a:lvl5pPr>
+      <a:lvl6pPr marL="2284536" algn="l" defTabSz="913814" rtl="0" eaLnBrk="1" latinLnBrk="0" hangingPunct="1">
+        <a:defRPr sz="1799" kern="1200">
+          <a:solidFill>
+            <a:schemeClr val="tx1"/>
+          </a:solidFill>
+          <a:latin typeface="+mn-lt"/>
+          <a:ea typeface="+mn-ea"/>
+          <a:cs typeface="+mn-cs"/>
+        </a:defRPr>
+      </a:lvl6pPr>
+      <a:lvl7pPr marL="2741444" algn="l" defTabSz="913814" rtl="0" eaLnBrk="1" latinLnBrk="0" hangingPunct="1">
+        <a:defRPr sz="1799" kern="1200">
+          <a:solidFill>
+            <a:schemeClr val="tx1"/>
+          </a:solidFill>
+          <a:latin typeface="+mn-lt"/>
+          <a:ea typeface="+mn-ea"/>
+          <a:cs typeface="+mn-cs"/>
+        </a:defRPr>
+      </a:lvl7pPr>
+      <a:lvl8pPr marL="3198351" algn="l" defTabSz="913814" rtl="0" eaLnBrk="1" latinLnBrk="0" hangingPunct="1">
+        <a:defRPr sz="1799" kern="1200">
+          <a:solidFill>
+            <a:schemeClr val="tx1"/>
+          </a:solidFill>
+          <a:latin typeface="+mn-lt"/>
+          <a:ea typeface="+mn-ea"/>
+          <a:cs typeface="+mn-cs"/>
+        </a:defRPr>
+      </a:lvl8pPr>
+      <a:lvl9pPr marL="3655261" algn="l" defTabSz="913814" rtl="0" eaLnBrk="1" latinLnBrk="0" hangingPunct="1">
+        <a:defRPr sz="1799" kern="1200">
+          <a:solidFill>
+            <a:schemeClr val="tx1"/>
+          </a:solidFill>
+          <a:latin typeface="+mn-lt"/>
+          <a:ea typeface="+mn-ea"/>
+          <a:cs typeface="+mn-cs"/>
+        </a:defRPr>
+      </a:lvl9pPr>
+    </p:otherStyle>
+  </p:txStyles>
+</p:sldMaster>
+</file>
+
 <file path=ppt/slides/slide1.xml><?xml version="1.0" encoding="utf-8"?>
 <p:sld xmlns:a="http://schemas.openxmlformats.org/drawingml/2006/main" xmlns:r="http://schemas.openxmlformats.org/officeDocument/2006/relationships" xmlns:p="http://schemas.openxmlformats.org/presentationml/2006/main">
   <p:cSld>
@@ -4523,30 +8223,7 @@
       </p:grpSpPr>
       <p:sp>
         <p:nvSpPr>
-          <p:cNvPr id="4" name="Title 3"/>
-          <p:cNvSpPr>
-            <a:spLocks noGrp="1"/>
-          </p:cNvSpPr>
-          <p:nvPr>
-            <p:ph type="ctrTitle"/>
-          </p:nvPr>
-        </p:nvSpPr>
-        <p:spPr/>
-        <p:txBody>
-          <a:bodyPr/>
-          <a:lstStyle/>
-          <a:p>
-            <a:r>
-              <a:rPr lang="en-US" dirty="0" smtClean="0"/>
-              <a:t>Developer Productivity: What’s New in C# 6</a:t>
-            </a:r>
-            <a:endParaRPr lang="en-US" dirty="0"/>
-          </a:p>
-        </p:txBody>
-      </p:sp>
-      <p:sp>
-        <p:nvSpPr>
-          <p:cNvPr id="5" name="Subtitle 4"/>
+          <p:cNvPr id="4" name="Subtitle 3"/>
           <p:cNvSpPr>
             <a:spLocks noGrp="1"/>
           </p:cNvSpPr>
@@ -4556,51 +8233,83 @@
         </p:nvSpPr>
         <p:spPr/>
         <p:txBody>
+          <a:bodyPr>
+            <a:normAutofit/>
+          </a:bodyPr>
+          <a:lstStyle/>
+          <a:p>
+            <a:r>
+              <a:rPr lang="en-US" dirty="0"/>
+              <a:t>Bill </a:t>
+            </a:r>
+            <a:r>
+              <a:rPr lang="en-US" dirty="0" smtClean="0"/>
+              <a:t>Wagner | Author, Consultant</a:t>
+            </a:r>
+            <a:endParaRPr lang="en-US" dirty="0"/>
+          </a:p>
+          <a:p>
+            <a:r>
+              <a:rPr lang="en-US" dirty="0" smtClean="0"/>
+              <a:t>Anthony </a:t>
+            </a:r>
+            <a:r>
+              <a:rPr lang="en-US" dirty="0"/>
+              <a:t>D. </a:t>
+            </a:r>
+            <a:r>
+              <a:rPr lang="en-US" dirty="0" smtClean="0"/>
+              <a:t>Green | Managed </a:t>
+            </a:r>
+            <a:r>
+              <a:rPr lang="en-US" dirty="0"/>
+              <a:t>Languages Program </a:t>
+            </a:r>
+            <a:r>
+              <a:rPr lang="en-US" dirty="0" smtClean="0"/>
+              <a:t>Manager</a:t>
+            </a:r>
+            <a:endParaRPr lang="en-US" dirty="0"/>
+          </a:p>
+        </p:txBody>
+      </p:sp>
+      <p:sp>
+        <p:nvSpPr>
+          <p:cNvPr id="2" name="Title 1"/>
+          <p:cNvSpPr>
+            <a:spLocks noGrp="1"/>
+          </p:cNvSpPr>
+          <p:nvPr>
+            <p:ph type="ctrTitle"/>
+          </p:nvPr>
+        </p:nvSpPr>
+        <p:spPr>
+          <a:solidFill>
+            <a:srgbClr val="007233"/>
+          </a:solidFill>
+        </p:spPr>
+        <p:txBody>
           <a:bodyPr/>
           <a:lstStyle/>
           <a:p>
             <a:r>
-              <a:rPr lang="en-US" dirty="0" smtClean="0"/>
-              <a:t>Bill Wagner</a:t>
-            </a:r>
-          </a:p>
-          <a:p>
-            <a:r>
-              <a:rPr lang="en-US" dirty="0" smtClean="0"/>
-              <a:t>Author / Consultant</a:t>
-            </a:r>
-          </a:p>
-          <a:p>
-            <a:endParaRPr lang="en-US" dirty="0" smtClean="0"/>
-          </a:p>
-          <a:p>
-            <a:r>
-              <a:rPr lang="en-US" dirty="0" smtClean="0"/>
-              <a:t>Anthony D. Green</a:t>
-            </a:r>
-          </a:p>
-          <a:p>
-            <a:r>
-              <a:rPr lang="en-US" dirty="0" smtClean="0"/>
-              <a:t>Managed Languages Program Manager</a:t>
-            </a:r>
-            <a:endParaRPr lang="en-US" dirty="0"/>
+              <a:rPr lang="en-US" sz="4000" dirty="0"/>
+              <a:t>Developer Productivity: What’s New in C# 6</a:t>
+            </a:r>
+            <a:endParaRPr lang="en-US" sz="3999" dirty="0"/>
           </a:p>
         </p:txBody>
       </p:sp>
     </p:spTree>
     <p:extLst>
       <p:ext uri="{BB962C8B-B14F-4D97-AF65-F5344CB8AC3E}">
-        <p14:creationId xmlns:p14="http://schemas.microsoft.com/office/powerpoint/2010/main" val="1125571563"/>
+        <p14:creationId xmlns:p14="http://schemas.microsoft.com/office/powerpoint/2010/main" val="1390626245"/>
       </p:ext>
     </p:extLst>
   </p:cSld>
   <p:clrMapOvr>
     <a:masterClrMapping/>
   </p:clrMapOvr>
-  <p:transition>
-    <p:fade/>
-  </p:transition>
   <p:timing>
     <p:tnLst>
       <p:par>
@@ -4653,47 +8362,2081 @@
       </p:sp>
       <p:sp>
         <p:nvSpPr>
-          <p:cNvPr id="4" name="TextBox 3"/>
-          <p:cNvSpPr txBox="1"/>
-          <p:nvPr/>
+          <p:cNvPr id="6" name="Text Placeholder 7"/>
+          <p:cNvSpPr>
+            <a:spLocks noGrp="1"/>
+          </p:cNvSpPr>
+          <p:nvPr>
+            <p:ph sz="quarter" idx="10"/>
+          </p:nvPr>
         </p:nvSpPr>
         <p:spPr>
           <a:xfrm>
-            <a:off x="9906000" y="-1"/>
-            <a:ext cx="2286000" cy="2031325"/>
+            <a:off x="327503" y="2031324"/>
+            <a:ext cx="11533187" cy="5159375"/>
+          </a:xfrm>
+        </p:spPr>
+        <p:txBody>
+          <a:bodyPr/>
+          <a:lstStyle/>
+          <a:p>
+            <a:r>
+              <a:rPr lang="en-US" sz="2800" dirty="0" err="1" smtClean="0"/>
+              <a:t>nameof</a:t>
+            </a:r>
+            <a:endParaRPr lang="en-US" sz="2800" dirty="0" smtClean="0"/>
+          </a:p>
+          <a:p>
+            <a:r>
+              <a:rPr lang="en-US" sz="2800" dirty="0" smtClean="0"/>
+              <a:t>Dictionary Initializers</a:t>
+            </a:r>
+          </a:p>
+          <a:p>
+            <a:r>
+              <a:rPr lang="en-US" sz="2800" dirty="0" smtClean="0"/>
+              <a:t>Exception Filters</a:t>
+            </a:r>
+          </a:p>
+          <a:p>
+            <a:r>
+              <a:rPr lang="en-US" sz="2800" dirty="0" smtClean="0"/>
+              <a:t>Await in Catch and Finally</a:t>
+            </a:r>
+          </a:p>
+        </p:txBody>
+      </p:sp>
+    </p:spTree>
+    <p:extLst>
+      <p:ext uri="{BB962C8B-B14F-4D97-AF65-F5344CB8AC3E}">
+        <p14:creationId xmlns:p14="http://schemas.microsoft.com/office/powerpoint/2010/main" val="1206554988"/>
+      </p:ext>
+    </p:extLst>
+  </p:cSld>
+  <p:clrMapOvr>
+    <a:masterClrMapping/>
+  </p:clrMapOvr>
+  <p:transition>
+    <p:fade/>
+  </p:transition>
+  <p:timing>
+    <p:tnLst>
+      <p:par>
+        <p:cTn id="1" dur="indefinite" restart="never" nodeType="tmRoot">
+          <p:childTnLst>
+            <p:seq concurrent="1" nextAc="seek">
+              <p:cTn id="2" dur="indefinite" nodeType="mainSeq">
+                <p:childTnLst>
+                  <p:par>
+                    <p:cTn id="3" fill="hold">
+                      <p:stCondLst>
+                        <p:cond delay="indefinite"/>
+                      </p:stCondLst>
+                      <p:childTnLst>
+                        <p:par>
+                          <p:cTn id="4" fill="hold">
+                            <p:stCondLst>
+                              <p:cond delay="0"/>
+                            </p:stCondLst>
+                            <p:childTnLst>
+                              <p:par>
+                                <p:cTn id="5" presetID="10" presetClass="entr" presetSubtype="0" fill="hold" grpId="0" nodeType="clickEffect">
+                                  <p:stCondLst>
+                                    <p:cond delay="0"/>
+                                  </p:stCondLst>
+                                  <p:childTnLst>
+                                    <p:set>
+                                      <p:cBhvr>
+                                        <p:cTn id="6" dur="1" fill="hold">
+                                          <p:stCondLst>
+                                            <p:cond delay="0"/>
+                                          </p:stCondLst>
+                                        </p:cTn>
+                                        <p:tgtEl>
+                                          <p:spTgt spid="6">
+                                            <p:txEl>
+                                              <p:pRg st="0" end="0"/>
+                                            </p:txEl>
+                                          </p:spTgt>
+                                        </p:tgtEl>
+                                        <p:attrNameLst>
+                                          <p:attrName>style.visibility</p:attrName>
+                                        </p:attrNameLst>
+                                      </p:cBhvr>
+                                      <p:to>
+                                        <p:strVal val="visible"/>
+                                      </p:to>
+                                    </p:set>
+                                    <p:animEffect transition="in" filter="fade">
+                                      <p:cBhvr>
+                                        <p:cTn id="7" dur="500"/>
+                                        <p:tgtEl>
+                                          <p:spTgt spid="6">
+                                            <p:txEl>
+                                              <p:pRg st="0" end="0"/>
+                                            </p:txEl>
+                                          </p:spTgt>
+                                        </p:tgtEl>
+                                      </p:cBhvr>
+                                    </p:animEffect>
+                                  </p:childTnLst>
+                                </p:cTn>
+                              </p:par>
+                            </p:childTnLst>
+                          </p:cTn>
+                        </p:par>
+                      </p:childTnLst>
+                    </p:cTn>
+                  </p:par>
+                  <p:par>
+                    <p:cTn id="8" fill="hold">
+                      <p:stCondLst>
+                        <p:cond delay="indefinite"/>
+                      </p:stCondLst>
+                      <p:childTnLst>
+                        <p:par>
+                          <p:cTn id="9" fill="hold">
+                            <p:stCondLst>
+                              <p:cond delay="0"/>
+                            </p:stCondLst>
+                            <p:childTnLst>
+                              <p:par>
+                                <p:cTn id="10" presetID="10" presetClass="entr" presetSubtype="0" fill="hold" grpId="0" nodeType="clickEffect">
+                                  <p:stCondLst>
+                                    <p:cond delay="0"/>
+                                  </p:stCondLst>
+                                  <p:childTnLst>
+                                    <p:set>
+                                      <p:cBhvr>
+                                        <p:cTn id="11" dur="1" fill="hold">
+                                          <p:stCondLst>
+                                            <p:cond delay="0"/>
+                                          </p:stCondLst>
+                                        </p:cTn>
+                                        <p:tgtEl>
+                                          <p:spTgt spid="6">
+                                            <p:txEl>
+                                              <p:pRg st="1" end="1"/>
+                                            </p:txEl>
+                                          </p:spTgt>
+                                        </p:tgtEl>
+                                        <p:attrNameLst>
+                                          <p:attrName>style.visibility</p:attrName>
+                                        </p:attrNameLst>
+                                      </p:cBhvr>
+                                      <p:to>
+                                        <p:strVal val="visible"/>
+                                      </p:to>
+                                    </p:set>
+                                    <p:animEffect transition="in" filter="fade">
+                                      <p:cBhvr>
+                                        <p:cTn id="12" dur="500"/>
+                                        <p:tgtEl>
+                                          <p:spTgt spid="6">
+                                            <p:txEl>
+                                              <p:pRg st="1" end="1"/>
+                                            </p:txEl>
+                                          </p:spTgt>
+                                        </p:tgtEl>
+                                      </p:cBhvr>
+                                    </p:animEffect>
+                                  </p:childTnLst>
+                                </p:cTn>
+                              </p:par>
+                            </p:childTnLst>
+                          </p:cTn>
+                        </p:par>
+                      </p:childTnLst>
+                    </p:cTn>
+                  </p:par>
+                  <p:par>
+                    <p:cTn id="13" fill="hold">
+                      <p:stCondLst>
+                        <p:cond delay="indefinite"/>
+                      </p:stCondLst>
+                      <p:childTnLst>
+                        <p:par>
+                          <p:cTn id="14" fill="hold">
+                            <p:stCondLst>
+                              <p:cond delay="0"/>
+                            </p:stCondLst>
+                            <p:childTnLst>
+                              <p:par>
+                                <p:cTn id="15" presetID="10" presetClass="entr" presetSubtype="0" fill="hold" grpId="0" nodeType="clickEffect">
+                                  <p:stCondLst>
+                                    <p:cond delay="0"/>
+                                  </p:stCondLst>
+                                  <p:childTnLst>
+                                    <p:set>
+                                      <p:cBhvr>
+                                        <p:cTn id="16" dur="1" fill="hold">
+                                          <p:stCondLst>
+                                            <p:cond delay="0"/>
+                                          </p:stCondLst>
+                                        </p:cTn>
+                                        <p:tgtEl>
+                                          <p:spTgt spid="6">
+                                            <p:txEl>
+                                              <p:pRg st="2" end="2"/>
+                                            </p:txEl>
+                                          </p:spTgt>
+                                        </p:tgtEl>
+                                        <p:attrNameLst>
+                                          <p:attrName>style.visibility</p:attrName>
+                                        </p:attrNameLst>
+                                      </p:cBhvr>
+                                      <p:to>
+                                        <p:strVal val="visible"/>
+                                      </p:to>
+                                    </p:set>
+                                    <p:animEffect transition="in" filter="fade">
+                                      <p:cBhvr>
+                                        <p:cTn id="17" dur="500"/>
+                                        <p:tgtEl>
+                                          <p:spTgt spid="6">
+                                            <p:txEl>
+                                              <p:pRg st="2" end="2"/>
+                                            </p:txEl>
+                                          </p:spTgt>
+                                        </p:tgtEl>
+                                      </p:cBhvr>
+                                    </p:animEffect>
+                                  </p:childTnLst>
+                                </p:cTn>
+                              </p:par>
+                            </p:childTnLst>
+                          </p:cTn>
+                        </p:par>
+                      </p:childTnLst>
+                    </p:cTn>
+                  </p:par>
+                  <p:par>
+                    <p:cTn id="18" fill="hold">
+                      <p:stCondLst>
+                        <p:cond delay="indefinite"/>
+                      </p:stCondLst>
+                      <p:childTnLst>
+                        <p:par>
+                          <p:cTn id="19" fill="hold">
+                            <p:stCondLst>
+                              <p:cond delay="0"/>
+                            </p:stCondLst>
+                            <p:childTnLst>
+                              <p:par>
+                                <p:cTn id="20" presetID="10" presetClass="entr" presetSubtype="0" fill="hold" grpId="0" nodeType="clickEffect">
+                                  <p:stCondLst>
+                                    <p:cond delay="0"/>
+                                  </p:stCondLst>
+                                  <p:childTnLst>
+                                    <p:set>
+                                      <p:cBhvr>
+                                        <p:cTn id="21" dur="1" fill="hold">
+                                          <p:stCondLst>
+                                            <p:cond delay="0"/>
+                                          </p:stCondLst>
+                                        </p:cTn>
+                                        <p:tgtEl>
+                                          <p:spTgt spid="6">
+                                            <p:txEl>
+                                              <p:pRg st="3" end="3"/>
+                                            </p:txEl>
+                                          </p:spTgt>
+                                        </p:tgtEl>
+                                        <p:attrNameLst>
+                                          <p:attrName>style.visibility</p:attrName>
+                                        </p:attrNameLst>
+                                      </p:cBhvr>
+                                      <p:to>
+                                        <p:strVal val="visible"/>
+                                      </p:to>
+                                    </p:set>
+                                    <p:animEffect transition="in" filter="fade">
+                                      <p:cBhvr>
+                                        <p:cTn id="22" dur="500"/>
+                                        <p:tgtEl>
+                                          <p:spTgt spid="6">
+                                            <p:txEl>
+                                              <p:pRg st="3" end="3"/>
+                                            </p:txEl>
+                                          </p:spTgt>
+                                        </p:tgtEl>
+                                      </p:cBhvr>
+                                    </p:animEffect>
+                                  </p:childTnLst>
+                                </p:cTn>
+                              </p:par>
+                            </p:childTnLst>
+                          </p:cTn>
+                        </p:par>
+                      </p:childTnLst>
+                    </p:cTn>
+                  </p:par>
+                </p:childTnLst>
+              </p:cTn>
+              <p:prevCondLst>
+                <p:cond evt="onPrev" delay="0">
+                  <p:tgtEl>
+                    <p:sldTgt/>
+                  </p:tgtEl>
+                </p:cond>
+              </p:prevCondLst>
+              <p:nextCondLst>
+                <p:cond evt="onNext" delay="0">
+                  <p:tgtEl>
+                    <p:sldTgt/>
+                  </p:tgtEl>
+                </p:cond>
+              </p:nextCondLst>
+            </p:seq>
+          </p:childTnLst>
+        </p:cTn>
+      </p:par>
+    </p:tnLst>
+    <p:bldLst>
+      <p:bldP spid="6" grpId="0" build="p"/>
+    </p:bldLst>
+  </p:timing>
+</p:sld>
+</file>
+
+<file path=ppt/slides/slide11.xml><?xml version="1.0" encoding="utf-8"?>
+<p:sld xmlns:a="http://schemas.openxmlformats.org/drawingml/2006/main" xmlns:r="http://schemas.openxmlformats.org/officeDocument/2006/relationships" xmlns:p="http://schemas.openxmlformats.org/presentationml/2006/main">
+  <p:cSld>
+    <p:spTree>
+      <p:nvGrpSpPr>
+        <p:cNvPr id="1" name=""/>
+        <p:cNvGrpSpPr/>
+        <p:nvPr/>
+      </p:nvGrpSpPr>
+      <p:grpSpPr>
+        <a:xfrm>
+          <a:off x="0" y="0"/>
+          <a:ext cx="0" cy="0"/>
+          <a:chOff x="0" y="0"/>
+          <a:chExt cx="0" cy="0"/>
+        </a:xfrm>
+      </p:grpSpPr>
+    </p:spTree>
+    <p:extLst>
+      <p:ext uri="{BB962C8B-B14F-4D97-AF65-F5344CB8AC3E}">
+        <p14:creationId xmlns:p14="http://schemas.microsoft.com/office/powerpoint/2010/main" val="137034456"/>
+      </p:ext>
+    </p:extLst>
+  </p:cSld>
+  <p:clrMapOvr>
+    <a:masterClrMapping/>
+  </p:clrMapOvr>
+</p:sld>
+</file>
+
+<file path=ppt/slides/slide2.xml><?xml version="1.0" encoding="utf-8"?>
+<p:sld xmlns:a="http://schemas.openxmlformats.org/drawingml/2006/main" xmlns:r="http://schemas.openxmlformats.org/officeDocument/2006/relationships" xmlns:p="http://schemas.openxmlformats.org/presentationml/2006/main">
+  <p:cSld>
+    <p:spTree>
+      <p:nvGrpSpPr>
+        <p:cNvPr id="1" name=""/>
+        <p:cNvGrpSpPr/>
+        <p:nvPr/>
+      </p:nvGrpSpPr>
+      <p:grpSpPr>
+        <a:xfrm>
+          <a:off x="0" y="0"/>
+          <a:ext cx="0" cy="0"/>
+          <a:chOff x="0" y="0"/>
+          <a:chExt cx="0" cy="0"/>
+        </a:xfrm>
+      </p:grpSpPr>
+      <p:sp>
+        <p:nvSpPr>
+          <p:cNvPr id="2" name="Title 1"/>
+          <p:cNvSpPr>
+            <a:spLocks noGrp="1"/>
+          </p:cNvSpPr>
+          <p:nvPr>
+            <p:ph type="title"/>
+          </p:nvPr>
+        </p:nvSpPr>
+        <p:spPr/>
+        <p:txBody>
+          <a:bodyPr/>
+          <a:lstStyle/>
+          <a:p>
+            <a:r>
+              <a:rPr lang="en-US" dirty="0" smtClean="0"/>
+              <a:t>Meet </a:t>
+            </a:r>
+            <a:r>
+              <a:rPr lang="en-US" smtClean="0"/>
+              <a:t>Bill Wagner | </a:t>
+            </a:r>
+            <a:r>
+              <a:rPr lang="en-US" dirty="0" smtClean="0"/>
+              <a:t>@</a:t>
+            </a:r>
+            <a:r>
+              <a:rPr lang="en-US" dirty="0" err="1" smtClean="0"/>
+              <a:t>billwagner</a:t>
+            </a:r>
+            <a:endParaRPr lang="en-US" dirty="0"/>
+          </a:p>
+        </p:txBody>
+      </p:sp>
+      <p:sp>
+        <p:nvSpPr>
+          <p:cNvPr id="7" name="Content Placeholder 6"/>
+          <p:cNvSpPr>
+            <a:spLocks noGrp="1"/>
+          </p:cNvSpPr>
+          <p:nvPr>
+            <p:ph sz="quarter" idx="10"/>
+          </p:nvPr>
+        </p:nvSpPr>
+        <p:spPr/>
+        <p:txBody>
+          <a:bodyPr/>
+          <a:lstStyle/>
+          <a:p>
+            <a:r>
+              <a:rPr lang="en-US" dirty="0" smtClean="0">
+                <a:solidFill>
+                  <a:srgbClr val="002050"/>
+                </a:solidFill>
+              </a:rPr>
+              <a:t>Author</a:t>
+            </a:r>
+            <a:endParaRPr lang="en-US" dirty="0">
+              <a:solidFill>
+                <a:srgbClr val="002050"/>
+              </a:solidFill>
+            </a:endParaRPr>
+          </a:p>
+          <a:p>
+            <a:pPr lvl="1"/>
+            <a:r>
+              <a:rPr lang="en-US" dirty="0" smtClean="0">
+                <a:solidFill>
+                  <a:srgbClr val="002050"/>
+                </a:solidFill>
+              </a:rPr>
+              <a:t>Effective C#</a:t>
+            </a:r>
+          </a:p>
+          <a:p>
+            <a:pPr lvl="1"/>
+            <a:r>
+              <a:rPr lang="en-US" dirty="0" smtClean="0">
+                <a:solidFill>
+                  <a:srgbClr val="002050"/>
+                </a:solidFill>
+              </a:rPr>
+              <a:t>More Effective C#</a:t>
+            </a:r>
+          </a:p>
+          <a:p>
+            <a:r>
+              <a:rPr lang="en-US" dirty="0" smtClean="0"/>
+              <a:t>Passion for informing </a:t>
+            </a:r>
+            <a:r>
+              <a:rPr lang="en-US" dirty="0"/>
+              <a:t>and inspiring software developers to write </a:t>
+            </a:r>
+            <a:r>
+              <a:rPr lang="en-US" dirty="0" smtClean="0"/>
+              <a:t>better code be more productive</a:t>
+            </a:r>
+          </a:p>
+          <a:p>
+            <a:pPr lvl="1"/>
+            <a:r>
+              <a:rPr lang="en-US" dirty="0" smtClean="0"/>
+              <a:t>www.thebillwagner.com</a:t>
+            </a:r>
+          </a:p>
+          <a:p>
+            <a:pPr lvl="1"/>
+            <a:r>
+              <a:rPr lang="en-US" dirty="0" smtClean="0"/>
+              <a:t>www.github.com/BillWagner</a:t>
+            </a:r>
+          </a:p>
+        </p:txBody>
+      </p:sp>
+      <p:pic>
+        <p:nvPicPr>
+          <p:cNvPr id="10" name="Picture 9"/>
+          <p:cNvPicPr>
+            <a:picLocks noChangeAspect="1"/>
+          </p:cNvPicPr>
+          <p:nvPr/>
+        </p:nvPicPr>
+        <p:blipFill>
+          <a:blip r:embed="rId3">
+            <a:extLst>
+              <a:ext uri="{28A0092B-C50C-407E-A947-70E740481C1C}">
+                <a14:useLocalDpi xmlns:a14="http://schemas.microsoft.com/office/drawing/2010/main" val="0"/>
+              </a:ext>
+            </a:extLst>
+          </a:blip>
+          <a:stretch>
+            <a:fillRect/>
+          </a:stretch>
+        </p:blipFill>
+        <p:spPr>
+          <a:xfrm>
+            <a:off x="9314831" y="4029046"/>
+            <a:ext cx="2699299" cy="2699299"/>
           </a:xfrm>
           <a:prstGeom prst="rect">
             <a:avLst/>
           </a:prstGeom>
+          <a:ln>
+            <a:solidFill>
+              <a:schemeClr val="tx1"/>
+            </a:solidFill>
+          </a:ln>
+          <a:effectLst>
+            <a:outerShdw blurRad="50800" dist="38100" dir="2700000" algn="tl" rotWithShape="0">
+              <a:prstClr val="black">
+                <a:alpha val="40000"/>
+              </a:prstClr>
+            </a:outerShdw>
+          </a:effectLst>
+        </p:spPr>
+      </p:pic>
+    </p:spTree>
+    <p:extLst>
+      <p:ext uri="{BB962C8B-B14F-4D97-AF65-F5344CB8AC3E}">
+        <p14:creationId xmlns:p14="http://schemas.microsoft.com/office/powerpoint/2010/main" val="1629309094"/>
+      </p:ext>
+    </p:extLst>
+  </p:cSld>
+  <p:clrMapOvr>
+    <a:masterClrMapping/>
+  </p:clrMapOvr>
+  <p:transition>
+    <p:fade/>
+  </p:transition>
+  <p:timing>
+    <p:tnLst>
+      <p:par>
+        <p:cTn id="1" dur="indefinite" restart="never" nodeType="tmRoot"/>
+      </p:par>
+    </p:tnLst>
+  </p:timing>
+</p:sld>
+</file>
+
+<file path=ppt/slides/slide3.xml><?xml version="1.0" encoding="utf-8"?>
+<p:sld xmlns:a="http://schemas.openxmlformats.org/drawingml/2006/main" xmlns:r="http://schemas.openxmlformats.org/officeDocument/2006/relationships" xmlns:p="http://schemas.openxmlformats.org/presentationml/2006/main">
+  <p:cSld>
+    <p:spTree>
+      <p:nvGrpSpPr>
+        <p:cNvPr id="1" name=""/>
+        <p:cNvGrpSpPr/>
+        <p:nvPr/>
+      </p:nvGrpSpPr>
+      <p:grpSpPr>
+        <a:xfrm>
+          <a:off x="0" y="0"/>
+          <a:ext cx="0" cy="0"/>
+          <a:chOff x="0" y="0"/>
+          <a:chExt cx="0" cy="0"/>
+        </a:xfrm>
+      </p:grpSpPr>
+      <p:sp>
+        <p:nvSpPr>
+          <p:cNvPr id="2" name="Title 1"/>
+          <p:cNvSpPr>
+            <a:spLocks noGrp="1"/>
+          </p:cNvSpPr>
+          <p:nvPr>
+            <p:ph type="title"/>
+          </p:nvPr>
+        </p:nvSpPr>
+        <p:spPr/>
+        <p:txBody>
+          <a:bodyPr/>
+          <a:lstStyle/>
+          <a:p>
+            <a:r>
+              <a:rPr lang="en-US" dirty="0" smtClean="0"/>
+              <a:t>Meet Anthony D. Green</a:t>
+            </a:r>
+            <a:endParaRPr lang="en-US" dirty="0"/>
+          </a:p>
+        </p:txBody>
+      </p:sp>
+      <p:sp>
+        <p:nvSpPr>
+          <p:cNvPr id="9" name="Content Placeholder 8"/>
+          <p:cNvSpPr>
+            <a:spLocks noGrp="1"/>
+          </p:cNvSpPr>
+          <p:nvPr>
+            <p:ph sz="quarter" idx="10"/>
+          </p:nvPr>
+        </p:nvSpPr>
+        <p:spPr/>
+        <p:txBody>
+          <a:bodyPr/>
+          <a:lstStyle/>
+          <a:p>
+            <a:r>
+              <a:rPr lang="en-US" dirty="0"/>
+              <a:t>Microsoft Program Manager</a:t>
+            </a:r>
+          </a:p>
+          <a:p>
+            <a:pPr lvl="1"/>
+            <a:r>
+              <a:rPr lang="en-US" dirty="0"/>
+              <a:t>Managed Languages Team</a:t>
+            </a:r>
+          </a:p>
+          <a:p>
+            <a:r>
+              <a:rPr lang="en-US" dirty="0"/>
+              <a:t>Focus on Language APIs</a:t>
+            </a:r>
+          </a:p>
+          <a:p>
+            <a:pPr lvl="1"/>
+            <a:r>
+              <a:rPr lang="en-US" dirty="0"/>
+              <a:t>Syntactic and semantic analysis tools</a:t>
+            </a:r>
+          </a:p>
+          <a:p>
+            <a:pPr lvl="1"/>
+            <a:r>
+              <a:rPr lang="en-US" dirty="0"/>
+              <a:t>Diagnostics and </a:t>
+            </a:r>
+            <a:r>
+              <a:rPr lang="en-US" dirty="0" err="1"/>
+              <a:t>Refactorings</a:t>
+            </a:r>
+            <a:endParaRPr lang="en-US" dirty="0"/>
+          </a:p>
+          <a:p>
+            <a:pPr lvl="1"/>
+            <a:endParaRPr lang="en-US" dirty="0"/>
+          </a:p>
+        </p:txBody>
+      </p:sp>
+      <p:pic>
+        <p:nvPicPr>
+          <p:cNvPr id="11" name="Picture 10"/>
+          <p:cNvPicPr>
+            <a:picLocks noChangeAspect="1"/>
+          </p:cNvPicPr>
+          <p:nvPr/>
+        </p:nvPicPr>
+        <p:blipFill>
+          <a:blip r:embed="rId3">
+            <a:extLst>
+              <a:ext uri="{28A0092B-C50C-407E-A947-70E740481C1C}">
+                <a14:useLocalDpi xmlns:a14="http://schemas.microsoft.com/office/drawing/2010/main" val="0"/>
+              </a:ext>
+            </a:extLst>
+          </a:blip>
+          <a:stretch>
+            <a:fillRect/>
+          </a:stretch>
+        </p:blipFill>
+        <p:spPr>
+          <a:xfrm>
+            <a:off x="9423687" y="4107561"/>
+            <a:ext cx="2529431" cy="2542271"/>
+          </a:xfrm>
+          <a:prstGeom prst="rect">
+            <a:avLst/>
+          </a:prstGeom>
+          <a:ln>
+            <a:solidFill>
+              <a:schemeClr val="tx1"/>
+            </a:solidFill>
+          </a:ln>
+          <a:effectLst>
+            <a:outerShdw blurRad="50800" dist="38100" dir="2700000" algn="tl" rotWithShape="0">
+              <a:prstClr val="black">
+                <a:alpha val="40000"/>
+              </a:prstClr>
+            </a:outerShdw>
+          </a:effectLst>
+        </p:spPr>
+      </p:pic>
+    </p:spTree>
+    <p:extLst>
+      <p:ext uri="{BB962C8B-B14F-4D97-AF65-F5344CB8AC3E}">
+        <p14:creationId xmlns:p14="http://schemas.microsoft.com/office/powerpoint/2010/main" val="3801980369"/>
+      </p:ext>
+    </p:extLst>
+  </p:cSld>
+  <p:clrMapOvr>
+    <a:masterClrMapping/>
+  </p:clrMapOvr>
+  <p:transition>
+    <p:fade/>
+  </p:transition>
+  <p:timing>
+    <p:tnLst>
+      <p:par>
+        <p:cTn id="1" dur="indefinite" restart="never" nodeType="tmRoot"/>
+      </p:par>
+    </p:tnLst>
+  </p:timing>
+</p:sld>
+</file>
+
+<file path=ppt/slides/slide4.xml><?xml version="1.0" encoding="utf-8"?>
+<p:sld xmlns:a="http://schemas.openxmlformats.org/drawingml/2006/main" xmlns:r="http://schemas.openxmlformats.org/officeDocument/2006/relationships" xmlns:p="http://schemas.openxmlformats.org/presentationml/2006/main">
+  <p:cSld>
+    <p:spTree>
+      <p:nvGrpSpPr>
+        <p:cNvPr id="1" name=""/>
+        <p:cNvGrpSpPr/>
+        <p:nvPr/>
+      </p:nvGrpSpPr>
+      <p:grpSpPr>
+        <a:xfrm>
+          <a:off x="0" y="0"/>
+          <a:ext cx="0" cy="0"/>
+          <a:chOff x="0" y="0"/>
+          <a:chExt cx="0" cy="0"/>
+        </a:xfrm>
+      </p:grpSpPr>
+      <p:sp>
+        <p:nvSpPr>
+          <p:cNvPr id="2" name="Title 1"/>
+          <p:cNvSpPr>
+            <a:spLocks noGrp="1"/>
+          </p:cNvSpPr>
+          <p:nvPr>
+            <p:ph type="title"/>
+          </p:nvPr>
+        </p:nvSpPr>
+        <p:spPr/>
+        <p:txBody>
+          <a:bodyPr>
+            <a:normAutofit/>
+          </a:bodyPr>
+          <a:lstStyle/>
+          <a:p>
+            <a:pPr lvl="0"/>
+            <a:r>
+              <a:rPr lang="en-US" dirty="0"/>
+              <a:t>Developer Productivity: What's New in C# 6</a:t>
+            </a:r>
+            <a:endParaRPr lang="en-US" dirty="0"/>
+          </a:p>
+        </p:txBody>
+      </p:sp>
+      <p:graphicFrame>
+        <p:nvGraphicFramePr>
+          <p:cNvPr id="4" name="Content Placeholder 3"/>
+          <p:cNvGraphicFramePr>
+            <a:graphicFrameLocks noGrp="1"/>
+          </p:cNvGraphicFramePr>
+          <p:nvPr>
+            <p:ph sz="quarter" idx="10"/>
+            <p:extLst/>
+          </p:nvPr>
+        </p:nvGraphicFramePr>
+        <p:xfrm>
+          <a:off x="379314" y="1418160"/>
+          <a:ext cx="11521532" cy="4604592"/>
+        </p:xfrm>
+        <a:graphic>
+          <a:graphicData uri="http://schemas.openxmlformats.org/drawingml/2006/table">
+            <a:tbl>
+              <a:tblPr firstRow="1" bandRow="1">
+                <a:tableStyleId>{5C22544A-7EE6-4342-B048-85BDC9FD1C3A}</a:tableStyleId>
+              </a:tblPr>
+              <a:tblGrid>
+                <a:gridCol w="11521532">
+                  <a:extLst>
+                    <a:ext uri="{9D8B030D-6E8A-4147-A177-3AD203B41FA5}">
+                      <a16:colId xmlns="" xmlns:a16="http://schemas.microsoft.com/office/drawing/2014/main" val="1632794655"/>
+                    </a:ext>
+                  </a:extLst>
+                </a:gridCol>
+              </a:tblGrid>
+              <a:tr h="767432">
+                <a:tc>
+                  <a:txBody>
+                    <a:bodyPr/>
+                    <a:lstStyle/>
+                    <a:p>
+                      <a:r>
+                        <a:rPr lang="en-US" sz="3600" dirty="0" smtClean="0">
+                          <a:latin typeface="Segoe UI Light" panose="020B0502040204020203" pitchFamily="34" charset="0"/>
+                          <a:cs typeface="Segoe UI Light" panose="020B0502040204020203" pitchFamily="34" charset="0"/>
+                        </a:rPr>
+                        <a:t>Getting Started with PowerShell</a:t>
+                      </a:r>
+                      <a:endParaRPr lang="en-US" sz="3600" dirty="0">
+                        <a:latin typeface="Segoe UI Light" panose="020B0502040204020203" pitchFamily="34" charset="0"/>
+                        <a:cs typeface="Segoe UI Light" panose="020B0502040204020203" pitchFamily="34" charset="0"/>
+                      </a:endParaRPr>
+                    </a:p>
+                  </a:txBody>
+                  <a:tcPr marL="91416" marR="91416" marT="45708" marB="45708" anchor="ctr"/>
+                </a:tc>
+                <a:extLst>
+                  <a:ext uri="{0D108BD9-81ED-4DB2-BD59-A6C34878D82A}">
+                    <a16:rowId xmlns="" xmlns:a16="http://schemas.microsoft.com/office/drawing/2014/main" val="1789177411"/>
+                  </a:ext>
+                </a:extLst>
+              </a:tr>
+              <a:tr h="767432">
+                <a:tc>
+                  <a:txBody>
+                    <a:bodyPr/>
+                    <a:lstStyle/>
+                    <a:p>
+                      <a:r>
+                        <a:rPr lang="en-US" sz="2400" dirty="0" smtClean="0">
+                          <a:latin typeface="Segoe UI Light" panose="020B0502040204020203" pitchFamily="34" charset="0"/>
+                          <a:cs typeface="Segoe UI Light" panose="020B0502040204020203" pitchFamily="34" charset="0"/>
+                        </a:rPr>
+                        <a:t>01 | </a:t>
+                      </a:r>
+                      <a:r>
+                        <a:rPr lang="en-US" sz="2400" dirty="0" smtClean="0"/>
+                        <a:t>C#</a:t>
+                      </a:r>
+                      <a:r>
+                        <a:rPr lang="en-US" sz="2400" baseline="0" dirty="0" smtClean="0"/>
+                        <a:t> features add productivity and conciseness</a:t>
+                      </a:r>
+                      <a:endParaRPr lang="en-US" sz="2400" dirty="0">
+                        <a:latin typeface="Segoe UI Light" panose="020B0502040204020203" pitchFamily="34" charset="0"/>
+                        <a:cs typeface="Segoe UI Light" panose="020B0502040204020203" pitchFamily="34" charset="0"/>
+                      </a:endParaRPr>
+                    </a:p>
+                  </a:txBody>
+                  <a:tcPr marL="91416" marR="91416" marT="45708" marB="45708" anchor="ctr"/>
+                </a:tc>
+                <a:extLst>
+                  <a:ext uri="{0D108BD9-81ED-4DB2-BD59-A6C34878D82A}">
+                    <a16:rowId xmlns="" xmlns:a16="http://schemas.microsoft.com/office/drawing/2014/main" val="3842815335"/>
+                  </a:ext>
+                </a:extLst>
+              </a:tr>
+              <a:tr h="767432">
+                <a:tc>
+                  <a:txBody>
+                    <a:bodyPr/>
+                    <a:lstStyle/>
+                    <a:p>
+                      <a:pPr marL="0" marR="0" indent="0" algn="l" defTabSz="913814" rtl="0" eaLnBrk="1" fontAlgn="auto" latinLnBrk="0" hangingPunct="1">
+                        <a:lnSpc>
+                          <a:spcPct val="100000"/>
+                        </a:lnSpc>
+                        <a:spcBef>
+                          <a:spcPts val="0"/>
+                        </a:spcBef>
+                        <a:spcAft>
+                          <a:spcPts val="0"/>
+                        </a:spcAft>
+                        <a:buClrTx/>
+                        <a:buSzTx/>
+                        <a:buFontTx/>
+                        <a:buNone/>
+                        <a:tabLst/>
+                        <a:defRPr/>
+                      </a:pPr>
+                      <a:r>
+                        <a:rPr lang="en-US" sz="2400" dirty="0" smtClean="0">
+                          <a:latin typeface="Segoe UI Light" panose="020B0502040204020203" pitchFamily="34" charset="0"/>
+                          <a:cs typeface="Segoe UI Light" panose="020B0502040204020203" pitchFamily="34" charset="0"/>
+                        </a:rPr>
+                        <a:t>02 | </a:t>
+                      </a:r>
+                      <a:r>
+                        <a:rPr lang="en-US" sz="2400" dirty="0" smtClean="0"/>
+                        <a:t>Data Transfer Object Enhancements</a:t>
+                      </a:r>
+                    </a:p>
+                  </a:txBody>
+                  <a:tcPr marL="91416" marR="91416" marT="45708" marB="45708" anchor="ctr"/>
+                </a:tc>
+                <a:extLst>
+                  <a:ext uri="{0D108BD9-81ED-4DB2-BD59-A6C34878D82A}">
+                    <a16:rowId xmlns="" xmlns:a16="http://schemas.microsoft.com/office/drawing/2014/main" val="321066646"/>
+                  </a:ext>
+                </a:extLst>
+              </a:tr>
+              <a:tr h="767432">
+                <a:tc>
+                  <a:txBody>
+                    <a:bodyPr/>
+                    <a:lstStyle/>
+                    <a:p>
+                      <a:pPr marL="0" marR="0" indent="0" algn="l" defTabSz="914088" rtl="0" eaLnBrk="1" fontAlgn="auto" latinLnBrk="0" hangingPunct="1">
+                        <a:lnSpc>
+                          <a:spcPct val="100000"/>
+                        </a:lnSpc>
+                        <a:spcBef>
+                          <a:spcPts val="0"/>
+                        </a:spcBef>
+                        <a:spcAft>
+                          <a:spcPts val="0"/>
+                        </a:spcAft>
+                        <a:buClrTx/>
+                        <a:buSzTx/>
+                        <a:buFontTx/>
+                        <a:buNone/>
+                        <a:tabLst/>
+                        <a:defRPr/>
+                      </a:pPr>
+                      <a:r>
+                        <a:rPr lang="en-US" sz="2400" dirty="0" smtClean="0">
+                          <a:latin typeface="Segoe UI Light" panose="020B0502040204020203" pitchFamily="34" charset="0"/>
+                          <a:cs typeface="Segoe UI Light" panose="020B0502040204020203" pitchFamily="34" charset="0"/>
+                        </a:rPr>
+                        <a:t>03</a:t>
+                      </a:r>
+                      <a:r>
+                        <a:rPr lang="en-US" sz="2400" baseline="0" dirty="0" smtClean="0">
+                          <a:latin typeface="Segoe UI Light" panose="020B0502040204020203" pitchFamily="34" charset="0"/>
+                          <a:cs typeface="Segoe UI Light" panose="020B0502040204020203" pitchFamily="34" charset="0"/>
+                        </a:rPr>
+                        <a:t> | </a:t>
+                      </a:r>
+                      <a:r>
+                        <a:rPr lang="en-US" sz="2400" dirty="0" smtClean="0"/>
+                        <a:t>Handling Strings</a:t>
+                      </a:r>
+                      <a:r>
+                        <a:rPr lang="en-US" sz="2400" baseline="0" dirty="0" smtClean="0"/>
+                        <a:t> More Easily</a:t>
+                      </a:r>
+                      <a:endParaRPr lang="en-US" sz="2400" dirty="0" smtClean="0">
+                        <a:latin typeface="Segoe UI Light" panose="020B0502040204020203" pitchFamily="34" charset="0"/>
+                        <a:cs typeface="Segoe UI Light" panose="020B0502040204020203" pitchFamily="34" charset="0"/>
+                      </a:endParaRPr>
+                    </a:p>
+                  </a:txBody>
+                  <a:tcPr marL="91416" marR="91416" marT="45708" marB="45708" anchor="ctr"/>
+                </a:tc>
+                <a:extLst>
+                  <a:ext uri="{0D108BD9-81ED-4DB2-BD59-A6C34878D82A}">
+                    <a16:rowId xmlns="" xmlns:a16="http://schemas.microsoft.com/office/drawing/2014/main" val="3812060533"/>
+                  </a:ext>
+                </a:extLst>
+              </a:tr>
+              <a:tr h="767432">
+                <a:tc>
+                  <a:txBody>
+                    <a:bodyPr/>
+                    <a:lstStyle/>
+                    <a:p>
+                      <a:r>
+                        <a:rPr lang="en-US" sz="2400" dirty="0" smtClean="0">
+                          <a:latin typeface="Segoe UI Light" panose="020B0502040204020203" pitchFamily="34" charset="0"/>
+                          <a:cs typeface="Segoe UI Light" panose="020B0502040204020203" pitchFamily="34" charset="0"/>
+                        </a:rPr>
+                        <a:t>04 | </a:t>
+                      </a:r>
+                      <a:r>
+                        <a:rPr lang="en-US" sz="2400" dirty="0" smtClean="0"/>
+                        <a:t>Exceptions</a:t>
+                      </a:r>
+                      <a:r>
+                        <a:rPr lang="en-US" sz="2400" baseline="0" dirty="0" smtClean="0"/>
+                        <a:t> and Error Handling Improvements</a:t>
+                      </a:r>
+                      <a:endParaRPr lang="en-US" sz="2400" dirty="0">
+                        <a:latin typeface="Segoe UI Light" panose="020B0502040204020203" pitchFamily="34" charset="0"/>
+                        <a:cs typeface="Segoe UI Light" panose="020B0502040204020203" pitchFamily="34" charset="0"/>
+                      </a:endParaRPr>
+                    </a:p>
+                  </a:txBody>
+                  <a:tcPr marL="91416" marR="91416" marT="45708" marB="45708" anchor="ctr"/>
+                </a:tc>
+                <a:extLst>
+                  <a:ext uri="{0D108BD9-81ED-4DB2-BD59-A6C34878D82A}">
+                    <a16:rowId xmlns="" xmlns:a16="http://schemas.microsoft.com/office/drawing/2014/main" val="733235577"/>
+                  </a:ext>
+                </a:extLst>
+              </a:tr>
+              <a:tr h="767432">
+                <a:tc>
+                  <a:txBody>
+                    <a:bodyPr/>
+                    <a:lstStyle/>
+                    <a:p>
+                      <a:r>
+                        <a:rPr lang="en-US" sz="2400" dirty="0" smtClean="0">
+                          <a:latin typeface="Segoe UI Light" panose="020B0502040204020203" pitchFamily="34" charset="0"/>
+                          <a:cs typeface="Segoe UI Light" panose="020B0502040204020203" pitchFamily="34" charset="0"/>
+                        </a:rPr>
+                        <a:t>05</a:t>
+                      </a:r>
+                      <a:r>
+                        <a:rPr lang="en-US" sz="2400" baseline="0" dirty="0" smtClean="0">
+                          <a:latin typeface="Segoe UI Light" panose="020B0502040204020203" pitchFamily="34" charset="0"/>
+                          <a:cs typeface="Segoe UI Light" panose="020B0502040204020203" pitchFamily="34" charset="0"/>
+                        </a:rPr>
+                        <a:t> | </a:t>
+                      </a:r>
+                      <a:r>
+                        <a:rPr lang="en-US" sz="2400" baseline="0" dirty="0" smtClean="0"/>
+                        <a:t>Adopting C# 6</a:t>
+                      </a:r>
+                      <a:endParaRPr lang="en-US" sz="2400" dirty="0">
+                        <a:latin typeface="Segoe UI Light" panose="020B0502040204020203" pitchFamily="34" charset="0"/>
+                        <a:cs typeface="Segoe UI Light" panose="020B0502040204020203" pitchFamily="34" charset="0"/>
+                      </a:endParaRPr>
+                    </a:p>
+                  </a:txBody>
+                  <a:tcPr marL="91416" marR="91416" marT="45708" marB="45708" anchor="ctr"/>
+                </a:tc>
+                <a:extLst>
+                  <a:ext uri="{0D108BD9-81ED-4DB2-BD59-A6C34878D82A}">
+                    <a16:rowId xmlns="" xmlns:a16="http://schemas.microsoft.com/office/drawing/2014/main" val="2343148695"/>
+                  </a:ext>
+                </a:extLst>
+              </a:tr>
+            </a:tbl>
+          </a:graphicData>
+        </a:graphic>
+      </p:graphicFrame>
+    </p:spTree>
+    <p:extLst>
+      <p:ext uri="{BB962C8B-B14F-4D97-AF65-F5344CB8AC3E}">
+        <p14:creationId xmlns:p14="http://schemas.microsoft.com/office/powerpoint/2010/main" val="2738260567"/>
+      </p:ext>
+    </p:extLst>
+  </p:cSld>
+  <p:clrMapOvr>
+    <a:masterClrMapping/>
+  </p:clrMapOvr>
+  <mc:AlternateContent xmlns:mc="http://schemas.openxmlformats.org/markup-compatibility/2006">
+    <mc:Choice xmlns:p14="http://schemas.microsoft.com/office/powerpoint/2010/main" Requires="p14">
+      <p:transition spd="slow" p14:dur="2000"/>
+    </mc:Choice>
+    <mc:Fallback>
+      <p:transition spd="slow"/>
+    </mc:Fallback>
+  </mc:AlternateContent>
+  <p:timing>
+    <p:tnLst>
+      <p:par>
+        <p:cTn id="1" dur="indefinite" restart="never" nodeType="tmRoot"/>
+      </p:par>
+    </p:tnLst>
+  </p:timing>
+</p:sld>
+</file>
+
+<file path=ppt/slides/slide5.xml><?xml version="1.0" encoding="utf-8"?>
+<p:sld xmlns:a="http://schemas.openxmlformats.org/drawingml/2006/main" xmlns:r="http://schemas.openxmlformats.org/officeDocument/2006/relationships" xmlns:p="http://schemas.openxmlformats.org/presentationml/2006/main">
+  <p:cSld>
+    <p:spTree>
+      <p:nvGrpSpPr>
+        <p:cNvPr id="1" name=""/>
+        <p:cNvGrpSpPr/>
+        <p:nvPr/>
+      </p:nvGrpSpPr>
+      <p:grpSpPr>
+        <a:xfrm>
+          <a:off x="0" y="0"/>
+          <a:ext cx="0" cy="0"/>
+          <a:chOff x="0" y="0"/>
+          <a:chExt cx="0" cy="0"/>
+        </a:xfrm>
+      </p:grpSpPr>
+      <p:sp>
+        <p:nvSpPr>
+          <p:cNvPr id="5" name="Text Placeholder 4"/>
+          <p:cNvSpPr>
+            <a:spLocks noGrp="1"/>
+          </p:cNvSpPr>
+          <p:nvPr>
+            <p:ph type="body" sz="quarter" idx="10"/>
+          </p:nvPr>
+        </p:nvSpPr>
+        <p:spPr>
           <a:solidFill>
-            <a:srgbClr val="FFFF00"/>
+            <a:srgbClr val="007233"/>
           </a:solidFill>
           <a:ln>
             <a:noFill/>
           </a:ln>
         </p:spPr>
         <p:txBody>
-          <a:bodyPr wrap="square" rtlCol="0">
-            <a:spAutoFit/>
+          <a:bodyPr>
+            <a:normAutofit/>
           </a:bodyPr>
           <a:lstStyle/>
           <a:p>
-            <a:pPr algn="ctr"/>
-            <a:endParaRPr lang="en-US" dirty="0" smtClean="0"/>
-          </a:p>
-          <a:p>
-            <a:pPr algn="ctr"/>
+            <a:pPr marL="914126" indent="-914126"/>
+            <a:r>
+              <a:rPr lang="en-US" sz="2800" dirty="0" smtClean="0"/>
+              <a:t>05 </a:t>
+            </a:r>
+            <a:r>
+              <a:rPr lang="en-US" sz="2800" dirty="0"/>
+              <a:t>| Adoption Strategies</a:t>
+            </a:r>
+            <a:endParaRPr lang="en-US" sz="2800" dirty="0"/>
+          </a:p>
+        </p:txBody>
+      </p:sp>
+      <p:sp>
+        <p:nvSpPr>
+          <p:cNvPr id="4" name="Subtitle 3"/>
+          <p:cNvSpPr>
+            <a:spLocks noGrp="1"/>
+          </p:cNvSpPr>
+          <p:nvPr>
+            <p:ph type="subTitle" idx="1"/>
+          </p:nvPr>
+        </p:nvSpPr>
+        <p:spPr/>
+        <p:txBody>
+          <a:bodyPr/>
+          <a:lstStyle/>
+          <a:p>
+            <a:r>
+              <a:rPr lang="en-US" dirty="0"/>
+              <a:t>Bill Wagner | Author, Consultant</a:t>
+            </a:r>
+          </a:p>
+          <a:p>
+            <a:r>
+              <a:rPr lang="en-US" dirty="0"/>
+              <a:t>Anthony D. Green | Managed Languages Program Manager</a:t>
+            </a:r>
             <a:endParaRPr lang="en-US" dirty="0"/>
           </a:p>
-          <a:p>
-            <a:pPr algn="ctr"/>
+        </p:txBody>
+      </p:sp>
+    </p:spTree>
+    <p:extLst>
+      <p:ext uri="{BB962C8B-B14F-4D97-AF65-F5344CB8AC3E}">
+        <p14:creationId xmlns:p14="http://schemas.microsoft.com/office/powerpoint/2010/main" val="320262887"/>
+      </p:ext>
+    </p:extLst>
+  </p:cSld>
+  <p:clrMapOvr>
+    <a:masterClrMapping/>
+  </p:clrMapOvr>
+  <p:timing>
+    <p:tnLst>
+      <p:par>
+        <p:cTn id="1" dur="indefinite" restart="never" nodeType="tmRoot"/>
+      </p:par>
+    </p:tnLst>
+  </p:timing>
+</p:sld>
+</file>
+
+<file path=ppt/slides/slide6.xml><?xml version="1.0" encoding="utf-8"?>
+<p:sld xmlns:a="http://schemas.openxmlformats.org/drawingml/2006/main" xmlns:r="http://schemas.openxmlformats.org/officeDocument/2006/relationships" xmlns:p="http://schemas.openxmlformats.org/presentationml/2006/main">
+  <p:cSld>
+    <p:spTree>
+      <p:nvGrpSpPr>
+        <p:cNvPr id="1" name=""/>
+        <p:cNvGrpSpPr/>
+        <p:nvPr/>
+      </p:nvGrpSpPr>
+      <p:grpSpPr>
+        <a:xfrm>
+          <a:off x="0" y="0"/>
+          <a:ext cx="0" cy="0"/>
+          <a:chOff x="0" y="0"/>
+          <a:chExt cx="0" cy="0"/>
+        </a:xfrm>
+      </p:grpSpPr>
+      <p:sp>
+        <p:nvSpPr>
+          <p:cNvPr id="7" name="Title 6"/>
+          <p:cNvSpPr>
+            <a:spLocks noGrp="1"/>
+          </p:cNvSpPr>
+          <p:nvPr>
+            <p:ph type="title"/>
+          </p:nvPr>
+        </p:nvSpPr>
+        <p:spPr/>
+        <p:txBody>
+          <a:bodyPr/>
+          <a:lstStyle/>
+          <a:p>
             <a:r>
               <a:rPr lang="en-US" dirty="0" smtClean="0"/>
-              <a:t>Please leave this area blank to allow for picture in picture recording</a:t>
-            </a:r>
-          </a:p>
-          <a:p>
-            <a:pPr algn="ctr"/>
+              <a:t>Adoption Strategies</a:t>
+            </a:r>
+            <a:endParaRPr lang="en-US" dirty="0"/>
+          </a:p>
+        </p:txBody>
+      </p:sp>
+      <p:sp>
+        <p:nvSpPr>
+          <p:cNvPr id="8" name="Text Placeholder 7"/>
+          <p:cNvSpPr>
+            <a:spLocks noGrp="1"/>
+          </p:cNvSpPr>
+          <p:nvPr>
+            <p:ph sz="quarter" idx="10"/>
+          </p:nvPr>
+        </p:nvSpPr>
+        <p:spPr>
+          <a:xfrm>
+            <a:off x="327503" y="2031324"/>
+            <a:ext cx="11533187" cy="5159375"/>
+          </a:xfrm>
+        </p:spPr>
+        <p:txBody>
+          <a:bodyPr/>
+          <a:lstStyle/>
+          <a:p>
+            <a:r>
+              <a:rPr lang="en-US" sz="2800" dirty="0" smtClean="0"/>
+              <a:t>Key | Your existing code won’t break</a:t>
+            </a:r>
+            <a:endParaRPr lang="en-US" sz="2800" dirty="0"/>
+          </a:p>
+          <a:p>
+            <a:r>
+              <a:rPr lang="en-US" sz="2800" dirty="0" smtClean="0"/>
+              <a:t>Key | No reason to bulk replace</a:t>
+            </a:r>
+          </a:p>
+          <a:p>
+            <a:r>
+              <a:rPr lang="en-US" sz="2800" dirty="0" smtClean="0"/>
+              <a:t>Key | Improve Readability with Adoption as you add features</a:t>
+            </a:r>
+          </a:p>
+          <a:p>
+            <a:r>
+              <a:rPr lang="en-US" sz="2800" dirty="0" smtClean="0"/>
+              <a:t>Key | Diagnostics and </a:t>
+            </a:r>
+            <a:r>
+              <a:rPr lang="en-US" sz="2800" dirty="0" err="1" smtClean="0"/>
+              <a:t>CodeFixes</a:t>
+            </a:r>
+            <a:r>
+              <a:rPr lang="en-US" sz="2800" dirty="0" smtClean="0"/>
+              <a:t> can automate the process</a:t>
+            </a:r>
+          </a:p>
+        </p:txBody>
+      </p:sp>
+    </p:spTree>
+    <p:extLst>
+      <p:ext uri="{BB962C8B-B14F-4D97-AF65-F5344CB8AC3E}">
+        <p14:creationId xmlns:p14="http://schemas.microsoft.com/office/powerpoint/2010/main" val="3853447311"/>
+      </p:ext>
+    </p:extLst>
+  </p:cSld>
+  <p:clrMapOvr>
+    <a:masterClrMapping/>
+  </p:clrMapOvr>
+  <p:transition>
+    <p:fade/>
+  </p:transition>
+  <p:timing>
+    <p:tnLst>
+      <p:par>
+        <p:cTn id="1" dur="indefinite" restart="never" nodeType="tmRoot">
+          <p:childTnLst>
+            <p:seq concurrent="1" nextAc="seek">
+              <p:cTn id="2" dur="indefinite" nodeType="mainSeq">
+                <p:childTnLst>
+                  <p:par>
+                    <p:cTn id="3" fill="hold">
+                      <p:stCondLst>
+                        <p:cond delay="indefinite"/>
+                      </p:stCondLst>
+                      <p:childTnLst>
+                        <p:par>
+                          <p:cTn id="4" fill="hold">
+                            <p:stCondLst>
+                              <p:cond delay="0"/>
+                            </p:stCondLst>
+                            <p:childTnLst>
+                              <p:par>
+                                <p:cTn id="5" presetID="10" presetClass="entr" presetSubtype="0" fill="hold" grpId="0" nodeType="clickEffect">
+                                  <p:stCondLst>
+                                    <p:cond delay="0"/>
+                                  </p:stCondLst>
+                                  <p:childTnLst>
+                                    <p:set>
+                                      <p:cBhvr>
+                                        <p:cTn id="6" dur="1" fill="hold">
+                                          <p:stCondLst>
+                                            <p:cond delay="0"/>
+                                          </p:stCondLst>
+                                        </p:cTn>
+                                        <p:tgtEl>
+                                          <p:spTgt spid="8">
+                                            <p:txEl>
+                                              <p:pRg st="0" end="0"/>
+                                            </p:txEl>
+                                          </p:spTgt>
+                                        </p:tgtEl>
+                                        <p:attrNameLst>
+                                          <p:attrName>style.visibility</p:attrName>
+                                        </p:attrNameLst>
+                                      </p:cBhvr>
+                                      <p:to>
+                                        <p:strVal val="visible"/>
+                                      </p:to>
+                                    </p:set>
+                                    <p:animEffect transition="in" filter="fade">
+                                      <p:cBhvr>
+                                        <p:cTn id="7" dur="500"/>
+                                        <p:tgtEl>
+                                          <p:spTgt spid="8">
+                                            <p:txEl>
+                                              <p:pRg st="0" end="0"/>
+                                            </p:txEl>
+                                          </p:spTgt>
+                                        </p:tgtEl>
+                                      </p:cBhvr>
+                                    </p:animEffect>
+                                  </p:childTnLst>
+                                </p:cTn>
+                              </p:par>
+                            </p:childTnLst>
+                          </p:cTn>
+                        </p:par>
+                      </p:childTnLst>
+                    </p:cTn>
+                  </p:par>
+                  <p:par>
+                    <p:cTn id="8" fill="hold">
+                      <p:stCondLst>
+                        <p:cond delay="indefinite"/>
+                      </p:stCondLst>
+                      <p:childTnLst>
+                        <p:par>
+                          <p:cTn id="9" fill="hold">
+                            <p:stCondLst>
+                              <p:cond delay="0"/>
+                            </p:stCondLst>
+                            <p:childTnLst>
+                              <p:par>
+                                <p:cTn id="10" presetID="10" presetClass="entr" presetSubtype="0" fill="hold" grpId="0" nodeType="clickEffect">
+                                  <p:stCondLst>
+                                    <p:cond delay="0"/>
+                                  </p:stCondLst>
+                                  <p:childTnLst>
+                                    <p:set>
+                                      <p:cBhvr>
+                                        <p:cTn id="11" dur="1" fill="hold">
+                                          <p:stCondLst>
+                                            <p:cond delay="0"/>
+                                          </p:stCondLst>
+                                        </p:cTn>
+                                        <p:tgtEl>
+                                          <p:spTgt spid="8">
+                                            <p:txEl>
+                                              <p:pRg st="1" end="1"/>
+                                            </p:txEl>
+                                          </p:spTgt>
+                                        </p:tgtEl>
+                                        <p:attrNameLst>
+                                          <p:attrName>style.visibility</p:attrName>
+                                        </p:attrNameLst>
+                                      </p:cBhvr>
+                                      <p:to>
+                                        <p:strVal val="visible"/>
+                                      </p:to>
+                                    </p:set>
+                                    <p:animEffect transition="in" filter="fade">
+                                      <p:cBhvr>
+                                        <p:cTn id="12" dur="500"/>
+                                        <p:tgtEl>
+                                          <p:spTgt spid="8">
+                                            <p:txEl>
+                                              <p:pRg st="1" end="1"/>
+                                            </p:txEl>
+                                          </p:spTgt>
+                                        </p:tgtEl>
+                                      </p:cBhvr>
+                                    </p:animEffect>
+                                  </p:childTnLst>
+                                </p:cTn>
+                              </p:par>
+                            </p:childTnLst>
+                          </p:cTn>
+                        </p:par>
+                      </p:childTnLst>
+                    </p:cTn>
+                  </p:par>
+                  <p:par>
+                    <p:cTn id="13" fill="hold">
+                      <p:stCondLst>
+                        <p:cond delay="indefinite"/>
+                      </p:stCondLst>
+                      <p:childTnLst>
+                        <p:par>
+                          <p:cTn id="14" fill="hold">
+                            <p:stCondLst>
+                              <p:cond delay="0"/>
+                            </p:stCondLst>
+                            <p:childTnLst>
+                              <p:par>
+                                <p:cTn id="15" presetID="10" presetClass="entr" presetSubtype="0" fill="hold" grpId="0" nodeType="clickEffect">
+                                  <p:stCondLst>
+                                    <p:cond delay="0"/>
+                                  </p:stCondLst>
+                                  <p:childTnLst>
+                                    <p:set>
+                                      <p:cBhvr>
+                                        <p:cTn id="16" dur="1" fill="hold">
+                                          <p:stCondLst>
+                                            <p:cond delay="0"/>
+                                          </p:stCondLst>
+                                        </p:cTn>
+                                        <p:tgtEl>
+                                          <p:spTgt spid="8">
+                                            <p:txEl>
+                                              <p:pRg st="2" end="2"/>
+                                            </p:txEl>
+                                          </p:spTgt>
+                                        </p:tgtEl>
+                                        <p:attrNameLst>
+                                          <p:attrName>style.visibility</p:attrName>
+                                        </p:attrNameLst>
+                                      </p:cBhvr>
+                                      <p:to>
+                                        <p:strVal val="visible"/>
+                                      </p:to>
+                                    </p:set>
+                                    <p:animEffect transition="in" filter="fade">
+                                      <p:cBhvr>
+                                        <p:cTn id="17" dur="500"/>
+                                        <p:tgtEl>
+                                          <p:spTgt spid="8">
+                                            <p:txEl>
+                                              <p:pRg st="2" end="2"/>
+                                            </p:txEl>
+                                          </p:spTgt>
+                                        </p:tgtEl>
+                                      </p:cBhvr>
+                                    </p:animEffect>
+                                  </p:childTnLst>
+                                </p:cTn>
+                              </p:par>
+                            </p:childTnLst>
+                          </p:cTn>
+                        </p:par>
+                      </p:childTnLst>
+                    </p:cTn>
+                  </p:par>
+                  <p:par>
+                    <p:cTn id="18" fill="hold">
+                      <p:stCondLst>
+                        <p:cond delay="indefinite"/>
+                      </p:stCondLst>
+                      <p:childTnLst>
+                        <p:par>
+                          <p:cTn id="19" fill="hold">
+                            <p:stCondLst>
+                              <p:cond delay="0"/>
+                            </p:stCondLst>
+                            <p:childTnLst>
+                              <p:par>
+                                <p:cTn id="20" presetID="10" presetClass="entr" presetSubtype="0" fill="hold" grpId="0" nodeType="clickEffect">
+                                  <p:stCondLst>
+                                    <p:cond delay="0"/>
+                                  </p:stCondLst>
+                                  <p:childTnLst>
+                                    <p:set>
+                                      <p:cBhvr>
+                                        <p:cTn id="21" dur="1" fill="hold">
+                                          <p:stCondLst>
+                                            <p:cond delay="0"/>
+                                          </p:stCondLst>
+                                        </p:cTn>
+                                        <p:tgtEl>
+                                          <p:spTgt spid="8">
+                                            <p:txEl>
+                                              <p:pRg st="3" end="3"/>
+                                            </p:txEl>
+                                          </p:spTgt>
+                                        </p:tgtEl>
+                                        <p:attrNameLst>
+                                          <p:attrName>style.visibility</p:attrName>
+                                        </p:attrNameLst>
+                                      </p:cBhvr>
+                                      <p:to>
+                                        <p:strVal val="visible"/>
+                                      </p:to>
+                                    </p:set>
+                                    <p:animEffect transition="in" filter="fade">
+                                      <p:cBhvr>
+                                        <p:cTn id="22" dur="500"/>
+                                        <p:tgtEl>
+                                          <p:spTgt spid="8">
+                                            <p:txEl>
+                                              <p:pRg st="3" end="3"/>
+                                            </p:txEl>
+                                          </p:spTgt>
+                                        </p:tgtEl>
+                                      </p:cBhvr>
+                                    </p:animEffect>
+                                  </p:childTnLst>
+                                </p:cTn>
+                              </p:par>
+                            </p:childTnLst>
+                          </p:cTn>
+                        </p:par>
+                      </p:childTnLst>
+                    </p:cTn>
+                  </p:par>
+                </p:childTnLst>
+              </p:cTn>
+              <p:prevCondLst>
+                <p:cond evt="onPrev" delay="0">
+                  <p:tgtEl>
+                    <p:sldTgt/>
+                  </p:tgtEl>
+                </p:cond>
+              </p:prevCondLst>
+              <p:nextCondLst>
+                <p:cond evt="onNext" delay="0">
+                  <p:tgtEl>
+                    <p:sldTgt/>
+                  </p:tgtEl>
+                </p:cond>
+              </p:nextCondLst>
+            </p:seq>
+          </p:childTnLst>
+        </p:cTn>
+      </p:par>
+    </p:tnLst>
+    <p:bldLst>
+      <p:bldP spid="8" grpId="0" uiExpand="1" build="p"/>
+    </p:bldLst>
+  </p:timing>
+</p:sld>
+</file>
+
+<file path=ppt/slides/slide7.xml><?xml version="1.0" encoding="utf-8"?>
+<p:sld xmlns:a="http://schemas.openxmlformats.org/drawingml/2006/main" xmlns:r="http://schemas.openxmlformats.org/officeDocument/2006/relationships" xmlns:p="http://schemas.openxmlformats.org/presentationml/2006/main">
+  <p:cSld>
+    <p:spTree>
+      <p:nvGrpSpPr>
+        <p:cNvPr id="1" name=""/>
+        <p:cNvGrpSpPr/>
+        <p:nvPr/>
+      </p:nvGrpSpPr>
+      <p:grpSpPr>
+        <a:xfrm>
+          <a:off x="0" y="0"/>
+          <a:ext cx="0" cy="0"/>
+          <a:chOff x="0" y="0"/>
+          <a:chExt cx="0" cy="0"/>
+        </a:xfrm>
+      </p:grpSpPr>
+      <p:sp>
+        <p:nvSpPr>
+          <p:cNvPr id="5" name="Title 4"/>
+          <p:cNvSpPr>
+            <a:spLocks noGrp="1"/>
+          </p:cNvSpPr>
+          <p:nvPr>
+            <p:ph type="title"/>
+          </p:nvPr>
+        </p:nvSpPr>
+        <p:spPr/>
+        <p:txBody>
+          <a:bodyPr/>
+          <a:lstStyle/>
+          <a:p>
+            <a:r>
+              <a:rPr lang="en-US" dirty="0" smtClean="0"/>
+              <a:t>Thoughtful Adoption</a:t>
+            </a:r>
+            <a:endParaRPr lang="en-US" dirty="0"/>
+          </a:p>
+        </p:txBody>
+      </p:sp>
+      <p:sp>
+        <p:nvSpPr>
+          <p:cNvPr id="6" name="Text Placeholder 7"/>
+          <p:cNvSpPr>
+            <a:spLocks noGrp="1"/>
+          </p:cNvSpPr>
+          <p:nvPr>
+            <p:ph sz="quarter" idx="10"/>
+          </p:nvPr>
+        </p:nvSpPr>
+        <p:spPr>
+          <a:xfrm>
+            <a:off x="327503" y="2031324"/>
+            <a:ext cx="11533187" cy="5159375"/>
+          </a:xfrm>
+        </p:spPr>
+        <p:txBody>
+          <a:bodyPr/>
+          <a:lstStyle/>
+          <a:p>
+            <a:r>
+              <a:rPr lang="en-US" sz="2800" dirty="0" smtClean="0"/>
+              <a:t>Any New Code Leverages the features that we’ve discussed</a:t>
+            </a:r>
+          </a:p>
+          <a:p>
+            <a:r>
+              <a:rPr lang="en-US" sz="2800" dirty="0" smtClean="0"/>
+              <a:t>Look for Diagnostics and Code Fixes</a:t>
+            </a:r>
+          </a:p>
+          <a:p>
+            <a:r>
+              <a:rPr lang="en-US" sz="2800" dirty="0" smtClean="0"/>
+              <a:t>Automate the process</a:t>
+            </a:r>
+          </a:p>
+          <a:p>
+            <a:r>
+              <a:rPr lang="en-US" sz="2800" dirty="0" smtClean="0"/>
+              <a:t>Only update when modifying the class</a:t>
+            </a:r>
+          </a:p>
+        </p:txBody>
+      </p:sp>
+    </p:spTree>
+    <p:extLst>
+      <p:ext uri="{BB962C8B-B14F-4D97-AF65-F5344CB8AC3E}">
+        <p14:creationId xmlns:p14="http://schemas.microsoft.com/office/powerpoint/2010/main" val="326740596"/>
+      </p:ext>
+    </p:extLst>
+  </p:cSld>
+  <p:clrMapOvr>
+    <a:masterClrMapping/>
+  </p:clrMapOvr>
+  <p:transition>
+    <p:fade/>
+  </p:transition>
+  <p:timing>
+    <p:tnLst>
+      <p:par>
+        <p:cTn id="1" dur="indefinite" restart="never" nodeType="tmRoot">
+          <p:childTnLst>
+            <p:seq concurrent="1" nextAc="seek">
+              <p:cTn id="2" dur="indefinite" nodeType="mainSeq">
+                <p:childTnLst>
+                  <p:par>
+                    <p:cTn id="3" fill="hold">
+                      <p:stCondLst>
+                        <p:cond delay="indefinite"/>
+                      </p:stCondLst>
+                      <p:childTnLst>
+                        <p:par>
+                          <p:cTn id="4" fill="hold">
+                            <p:stCondLst>
+                              <p:cond delay="0"/>
+                            </p:stCondLst>
+                            <p:childTnLst>
+                              <p:par>
+                                <p:cTn id="5" presetID="10" presetClass="entr" presetSubtype="0" fill="hold" grpId="0" nodeType="clickEffect">
+                                  <p:stCondLst>
+                                    <p:cond delay="0"/>
+                                  </p:stCondLst>
+                                  <p:childTnLst>
+                                    <p:set>
+                                      <p:cBhvr>
+                                        <p:cTn id="6" dur="1" fill="hold">
+                                          <p:stCondLst>
+                                            <p:cond delay="0"/>
+                                          </p:stCondLst>
+                                        </p:cTn>
+                                        <p:tgtEl>
+                                          <p:spTgt spid="6">
+                                            <p:txEl>
+                                              <p:pRg st="0" end="0"/>
+                                            </p:txEl>
+                                          </p:spTgt>
+                                        </p:tgtEl>
+                                        <p:attrNameLst>
+                                          <p:attrName>style.visibility</p:attrName>
+                                        </p:attrNameLst>
+                                      </p:cBhvr>
+                                      <p:to>
+                                        <p:strVal val="visible"/>
+                                      </p:to>
+                                    </p:set>
+                                    <p:animEffect transition="in" filter="fade">
+                                      <p:cBhvr>
+                                        <p:cTn id="7" dur="500"/>
+                                        <p:tgtEl>
+                                          <p:spTgt spid="6">
+                                            <p:txEl>
+                                              <p:pRg st="0" end="0"/>
+                                            </p:txEl>
+                                          </p:spTgt>
+                                        </p:tgtEl>
+                                      </p:cBhvr>
+                                    </p:animEffect>
+                                  </p:childTnLst>
+                                </p:cTn>
+                              </p:par>
+                            </p:childTnLst>
+                          </p:cTn>
+                        </p:par>
+                      </p:childTnLst>
+                    </p:cTn>
+                  </p:par>
+                  <p:par>
+                    <p:cTn id="8" fill="hold">
+                      <p:stCondLst>
+                        <p:cond delay="indefinite"/>
+                      </p:stCondLst>
+                      <p:childTnLst>
+                        <p:par>
+                          <p:cTn id="9" fill="hold">
+                            <p:stCondLst>
+                              <p:cond delay="0"/>
+                            </p:stCondLst>
+                            <p:childTnLst>
+                              <p:par>
+                                <p:cTn id="10" presetID="10" presetClass="entr" presetSubtype="0" fill="hold" grpId="0" nodeType="clickEffect">
+                                  <p:stCondLst>
+                                    <p:cond delay="0"/>
+                                  </p:stCondLst>
+                                  <p:childTnLst>
+                                    <p:set>
+                                      <p:cBhvr>
+                                        <p:cTn id="11" dur="1" fill="hold">
+                                          <p:stCondLst>
+                                            <p:cond delay="0"/>
+                                          </p:stCondLst>
+                                        </p:cTn>
+                                        <p:tgtEl>
+                                          <p:spTgt spid="6">
+                                            <p:txEl>
+                                              <p:pRg st="1" end="1"/>
+                                            </p:txEl>
+                                          </p:spTgt>
+                                        </p:tgtEl>
+                                        <p:attrNameLst>
+                                          <p:attrName>style.visibility</p:attrName>
+                                        </p:attrNameLst>
+                                      </p:cBhvr>
+                                      <p:to>
+                                        <p:strVal val="visible"/>
+                                      </p:to>
+                                    </p:set>
+                                    <p:animEffect transition="in" filter="fade">
+                                      <p:cBhvr>
+                                        <p:cTn id="12" dur="500"/>
+                                        <p:tgtEl>
+                                          <p:spTgt spid="6">
+                                            <p:txEl>
+                                              <p:pRg st="1" end="1"/>
+                                            </p:txEl>
+                                          </p:spTgt>
+                                        </p:tgtEl>
+                                      </p:cBhvr>
+                                    </p:animEffect>
+                                  </p:childTnLst>
+                                </p:cTn>
+                              </p:par>
+                            </p:childTnLst>
+                          </p:cTn>
+                        </p:par>
+                      </p:childTnLst>
+                    </p:cTn>
+                  </p:par>
+                  <p:par>
+                    <p:cTn id="13" fill="hold">
+                      <p:stCondLst>
+                        <p:cond delay="indefinite"/>
+                      </p:stCondLst>
+                      <p:childTnLst>
+                        <p:par>
+                          <p:cTn id="14" fill="hold">
+                            <p:stCondLst>
+                              <p:cond delay="0"/>
+                            </p:stCondLst>
+                            <p:childTnLst>
+                              <p:par>
+                                <p:cTn id="15" presetID="10" presetClass="entr" presetSubtype="0" fill="hold" grpId="0" nodeType="clickEffect">
+                                  <p:stCondLst>
+                                    <p:cond delay="0"/>
+                                  </p:stCondLst>
+                                  <p:childTnLst>
+                                    <p:set>
+                                      <p:cBhvr>
+                                        <p:cTn id="16" dur="1" fill="hold">
+                                          <p:stCondLst>
+                                            <p:cond delay="0"/>
+                                          </p:stCondLst>
+                                        </p:cTn>
+                                        <p:tgtEl>
+                                          <p:spTgt spid="6">
+                                            <p:txEl>
+                                              <p:pRg st="2" end="2"/>
+                                            </p:txEl>
+                                          </p:spTgt>
+                                        </p:tgtEl>
+                                        <p:attrNameLst>
+                                          <p:attrName>style.visibility</p:attrName>
+                                        </p:attrNameLst>
+                                      </p:cBhvr>
+                                      <p:to>
+                                        <p:strVal val="visible"/>
+                                      </p:to>
+                                    </p:set>
+                                    <p:animEffect transition="in" filter="fade">
+                                      <p:cBhvr>
+                                        <p:cTn id="17" dur="500"/>
+                                        <p:tgtEl>
+                                          <p:spTgt spid="6">
+                                            <p:txEl>
+                                              <p:pRg st="2" end="2"/>
+                                            </p:txEl>
+                                          </p:spTgt>
+                                        </p:tgtEl>
+                                      </p:cBhvr>
+                                    </p:animEffect>
+                                  </p:childTnLst>
+                                </p:cTn>
+                              </p:par>
+                            </p:childTnLst>
+                          </p:cTn>
+                        </p:par>
+                      </p:childTnLst>
+                    </p:cTn>
+                  </p:par>
+                  <p:par>
+                    <p:cTn id="18" fill="hold">
+                      <p:stCondLst>
+                        <p:cond delay="indefinite"/>
+                      </p:stCondLst>
+                      <p:childTnLst>
+                        <p:par>
+                          <p:cTn id="19" fill="hold">
+                            <p:stCondLst>
+                              <p:cond delay="0"/>
+                            </p:stCondLst>
+                            <p:childTnLst>
+                              <p:par>
+                                <p:cTn id="20" presetID="10" presetClass="entr" presetSubtype="0" fill="hold" grpId="0" nodeType="clickEffect">
+                                  <p:stCondLst>
+                                    <p:cond delay="0"/>
+                                  </p:stCondLst>
+                                  <p:childTnLst>
+                                    <p:set>
+                                      <p:cBhvr>
+                                        <p:cTn id="21" dur="1" fill="hold">
+                                          <p:stCondLst>
+                                            <p:cond delay="0"/>
+                                          </p:stCondLst>
+                                        </p:cTn>
+                                        <p:tgtEl>
+                                          <p:spTgt spid="6">
+                                            <p:txEl>
+                                              <p:pRg st="3" end="3"/>
+                                            </p:txEl>
+                                          </p:spTgt>
+                                        </p:tgtEl>
+                                        <p:attrNameLst>
+                                          <p:attrName>style.visibility</p:attrName>
+                                        </p:attrNameLst>
+                                      </p:cBhvr>
+                                      <p:to>
+                                        <p:strVal val="visible"/>
+                                      </p:to>
+                                    </p:set>
+                                    <p:animEffect transition="in" filter="fade">
+                                      <p:cBhvr>
+                                        <p:cTn id="22" dur="500"/>
+                                        <p:tgtEl>
+                                          <p:spTgt spid="6">
+                                            <p:txEl>
+                                              <p:pRg st="3" end="3"/>
+                                            </p:txEl>
+                                          </p:spTgt>
+                                        </p:tgtEl>
+                                      </p:cBhvr>
+                                    </p:animEffect>
+                                  </p:childTnLst>
+                                </p:cTn>
+                              </p:par>
+                            </p:childTnLst>
+                          </p:cTn>
+                        </p:par>
+                      </p:childTnLst>
+                    </p:cTn>
+                  </p:par>
+                </p:childTnLst>
+              </p:cTn>
+              <p:prevCondLst>
+                <p:cond evt="onPrev" delay="0">
+                  <p:tgtEl>
+                    <p:sldTgt/>
+                  </p:tgtEl>
+                </p:cond>
+              </p:prevCondLst>
+              <p:nextCondLst>
+                <p:cond evt="onNext" delay="0">
+                  <p:tgtEl>
+                    <p:sldTgt/>
+                  </p:tgtEl>
+                </p:cond>
+              </p:nextCondLst>
+            </p:seq>
+          </p:childTnLst>
+        </p:cTn>
+      </p:par>
+    </p:tnLst>
+    <p:bldLst>
+      <p:bldP spid="6" grpId="0" build="p"/>
+    </p:bldLst>
+  </p:timing>
+</p:sld>
+</file>
+
+<file path=ppt/slides/slide8.xml><?xml version="1.0" encoding="utf-8"?>
+<p:sld xmlns:a="http://schemas.openxmlformats.org/drawingml/2006/main" xmlns:r="http://schemas.openxmlformats.org/officeDocument/2006/relationships" xmlns:p="http://schemas.openxmlformats.org/presentationml/2006/main">
+  <p:cSld>
+    <p:spTree>
+      <p:nvGrpSpPr>
+        <p:cNvPr id="1" name=""/>
+        <p:cNvGrpSpPr/>
+        <p:nvPr/>
+      </p:nvGrpSpPr>
+      <p:grpSpPr>
+        <a:xfrm>
+          <a:off x="0" y="0"/>
+          <a:ext cx="0" cy="0"/>
+          <a:chOff x="0" y="0"/>
+          <a:chExt cx="0" cy="0"/>
+        </a:xfrm>
+      </p:grpSpPr>
+      <p:sp>
+        <p:nvSpPr>
+          <p:cNvPr id="4" name="Subtitle 3"/>
+          <p:cNvSpPr>
+            <a:spLocks noGrp="1"/>
+          </p:cNvSpPr>
+          <p:nvPr>
+            <p:ph type="subTitle" idx="1"/>
+          </p:nvPr>
+        </p:nvSpPr>
+        <p:spPr/>
+        <p:txBody>
+          <a:bodyPr/>
+          <a:lstStyle/>
+          <a:p>
+            <a:r>
+              <a:rPr lang="en-US" b="0" dirty="0" smtClean="0"/>
+              <a:t>tdb.github.com</a:t>
+            </a:r>
+          </a:p>
+          <a:p>
+            <a:r>
+              <a:rPr lang="en-US" dirty="0" smtClean="0"/>
+              <a:t>Expression Bodied Members, Static </a:t>
+            </a:r>
+            <a:r>
+              <a:rPr lang="en-US" dirty="0" err="1" smtClean="0"/>
+              <a:t>Usings</a:t>
+            </a:r>
+            <a:r>
+              <a:rPr lang="en-US" dirty="0" smtClean="0"/>
+              <a:t>, and Elvis</a:t>
+            </a:r>
+            <a:endParaRPr lang="en-US" dirty="0"/>
+          </a:p>
+        </p:txBody>
+      </p:sp>
+      <p:sp>
+        <p:nvSpPr>
+          <p:cNvPr id="2" name="Text Placeholder 1"/>
+          <p:cNvSpPr>
+            <a:spLocks noGrp="1"/>
+          </p:cNvSpPr>
+          <p:nvPr>
+            <p:ph type="body" sz="quarter" idx="10"/>
+          </p:nvPr>
+        </p:nvSpPr>
+        <p:spPr/>
+        <p:txBody>
+          <a:bodyPr/>
+          <a:lstStyle/>
+          <a:p>
+            <a:r>
+              <a:rPr lang="en-US" smtClean="0"/>
+              <a:t>demo</a:t>
+            </a:r>
+            <a:endParaRPr lang="en-US" dirty="0"/>
+          </a:p>
+        </p:txBody>
+      </p:sp>
+    </p:spTree>
+    <p:extLst>
+      <p:ext uri="{BB962C8B-B14F-4D97-AF65-F5344CB8AC3E}">
+        <p14:creationId xmlns:p14="http://schemas.microsoft.com/office/powerpoint/2010/main" val="3993867577"/>
+      </p:ext>
+    </p:extLst>
+  </p:cSld>
+  <p:clrMapOvr>
+    <a:masterClrMapping/>
+  </p:clrMapOvr>
+  <p:transition>
+    <p:fade/>
+  </p:transition>
+  <p:timing>
+    <p:tnLst>
+      <p:par>
+        <p:cTn id="1" dur="indefinite" restart="never" nodeType="tmRoot"/>
+      </p:par>
+    </p:tnLst>
+  </p:timing>
+</p:sld>
+</file>
+
+<file path=ppt/slides/slide9.xml><?xml version="1.0" encoding="utf-8"?>
+<p:sld xmlns:a="http://schemas.openxmlformats.org/drawingml/2006/main" xmlns:r="http://schemas.openxmlformats.org/officeDocument/2006/relationships" xmlns:p="http://schemas.openxmlformats.org/presentationml/2006/main">
+  <p:cSld>
+    <p:spTree>
+      <p:nvGrpSpPr>
+        <p:cNvPr id="1" name=""/>
+        <p:cNvGrpSpPr/>
+        <p:nvPr/>
+      </p:nvGrpSpPr>
+      <p:grpSpPr>
+        <a:xfrm>
+          <a:off x="0" y="0"/>
+          <a:ext cx="0" cy="0"/>
+          <a:chOff x="0" y="0"/>
+          <a:chExt cx="0" cy="0"/>
+        </a:xfrm>
+      </p:grpSpPr>
+      <p:sp>
+        <p:nvSpPr>
+          <p:cNvPr id="5" name="Title 4"/>
+          <p:cNvSpPr>
+            <a:spLocks noGrp="1"/>
+          </p:cNvSpPr>
+          <p:nvPr>
+            <p:ph type="title"/>
+          </p:nvPr>
+        </p:nvSpPr>
+        <p:spPr/>
+        <p:txBody>
+          <a:bodyPr/>
+          <a:lstStyle/>
+          <a:p>
+            <a:r>
+              <a:rPr lang="en-US" dirty="0" smtClean="0"/>
+              <a:t>Feature Review</a:t>
+            </a:r>
             <a:endParaRPr lang="en-US" dirty="0"/>
           </a:p>
         </p:txBody>
@@ -5112,2513 +10855,6 @@
 </p:sld>
 </file>
 
-<file path=ppt/slides/slide11.xml><?xml version="1.0" encoding="utf-8"?>
-<p:sld xmlns:a="http://schemas.openxmlformats.org/drawingml/2006/main" xmlns:r="http://schemas.openxmlformats.org/officeDocument/2006/relationships" xmlns:p="http://schemas.openxmlformats.org/presentationml/2006/main">
-  <p:cSld>
-    <p:spTree>
-      <p:nvGrpSpPr>
-        <p:cNvPr id="1" name=""/>
-        <p:cNvGrpSpPr/>
-        <p:nvPr/>
-      </p:nvGrpSpPr>
-      <p:grpSpPr>
-        <a:xfrm>
-          <a:off x="0" y="0"/>
-          <a:ext cx="0" cy="0"/>
-          <a:chOff x="0" y="0"/>
-          <a:chExt cx="0" cy="0"/>
-        </a:xfrm>
-      </p:grpSpPr>
-      <p:sp>
-        <p:nvSpPr>
-          <p:cNvPr id="5" name="Title 4"/>
-          <p:cNvSpPr>
-            <a:spLocks noGrp="1"/>
-          </p:cNvSpPr>
-          <p:nvPr>
-            <p:ph type="title"/>
-          </p:nvPr>
-        </p:nvSpPr>
-        <p:spPr/>
-        <p:txBody>
-          <a:bodyPr/>
-          <a:lstStyle/>
-          <a:p>
-            <a:r>
-              <a:rPr lang="en-US" dirty="0" smtClean="0"/>
-              <a:t>Feature Review</a:t>
-            </a:r>
-            <a:endParaRPr lang="en-US" dirty="0"/>
-          </a:p>
-        </p:txBody>
-      </p:sp>
-      <p:sp>
-        <p:nvSpPr>
-          <p:cNvPr id="4" name="TextBox 3"/>
-          <p:cNvSpPr txBox="1"/>
-          <p:nvPr/>
-        </p:nvSpPr>
-        <p:spPr>
-          <a:xfrm>
-            <a:off x="9906000" y="-1"/>
-            <a:ext cx="2286000" cy="2031325"/>
-          </a:xfrm>
-          <a:prstGeom prst="rect">
-            <a:avLst/>
-          </a:prstGeom>
-          <a:solidFill>
-            <a:srgbClr val="FFFF00"/>
-          </a:solidFill>
-          <a:ln>
-            <a:noFill/>
-          </a:ln>
-        </p:spPr>
-        <p:txBody>
-          <a:bodyPr wrap="square" rtlCol="0">
-            <a:spAutoFit/>
-          </a:bodyPr>
-          <a:lstStyle/>
-          <a:p>
-            <a:pPr algn="ctr"/>
-            <a:endParaRPr lang="en-US" dirty="0" smtClean="0"/>
-          </a:p>
-          <a:p>
-            <a:pPr algn="ctr"/>
-            <a:endParaRPr lang="en-US" dirty="0"/>
-          </a:p>
-          <a:p>
-            <a:pPr algn="ctr"/>
-            <a:r>
-              <a:rPr lang="en-US" dirty="0" smtClean="0"/>
-              <a:t>Please leave this area blank to allow for picture in picture recording</a:t>
-            </a:r>
-          </a:p>
-          <a:p>
-            <a:pPr algn="ctr"/>
-            <a:endParaRPr lang="en-US" dirty="0"/>
-          </a:p>
-        </p:txBody>
-      </p:sp>
-      <p:sp>
-        <p:nvSpPr>
-          <p:cNvPr id="6" name="Text Placeholder 7"/>
-          <p:cNvSpPr>
-            <a:spLocks noGrp="1"/>
-          </p:cNvSpPr>
-          <p:nvPr>
-            <p:ph sz="quarter" idx="10"/>
-          </p:nvPr>
-        </p:nvSpPr>
-        <p:spPr>
-          <a:xfrm>
-            <a:off x="327503" y="2031324"/>
-            <a:ext cx="11533187" cy="5159375"/>
-          </a:xfrm>
-        </p:spPr>
-        <p:txBody>
-          <a:bodyPr/>
-          <a:lstStyle/>
-          <a:p>
-            <a:r>
-              <a:rPr lang="en-US" sz="2800" dirty="0" err="1" smtClean="0"/>
-              <a:t>nameof</a:t>
-            </a:r>
-            <a:endParaRPr lang="en-US" sz="2800" dirty="0" smtClean="0"/>
-          </a:p>
-          <a:p>
-            <a:r>
-              <a:rPr lang="en-US" sz="2800" dirty="0" smtClean="0"/>
-              <a:t>Dictionary Initializers</a:t>
-            </a:r>
-          </a:p>
-          <a:p>
-            <a:r>
-              <a:rPr lang="en-US" sz="2800" dirty="0" smtClean="0"/>
-              <a:t>Exception Filters</a:t>
-            </a:r>
-          </a:p>
-          <a:p>
-            <a:r>
-              <a:rPr lang="en-US" sz="2800" dirty="0" smtClean="0"/>
-              <a:t>Await in Catch and Finally</a:t>
-            </a:r>
-          </a:p>
-        </p:txBody>
-      </p:sp>
-    </p:spTree>
-    <p:extLst>
-      <p:ext uri="{BB962C8B-B14F-4D97-AF65-F5344CB8AC3E}">
-        <p14:creationId xmlns:p14="http://schemas.microsoft.com/office/powerpoint/2010/main" val="1206554988"/>
-      </p:ext>
-    </p:extLst>
-  </p:cSld>
-  <p:clrMapOvr>
-    <a:masterClrMapping/>
-  </p:clrMapOvr>
-  <p:transition>
-    <p:fade/>
-  </p:transition>
-  <p:timing>
-    <p:tnLst>
-      <p:par>
-        <p:cTn id="1" dur="indefinite" restart="never" nodeType="tmRoot">
-          <p:childTnLst>
-            <p:seq concurrent="1" nextAc="seek">
-              <p:cTn id="2" dur="indefinite" nodeType="mainSeq">
-                <p:childTnLst>
-                  <p:par>
-                    <p:cTn id="3" fill="hold">
-                      <p:stCondLst>
-                        <p:cond delay="indefinite"/>
-                      </p:stCondLst>
-                      <p:childTnLst>
-                        <p:par>
-                          <p:cTn id="4" fill="hold">
-                            <p:stCondLst>
-                              <p:cond delay="0"/>
-                            </p:stCondLst>
-                            <p:childTnLst>
-                              <p:par>
-                                <p:cTn id="5" presetID="10" presetClass="entr" presetSubtype="0" fill="hold" grpId="0" nodeType="clickEffect">
-                                  <p:stCondLst>
-                                    <p:cond delay="0"/>
-                                  </p:stCondLst>
-                                  <p:childTnLst>
-                                    <p:set>
-                                      <p:cBhvr>
-                                        <p:cTn id="6" dur="1" fill="hold">
-                                          <p:stCondLst>
-                                            <p:cond delay="0"/>
-                                          </p:stCondLst>
-                                        </p:cTn>
-                                        <p:tgtEl>
-                                          <p:spTgt spid="6">
-                                            <p:txEl>
-                                              <p:pRg st="0" end="0"/>
-                                            </p:txEl>
-                                          </p:spTgt>
-                                        </p:tgtEl>
-                                        <p:attrNameLst>
-                                          <p:attrName>style.visibility</p:attrName>
-                                        </p:attrNameLst>
-                                      </p:cBhvr>
-                                      <p:to>
-                                        <p:strVal val="visible"/>
-                                      </p:to>
-                                    </p:set>
-                                    <p:animEffect transition="in" filter="fade">
-                                      <p:cBhvr>
-                                        <p:cTn id="7" dur="500"/>
-                                        <p:tgtEl>
-                                          <p:spTgt spid="6">
-                                            <p:txEl>
-                                              <p:pRg st="0" end="0"/>
-                                            </p:txEl>
-                                          </p:spTgt>
-                                        </p:tgtEl>
-                                      </p:cBhvr>
-                                    </p:animEffect>
-                                  </p:childTnLst>
-                                </p:cTn>
-                              </p:par>
-                            </p:childTnLst>
-                          </p:cTn>
-                        </p:par>
-                      </p:childTnLst>
-                    </p:cTn>
-                  </p:par>
-                  <p:par>
-                    <p:cTn id="8" fill="hold">
-                      <p:stCondLst>
-                        <p:cond delay="indefinite"/>
-                      </p:stCondLst>
-                      <p:childTnLst>
-                        <p:par>
-                          <p:cTn id="9" fill="hold">
-                            <p:stCondLst>
-                              <p:cond delay="0"/>
-                            </p:stCondLst>
-                            <p:childTnLst>
-                              <p:par>
-                                <p:cTn id="10" presetID="10" presetClass="entr" presetSubtype="0" fill="hold" grpId="0" nodeType="clickEffect">
-                                  <p:stCondLst>
-                                    <p:cond delay="0"/>
-                                  </p:stCondLst>
-                                  <p:childTnLst>
-                                    <p:set>
-                                      <p:cBhvr>
-                                        <p:cTn id="11" dur="1" fill="hold">
-                                          <p:stCondLst>
-                                            <p:cond delay="0"/>
-                                          </p:stCondLst>
-                                        </p:cTn>
-                                        <p:tgtEl>
-                                          <p:spTgt spid="6">
-                                            <p:txEl>
-                                              <p:pRg st="1" end="1"/>
-                                            </p:txEl>
-                                          </p:spTgt>
-                                        </p:tgtEl>
-                                        <p:attrNameLst>
-                                          <p:attrName>style.visibility</p:attrName>
-                                        </p:attrNameLst>
-                                      </p:cBhvr>
-                                      <p:to>
-                                        <p:strVal val="visible"/>
-                                      </p:to>
-                                    </p:set>
-                                    <p:animEffect transition="in" filter="fade">
-                                      <p:cBhvr>
-                                        <p:cTn id="12" dur="500"/>
-                                        <p:tgtEl>
-                                          <p:spTgt spid="6">
-                                            <p:txEl>
-                                              <p:pRg st="1" end="1"/>
-                                            </p:txEl>
-                                          </p:spTgt>
-                                        </p:tgtEl>
-                                      </p:cBhvr>
-                                    </p:animEffect>
-                                  </p:childTnLst>
-                                </p:cTn>
-                              </p:par>
-                            </p:childTnLst>
-                          </p:cTn>
-                        </p:par>
-                      </p:childTnLst>
-                    </p:cTn>
-                  </p:par>
-                  <p:par>
-                    <p:cTn id="13" fill="hold">
-                      <p:stCondLst>
-                        <p:cond delay="indefinite"/>
-                      </p:stCondLst>
-                      <p:childTnLst>
-                        <p:par>
-                          <p:cTn id="14" fill="hold">
-                            <p:stCondLst>
-                              <p:cond delay="0"/>
-                            </p:stCondLst>
-                            <p:childTnLst>
-                              <p:par>
-                                <p:cTn id="15" presetID="10" presetClass="entr" presetSubtype="0" fill="hold" grpId="0" nodeType="clickEffect">
-                                  <p:stCondLst>
-                                    <p:cond delay="0"/>
-                                  </p:stCondLst>
-                                  <p:childTnLst>
-                                    <p:set>
-                                      <p:cBhvr>
-                                        <p:cTn id="16" dur="1" fill="hold">
-                                          <p:stCondLst>
-                                            <p:cond delay="0"/>
-                                          </p:stCondLst>
-                                        </p:cTn>
-                                        <p:tgtEl>
-                                          <p:spTgt spid="6">
-                                            <p:txEl>
-                                              <p:pRg st="2" end="2"/>
-                                            </p:txEl>
-                                          </p:spTgt>
-                                        </p:tgtEl>
-                                        <p:attrNameLst>
-                                          <p:attrName>style.visibility</p:attrName>
-                                        </p:attrNameLst>
-                                      </p:cBhvr>
-                                      <p:to>
-                                        <p:strVal val="visible"/>
-                                      </p:to>
-                                    </p:set>
-                                    <p:animEffect transition="in" filter="fade">
-                                      <p:cBhvr>
-                                        <p:cTn id="17" dur="500"/>
-                                        <p:tgtEl>
-                                          <p:spTgt spid="6">
-                                            <p:txEl>
-                                              <p:pRg st="2" end="2"/>
-                                            </p:txEl>
-                                          </p:spTgt>
-                                        </p:tgtEl>
-                                      </p:cBhvr>
-                                    </p:animEffect>
-                                  </p:childTnLst>
-                                </p:cTn>
-                              </p:par>
-                            </p:childTnLst>
-                          </p:cTn>
-                        </p:par>
-                      </p:childTnLst>
-                    </p:cTn>
-                  </p:par>
-                  <p:par>
-                    <p:cTn id="18" fill="hold">
-                      <p:stCondLst>
-                        <p:cond delay="indefinite"/>
-                      </p:stCondLst>
-                      <p:childTnLst>
-                        <p:par>
-                          <p:cTn id="19" fill="hold">
-                            <p:stCondLst>
-                              <p:cond delay="0"/>
-                            </p:stCondLst>
-                            <p:childTnLst>
-                              <p:par>
-                                <p:cTn id="20" presetID="10" presetClass="entr" presetSubtype="0" fill="hold" grpId="0" nodeType="clickEffect">
-                                  <p:stCondLst>
-                                    <p:cond delay="0"/>
-                                  </p:stCondLst>
-                                  <p:childTnLst>
-                                    <p:set>
-                                      <p:cBhvr>
-                                        <p:cTn id="21" dur="1" fill="hold">
-                                          <p:stCondLst>
-                                            <p:cond delay="0"/>
-                                          </p:stCondLst>
-                                        </p:cTn>
-                                        <p:tgtEl>
-                                          <p:spTgt spid="6">
-                                            <p:txEl>
-                                              <p:pRg st="3" end="3"/>
-                                            </p:txEl>
-                                          </p:spTgt>
-                                        </p:tgtEl>
-                                        <p:attrNameLst>
-                                          <p:attrName>style.visibility</p:attrName>
-                                        </p:attrNameLst>
-                                      </p:cBhvr>
-                                      <p:to>
-                                        <p:strVal val="visible"/>
-                                      </p:to>
-                                    </p:set>
-                                    <p:animEffect transition="in" filter="fade">
-                                      <p:cBhvr>
-                                        <p:cTn id="22" dur="500"/>
-                                        <p:tgtEl>
-                                          <p:spTgt spid="6">
-                                            <p:txEl>
-                                              <p:pRg st="3" end="3"/>
-                                            </p:txEl>
-                                          </p:spTgt>
-                                        </p:tgtEl>
-                                      </p:cBhvr>
-                                    </p:animEffect>
-                                  </p:childTnLst>
-                                </p:cTn>
-                              </p:par>
-                            </p:childTnLst>
-                          </p:cTn>
-                        </p:par>
-                      </p:childTnLst>
-                    </p:cTn>
-                  </p:par>
-                </p:childTnLst>
-              </p:cTn>
-              <p:prevCondLst>
-                <p:cond evt="onPrev" delay="0">
-                  <p:tgtEl>
-                    <p:sldTgt/>
-                  </p:tgtEl>
-                </p:cond>
-              </p:prevCondLst>
-              <p:nextCondLst>
-                <p:cond evt="onNext" delay="0">
-                  <p:tgtEl>
-                    <p:sldTgt/>
-                  </p:tgtEl>
-                </p:cond>
-              </p:nextCondLst>
-            </p:seq>
-          </p:childTnLst>
-        </p:cTn>
-      </p:par>
-    </p:tnLst>
-    <p:bldLst>
-      <p:bldP spid="6" grpId="0" build="p"/>
-    </p:bldLst>
-  </p:timing>
-</p:sld>
-</file>
-
-<file path=ppt/slides/slide12.xml><?xml version="1.0" encoding="utf-8"?>
-<p:sld xmlns:a="http://schemas.openxmlformats.org/drawingml/2006/main" xmlns:r="http://schemas.openxmlformats.org/officeDocument/2006/relationships" xmlns:p="http://schemas.openxmlformats.org/presentationml/2006/main">
-  <p:cSld>
-    <p:spTree>
-      <p:nvGrpSpPr>
-        <p:cNvPr id="1" name=""/>
-        <p:cNvGrpSpPr/>
-        <p:nvPr/>
-      </p:nvGrpSpPr>
-      <p:grpSpPr>
-        <a:xfrm>
-          <a:off x="0" y="0"/>
-          <a:ext cx="0" cy="0"/>
-          <a:chOff x="0" y="0"/>
-          <a:chExt cx="0" cy="0"/>
-        </a:xfrm>
-      </p:grpSpPr>
-    </p:spTree>
-    <p:extLst>
-      <p:ext uri="{BB962C8B-B14F-4D97-AF65-F5344CB8AC3E}">
-        <p14:creationId xmlns:p14="http://schemas.microsoft.com/office/powerpoint/2010/main" val="319879541"/>
-      </p:ext>
-    </p:extLst>
-  </p:cSld>
-  <p:clrMapOvr>
-    <a:masterClrMapping/>
-  </p:clrMapOvr>
-  <p:transition>
-    <p:fade/>
-  </p:transition>
-  <p:timing>
-    <p:tnLst>
-      <p:par>
-        <p:cTn id="1" dur="indefinite" restart="never" nodeType="tmRoot"/>
-      </p:par>
-    </p:tnLst>
-  </p:timing>
-</p:sld>
-</file>
-
-<file path=ppt/slides/slide2.xml><?xml version="1.0" encoding="utf-8"?>
-<p:sld xmlns:a="http://schemas.openxmlformats.org/drawingml/2006/main" xmlns:r="http://schemas.openxmlformats.org/officeDocument/2006/relationships" xmlns:p="http://schemas.openxmlformats.org/presentationml/2006/main">
-  <p:cSld>
-    <p:spTree>
-      <p:nvGrpSpPr>
-        <p:cNvPr id="1" name=""/>
-        <p:cNvGrpSpPr/>
-        <p:nvPr/>
-      </p:nvGrpSpPr>
-      <p:grpSpPr>
-        <a:xfrm>
-          <a:off x="0" y="0"/>
-          <a:ext cx="0" cy="0"/>
-          <a:chOff x="0" y="0"/>
-          <a:chExt cx="0" cy="0"/>
-        </a:xfrm>
-      </p:grpSpPr>
-      <p:sp>
-        <p:nvSpPr>
-          <p:cNvPr id="2" name="Title 1"/>
-          <p:cNvSpPr>
-            <a:spLocks noGrp="1"/>
-          </p:cNvSpPr>
-          <p:nvPr>
-            <p:ph type="title"/>
-          </p:nvPr>
-        </p:nvSpPr>
-        <p:spPr/>
-        <p:txBody>
-          <a:bodyPr/>
-          <a:lstStyle/>
-          <a:p>
-            <a:r>
-              <a:rPr lang="en-US" dirty="0" smtClean="0"/>
-              <a:t>Meet </a:t>
-            </a:r>
-            <a:r>
-              <a:rPr lang="en-US" smtClean="0"/>
-              <a:t>Bill Wagner | </a:t>
-            </a:r>
-            <a:r>
-              <a:rPr lang="en-US" dirty="0" smtClean="0"/>
-              <a:t>@</a:t>
-            </a:r>
-            <a:r>
-              <a:rPr lang="en-US" dirty="0" err="1" smtClean="0"/>
-              <a:t>billwagner</a:t>
-            </a:r>
-            <a:endParaRPr lang="en-US" dirty="0"/>
-          </a:p>
-        </p:txBody>
-      </p:sp>
-      <p:sp>
-        <p:nvSpPr>
-          <p:cNvPr id="7" name="Content Placeholder 6"/>
-          <p:cNvSpPr>
-            <a:spLocks noGrp="1"/>
-          </p:cNvSpPr>
-          <p:nvPr>
-            <p:ph sz="quarter" idx="10"/>
-          </p:nvPr>
-        </p:nvSpPr>
-        <p:spPr/>
-        <p:txBody>
-          <a:bodyPr/>
-          <a:lstStyle/>
-          <a:p>
-            <a:r>
-              <a:rPr lang="en-US" dirty="0" smtClean="0">
-                <a:solidFill>
-                  <a:srgbClr val="002050"/>
-                </a:solidFill>
-              </a:rPr>
-              <a:t>Author</a:t>
-            </a:r>
-            <a:endParaRPr lang="en-US" dirty="0">
-              <a:solidFill>
-                <a:srgbClr val="002050"/>
-              </a:solidFill>
-            </a:endParaRPr>
-          </a:p>
-          <a:p>
-            <a:pPr lvl="1"/>
-            <a:r>
-              <a:rPr lang="en-US" dirty="0" smtClean="0">
-                <a:solidFill>
-                  <a:srgbClr val="002050"/>
-                </a:solidFill>
-              </a:rPr>
-              <a:t>Effective C#</a:t>
-            </a:r>
-          </a:p>
-          <a:p>
-            <a:pPr lvl="1"/>
-            <a:r>
-              <a:rPr lang="en-US" dirty="0" smtClean="0">
-                <a:solidFill>
-                  <a:srgbClr val="002050"/>
-                </a:solidFill>
-              </a:rPr>
-              <a:t>More Effective C#</a:t>
-            </a:r>
-          </a:p>
-          <a:p>
-            <a:r>
-              <a:rPr lang="en-US" dirty="0" smtClean="0"/>
-              <a:t>Passion for informing </a:t>
-            </a:r>
-            <a:r>
-              <a:rPr lang="en-US" dirty="0"/>
-              <a:t>and inspiring software developers to write </a:t>
-            </a:r>
-            <a:r>
-              <a:rPr lang="en-US" dirty="0" smtClean="0"/>
-              <a:t>better code be more productive</a:t>
-            </a:r>
-          </a:p>
-          <a:p>
-            <a:pPr lvl="1"/>
-            <a:r>
-              <a:rPr lang="en-US" dirty="0" smtClean="0"/>
-              <a:t>www.thebillwagner.com</a:t>
-            </a:r>
-          </a:p>
-          <a:p>
-            <a:pPr lvl="1"/>
-            <a:r>
-              <a:rPr lang="en-US" dirty="0" smtClean="0"/>
-              <a:t>www.github.com/BillWagner</a:t>
-            </a:r>
-          </a:p>
-        </p:txBody>
-      </p:sp>
-      <p:pic>
-        <p:nvPicPr>
-          <p:cNvPr id="10" name="Picture 9"/>
-          <p:cNvPicPr>
-            <a:picLocks noChangeAspect="1"/>
-          </p:cNvPicPr>
-          <p:nvPr/>
-        </p:nvPicPr>
-        <p:blipFill>
-          <a:blip r:embed="rId3">
-            <a:extLst>
-              <a:ext uri="{28A0092B-C50C-407E-A947-70E740481C1C}">
-                <a14:useLocalDpi xmlns:a14="http://schemas.microsoft.com/office/drawing/2010/main" val="0"/>
-              </a:ext>
-            </a:extLst>
-          </a:blip>
-          <a:stretch>
-            <a:fillRect/>
-          </a:stretch>
-        </p:blipFill>
-        <p:spPr>
-          <a:xfrm>
-            <a:off x="9314831" y="4029046"/>
-            <a:ext cx="2699299" cy="2699299"/>
-          </a:xfrm>
-          <a:prstGeom prst="rect">
-            <a:avLst/>
-          </a:prstGeom>
-          <a:ln>
-            <a:solidFill>
-              <a:schemeClr val="tx1"/>
-            </a:solidFill>
-          </a:ln>
-          <a:effectLst>
-            <a:outerShdw blurRad="50800" dist="38100" dir="2700000" algn="tl" rotWithShape="0">
-              <a:prstClr val="black">
-                <a:alpha val="40000"/>
-              </a:prstClr>
-            </a:outerShdw>
-          </a:effectLst>
-        </p:spPr>
-      </p:pic>
-    </p:spTree>
-    <p:extLst>
-      <p:ext uri="{BB962C8B-B14F-4D97-AF65-F5344CB8AC3E}">
-        <p14:creationId xmlns:p14="http://schemas.microsoft.com/office/powerpoint/2010/main" val="1629309094"/>
-      </p:ext>
-    </p:extLst>
-  </p:cSld>
-  <p:clrMapOvr>
-    <a:masterClrMapping/>
-  </p:clrMapOvr>
-  <p:transition>
-    <p:fade/>
-  </p:transition>
-  <p:timing>
-    <p:tnLst>
-      <p:par>
-        <p:cTn id="1" dur="indefinite" restart="never" nodeType="tmRoot"/>
-      </p:par>
-    </p:tnLst>
-  </p:timing>
-</p:sld>
-</file>
-
-<file path=ppt/slides/slide3.xml><?xml version="1.0" encoding="utf-8"?>
-<p:sld xmlns:a="http://schemas.openxmlformats.org/drawingml/2006/main" xmlns:r="http://schemas.openxmlformats.org/officeDocument/2006/relationships" xmlns:p="http://schemas.openxmlformats.org/presentationml/2006/main">
-  <p:cSld>
-    <p:spTree>
-      <p:nvGrpSpPr>
-        <p:cNvPr id="1" name=""/>
-        <p:cNvGrpSpPr/>
-        <p:nvPr/>
-      </p:nvGrpSpPr>
-      <p:grpSpPr>
-        <a:xfrm>
-          <a:off x="0" y="0"/>
-          <a:ext cx="0" cy="0"/>
-          <a:chOff x="0" y="0"/>
-          <a:chExt cx="0" cy="0"/>
-        </a:xfrm>
-      </p:grpSpPr>
-      <p:sp>
-        <p:nvSpPr>
-          <p:cNvPr id="2" name="Title 1"/>
-          <p:cNvSpPr>
-            <a:spLocks noGrp="1"/>
-          </p:cNvSpPr>
-          <p:nvPr>
-            <p:ph type="title"/>
-          </p:nvPr>
-        </p:nvSpPr>
-        <p:spPr/>
-        <p:txBody>
-          <a:bodyPr/>
-          <a:lstStyle/>
-          <a:p>
-            <a:r>
-              <a:rPr lang="en-US" dirty="0" smtClean="0"/>
-              <a:t>Meet Anthony D. </a:t>
-            </a:r>
-            <a:r>
-              <a:rPr lang="en-US" smtClean="0"/>
-              <a:t>Green </a:t>
-            </a:r>
-            <a:r>
-              <a:rPr lang="en-US" smtClean="0"/>
-              <a:t>|</a:t>
-            </a:r>
-            <a:endParaRPr lang="en-US" dirty="0"/>
-          </a:p>
-        </p:txBody>
-      </p:sp>
-      <p:sp>
-        <p:nvSpPr>
-          <p:cNvPr id="9" name="Content Placeholder 8"/>
-          <p:cNvSpPr>
-            <a:spLocks noGrp="1"/>
-          </p:cNvSpPr>
-          <p:nvPr>
-            <p:ph sz="quarter" idx="10"/>
-          </p:nvPr>
-        </p:nvSpPr>
-        <p:spPr/>
-        <p:txBody>
-          <a:bodyPr/>
-          <a:lstStyle/>
-          <a:p>
-            <a:r>
-              <a:rPr lang="en-US" dirty="0"/>
-              <a:t>Microsoft Program Manager</a:t>
-            </a:r>
-          </a:p>
-          <a:p>
-            <a:pPr lvl="1"/>
-            <a:r>
-              <a:rPr lang="en-US" dirty="0"/>
-              <a:t>Managed Languages Team</a:t>
-            </a:r>
-          </a:p>
-          <a:p>
-            <a:r>
-              <a:rPr lang="en-US" dirty="0"/>
-              <a:t>Focus on Language APIs</a:t>
-            </a:r>
-          </a:p>
-          <a:p>
-            <a:pPr lvl="1"/>
-            <a:r>
-              <a:rPr lang="en-US" dirty="0"/>
-              <a:t>Syntactic and semantic analysis tools</a:t>
-            </a:r>
-          </a:p>
-          <a:p>
-            <a:pPr lvl="1"/>
-            <a:r>
-              <a:rPr lang="en-US" dirty="0"/>
-              <a:t>Diagnostics and </a:t>
-            </a:r>
-            <a:r>
-              <a:rPr lang="en-US" dirty="0" err="1"/>
-              <a:t>Refactorings</a:t>
-            </a:r>
-            <a:endParaRPr lang="en-US" dirty="0"/>
-          </a:p>
-          <a:p>
-            <a:pPr lvl="1"/>
-            <a:endParaRPr lang="en-US" dirty="0"/>
-          </a:p>
-        </p:txBody>
-      </p:sp>
-      <p:pic>
-        <p:nvPicPr>
-          <p:cNvPr id="11" name="Picture 10"/>
-          <p:cNvPicPr>
-            <a:picLocks noChangeAspect="1"/>
-          </p:cNvPicPr>
-          <p:nvPr/>
-        </p:nvPicPr>
-        <p:blipFill>
-          <a:blip r:embed="rId3">
-            <a:extLst>
-              <a:ext uri="{28A0092B-C50C-407E-A947-70E740481C1C}">
-                <a14:useLocalDpi xmlns:a14="http://schemas.microsoft.com/office/drawing/2010/main" val="0"/>
-              </a:ext>
-            </a:extLst>
-          </a:blip>
-          <a:stretch>
-            <a:fillRect/>
-          </a:stretch>
-        </p:blipFill>
-        <p:spPr>
-          <a:xfrm>
-            <a:off x="9423687" y="4107561"/>
-            <a:ext cx="2529431" cy="2542271"/>
-          </a:xfrm>
-          <a:prstGeom prst="rect">
-            <a:avLst/>
-          </a:prstGeom>
-          <a:ln>
-            <a:solidFill>
-              <a:schemeClr val="tx1"/>
-            </a:solidFill>
-          </a:ln>
-          <a:effectLst>
-            <a:outerShdw blurRad="50800" dist="38100" dir="2700000" algn="tl" rotWithShape="0">
-              <a:prstClr val="black">
-                <a:alpha val="40000"/>
-              </a:prstClr>
-            </a:outerShdw>
-          </a:effectLst>
-        </p:spPr>
-      </p:pic>
-    </p:spTree>
-    <p:extLst>
-      <p:ext uri="{BB962C8B-B14F-4D97-AF65-F5344CB8AC3E}">
-        <p14:creationId xmlns:p14="http://schemas.microsoft.com/office/powerpoint/2010/main" val="3801980369"/>
-      </p:ext>
-    </p:extLst>
-  </p:cSld>
-  <p:clrMapOvr>
-    <a:masterClrMapping/>
-  </p:clrMapOvr>
-  <p:transition>
-    <p:fade/>
-  </p:transition>
-  <p:timing>
-    <p:tnLst>
-      <p:par>
-        <p:cTn id="1" dur="indefinite" restart="never" nodeType="tmRoot"/>
-      </p:par>
-    </p:tnLst>
-  </p:timing>
-</p:sld>
-</file>
-
-<file path=ppt/slides/slide4.xml><?xml version="1.0" encoding="utf-8"?>
-<p:sld xmlns:a="http://schemas.openxmlformats.org/drawingml/2006/main" xmlns:r="http://schemas.openxmlformats.org/officeDocument/2006/relationships" xmlns:p="http://schemas.openxmlformats.org/presentationml/2006/main">
-  <p:cSld>
-    <p:spTree>
-      <p:nvGrpSpPr>
-        <p:cNvPr id="1" name=""/>
-        <p:cNvGrpSpPr/>
-        <p:nvPr/>
-      </p:nvGrpSpPr>
-      <p:grpSpPr>
-        <a:xfrm>
-          <a:off x="0" y="0"/>
-          <a:ext cx="0" cy="0"/>
-          <a:chOff x="0" y="0"/>
-          <a:chExt cx="0" cy="0"/>
-        </a:xfrm>
-      </p:grpSpPr>
-      <p:sp>
-        <p:nvSpPr>
-          <p:cNvPr id="4" name="Title 3"/>
-          <p:cNvSpPr>
-            <a:spLocks noGrp="1"/>
-          </p:cNvSpPr>
-          <p:nvPr>
-            <p:ph type="ctrTitle"/>
-          </p:nvPr>
-        </p:nvSpPr>
-        <p:spPr/>
-        <p:txBody>
-          <a:bodyPr/>
-          <a:lstStyle/>
-          <a:p>
-            <a:r>
-              <a:rPr lang="en-US" dirty="0" smtClean="0"/>
-              <a:t>M5: Adoption Strategies</a:t>
-            </a:r>
-            <a:endParaRPr lang="en-US" dirty="0"/>
-          </a:p>
-        </p:txBody>
-      </p:sp>
-      <p:sp>
-        <p:nvSpPr>
-          <p:cNvPr id="9" name="Subtitle 4"/>
-          <p:cNvSpPr>
-            <a:spLocks noGrp="1"/>
-          </p:cNvSpPr>
-          <p:nvPr>
-            <p:ph type="subTitle" idx="1"/>
-          </p:nvPr>
-        </p:nvSpPr>
-        <p:spPr/>
-        <p:txBody>
-          <a:bodyPr/>
-          <a:lstStyle/>
-          <a:p>
-            <a:pPr lvl="0"/>
-            <a:endParaRPr lang="en-US" dirty="0"/>
-          </a:p>
-        </p:txBody>
-      </p:sp>
-    </p:spTree>
-    <p:extLst>
-      <p:ext uri="{BB962C8B-B14F-4D97-AF65-F5344CB8AC3E}">
-        <p14:creationId xmlns:p14="http://schemas.microsoft.com/office/powerpoint/2010/main" val="3802683099"/>
-      </p:ext>
-    </p:extLst>
-  </p:cSld>
-  <p:clrMapOvr>
-    <a:masterClrMapping/>
-  </p:clrMapOvr>
-  <p:transition>
-    <p:fade/>
-  </p:transition>
-  <p:timing>
-    <p:tnLst>
-      <p:par>
-        <p:cTn id="1" dur="indefinite" restart="never" nodeType="tmRoot"/>
-      </p:par>
-    </p:tnLst>
-  </p:timing>
-</p:sld>
-</file>
-
-<file path=ppt/slides/slide5.xml><?xml version="1.0" encoding="utf-8"?>
-<p:sld xmlns:a="http://schemas.openxmlformats.org/drawingml/2006/main" xmlns:r="http://schemas.openxmlformats.org/officeDocument/2006/relationships" xmlns:p="http://schemas.openxmlformats.org/presentationml/2006/main">
-  <p:cSld>
-    <p:spTree>
-      <p:nvGrpSpPr>
-        <p:cNvPr id="1" name=""/>
-        <p:cNvGrpSpPr/>
-        <p:nvPr/>
-      </p:nvGrpSpPr>
-      <p:grpSpPr>
-        <a:xfrm>
-          <a:off x="0" y="0"/>
-          <a:ext cx="0" cy="0"/>
-          <a:chOff x="0" y="0"/>
-          <a:chExt cx="0" cy="0"/>
-        </a:xfrm>
-      </p:grpSpPr>
-      <p:sp>
-        <p:nvSpPr>
-          <p:cNvPr id="5" name="Title 4"/>
-          <p:cNvSpPr>
-            <a:spLocks noGrp="1"/>
-          </p:cNvSpPr>
-          <p:nvPr>
-            <p:ph type="title"/>
-          </p:nvPr>
-        </p:nvSpPr>
-        <p:spPr/>
-        <p:txBody>
-          <a:bodyPr/>
-          <a:lstStyle/>
-          <a:p>
-            <a:r>
-              <a:rPr lang="en-US" dirty="0" smtClean="0"/>
-              <a:t>What’s new in C# 6 Agenda</a:t>
-            </a:r>
-            <a:endParaRPr lang="en-US" dirty="0"/>
-          </a:p>
-        </p:txBody>
-      </p:sp>
-      <p:graphicFrame>
-        <p:nvGraphicFramePr>
-          <p:cNvPr id="10" name="Content Placeholder 9"/>
-          <p:cNvGraphicFramePr>
-            <a:graphicFrameLocks noGrp="1"/>
-          </p:cNvGraphicFramePr>
-          <p:nvPr>
-            <p:ph sz="quarter" idx="10"/>
-            <p:extLst>
-              <p:ext uri="{D42A27DB-BD31-4B8C-83A1-F6EECF244321}">
-                <p14:modId xmlns:p14="http://schemas.microsoft.com/office/powerpoint/2010/main" val="660311861"/>
-              </p:ext>
-            </p:extLst>
-          </p:nvPr>
-        </p:nvGraphicFramePr>
-        <p:xfrm>
-          <a:off x="436563" y="1487488"/>
-          <a:ext cx="11324908" cy="4299148"/>
-        </p:xfrm>
-        <a:graphic>
-          <a:graphicData uri="http://schemas.openxmlformats.org/drawingml/2006/table">
-            <a:tbl>
-              <a:tblPr firstRow="1" bandRow="1">
-                <a:tableStyleId>{5C22544A-7EE6-4342-B048-85BDC9FD1C3A}</a:tableStyleId>
-              </a:tblPr>
-              <a:tblGrid>
-                <a:gridCol w="11324908">
-                  <a:extLst>
-                    <a:ext uri="{9D8B030D-6E8A-4147-A177-3AD203B41FA5}">
-                      <a16:colId xmlns="" xmlns:a16="http://schemas.microsoft.com/office/drawing/2014/main" val="1253488153"/>
-                    </a:ext>
-                  </a:extLst>
-                </a:gridCol>
-              </a:tblGrid>
-              <a:tr h="614164">
-                <a:tc>
-                  <a:txBody>
-                    <a:bodyPr/>
-                    <a:lstStyle/>
-                    <a:p>
-                      <a:r>
-                        <a:rPr lang="en-US" dirty="0" smtClean="0"/>
-                        <a:t>Day 1 | HTML, CSS and JavaScript</a:t>
-                      </a:r>
-                      <a:endParaRPr lang="en-US" dirty="0"/>
-                    </a:p>
-                  </a:txBody>
-                  <a:tcPr anchor="ctr"/>
-                </a:tc>
-                <a:extLst>
-                  <a:ext uri="{0D108BD9-81ED-4DB2-BD59-A6C34878D82A}">
-                    <a16:rowId xmlns="" xmlns:a16="http://schemas.microsoft.com/office/drawing/2014/main" val="829859176"/>
-                  </a:ext>
-                </a:extLst>
-              </a:tr>
-              <a:tr h="614164">
-                <a:tc>
-                  <a:txBody>
-                    <a:bodyPr/>
-                    <a:lstStyle/>
-                    <a:p>
-                      <a:r>
-                        <a:rPr lang="en-US" dirty="0" smtClean="0"/>
-                        <a:t>Module 1: C#</a:t>
-                      </a:r>
-                      <a:r>
-                        <a:rPr lang="en-US" baseline="0" dirty="0" smtClean="0"/>
-                        <a:t> features add productivity and conciseness</a:t>
-                      </a:r>
-                      <a:endParaRPr lang="en-US" dirty="0" smtClean="0"/>
-                    </a:p>
-                  </a:txBody>
-                  <a:tcPr anchor="ctr"/>
-                </a:tc>
-                <a:extLst>
-                  <a:ext uri="{0D108BD9-81ED-4DB2-BD59-A6C34878D82A}">
-                    <a16:rowId xmlns="" xmlns:a16="http://schemas.microsoft.com/office/drawing/2014/main" val="1946132611"/>
-                  </a:ext>
-                </a:extLst>
-              </a:tr>
-              <a:tr h="614164">
-                <a:tc>
-                  <a:txBody>
-                    <a:bodyPr/>
-                    <a:lstStyle/>
-                    <a:p>
-                      <a:r>
-                        <a:rPr lang="en-US" dirty="0" smtClean="0"/>
-                        <a:t>Module 2: Data Transfer Object Enhancements</a:t>
-                      </a:r>
-                    </a:p>
-                  </a:txBody>
-                  <a:tcPr anchor="ctr"/>
-                </a:tc>
-                <a:extLst>
-                  <a:ext uri="{0D108BD9-81ED-4DB2-BD59-A6C34878D82A}">
-                    <a16:rowId xmlns="" xmlns:a16="http://schemas.microsoft.com/office/drawing/2014/main" val="3204002662"/>
-                  </a:ext>
-                </a:extLst>
-              </a:tr>
-              <a:tr h="614164">
-                <a:tc>
-                  <a:txBody>
-                    <a:bodyPr/>
-                    <a:lstStyle/>
-                    <a:p>
-                      <a:r>
-                        <a:rPr lang="en-US" dirty="0" smtClean="0"/>
-                        <a:t>Module 3: Handling Strings</a:t>
-                      </a:r>
-                      <a:r>
-                        <a:rPr lang="en-US" baseline="0" dirty="0" smtClean="0"/>
-                        <a:t> More Easily</a:t>
-                      </a:r>
-                      <a:endParaRPr lang="en-US" dirty="0" smtClean="0"/>
-                    </a:p>
-                  </a:txBody>
-                  <a:tcPr anchor="ctr"/>
-                </a:tc>
-                <a:extLst>
-                  <a:ext uri="{0D108BD9-81ED-4DB2-BD59-A6C34878D82A}">
-                    <a16:rowId xmlns="" xmlns:a16="http://schemas.microsoft.com/office/drawing/2014/main" val="4266278162"/>
-                  </a:ext>
-                </a:extLst>
-              </a:tr>
-              <a:tr h="614164">
-                <a:tc>
-                  <a:txBody>
-                    <a:bodyPr/>
-                    <a:lstStyle/>
-                    <a:p>
-                      <a:r>
-                        <a:rPr lang="en-US" dirty="0" smtClean="0"/>
-                        <a:t>MEAL BREAK</a:t>
-                      </a:r>
-                    </a:p>
-                  </a:txBody>
-                  <a:tcPr anchor="ctr"/>
-                </a:tc>
-                <a:extLst>
-                  <a:ext uri="{0D108BD9-81ED-4DB2-BD59-A6C34878D82A}">
-                    <a16:rowId xmlns="" xmlns:a16="http://schemas.microsoft.com/office/drawing/2014/main" val="2975720638"/>
-                  </a:ext>
-                </a:extLst>
-              </a:tr>
-              <a:tr h="614164">
-                <a:tc>
-                  <a:txBody>
-                    <a:bodyPr/>
-                    <a:lstStyle/>
-                    <a:p>
-                      <a:r>
-                        <a:rPr lang="en-US" dirty="0" smtClean="0"/>
-                        <a:t>Module 4: Exceptions</a:t>
-                      </a:r>
-                      <a:r>
-                        <a:rPr lang="en-US" baseline="0" dirty="0" smtClean="0"/>
-                        <a:t> and Error Handling Improvements</a:t>
-                      </a:r>
-                      <a:endParaRPr lang="en-US" dirty="0" smtClean="0"/>
-                    </a:p>
-                  </a:txBody>
-                  <a:tcPr anchor="ctr"/>
-                </a:tc>
-                <a:extLst>
-                  <a:ext uri="{0D108BD9-81ED-4DB2-BD59-A6C34878D82A}">
-                    <a16:rowId xmlns="" xmlns:a16="http://schemas.microsoft.com/office/drawing/2014/main" val="1816156953"/>
-                  </a:ext>
-                </a:extLst>
-              </a:tr>
-              <a:tr h="614164">
-                <a:tc>
-                  <a:txBody>
-                    <a:bodyPr/>
-                    <a:lstStyle/>
-                    <a:p>
-                      <a:r>
-                        <a:rPr lang="en-US" dirty="0" smtClean="0"/>
-                        <a:t>Module 5:</a:t>
-                      </a:r>
-                      <a:r>
-                        <a:rPr lang="en-US" baseline="0" dirty="0" smtClean="0"/>
-                        <a:t> Adopting C# 6</a:t>
-                      </a:r>
-                      <a:endParaRPr lang="en-US" dirty="0" smtClean="0"/>
-                    </a:p>
-                  </a:txBody>
-                  <a:tcPr anchor="ctr"/>
-                </a:tc>
-                <a:extLst>
-                  <a:ext uri="{0D108BD9-81ED-4DB2-BD59-A6C34878D82A}">
-                    <a16:rowId xmlns="" xmlns:a16="http://schemas.microsoft.com/office/drawing/2014/main" val="22492752"/>
-                  </a:ext>
-                </a:extLst>
-              </a:tr>
-            </a:tbl>
-          </a:graphicData>
-        </a:graphic>
-      </p:graphicFrame>
-      <p:sp>
-        <p:nvSpPr>
-          <p:cNvPr id="6" name="Rectangle 5"/>
-          <p:cNvSpPr/>
-          <p:nvPr/>
-        </p:nvSpPr>
-        <p:spPr bwMode="auto">
-          <a:xfrm>
-            <a:off x="497890" y="5207427"/>
-            <a:ext cx="6223379" cy="529057"/>
-          </a:xfrm>
-          <a:prstGeom prst="rect">
-            <a:avLst/>
-          </a:prstGeom>
-          <a:solidFill>
-            <a:srgbClr val="FF6A00">
-              <a:alpha val="25000"/>
-            </a:srgbClr>
-          </a:solidFill>
-          <a:ln w="31750">
-            <a:solidFill>
-              <a:srgbClr val="0070C0"/>
-            </a:solidFill>
-            <a:headEnd type="none" w="med" len="med"/>
-            <a:tailEnd type="none" w="med" len="med"/>
-          </a:ln>
-          <a:effectLst/>
-          <a:scene3d>
-            <a:camera prst="orthographicFront" fov="0">
-              <a:rot lat="0" lon="0" rev="0"/>
-            </a:camera>
-            <a:lightRig rig="soft" dir="tl">
-              <a:rot lat="0" lon="0" rev="20000000"/>
-            </a:lightRig>
-          </a:scene3d>
-          <a:sp3d prstMaterial="matte"/>
-        </p:spPr>
-        <p:style>
-          <a:lnRef idx="0">
-            <a:schemeClr val="accent2"/>
-          </a:lnRef>
-          <a:fillRef idx="3">
-            <a:schemeClr val="accent2"/>
-          </a:fillRef>
-          <a:effectRef idx="3">
-            <a:schemeClr val="accent2"/>
-          </a:effectRef>
-          <a:fontRef idx="minor">
-            <a:schemeClr val="lt1"/>
-          </a:fontRef>
-        </p:style>
-        <p:txBody>
-          <a:bodyPr vert="horz" wrap="square" lIns="91436" tIns="45718" rIns="91436" bIns="45718" numCol="1" rtlCol="0" anchor="ctr" anchorCtr="0" compatLnSpc="1">
-            <a:prstTxWarp prst="textNoShape">
-              <a:avLst/>
-            </a:prstTxWarp>
-          </a:bodyPr>
-          <a:lstStyle>
-            <a:defPPr>
-              <a:defRPr lang="en-US"/>
-            </a:defPPr>
-            <a:lvl1pPr marL="0" algn="l" defTabSz="914363" rtl="0" eaLnBrk="1" latinLnBrk="0" hangingPunct="1">
-              <a:defRPr sz="1800" kern="1200">
-                <a:solidFill>
-                  <a:schemeClr val="lt1"/>
-                </a:solidFill>
-                <a:latin typeface="+mn-lt"/>
-                <a:ea typeface="+mn-ea"/>
-                <a:cs typeface="+mn-cs"/>
-              </a:defRPr>
-            </a:lvl1pPr>
-            <a:lvl2pPr marL="457182" algn="l" defTabSz="914363" rtl="0" eaLnBrk="1" latinLnBrk="0" hangingPunct="1">
-              <a:defRPr sz="1800" kern="1200">
-                <a:solidFill>
-                  <a:schemeClr val="lt1"/>
-                </a:solidFill>
-                <a:latin typeface="+mn-lt"/>
-                <a:ea typeface="+mn-ea"/>
-                <a:cs typeface="+mn-cs"/>
-              </a:defRPr>
-            </a:lvl2pPr>
-            <a:lvl3pPr marL="914363" algn="l" defTabSz="914363" rtl="0" eaLnBrk="1" latinLnBrk="0" hangingPunct="1">
-              <a:defRPr sz="1800" kern="1200">
-                <a:solidFill>
-                  <a:schemeClr val="lt1"/>
-                </a:solidFill>
-                <a:latin typeface="+mn-lt"/>
-                <a:ea typeface="+mn-ea"/>
-                <a:cs typeface="+mn-cs"/>
-              </a:defRPr>
-            </a:lvl3pPr>
-            <a:lvl4pPr marL="1371545" algn="l" defTabSz="914363" rtl="0" eaLnBrk="1" latinLnBrk="0" hangingPunct="1">
-              <a:defRPr sz="1800" kern="1200">
-                <a:solidFill>
-                  <a:schemeClr val="lt1"/>
-                </a:solidFill>
-                <a:latin typeface="+mn-lt"/>
-                <a:ea typeface="+mn-ea"/>
-                <a:cs typeface="+mn-cs"/>
-              </a:defRPr>
-            </a:lvl4pPr>
-            <a:lvl5pPr marL="1828727" algn="l" defTabSz="914363" rtl="0" eaLnBrk="1" latinLnBrk="0" hangingPunct="1">
-              <a:defRPr sz="1800" kern="1200">
-                <a:solidFill>
-                  <a:schemeClr val="lt1"/>
-                </a:solidFill>
-                <a:latin typeface="+mn-lt"/>
-                <a:ea typeface="+mn-ea"/>
-                <a:cs typeface="+mn-cs"/>
-              </a:defRPr>
-            </a:lvl5pPr>
-            <a:lvl6pPr marL="2285909" algn="l" defTabSz="914363" rtl="0" eaLnBrk="1" latinLnBrk="0" hangingPunct="1">
-              <a:defRPr sz="1800" kern="1200">
-                <a:solidFill>
-                  <a:schemeClr val="lt1"/>
-                </a:solidFill>
-                <a:latin typeface="+mn-lt"/>
-                <a:ea typeface="+mn-ea"/>
-                <a:cs typeface="+mn-cs"/>
-              </a:defRPr>
-            </a:lvl6pPr>
-            <a:lvl7pPr marL="2743090" algn="l" defTabSz="914363" rtl="0" eaLnBrk="1" latinLnBrk="0" hangingPunct="1">
-              <a:defRPr sz="1800" kern="1200">
-                <a:solidFill>
-                  <a:schemeClr val="lt1"/>
-                </a:solidFill>
-                <a:latin typeface="+mn-lt"/>
-                <a:ea typeface="+mn-ea"/>
-                <a:cs typeface="+mn-cs"/>
-              </a:defRPr>
-            </a:lvl7pPr>
-            <a:lvl8pPr marL="3200272" algn="l" defTabSz="914363" rtl="0" eaLnBrk="1" latinLnBrk="0" hangingPunct="1">
-              <a:defRPr sz="1800" kern="1200">
-                <a:solidFill>
-                  <a:schemeClr val="lt1"/>
-                </a:solidFill>
-                <a:latin typeface="+mn-lt"/>
-                <a:ea typeface="+mn-ea"/>
-                <a:cs typeface="+mn-cs"/>
-              </a:defRPr>
-            </a:lvl8pPr>
-            <a:lvl9pPr marL="3657454" algn="l" defTabSz="914363" rtl="0" eaLnBrk="1" latinLnBrk="0" hangingPunct="1">
-              <a:defRPr sz="1800" kern="1200">
-                <a:solidFill>
-                  <a:schemeClr val="lt1"/>
-                </a:solidFill>
-                <a:latin typeface="+mn-lt"/>
-                <a:ea typeface="+mn-ea"/>
-                <a:cs typeface="+mn-cs"/>
-              </a:defRPr>
-            </a:lvl9pPr>
-          </a:lstStyle>
-          <a:p>
-            <a:pPr algn="ctr" defTabSz="914099" fontAlgn="base">
-              <a:spcBef>
-                <a:spcPct val="0"/>
-              </a:spcBef>
-              <a:spcAft>
-                <a:spcPct val="0"/>
-              </a:spcAft>
-            </a:pPr>
-            <a:endParaRPr lang="en-US" sz="2400" dirty="0" smtClean="0">
-              <a:gradFill>
-                <a:gsLst>
-                  <a:gs pos="0">
-                    <a:srgbClr val="FFFFFF"/>
-                  </a:gs>
-                  <a:gs pos="100000">
-                    <a:srgbClr val="FFFFFF"/>
-                  </a:gs>
-                </a:gsLst>
-                <a:lin ang="5400000" scaled="0"/>
-              </a:gradFill>
-            </a:endParaRPr>
-          </a:p>
-        </p:txBody>
-      </p:sp>
-    </p:spTree>
-    <p:extLst>
-      <p:ext uri="{BB962C8B-B14F-4D97-AF65-F5344CB8AC3E}">
-        <p14:creationId xmlns:p14="http://schemas.microsoft.com/office/powerpoint/2010/main" val="1622587199"/>
-      </p:ext>
-    </p:extLst>
-  </p:cSld>
-  <p:clrMapOvr>
-    <a:masterClrMapping/>
-  </p:clrMapOvr>
-  <p:transition>
-    <p:fade/>
-  </p:transition>
-  <p:timing>
-    <p:tnLst>
-      <p:par>
-        <p:cTn id="1" dur="indefinite" restart="never" nodeType="tmRoot"/>
-      </p:par>
-    </p:tnLst>
-  </p:timing>
-</p:sld>
-</file>
-
-<file path=ppt/slides/slide6.xml><?xml version="1.0" encoding="utf-8"?>
-<p:sld xmlns:a="http://schemas.openxmlformats.org/drawingml/2006/main" xmlns:r="http://schemas.openxmlformats.org/officeDocument/2006/relationships" xmlns:p="http://schemas.openxmlformats.org/presentationml/2006/main">
-  <p:cSld>
-    <p:spTree>
-      <p:nvGrpSpPr>
-        <p:cNvPr id="1" name=""/>
-        <p:cNvGrpSpPr/>
-        <p:nvPr/>
-      </p:nvGrpSpPr>
-      <p:grpSpPr>
-        <a:xfrm>
-          <a:off x="0" y="0"/>
-          <a:ext cx="0" cy="0"/>
-          <a:chOff x="0" y="0"/>
-          <a:chExt cx="0" cy="0"/>
-        </a:xfrm>
-      </p:grpSpPr>
-      <p:sp>
-        <p:nvSpPr>
-          <p:cNvPr id="7" name="Title 6"/>
-          <p:cNvSpPr>
-            <a:spLocks noGrp="1"/>
-          </p:cNvSpPr>
-          <p:nvPr>
-            <p:ph type="title"/>
-          </p:nvPr>
-        </p:nvSpPr>
-        <p:spPr/>
-        <p:txBody>
-          <a:bodyPr/>
-          <a:lstStyle/>
-          <a:p>
-            <a:r>
-              <a:rPr lang="en-US" dirty="0" smtClean="0"/>
-              <a:t>Adoption Strategies</a:t>
-            </a:r>
-            <a:endParaRPr lang="en-US" dirty="0"/>
-          </a:p>
-        </p:txBody>
-      </p:sp>
-      <p:sp>
-        <p:nvSpPr>
-          <p:cNvPr id="8" name="Text Placeholder 7"/>
-          <p:cNvSpPr>
-            <a:spLocks noGrp="1"/>
-          </p:cNvSpPr>
-          <p:nvPr>
-            <p:ph sz="quarter" idx="10"/>
-          </p:nvPr>
-        </p:nvSpPr>
-        <p:spPr>
-          <a:xfrm>
-            <a:off x="327503" y="2031324"/>
-            <a:ext cx="11533187" cy="5159375"/>
-          </a:xfrm>
-        </p:spPr>
-        <p:txBody>
-          <a:bodyPr/>
-          <a:lstStyle/>
-          <a:p>
-            <a:r>
-              <a:rPr lang="en-US" sz="2800" dirty="0" smtClean="0"/>
-              <a:t>Key | Your existing code won’t break</a:t>
-            </a:r>
-            <a:endParaRPr lang="en-US" sz="2800" dirty="0"/>
-          </a:p>
-          <a:p>
-            <a:r>
-              <a:rPr lang="en-US" sz="2800" dirty="0" smtClean="0"/>
-              <a:t>Key | No reason to bulk replace</a:t>
-            </a:r>
-          </a:p>
-          <a:p>
-            <a:r>
-              <a:rPr lang="en-US" sz="2800" dirty="0" smtClean="0"/>
-              <a:t>Key | Improve Readability with Adoption as you add features</a:t>
-            </a:r>
-          </a:p>
-          <a:p>
-            <a:r>
-              <a:rPr lang="en-US" sz="2800" dirty="0" smtClean="0"/>
-              <a:t>Key | Diagnostics and </a:t>
-            </a:r>
-            <a:r>
-              <a:rPr lang="en-US" sz="2800" dirty="0" err="1" smtClean="0"/>
-              <a:t>CodeFixes</a:t>
-            </a:r>
-            <a:r>
-              <a:rPr lang="en-US" sz="2800" dirty="0" smtClean="0"/>
-              <a:t> can automate the process</a:t>
-            </a:r>
-          </a:p>
-        </p:txBody>
-      </p:sp>
-      <p:sp>
-        <p:nvSpPr>
-          <p:cNvPr id="4" name="TextBox 3"/>
-          <p:cNvSpPr txBox="1"/>
-          <p:nvPr/>
-        </p:nvSpPr>
-        <p:spPr>
-          <a:xfrm>
-            <a:off x="9906000" y="-1"/>
-            <a:ext cx="2286000" cy="2031325"/>
-          </a:xfrm>
-          <a:prstGeom prst="rect">
-            <a:avLst/>
-          </a:prstGeom>
-          <a:solidFill>
-            <a:srgbClr val="FFFF00"/>
-          </a:solidFill>
-          <a:ln>
-            <a:noFill/>
-          </a:ln>
-        </p:spPr>
-        <p:txBody>
-          <a:bodyPr wrap="square" rtlCol="0">
-            <a:spAutoFit/>
-          </a:bodyPr>
-          <a:lstStyle/>
-          <a:p>
-            <a:pPr algn="ctr"/>
-            <a:endParaRPr lang="en-US" dirty="0" smtClean="0"/>
-          </a:p>
-          <a:p>
-            <a:pPr algn="ctr"/>
-            <a:endParaRPr lang="en-US" dirty="0"/>
-          </a:p>
-          <a:p>
-            <a:pPr algn="ctr"/>
-            <a:r>
-              <a:rPr lang="en-US" dirty="0" smtClean="0"/>
-              <a:t>Please leave this area blank to allow for picture in picture recording</a:t>
-            </a:r>
-          </a:p>
-          <a:p>
-            <a:pPr algn="ctr"/>
-            <a:endParaRPr lang="en-US" dirty="0"/>
-          </a:p>
-        </p:txBody>
-      </p:sp>
-    </p:spTree>
-    <p:extLst>
-      <p:ext uri="{BB962C8B-B14F-4D97-AF65-F5344CB8AC3E}">
-        <p14:creationId xmlns:p14="http://schemas.microsoft.com/office/powerpoint/2010/main" val="3853447311"/>
-      </p:ext>
-    </p:extLst>
-  </p:cSld>
-  <p:clrMapOvr>
-    <a:masterClrMapping/>
-  </p:clrMapOvr>
-  <p:transition>
-    <p:fade/>
-  </p:transition>
-  <p:timing>
-    <p:tnLst>
-      <p:par>
-        <p:cTn id="1" dur="indefinite" restart="never" nodeType="tmRoot">
-          <p:childTnLst>
-            <p:seq concurrent="1" nextAc="seek">
-              <p:cTn id="2" dur="indefinite" nodeType="mainSeq">
-                <p:childTnLst>
-                  <p:par>
-                    <p:cTn id="3" fill="hold">
-                      <p:stCondLst>
-                        <p:cond delay="indefinite"/>
-                      </p:stCondLst>
-                      <p:childTnLst>
-                        <p:par>
-                          <p:cTn id="4" fill="hold">
-                            <p:stCondLst>
-                              <p:cond delay="0"/>
-                            </p:stCondLst>
-                            <p:childTnLst>
-                              <p:par>
-                                <p:cTn id="5" presetID="10" presetClass="entr" presetSubtype="0" fill="hold" grpId="0" nodeType="clickEffect">
-                                  <p:stCondLst>
-                                    <p:cond delay="0"/>
-                                  </p:stCondLst>
-                                  <p:childTnLst>
-                                    <p:set>
-                                      <p:cBhvr>
-                                        <p:cTn id="6" dur="1" fill="hold">
-                                          <p:stCondLst>
-                                            <p:cond delay="0"/>
-                                          </p:stCondLst>
-                                        </p:cTn>
-                                        <p:tgtEl>
-                                          <p:spTgt spid="8">
-                                            <p:txEl>
-                                              <p:pRg st="0" end="0"/>
-                                            </p:txEl>
-                                          </p:spTgt>
-                                        </p:tgtEl>
-                                        <p:attrNameLst>
-                                          <p:attrName>style.visibility</p:attrName>
-                                        </p:attrNameLst>
-                                      </p:cBhvr>
-                                      <p:to>
-                                        <p:strVal val="visible"/>
-                                      </p:to>
-                                    </p:set>
-                                    <p:animEffect transition="in" filter="fade">
-                                      <p:cBhvr>
-                                        <p:cTn id="7" dur="500"/>
-                                        <p:tgtEl>
-                                          <p:spTgt spid="8">
-                                            <p:txEl>
-                                              <p:pRg st="0" end="0"/>
-                                            </p:txEl>
-                                          </p:spTgt>
-                                        </p:tgtEl>
-                                      </p:cBhvr>
-                                    </p:animEffect>
-                                  </p:childTnLst>
-                                </p:cTn>
-                              </p:par>
-                            </p:childTnLst>
-                          </p:cTn>
-                        </p:par>
-                      </p:childTnLst>
-                    </p:cTn>
-                  </p:par>
-                  <p:par>
-                    <p:cTn id="8" fill="hold">
-                      <p:stCondLst>
-                        <p:cond delay="indefinite"/>
-                      </p:stCondLst>
-                      <p:childTnLst>
-                        <p:par>
-                          <p:cTn id="9" fill="hold">
-                            <p:stCondLst>
-                              <p:cond delay="0"/>
-                            </p:stCondLst>
-                            <p:childTnLst>
-                              <p:par>
-                                <p:cTn id="10" presetID="10" presetClass="entr" presetSubtype="0" fill="hold" grpId="0" nodeType="clickEffect">
-                                  <p:stCondLst>
-                                    <p:cond delay="0"/>
-                                  </p:stCondLst>
-                                  <p:childTnLst>
-                                    <p:set>
-                                      <p:cBhvr>
-                                        <p:cTn id="11" dur="1" fill="hold">
-                                          <p:stCondLst>
-                                            <p:cond delay="0"/>
-                                          </p:stCondLst>
-                                        </p:cTn>
-                                        <p:tgtEl>
-                                          <p:spTgt spid="8">
-                                            <p:txEl>
-                                              <p:pRg st="1" end="1"/>
-                                            </p:txEl>
-                                          </p:spTgt>
-                                        </p:tgtEl>
-                                        <p:attrNameLst>
-                                          <p:attrName>style.visibility</p:attrName>
-                                        </p:attrNameLst>
-                                      </p:cBhvr>
-                                      <p:to>
-                                        <p:strVal val="visible"/>
-                                      </p:to>
-                                    </p:set>
-                                    <p:animEffect transition="in" filter="fade">
-                                      <p:cBhvr>
-                                        <p:cTn id="12" dur="500"/>
-                                        <p:tgtEl>
-                                          <p:spTgt spid="8">
-                                            <p:txEl>
-                                              <p:pRg st="1" end="1"/>
-                                            </p:txEl>
-                                          </p:spTgt>
-                                        </p:tgtEl>
-                                      </p:cBhvr>
-                                    </p:animEffect>
-                                  </p:childTnLst>
-                                </p:cTn>
-                              </p:par>
-                            </p:childTnLst>
-                          </p:cTn>
-                        </p:par>
-                      </p:childTnLst>
-                    </p:cTn>
-                  </p:par>
-                  <p:par>
-                    <p:cTn id="13" fill="hold">
-                      <p:stCondLst>
-                        <p:cond delay="indefinite"/>
-                      </p:stCondLst>
-                      <p:childTnLst>
-                        <p:par>
-                          <p:cTn id="14" fill="hold">
-                            <p:stCondLst>
-                              <p:cond delay="0"/>
-                            </p:stCondLst>
-                            <p:childTnLst>
-                              <p:par>
-                                <p:cTn id="15" presetID="10" presetClass="entr" presetSubtype="0" fill="hold" grpId="0" nodeType="clickEffect">
-                                  <p:stCondLst>
-                                    <p:cond delay="0"/>
-                                  </p:stCondLst>
-                                  <p:childTnLst>
-                                    <p:set>
-                                      <p:cBhvr>
-                                        <p:cTn id="16" dur="1" fill="hold">
-                                          <p:stCondLst>
-                                            <p:cond delay="0"/>
-                                          </p:stCondLst>
-                                        </p:cTn>
-                                        <p:tgtEl>
-                                          <p:spTgt spid="8">
-                                            <p:txEl>
-                                              <p:pRg st="2" end="2"/>
-                                            </p:txEl>
-                                          </p:spTgt>
-                                        </p:tgtEl>
-                                        <p:attrNameLst>
-                                          <p:attrName>style.visibility</p:attrName>
-                                        </p:attrNameLst>
-                                      </p:cBhvr>
-                                      <p:to>
-                                        <p:strVal val="visible"/>
-                                      </p:to>
-                                    </p:set>
-                                    <p:animEffect transition="in" filter="fade">
-                                      <p:cBhvr>
-                                        <p:cTn id="17" dur="500"/>
-                                        <p:tgtEl>
-                                          <p:spTgt spid="8">
-                                            <p:txEl>
-                                              <p:pRg st="2" end="2"/>
-                                            </p:txEl>
-                                          </p:spTgt>
-                                        </p:tgtEl>
-                                      </p:cBhvr>
-                                    </p:animEffect>
-                                  </p:childTnLst>
-                                </p:cTn>
-                              </p:par>
-                            </p:childTnLst>
-                          </p:cTn>
-                        </p:par>
-                      </p:childTnLst>
-                    </p:cTn>
-                  </p:par>
-                  <p:par>
-                    <p:cTn id="18" fill="hold">
-                      <p:stCondLst>
-                        <p:cond delay="indefinite"/>
-                      </p:stCondLst>
-                      <p:childTnLst>
-                        <p:par>
-                          <p:cTn id="19" fill="hold">
-                            <p:stCondLst>
-                              <p:cond delay="0"/>
-                            </p:stCondLst>
-                            <p:childTnLst>
-                              <p:par>
-                                <p:cTn id="20" presetID="10" presetClass="entr" presetSubtype="0" fill="hold" grpId="0" nodeType="clickEffect">
-                                  <p:stCondLst>
-                                    <p:cond delay="0"/>
-                                  </p:stCondLst>
-                                  <p:childTnLst>
-                                    <p:set>
-                                      <p:cBhvr>
-                                        <p:cTn id="21" dur="1" fill="hold">
-                                          <p:stCondLst>
-                                            <p:cond delay="0"/>
-                                          </p:stCondLst>
-                                        </p:cTn>
-                                        <p:tgtEl>
-                                          <p:spTgt spid="8">
-                                            <p:txEl>
-                                              <p:pRg st="3" end="3"/>
-                                            </p:txEl>
-                                          </p:spTgt>
-                                        </p:tgtEl>
-                                        <p:attrNameLst>
-                                          <p:attrName>style.visibility</p:attrName>
-                                        </p:attrNameLst>
-                                      </p:cBhvr>
-                                      <p:to>
-                                        <p:strVal val="visible"/>
-                                      </p:to>
-                                    </p:set>
-                                    <p:animEffect transition="in" filter="fade">
-                                      <p:cBhvr>
-                                        <p:cTn id="22" dur="500"/>
-                                        <p:tgtEl>
-                                          <p:spTgt spid="8">
-                                            <p:txEl>
-                                              <p:pRg st="3" end="3"/>
-                                            </p:txEl>
-                                          </p:spTgt>
-                                        </p:tgtEl>
-                                      </p:cBhvr>
-                                    </p:animEffect>
-                                  </p:childTnLst>
-                                </p:cTn>
-                              </p:par>
-                            </p:childTnLst>
-                          </p:cTn>
-                        </p:par>
-                      </p:childTnLst>
-                    </p:cTn>
-                  </p:par>
-                </p:childTnLst>
-              </p:cTn>
-              <p:prevCondLst>
-                <p:cond evt="onPrev" delay="0">
-                  <p:tgtEl>
-                    <p:sldTgt/>
-                  </p:tgtEl>
-                </p:cond>
-              </p:prevCondLst>
-              <p:nextCondLst>
-                <p:cond evt="onNext" delay="0">
-                  <p:tgtEl>
-                    <p:sldTgt/>
-                  </p:tgtEl>
-                </p:cond>
-              </p:nextCondLst>
-            </p:seq>
-          </p:childTnLst>
-        </p:cTn>
-      </p:par>
-    </p:tnLst>
-    <p:bldLst>
-      <p:bldP spid="8" grpId="0" uiExpand="1" build="p"/>
-    </p:bldLst>
-  </p:timing>
-</p:sld>
-</file>
-
-<file path=ppt/slides/slide7.xml><?xml version="1.0" encoding="utf-8"?>
-<p:sld xmlns:a="http://schemas.openxmlformats.org/drawingml/2006/main" xmlns:r="http://schemas.openxmlformats.org/officeDocument/2006/relationships" xmlns:p="http://schemas.openxmlformats.org/presentationml/2006/main">
-  <p:cSld>
-    <p:spTree>
-      <p:nvGrpSpPr>
-        <p:cNvPr id="1" name=""/>
-        <p:cNvGrpSpPr/>
-        <p:nvPr/>
-      </p:nvGrpSpPr>
-      <p:grpSpPr>
-        <a:xfrm>
-          <a:off x="0" y="0"/>
-          <a:ext cx="0" cy="0"/>
-          <a:chOff x="0" y="0"/>
-          <a:chExt cx="0" cy="0"/>
-        </a:xfrm>
-      </p:grpSpPr>
-      <p:sp>
-        <p:nvSpPr>
-          <p:cNvPr id="5" name="Title 4"/>
-          <p:cNvSpPr>
-            <a:spLocks noGrp="1"/>
-          </p:cNvSpPr>
-          <p:nvPr>
-            <p:ph type="title"/>
-          </p:nvPr>
-        </p:nvSpPr>
-        <p:spPr/>
-        <p:txBody>
-          <a:bodyPr/>
-          <a:lstStyle/>
-          <a:p>
-            <a:r>
-              <a:rPr lang="en-US">
-                <a:cs typeface="Segoe UI Light"/>
-              </a:rPr>
-              <a:t>Additional Resources </a:t>
-            </a:r>
-            <a:endParaRPr lang="en-US" dirty="0"/>
-          </a:p>
-        </p:txBody>
-      </p:sp>
-      <p:sp>
-        <p:nvSpPr>
-          <p:cNvPr id="6" name="Content Placeholder 5"/>
-          <p:cNvSpPr>
-            <a:spLocks noGrp="1"/>
-          </p:cNvSpPr>
-          <p:nvPr>
-            <p:ph sz="quarter" idx="10"/>
-          </p:nvPr>
-        </p:nvSpPr>
-        <p:spPr/>
-        <p:txBody>
-          <a:bodyPr/>
-          <a:lstStyle/>
-          <a:p>
-            <a:pPr lvl="2"/>
-            <a:r>
-              <a:rPr lang="en-US" sz="3200" dirty="0">
-                <a:solidFill>
-                  <a:srgbClr val="002050"/>
-                </a:solidFill>
-              </a:rPr>
-              <a:t>For Corp courses, this slide must list 1 MOC, 1 Book ,and 1 Exam Related to this topic as part of the Connected Content Strategy</a:t>
-            </a:r>
-            <a:endParaRPr lang="en-US" dirty="0"/>
-          </a:p>
-          <a:p>
-            <a:pPr lvl="1"/>
-            <a:endParaRPr lang="en-US" dirty="0"/>
-          </a:p>
-        </p:txBody>
-      </p:sp>
-      <p:sp>
-        <p:nvSpPr>
-          <p:cNvPr id="4" name="TextBox 3"/>
-          <p:cNvSpPr txBox="1"/>
-          <p:nvPr/>
-        </p:nvSpPr>
-        <p:spPr>
-          <a:xfrm>
-            <a:off x="9906000" y="-1"/>
-            <a:ext cx="2286000" cy="2031325"/>
-          </a:xfrm>
-          <a:prstGeom prst="rect">
-            <a:avLst/>
-          </a:prstGeom>
-          <a:solidFill>
-            <a:srgbClr val="FFFF00"/>
-          </a:solidFill>
-          <a:ln>
-            <a:noFill/>
-          </a:ln>
-        </p:spPr>
-        <p:txBody>
-          <a:bodyPr wrap="square" rtlCol="0">
-            <a:spAutoFit/>
-          </a:bodyPr>
-          <a:lstStyle/>
-          <a:p>
-            <a:pPr algn="ctr"/>
-            <a:endParaRPr lang="en-US" dirty="0" smtClean="0"/>
-          </a:p>
-          <a:p>
-            <a:pPr algn="ctr"/>
-            <a:endParaRPr lang="en-US" dirty="0"/>
-          </a:p>
-          <a:p>
-            <a:pPr algn="ctr"/>
-            <a:r>
-              <a:rPr lang="en-US" dirty="0" smtClean="0"/>
-              <a:t>Please leave this area blank to allow for picture in picture recording</a:t>
-            </a:r>
-          </a:p>
-          <a:p>
-            <a:pPr algn="ctr"/>
-            <a:endParaRPr lang="en-US" dirty="0"/>
-          </a:p>
-        </p:txBody>
-      </p:sp>
-    </p:spTree>
-    <p:extLst>
-      <p:ext uri="{BB962C8B-B14F-4D97-AF65-F5344CB8AC3E}">
-        <p14:creationId xmlns:p14="http://schemas.microsoft.com/office/powerpoint/2010/main" val="1215775871"/>
-      </p:ext>
-    </p:extLst>
-  </p:cSld>
-  <p:clrMapOvr>
-    <a:masterClrMapping/>
-  </p:clrMapOvr>
-  <p:transition>
-    <p:fade/>
-  </p:transition>
-  <p:timing>
-    <p:tnLst>
-      <p:par>
-        <p:cTn id="1" dur="indefinite" restart="never" nodeType="tmRoot"/>
-      </p:par>
-    </p:tnLst>
-  </p:timing>
-</p:sld>
-</file>
-
-<file path=ppt/slides/slide8.xml><?xml version="1.0" encoding="utf-8"?>
-<p:sld xmlns:a="http://schemas.openxmlformats.org/drawingml/2006/main" xmlns:r="http://schemas.openxmlformats.org/officeDocument/2006/relationships" xmlns:p="http://schemas.openxmlformats.org/presentationml/2006/main">
-  <p:cSld>
-    <p:spTree>
-      <p:nvGrpSpPr>
-        <p:cNvPr id="1" name=""/>
-        <p:cNvGrpSpPr/>
-        <p:nvPr/>
-      </p:nvGrpSpPr>
-      <p:grpSpPr>
-        <a:xfrm>
-          <a:off x="0" y="0"/>
-          <a:ext cx="0" cy="0"/>
-          <a:chOff x="0" y="0"/>
-          <a:chExt cx="0" cy="0"/>
-        </a:xfrm>
-      </p:grpSpPr>
-      <p:sp>
-        <p:nvSpPr>
-          <p:cNvPr id="5" name="Title 4"/>
-          <p:cNvSpPr>
-            <a:spLocks noGrp="1"/>
-          </p:cNvSpPr>
-          <p:nvPr>
-            <p:ph type="title"/>
-          </p:nvPr>
-        </p:nvSpPr>
-        <p:spPr/>
-        <p:txBody>
-          <a:bodyPr/>
-          <a:lstStyle/>
-          <a:p>
-            <a:r>
-              <a:rPr lang="en-US" dirty="0" smtClean="0"/>
-              <a:t>Thoughtful Adoption</a:t>
-            </a:r>
-            <a:endParaRPr lang="en-US" dirty="0"/>
-          </a:p>
-        </p:txBody>
-      </p:sp>
-      <p:sp>
-        <p:nvSpPr>
-          <p:cNvPr id="4" name="TextBox 3"/>
-          <p:cNvSpPr txBox="1"/>
-          <p:nvPr/>
-        </p:nvSpPr>
-        <p:spPr>
-          <a:xfrm>
-            <a:off x="9906000" y="-1"/>
-            <a:ext cx="2286000" cy="2031325"/>
-          </a:xfrm>
-          <a:prstGeom prst="rect">
-            <a:avLst/>
-          </a:prstGeom>
-          <a:solidFill>
-            <a:srgbClr val="FFFF00"/>
-          </a:solidFill>
-          <a:ln>
-            <a:noFill/>
-          </a:ln>
-        </p:spPr>
-        <p:txBody>
-          <a:bodyPr wrap="square" rtlCol="0">
-            <a:spAutoFit/>
-          </a:bodyPr>
-          <a:lstStyle/>
-          <a:p>
-            <a:pPr algn="ctr"/>
-            <a:endParaRPr lang="en-US" dirty="0" smtClean="0"/>
-          </a:p>
-          <a:p>
-            <a:pPr algn="ctr"/>
-            <a:endParaRPr lang="en-US" dirty="0"/>
-          </a:p>
-          <a:p>
-            <a:pPr algn="ctr"/>
-            <a:r>
-              <a:rPr lang="en-US" dirty="0" smtClean="0"/>
-              <a:t>Please leave this area blank to allow for picture in picture recording</a:t>
-            </a:r>
-          </a:p>
-          <a:p>
-            <a:pPr algn="ctr"/>
-            <a:endParaRPr lang="en-US" dirty="0"/>
-          </a:p>
-        </p:txBody>
-      </p:sp>
-      <p:sp>
-        <p:nvSpPr>
-          <p:cNvPr id="6" name="Text Placeholder 7"/>
-          <p:cNvSpPr>
-            <a:spLocks noGrp="1"/>
-          </p:cNvSpPr>
-          <p:nvPr>
-            <p:ph sz="quarter" idx="10"/>
-          </p:nvPr>
-        </p:nvSpPr>
-        <p:spPr>
-          <a:xfrm>
-            <a:off x="327503" y="2031324"/>
-            <a:ext cx="11533187" cy="5159375"/>
-          </a:xfrm>
-        </p:spPr>
-        <p:txBody>
-          <a:bodyPr/>
-          <a:lstStyle/>
-          <a:p>
-            <a:r>
-              <a:rPr lang="en-US" sz="2800" dirty="0" smtClean="0"/>
-              <a:t>Any New Code Leverages the features that we’ve discussed</a:t>
-            </a:r>
-          </a:p>
-          <a:p>
-            <a:r>
-              <a:rPr lang="en-US" sz="2800" dirty="0" smtClean="0"/>
-              <a:t>Look for Diagnostics and Code Fixes</a:t>
-            </a:r>
-          </a:p>
-          <a:p>
-            <a:r>
-              <a:rPr lang="en-US" sz="2800" dirty="0" smtClean="0"/>
-              <a:t>Automate the process</a:t>
-            </a:r>
-          </a:p>
-          <a:p>
-            <a:r>
-              <a:rPr lang="en-US" sz="2800" dirty="0" smtClean="0"/>
-              <a:t>Only update when modifying the class</a:t>
-            </a:r>
-          </a:p>
-        </p:txBody>
-      </p:sp>
-    </p:spTree>
-    <p:extLst>
-      <p:ext uri="{BB962C8B-B14F-4D97-AF65-F5344CB8AC3E}">
-        <p14:creationId xmlns:p14="http://schemas.microsoft.com/office/powerpoint/2010/main" val="326740596"/>
-      </p:ext>
-    </p:extLst>
-  </p:cSld>
-  <p:clrMapOvr>
-    <a:masterClrMapping/>
-  </p:clrMapOvr>
-  <p:transition>
-    <p:fade/>
-  </p:transition>
-  <p:timing>
-    <p:tnLst>
-      <p:par>
-        <p:cTn id="1" dur="indefinite" restart="never" nodeType="tmRoot">
-          <p:childTnLst>
-            <p:seq concurrent="1" nextAc="seek">
-              <p:cTn id="2" dur="indefinite" nodeType="mainSeq">
-                <p:childTnLst>
-                  <p:par>
-                    <p:cTn id="3" fill="hold">
-                      <p:stCondLst>
-                        <p:cond delay="indefinite"/>
-                      </p:stCondLst>
-                      <p:childTnLst>
-                        <p:par>
-                          <p:cTn id="4" fill="hold">
-                            <p:stCondLst>
-                              <p:cond delay="0"/>
-                            </p:stCondLst>
-                            <p:childTnLst>
-                              <p:par>
-                                <p:cTn id="5" presetID="10" presetClass="entr" presetSubtype="0" fill="hold" grpId="0" nodeType="clickEffect">
-                                  <p:stCondLst>
-                                    <p:cond delay="0"/>
-                                  </p:stCondLst>
-                                  <p:childTnLst>
-                                    <p:set>
-                                      <p:cBhvr>
-                                        <p:cTn id="6" dur="1" fill="hold">
-                                          <p:stCondLst>
-                                            <p:cond delay="0"/>
-                                          </p:stCondLst>
-                                        </p:cTn>
-                                        <p:tgtEl>
-                                          <p:spTgt spid="6">
-                                            <p:txEl>
-                                              <p:pRg st="0" end="0"/>
-                                            </p:txEl>
-                                          </p:spTgt>
-                                        </p:tgtEl>
-                                        <p:attrNameLst>
-                                          <p:attrName>style.visibility</p:attrName>
-                                        </p:attrNameLst>
-                                      </p:cBhvr>
-                                      <p:to>
-                                        <p:strVal val="visible"/>
-                                      </p:to>
-                                    </p:set>
-                                    <p:animEffect transition="in" filter="fade">
-                                      <p:cBhvr>
-                                        <p:cTn id="7" dur="500"/>
-                                        <p:tgtEl>
-                                          <p:spTgt spid="6">
-                                            <p:txEl>
-                                              <p:pRg st="0" end="0"/>
-                                            </p:txEl>
-                                          </p:spTgt>
-                                        </p:tgtEl>
-                                      </p:cBhvr>
-                                    </p:animEffect>
-                                  </p:childTnLst>
-                                </p:cTn>
-                              </p:par>
-                            </p:childTnLst>
-                          </p:cTn>
-                        </p:par>
-                      </p:childTnLst>
-                    </p:cTn>
-                  </p:par>
-                  <p:par>
-                    <p:cTn id="8" fill="hold">
-                      <p:stCondLst>
-                        <p:cond delay="indefinite"/>
-                      </p:stCondLst>
-                      <p:childTnLst>
-                        <p:par>
-                          <p:cTn id="9" fill="hold">
-                            <p:stCondLst>
-                              <p:cond delay="0"/>
-                            </p:stCondLst>
-                            <p:childTnLst>
-                              <p:par>
-                                <p:cTn id="10" presetID="10" presetClass="entr" presetSubtype="0" fill="hold" grpId="0" nodeType="clickEffect">
-                                  <p:stCondLst>
-                                    <p:cond delay="0"/>
-                                  </p:stCondLst>
-                                  <p:childTnLst>
-                                    <p:set>
-                                      <p:cBhvr>
-                                        <p:cTn id="11" dur="1" fill="hold">
-                                          <p:stCondLst>
-                                            <p:cond delay="0"/>
-                                          </p:stCondLst>
-                                        </p:cTn>
-                                        <p:tgtEl>
-                                          <p:spTgt spid="6">
-                                            <p:txEl>
-                                              <p:pRg st="1" end="1"/>
-                                            </p:txEl>
-                                          </p:spTgt>
-                                        </p:tgtEl>
-                                        <p:attrNameLst>
-                                          <p:attrName>style.visibility</p:attrName>
-                                        </p:attrNameLst>
-                                      </p:cBhvr>
-                                      <p:to>
-                                        <p:strVal val="visible"/>
-                                      </p:to>
-                                    </p:set>
-                                    <p:animEffect transition="in" filter="fade">
-                                      <p:cBhvr>
-                                        <p:cTn id="12" dur="500"/>
-                                        <p:tgtEl>
-                                          <p:spTgt spid="6">
-                                            <p:txEl>
-                                              <p:pRg st="1" end="1"/>
-                                            </p:txEl>
-                                          </p:spTgt>
-                                        </p:tgtEl>
-                                      </p:cBhvr>
-                                    </p:animEffect>
-                                  </p:childTnLst>
-                                </p:cTn>
-                              </p:par>
-                            </p:childTnLst>
-                          </p:cTn>
-                        </p:par>
-                      </p:childTnLst>
-                    </p:cTn>
-                  </p:par>
-                  <p:par>
-                    <p:cTn id="13" fill="hold">
-                      <p:stCondLst>
-                        <p:cond delay="indefinite"/>
-                      </p:stCondLst>
-                      <p:childTnLst>
-                        <p:par>
-                          <p:cTn id="14" fill="hold">
-                            <p:stCondLst>
-                              <p:cond delay="0"/>
-                            </p:stCondLst>
-                            <p:childTnLst>
-                              <p:par>
-                                <p:cTn id="15" presetID="10" presetClass="entr" presetSubtype="0" fill="hold" grpId="0" nodeType="clickEffect">
-                                  <p:stCondLst>
-                                    <p:cond delay="0"/>
-                                  </p:stCondLst>
-                                  <p:childTnLst>
-                                    <p:set>
-                                      <p:cBhvr>
-                                        <p:cTn id="16" dur="1" fill="hold">
-                                          <p:stCondLst>
-                                            <p:cond delay="0"/>
-                                          </p:stCondLst>
-                                        </p:cTn>
-                                        <p:tgtEl>
-                                          <p:spTgt spid="6">
-                                            <p:txEl>
-                                              <p:pRg st="2" end="2"/>
-                                            </p:txEl>
-                                          </p:spTgt>
-                                        </p:tgtEl>
-                                        <p:attrNameLst>
-                                          <p:attrName>style.visibility</p:attrName>
-                                        </p:attrNameLst>
-                                      </p:cBhvr>
-                                      <p:to>
-                                        <p:strVal val="visible"/>
-                                      </p:to>
-                                    </p:set>
-                                    <p:animEffect transition="in" filter="fade">
-                                      <p:cBhvr>
-                                        <p:cTn id="17" dur="500"/>
-                                        <p:tgtEl>
-                                          <p:spTgt spid="6">
-                                            <p:txEl>
-                                              <p:pRg st="2" end="2"/>
-                                            </p:txEl>
-                                          </p:spTgt>
-                                        </p:tgtEl>
-                                      </p:cBhvr>
-                                    </p:animEffect>
-                                  </p:childTnLst>
-                                </p:cTn>
-                              </p:par>
-                            </p:childTnLst>
-                          </p:cTn>
-                        </p:par>
-                      </p:childTnLst>
-                    </p:cTn>
-                  </p:par>
-                  <p:par>
-                    <p:cTn id="18" fill="hold">
-                      <p:stCondLst>
-                        <p:cond delay="indefinite"/>
-                      </p:stCondLst>
-                      <p:childTnLst>
-                        <p:par>
-                          <p:cTn id="19" fill="hold">
-                            <p:stCondLst>
-                              <p:cond delay="0"/>
-                            </p:stCondLst>
-                            <p:childTnLst>
-                              <p:par>
-                                <p:cTn id="20" presetID="10" presetClass="entr" presetSubtype="0" fill="hold" grpId="0" nodeType="clickEffect">
-                                  <p:stCondLst>
-                                    <p:cond delay="0"/>
-                                  </p:stCondLst>
-                                  <p:childTnLst>
-                                    <p:set>
-                                      <p:cBhvr>
-                                        <p:cTn id="21" dur="1" fill="hold">
-                                          <p:stCondLst>
-                                            <p:cond delay="0"/>
-                                          </p:stCondLst>
-                                        </p:cTn>
-                                        <p:tgtEl>
-                                          <p:spTgt spid="6">
-                                            <p:txEl>
-                                              <p:pRg st="3" end="3"/>
-                                            </p:txEl>
-                                          </p:spTgt>
-                                        </p:tgtEl>
-                                        <p:attrNameLst>
-                                          <p:attrName>style.visibility</p:attrName>
-                                        </p:attrNameLst>
-                                      </p:cBhvr>
-                                      <p:to>
-                                        <p:strVal val="visible"/>
-                                      </p:to>
-                                    </p:set>
-                                    <p:animEffect transition="in" filter="fade">
-                                      <p:cBhvr>
-                                        <p:cTn id="22" dur="500"/>
-                                        <p:tgtEl>
-                                          <p:spTgt spid="6">
-                                            <p:txEl>
-                                              <p:pRg st="3" end="3"/>
-                                            </p:txEl>
-                                          </p:spTgt>
-                                        </p:tgtEl>
-                                      </p:cBhvr>
-                                    </p:animEffect>
-                                  </p:childTnLst>
-                                </p:cTn>
-                              </p:par>
-                            </p:childTnLst>
-                          </p:cTn>
-                        </p:par>
-                      </p:childTnLst>
-                    </p:cTn>
-                  </p:par>
-                </p:childTnLst>
-              </p:cTn>
-              <p:prevCondLst>
-                <p:cond evt="onPrev" delay="0">
-                  <p:tgtEl>
-                    <p:sldTgt/>
-                  </p:tgtEl>
-                </p:cond>
-              </p:prevCondLst>
-              <p:nextCondLst>
-                <p:cond evt="onNext" delay="0">
-                  <p:tgtEl>
-                    <p:sldTgt/>
-                  </p:tgtEl>
-                </p:cond>
-              </p:nextCondLst>
-            </p:seq>
-          </p:childTnLst>
-        </p:cTn>
-      </p:par>
-    </p:tnLst>
-    <p:bldLst>
-      <p:bldP spid="6" grpId="0" build="p"/>
-    </p:bldLst>
-  </p:timing>
-</p:sld>
-</file>
-
-<file path=ppt/slides/slide9.xml><?xml version="1.0" encoding="utf-8"?>
-<p:sld xmlns:a="http://schemas.openxmlformats.org/drawingml/2006/main" xmlns:r="http://schemas.openxmlformats.org/officeDocument/2006/relationships" xmlns:p="http://schemas.openxmlformats.org/presentationml/2006/main">
-  <p:cSld>
-    <p:spTree>
-      <p:nvGrpSpPr>
-        <p:cNvPr id="1" name=""/>
-        <p:cNvGrpSpPr/>
-        <p:nvPr/>
-      </p:nvGrpSpPr>
-      <p:grpSpPr>
-        <a:xfrm>
-          <a:off x="0" y="0"/>
-          <a:ext cx="0" cy="0"/>
-          <a:chOff x="0" y="0"/>
-          <a:chExt cx="0" cy="0"/>
-        </a:xfrm>
-      </p:grpSpPr>
-      <p:sp>
-        <p:nvSpPr>
-          <p:cNvPr id="4" name="Subtitle 3"/>
-          <p:cNvSpPr>
-            <a:spLocks noGrp="1"/>
-          </p:cNvSpPr>
-          <p:nvPr>
-            <p:ph type="subTitle" idx="1"/>
-          </p:nvPr>
-        </p:nvSpPr>
-        <p:spPr/>
-        <p:txBody>
-          <a:bodyPr/>
-          <a:lstStyle/>
-          <a:p>
-            <a:r>
-              <a:rPr lang="en-US" b="0" dirty="0" smtClean="0"/>
-              <a:t>tdb.github.com</a:t>
-            </a:r>
-          </a:p>
-          <a:p>
-            <a:r>
-              <a:rPr lang="en-US" dirty="0" smtClean="0"/>
-              <a:t>Expression Bodied Members, Static </a:t>
-            </a:r>
-            <a:r>
-              <a:rPr lang="en-US" dirty="0" err="1" smtClean="0"/>
-              <a:t>Usings</a:t>
-            </a:r>
-            <a:r>
-              <a:rPr lang="en-US" dirty="0" smtClean="0"/>
-              <a:t>, and Elvis</a:t>
-            </a:r>
-            <a:endParaRPr lang="en-US" dirty="0"/>
-          </a:p>
-        </p:txBody>
-      </p:sp>
-      <p:sp>
-        <p:nvSpPr>
-          <p:cNvPr id="2" name="Text Placeholder 1"/>
-          <p:cNvSpPr>
-            <a:spLocks noGrp="1"/>
-          </p:cNvSpPr>
-          <p:nvPr>
-            <p:ph type="body" sz="quarter" idx="10"/>
-          </p:nvPr>
-        </p:nvSpPr>
-        <p:spPr/>
-        <p:txBody>
-          <a:bodyPr/>
-          <a:lstStyle/>
-          <a:p>
-            <a:r>
-              <a:rPr lang="en-US" smtClean="0"/>
-              <a:t>demo</a:t>
-            </a:r>
-            <a:endParaRPr lang="en-US" dirty="0"/>
-          </a:p>
-        </p:txBody>
-      </p:sp>
-      <p:sp>
-        <p:nvSpPr>
-          <p:cNvPr id="5" name="TextBox 4"/>
-          <p:cNvSpPr txBox="1"/>
-          <p:nvPr/>
-        </p:nvSpPr>
-        <p:spPr>
-          <a:xfrm>
-            <a:off x="9906000" y="-1"/>
-            <a:ext cx="2286000" cy="2031325"/>
-          </a:xfrm>
-          <a:prstGeom prst="rect">
-            <a:avLst/>
-          </a:prstGeom>
-          <a:solidFill>
-            <a:srgbClr val="FFFF00"/>
-          </a:solidFill>
-          <a:ln>
-            <a:noFill/>
-          </a:ln>
-        </p:spPr>
-        <p:txBody>
-          <a:bodyPr wrap="square" rtlCol="0">
-            <a:spAutoFit/>
-          </a:bodyPr>
-          <a:lstStyle/>
-          <a:p>
-            <a:pPr algn="ctr"/>
-            <a:endParaRPr lang="en-US" dirty="0" smtClean="0"/>
-          </a:p>
-          <a:p>
-            <a:pPr algn="ctr"/>
-            <a:endParaRPr lang="en-US" dirty="0"/>
-          </a:p>
-          <a:p>
-            <a:pPr algn="ctr"/>
-            <a:r>
-              <a:rPr lang="en-US" dirty="0" smtClean="0"/>
-              <a:t>Please leave this area blank to allow for picture in picture recording</a:t>
-            </a:r>
-          </a:p>
-          <a:p>
-            <a:pPr algn="ctr"/>
-            <a:endParaRPr lang="en-US" dirty="0"/>
-          </a:p>
-        </p:txBody>
-      </p:sp>
-    </p:spTree>
-    <p:extLst>
-      <p:ext uri="{BB962C8B-B14F-4D97-AF65-F5344CB8AC3E}">
-        <p14:creationId xmlns:p14="http://schemas.microsoft.com/office/powerpoint/2010/main" val="3993867577"/>
-      </p:ext>
-    </p:extLst>
-  </p:cSld>
-  <p:clrMapOvr>
-    <a:masterClrMapping/>
-  </p:clrMapOvr>
-  <p:transition>
-    <p:fade/>
-  </p:transition>
-  <p:timing>
-    <p:tnLst>
-      <p:par>
-        <p:cTn id="1" dur="indefinite" restart="never" nodeType="tmRoot"/>
-      </p:par>
-    </p:tnLst>
-  </p:timing>
-</p:sld>
-</file>
-
 <file path=ppt/theme/theme1.xml><?xml version="1.0" encoding="utf-8"?>
 <a:theme xmlns:a="http://schemas.openxmlformats.org/drawingml/2006/main" name="1_Metro Presentation">
   <a:themeElements>
@@ -7911,7 +11147,7 @@
 </file>
 
 <file path=ppt/theme/theme2.xml><?xml version="1.0" encoding="utf-8"?>
-<a:theme xmlns:a="http://schemas.openxmlformats.org/drawingml/2006/main" name="Office Theme">
+<a:theme xmlns:a="http://schemas.openxmlformats.org/drawingml/2006/main" name="2_Office Theme">
   <a:themeElements>
     <a:clrScheme name="Office">
       <a:dk1>
@@ -7985,6 +11221,7 @@
         <a:font script="Mong" typeface="Mongolian Baiti"/>
         <a:font script="Viet" typeface="Times New Roman"/>
         <a:font script="Uigh" typeface="Microsoft Uighur"/>
+        <a:font script="Geor" typeface="Sylfaen"/>
       </a:majorFont>
       <a:minorFont>
         <a:latin typeface="Calibri"/>
@@ -8019,6 +11256,7 @@
         <a:font script="Mong" typeface="Mongolian Baiti"/>
         <a:font script="Viet" typeface="Arial"/>
         <a:font script="Uigh" typeface="Microsoft Uighur"/>
+        <a:font script="Geor" typeface="Sylfaen"/>
       </a:minorFont>
     </a:fontScheme>
     <a:fmtScheme name="Office">
@@ -8476,16 +11714,290 @@
 </a:theme>
 </file>
 
-<file path=customXml/item1.xml><?xml version="1.0" encoding="utf-8"?>
-<?mso-contentType ?>
-<FormTemplates xmlns="http://schemas.microsoft.com/sharepoint/v3/contenttype/forms">
-  <Display>DocumentLibraryForm</Display>
-  <Edit>DocumentLibraryForm</Edit>
-  <New>DocumentLibraryForm</New>
-</FormTemplates>
+<file path=ppt/theme/theme4.xml><?xml version="1.0" encoding="utf-8"?>
+<a:theme xmlns:a="http://schemas.openxmlformats.org/drawingml/2006/main" name="Office Theme">
+  <a:themeElements>
+    <a:clrScheme name="Office">
+      <a:dk1>
+        <a:sysClr val="windowText" lastClr="000000"/>
+      </a:dk1>
+      <a:lt1>
+        <a:sysClr val="window" lastClr="FFFFFF"/>
+      </a:lt1>
+      <a:dk2>
+        <a:srgbClr val="1F497D"/>
+      </a:dk2>
+      <a:lt2>
+        <a:srgbClr val="EEECE1"/>
+      </a:lt2>
+      <a:accent1>
+        <a:srgbClr val="4F81BD"/>
+      </a:accent1>
+      <a:accent2>
+        <a:srgbClr val="C0504D"/>
+      </a:accent2>
+      <a:accent3>
+        <a:srgbClr val="9BBB59"/>
+      </a:accent3>
+      <a:accent4>
+        <a:srgbClr val="8064A2"/>
+      </a:accent4>
+      <a:accent5>
+        <a:srgbClr val="4BACC6"/>
+      </a:accent5>
+      <a:accent6>
+        <a:srgbClr val="F79646"/>
+      </a:accent6>
+      <a:hlink>
+        <a:srgbClr val="0000FF"/>
+      </a:hlink>
+      <a:folHlink>
+        <a:srgbClr val="800080"/>
+      </a:folHlink>
+    </a:clrScheme>
+    <a:fontScheme name="Office">
+      <a:majorFont>
+        <a:latin typeface="Calibri"/>
+        <a:ea typeface=""/>
+        <a:cs typeface=""/>
+        <a:font script="Jpan" typeface="ＭＳ Ｐゴシック"/>
+        <a:font script="Hang" typeface="맑은 고딕"/>
+        <a:font script="Hans" typeface="宋体"/>
+        <a:font script="Hant" typeface="新細明體"/>
+        <a:font script="Arab" typeface="Times New Roman"/>
+        <a:font script="Hebr" typeface="Times New Roman"/>
+        <a:font script="Thai" typeface="Angsana New"/>
+        <a:font script="Ethi" typeface="Nyala"/>
+        <a:font script="Beng" typeface="Vrinda"/>
+        <a:font script="Gujr" typeface="Shruti"/>
+        <a:font script="Khmr" typeface="MoolBoran"/>
+        <a:font script="Knda" typeface="Tunga"/>
+        <a:font script="Guru" typeface="Raavi"/>
+        <a:font script="Cans" typeface="Euphemia"/>
+        <a:font script="Cher" typeface="Plantagenet Cherokee"/>
+        <a:font script="Yiii" typeface="Microsoft Yi Baiti"/>
+        <a:font script="Tibt" typeface="Microsoft Himalaya"/>
+        <a:font script="Thaa" typeface="MV Boli"/>
+        <a:font script="Deva" typeface="Mangal"/>
+        <a:font script="Telu" typeface="Gautami"/>
+        <a:font script="Taml" typeface="Latha"/>
+        <a:font script="Syrc" typeface="Estrangelo Edessa"/>
+        <a:font script="Orya" typeface="Kalinga"/>
+        <a:font script="Mlym" typeface="Kartika"/>
+        <a:font script="Laoo" typeface="DokChampa"/>
+        <a:font script="Sinh" typeface="Iskoola Pota"/>
+        <a:font script="Mong" typeface="Mongolian Baiti"/>
+        <a:font script="Viet" typeface="Times New Roman"/>
+        <a:font script="Uigh" typeface="Microsoft Uighur"/>
+      </a:majorFont>
+      <a:minorFont>
+        <a:latin typeface="Calibri"/>
+        <a:ea typeface=""/>
+        <a:cs typeface=""/>
+        <a:font script="Jpan" typeface="ＭＳ Ｐゴシック"/>
+        <a:font script="Hang" typeface="맑은 고딕"/>
+        <a:font script="Hans" typeface="宋体"/>
+        <a:font script="Hant" typeface="新細明體"/>
+        <a:font script="Arab" typeface="Arial"/>
+        <a:font script="Hebr" typeface="Arial"/>
+        <a:font script="Thai" typeface="Cordia New"/>
+        <a:font script="Ethi" typeface="Nyala"/>
+        <a:font script="Beng" typeface="Vrinda"/>
+        <a:font script="Gujr" typeface="Shruti"/>
+        <a:font script="Khmr" typeface="DaunPenh"/>
+        <a:font script="Knda" typeface="Tunga"/>
+        <a:font script="Guru" typeface="Raavi"/>
+        <a:font script="Cans" typeface="Euphemia"/>
+        <a:font script="Cher" typeface="Plantagenet Cherokee"/>
+        <a:font script="Yiii" typeface="Microsoft Yi Baiti"/>
+        <a:font script="Tibt" typeface="Microsoft Himalaya"/>
+        <a:font script="Thaa" typeface="MV Boli"/>
+        <a:font script="Deva" typeface="Mangal"/>
+        <a:font script="Telu" typeface="Gautami"/>
+        <a:font script="Taml" typeface="Latha"/>
+        <a:font script="Syrc" typeface="Estrangelo Edessa"/>
+        <a:font script="Orya" typeface="Kalinga"/>
+        <a:font script="Mlym" typeface="Kartika"/>
+        <a:font script="Laoo" typeface="DokChampa"/>
+        <a:font script="Sinh" typeface="Iskoola Pota"/>
+        <a:font script="Mong" typeface="Mongolian Baiti"/>
+        <a:font script="Viet" typeface="Arial"/>
+        <a:font script="Uigh" typeface="Microsoft Uighur"/>
+      </a:minorFont>
+    </a:fontScheme>
+    <a:fmtScheme name="Office">
+      <a:fillStyleLst>
+        <a:solidFill>
+          <a:schemeClr val="phClr"/>
+        </a:solidFill>
+        <a:gradFill rotWithShape="1">
+          <a:gsLst>
+            <a:gs pos="0">
+              <a:schemeClr val="phClr">
+                <a:tint val="50000"/>
+                <a:satMod val="300000"/>
+              </a:schemeClr>
+            </a:gs>
+            <a:gs pos="35000">
+              <a:schemeClr val="phClr">
+                <a:tint val="37000"/>
+                <a:satMod val="300000"/>
+              </a:schemeClr>
+            </a:gs>
+            <a:gs pos="100000">
+              <a:schemeClr val="phClr">
+                <a:tint val="15000"/>
+                <a:satMod val="350000"/>
+              </a:schemeClr>
+            </a:gs>
+          </a:gsLst>
+          <a:lin ang="16200000" scaled="1"/>
+        </a:gradFill>
+        <a:gradFill rotWithShape="1">
+          <a:gsLst>
+            <a:gs pos="0">
+              <a:schemeClr val="phClr">
+                <a:shade val="51000"/>
+                <a:satMod val="130000"/>
+              </a:schemeClr>
+            </a:gs>
+            <a:gs pos="80000">
+              <a:schemeClr val="phClr">
+                <a:shade val="93000"/>
+                <a:satMod val="130000"/>
+              </a:schemeClr>
+            </a:gs>
+            <a:gs pos="100000">
+              <a:schemeClr val="phClr">
+                <a:shade val="94000"/>
+                <a:satMod val="135000"/>
+              </a:schemeClr>
+            </a:gs>
+          </a:gsLst>
+          <a:lin ang="16200000" scaled="0"/>
+        </a:gradFill>
+      </a:fillStyleLst>
+      <a:lnStyleLst>
+        <a:ln w="9525" cap="flat" cmpd="sng" algn="ctr">
+          <a:solidFill>
+            <a:schemeClr val="phClr">
+              <a:shade val="95000"/>
+              <a:satMod val="105000"/>
+            </a:schemeClr>
+          </a:solidFill>
+          <a:prstDash val="solid"/>
+        </a:ln>
+        <a:ln w="25400" cap="flat" cmpd="sng" algn="ctr">
+          <a:solidFill>
+            <a:schemeClr val="phClr"/>
+          </a:solidFill>
+          <a:prstDash val="solid"/>
+        </a:ln>
+        <a:ln w="38100" cap="flat" cmpd="sng" algn="ctr">
+          <a:solidFill>
+            <a:schemeClr val="phClr"/>
+          </a:solidFill>
+          <a:prstDash val="solid"/>
+        </a:ln>
+      </a:lnStyleLst>
+      <a:effectStyleLst>
+        <a:effectStyle>
+          <a:effectLst>
+            <a:outerShdw blurRad="40000" dist="20000" dir="5400000" rotWithShape="0">
+              <a:srgbClr val="000000">
+                <a:alpha val="38000"/>
+              </a:srgbClr>
+            </a:outerShdw>
+          </a:effectLst>
+        </a:effectStyle>
+        <a:effectStyle>
+          <a:effectLst>
+            <a:outerShdw blurRad="40000" dist="23000" dir="5400000" rotWithShape="0">
+              <a:srgbClr val="000000">
+                <a:alpha val="35000"/>
+              </a:srgbClr>
+            </a:outerShdw>
+          </a:effectLst>
+        </a:effectStyle>
+        <a:effectStyle>
+          <a:effectLst>
+            <a:outerShdw blurRad="40000" dist="23000" dir="5400000" rotWithShape="0">
+              <a:srgbClr val="000000">
+                <a:alpha val="35000"/>
+              </a:srgbClr>
+            </a:outerShdw>
+          </a:effectLst>
+          <a:scene3d>
+            <a:camera prst="orthographicFront">
+              <a:rot lat="0" lon="0" rev="0"/>
+            </a:camera>
+            <a:lightRig rig="threePt" dir="t">
+              <a:rot lat="0" lon="0" rev="1200000"/>
+            </a:lightRig>
+          </a:scene3d>
+          <a:sp3d>
+            <a:bevelT w="63500" h="25400"/>
+          </a:sp3d>
+        </a:effectStyle>
+      </a:effectStyleLst>
+      <a:bgFillStyleLst>
+        <a:solidFill>
+          <a:schemeClr val="phClr"/>
+        </a:solidFill>
+        <a:gradFill rotWithShape="1">
+          <a:gsLst>
+            <a:gs pos="0">
+              <a:schemeClr val="phClr">
+                <a:tint val="40000"/>
+                <a:satMod val="350000"/>
+              </a:schemeClr>
+            </a:gs>
+            <a:gs pos="40000">
+              <a:schemeClr val="phClr">
+                <a:tint val="45000"/>
+                <a:shade val="99000"/>
+                <a:satMod val="350000"/>
+              </a:schemeClr>
+            </a:gs>
+            <a:gs pos="100000">
+              <a:schemeClr val="phClr">
+                <a:shade val="20000"/>
+                <a:satMod val="255000"/>
+              </a:schemeClr>
+            </a:gs>
+          </a:gsLst>
+          <a:path path="circle">
+            <a:fillToRect l="50000" t="-80000" r="50000" b="180000"/>
+          </a:path>
+        </a:gradFill>
+        <a:gradFill rotWithShape="1">
+          <a:gsLst>
+            <a:gs pos="0">
+              <a:schemeClr val="phClr">
+                <a:tint val="80000"/>
+                <a:satMod val="300000"/>
+              </a:schemeClr>
+            </a:gs>
+            <a:gs pos="100000">
+              <a:schemeClr val="phClr">
+                <a:shade val="30000"/>
+                <a:satMod val="200000"/>
+              </a:schemeClr>
+            </a:gs>
+          </a:gsLst>
+          <a:path path="circle">
+            <a:fillToRect l="50000" t="50000" r="50000" b="50000"/>
+          </a:path>
+        </a:gradFill>
+      </a:bgFillStyleLst>
+    </a:fmtScheme>
+  </a:themeElements>
+  <a:objectDefaults/>
+  <a:extraClrSchemeLst/>
+</a:theme>
 </file>
 
-<file path=customXml/item2.xml><?xml version="1.0" encoding="utf-8"?>
+<file path=customXml/item1.xml><?xml version="1.0" encoding="utf-8"?>
 <ct:contentTypeSchema xmlns:ct="http://schemas.microsoft.com/office/2006/metadata/contentType" xmlns:ma="http://schemas.microsoft.com/office/2006/metadata/properties/metaAttributes" ct:_="" ma:_="" ma:contentTypeName="Document" ma:contentTypeID="0x010100496889825850D44592AC5D2F43187AE4" ma:contentTypeVersion="5" ma:contentTypeDescription="Create a new document." ma:contentTypeScope="" ma:versionID="2e43eb919f408cd810abfc945a86e7c8">
   <xsd:schema xmlns:xsd="http://www.w3.org/2001/XMLSchema" xmlns:xs="http://www.w3.org/2001/XMLSchema" xmlns:p="http://schemas.microsoft.com/office/2006/metadata/properties" xmlns:ns1="http://schemas.microsoft.com/sharepoint/v3" xmlns:ns2="230e9df3-be65-4c73-a93b-d1236ebd677e" xmlns:ns3="27aa9422-7f1f-4c84-9cdf-302b1a67e513" targetNamespace="http://schemas.microsoft.com/office/2006/metadata/properties" ma:root="true" ma:fieldsID="3b003b013a7c5b8f8e3d494956829bef" ns1:_="" ns2:_="" ns3:_="">
     <xsd:import namespace="http://schemas.microsoft.com/sharepoint/v3"/>
@@ -8667,7 +12179,7 @@
 </ct:contentTypeSchema>
 </file>
 
-<file path=customXml/item3.xml><?xml version="1.0" encoding="utf-8"?>
+<file path=customXml/item2.xml><?xml version="1.0" encoding="utf-8"?>
 <p:properties xmlns:p="http://schemas.microsoft.com/office/2006/metadata/properties" xmlns:xsi="http://www.w3.org/2001/XMLSchema-instance" xmlns:pc="http://schemas.microsoft.com/office/infopath/2007/PartnerControls">
   <documentManagement>
     <TaxCatchAll xmlns="230e9df3-be65-4c73-a93b-d1236ebd677e"/>
@@ -8685,15 +12197,16 @@
 </p:properties>
 </file>
 
-<file path=customXml/itemProps1.xml><?xml version="1.0" encoding="utf-8"?>
-<ds:datastoreItem xmlns:ds="http://schemas.openxmlformats.org/officeDocument/2006/customXml" ds:itemID="{758FDAC0-319D-4A54-8D8E-1D42CB1F8004}">
-  <ds:schemaRefs>
-    <ds:schemaRef ds:uri="http://schemas.microsoft.com/sharepoint/v3/contenttype/forms"/>
-  </ds:schemaRefs>
-</ds:datastoreItem>
+<file path=customXml/item3.xml><?xml version="1.0" encoding="utf-8"?>
+<?mso-contentType ?>
+<FormTemplates xmlns="http://schemas.microsoft.com/sharepoint/v3/contenttype/forms">
+  <Display>DocumentLibraryForm</Display>
+  <Edit>DocumentLibraryForm</Edit>
+  <New>DocumentLibraryForm</New>
+</FormTemplates>
 </file>
 
-<file path=customXml/itemProps2.xml><?xml version="1.0" encoding="utf-8"?>
+<file path=customXml/itemProps1.xml><?xml version="1.0" encoding="utf-8"?>
 <ds:datastoreItem xmlns:ds="http://schemas.openxmlformats.org/officeDocument/2006/customXml" ds:itemID="{8279456A-742D-4736-95C0-19A1E0B853B2}">
   <ds:schemaRefs>
     <ds:schemaRef ds:uri="http://schemas.microsoft.com/office/2006/metadata/contentType"/>
@@ -8713,20 +12226,28 @@
 </ds:datastoreItem>
 </file>
 
-<file path=customXml/itemProps3.xml><?xml version="1.0" encoding="utf-8"?>
+<file path=customXml/itemProps2.xml><?xml version="1.0" encoding="utf-8"?>
 <ds:datastoreItem xmlns:ds="http://schemas.openxmlformats.org/officeDocument/2006/customXml" ds:itemID="{F990F116-B58F-4255-B05B-DA3808E0E5C6}">
   <ds:schemaRefs>
-    <ds:schemaRef ds:uri="http://schemas.microsoft.com/office/2006/documentManagement/types"/>
-    <ds:schemaRef ds:uri="http://purl.org/dc/terms/"/>
-    <ds:schemaRef ds:uri="http://purl.org/dc/dcmitype/"/>
     <ds:schemaRef ds:uri="http://purl.org/dc/elements/1.1/"/>
     <ds:schemaRef ds:uri="http://schemas.microsoft.com/office/2006/metadata/properties"/>
+    <ds:schemaRef ds:uri="http://schemas.openxmlformats.org/package/2006/metadata/core-properties"/>
     <ds:schemaRef ds:uri="http://schemas.microsoft.com/sharepoint/v3"/>
+    <ds:schemaRef ds:uri="http://schemas.microsoft.com/office/infopath/2007/PartnerControls"/>
+    <ds:schemaRef ds:uri="http://purl.org/dc/terms/"/>
+    <ds:schemaRef ds:uri="http://schemas.microsoft.com/office/2006/documentManagement/types"/>
+    <ds:schemaRef ds:uri="27aa9422-7f1f-4c84-9cdf-302b1a67e513"/>
     <ds:schemaRef ds:uri="230e9df3-be65-4c73-a93b-d1236ebd677e"/>
-    <ds:schemaRef ds:uri="http://schemas.microsoft.com/office/infopath/2007/PartnerControls"/>
     <ds:schemaRef ds:uri="http://www.w3.org/XML/1998/namespace"/>
-    <ds:schemaRef ds:uri="http://schemas.openxmlformats.org/package/2006/metadata/core-properties"/>
-    <ds:schemaRef ds:uri="27aa9422-7f1f-4c84-9cdf-302b1a67e513"/>
+    <ds:schemaRef ds:uri="http://purl.org/dc/dcmitype/"/>
+  </ds:schemaRefs>
+</ds:datastoreItem>
+</file>
+
+<file path=customXml/itemProps3.xml><?xml version="1.0" encoding="utf-8"?>
+<ds:datastoreItem xmlns:ds="http://schemas.openxmlformats.org/officeDocument/2006/customXml" ds:itemID="{758FDAC0-319D-4A54-8D8E-1D42CB1F8004}">
+  <ds:schemaRefs>
+    <ds:schemaRef ds:uri="http://schemas.microsoft.com/sharepoint/v3/contenttype/forms"/>
   </ds:schemaRefs>
 </ds:datastoreItem>
 </file>
--- a/Slides/MVA-What'sNewC#6-Module5.pptx
+++ b/Slides/MVA-What'sNewC#6-Module5.pptx
@@ -2422,17 +2422,17 @@
   <p:extLst mod="1">
     <p:ext uri="{DCECCB84-F9BA-43D5-87BE-67443E8EF086}">
       <p15:sldGuideLst xmlns:p15="http://schemas.microsoft.com/office/powerpoint/2012/main">
-        <p15:guide id="4294967295" orient="horz" pos="3792">
+        <p15:guide id="1" orient="horz" pos="3792">
           <p15:clr>
             <a:srgbClr val="FBAE40"/>
           </p15:clr>
         </p15:guide>
-        <p15:guide id="4294967295" pos="3839">
+        <p15:guide id="2" pos="3839">
           <p15:clr>
             <a:srgbClr val="FBAE40"/>
           </p15:clr>
         </p15:guide>
-        <p15:guide id="4294967295" orient="horz" pos="720">
+        <p15:guide id="3" orient="horz" pos="720">
           <p15:clr>
             <a:srgbClr val="FBAE40"/>
           </p15:clr>
@@ -3081,12 +3081,12 @@
   <p:extLst mod="1">
     <p:ext uri="{DCECCB84-F9BA-43D5-87BE-67443E8EF086}">
       <p15:sldGuideLst xmlns:p15="http://schemas.microsoft.com/office/powerpoint/2012/main">
-        <p15:guide id="4294967295" orient="horz" pos="2160">
+        <p15:guide id="1" orient="horz" pos="2160">
           <p15:clr>
             <a:srgbClr val="FBAE40"/>
           </p15:clr>
         </p15:guide>
-        <p15:guide id="4294967295" pos="3840">
+        <p15:guide id="2" pos="3840">
           <p15:clr>
             <a:srgbClr val="FBAE40"/>
           </p15:clr>
@@ -3467,17 +3467,17 @@
   <p:extLst mod="1">
     <p:ext uri="{DCECCB84-F9BA-43D5-87BE-67443E8EF086}">
       <p15:sldGuideLst xmlns:p15="http://schemas.microsoft.com/office/powerpoint/2012/main">
-        <p15:guide id="4294967295" orient="horz" pos="3792">
+        <p15:guide id="1" orient="horz" pos="3792">
           <p15:clr>
             <a:srgbClr val="FBAE40"/>
           </p15:clr>
         </p15:guide>
-        <p15:guide id="4294967295" pos="3839">
+        <p15:guide id="2" pos="3839">
           <p15:clr>
             <a:srgbClr val="FBAE40"/>
           </p15:clr>
         </p15:guide>
-        <p15:guide id="4294967295" orient="horz" pos="720">
+        <p15:guide id="3" orient="horz" pos="720">
           <p15:clr>
             <a:srgbClr val="FBAE40"/>
           </p15:clr>
@@ -4101,12 +4101,12 @@
   <p:extLst mod="1">
     <p:ext uri="{DCECCB84-F9BA-43D5-87BE-67443E8EF086}">
       <p15:sldGuideLst xmlns:p15="http://schemas.microsoft.com/office/powerpoint/2012/main">
-        <p15:guide id="4294967295" orient="horz" pos="2160">
+        <p15:guide id="1" orient="horz" pos="2160">
           <p15:clr>
             <a:srgbClr val="FBAE40"/>
           </p15:clr>
         </p15:guide>
-        <p15:guide id="4294967295" pos="3840">
+        <p15:guide id="2" pos="3840">
           <p15:clr>
             <a:srgbClr val="FBAE40"/>
           </p15:clr>
@@ -5671,11 +5671,11 @@
   <p:clrMapOvr>
     <a:masterClrMapping/>
   </p:clrMapOvr>
-  <mc:AlternateContent xmlns:mc="http://schemas.openxmlformats.org/markup-compatibility/2006">
-    <mc:Choice xmlns:p14="http://schemas.microsoft.com/office/powerpoint/2010/main" Requires="p14">
+  <mc:AlternateContent xmlns:mc="http://schemas.openxmlformats.org/markup-compatibility/2006" xmlns:p14="http://schemas.microsoft.com/office/powerpoint/2010/main">
+    <mc:Choice Requires="p14">
       <p:transition spd="slow" p14:dur="2000"/>
     </mc:Choice>
-    <mc:Fallback>
+    <mc:Fallback xmlns="">
       <p:transition spd="slow"/>
     </mc:Fallback>
   </mc:AlternateContent>
@@ -7021,11 +7021,11 @@
   <p:clrMapOvr>
     <a:masterClrMapping/>
   </p:clrMapOvr>
-  <mc:AlternateContent xmlns:mc="http://schemas.openxmlformats.org/markup-compatibility/2006">
-    <mc:Choice xmlns:p14="http://schemas.microsoft.com/office/powerpoint/2010/main" Requires="p14">
+  <mc:AlternateContent xmlns:mc="http://schemas.openxmlformats.org/markup-compatibility/2006" xmlns:p14="http://schemas.microsoft.com/office/powerpoint/2010/main">
+    <mc:Choice Requires="p14">
       <p:transition spd="slow" p14:dur="2000"/>
     </mc:Choice>
-    <mc:Fallback>
+    <mc:Fallback xmlns="">
       <p:transition spd="slow"/>
     </mc:Fallback>
   </mc:AlternateContent>
@@ -9129,7 +9129,6 @@
               <a:rPr lang="en-US" dirty="0"/>
               <a:t>Developer Productivity: What's New in C# 6</a:t>
             </a:r>
-            <a:endParaRPr lang="en-US" dirty="0"/>
           </a:p>
         </p:txBody>
       </p:sp>
@@ -9158,7 +9157,7 @@
                 <a:gridCol w="11521532">
                   <a:extLst>
                     <a:ext uri="{9D8B030D-6E8A-4147-A177-3AD203B41FA5}">
-                      <a16:colId xmlns="" xmlns:a16="http://schemas.microsoft.com/office/drawing/2014/main" val="1632794655"/>
+                      <a16:colId xmlns:a16="http://schemas.microsoft.com/office/drawing/2014/main" xmlns="" val="1632794655"/>
                     </a:ext>
                   </a:extLst>
                 </a:gridCol>
@@ -9186,7 +9185,7 @@
                 </a:tc>
                 <a:extLst>
                   <a:ext uri="{0D108BD9-81ED-4DB2-BD59-A6C34878D82A}">
-                    <a16:rowId xmlns="" xmlns:a16="http://schemas.microsoft.com/office/drawing/2014/main" val="1789177411"/>
+                    <a16:rowId xmlns:a16="http://schemas.microsoft.com/office/drawing/2014/main" xmlns="" val="1789177411"/>
                   </a:ext>
                 </a:extLst>
               </a:tr>
@@ -9221,7 +9220,7 @@
                 </a:tc>
                 <a:extLst>
                   <a:ext uri="{0D108BD9-81ED-4DB2-BD59-A6C34878D82A}">
-                    <a16:rowId xmlns="" xmlns:a16="http://schemas.microsoft.com/office/drawing/2014/main" val="3842815335"/>
+                    <a16:rowId xmlns:a16="http://schemas.microsoft.com/office/drawing/2014/main" xmlns="" val="3842815335"/>
                   </a:ext>
                 </a:extLst>
               </a:tr>
@@ -9265,7 +9264,7 @@
                 </a:tc>
                 <a:extLst>
                   <a:ext uri="{0D108BD9-81ED-4DB2-BD59-A6C34878D82A}">
-                    <a16:rowId xmlns="" xmlns:a16="http://schemas.microsoft.com/office/drawing/2014/main" val="321066646"/>
+                    <a16:rowId xmlns:a16="http://schemas.microsoft.com/office/drawing/2014/main" xmlns="" val="321066646"/>
                   </a:ext>
                 </a:extLst>
               </a:tr>
@@ -9324,7 +9323,7 @@
                 </a:tc>
                 <a:extLst>
                   <a:ext uri="{0D108BD9-81ED-4DB2-BD59-A6C34878D82A}">
-                    <a16:rowId xmlns="" xmlns:a16="http://schemas.microsoft.com/office/drawing/2014/main" val="3812060533"/>
+                    <a16:rowId xmlns:a16="http://schemas.microsoft.com/office/drawing/2014/main" xmlns="" val="3812060533"/>
                   </a:ext>
                 </a:extLst>
               </a:tr>
@@ -9359,7 +9358,7 @@
                 </a:tc>
                 <a:extLst>
                   <a:ext uri="{0D108BD9-81ED-4DB2-BD59-A6C34878D82A}">
-                    <a16:rowId xmlns="" xmlns:a16="http://schemas.microsoft.com/office/drawing/2014/main" val="733235577"/>
+                    <a16:rowId xmlns:a16="http://schemas.microsoft.com/office/drawing/2014/main" xmlns="" val="733235577"/>
                   </a:ext>
                 </a:extLst>
               </a:tr>
@@ -9397,7 +9396,7 @@
                 </a:tc>
                 <a:extLst>
                   <a:ext uri="{0D108BD9-81ED-4DB2-BD59-A6C34878D82A}">
-                    <a16:rowId xmlns="" xmlns:a16="http://schemas.microsoft.com/office/drawing/2014/main" val="2343148695"/>
+                    <a16:rowId xmlns:a16="http://schemas.microsoft.com/office/drawing/2014/main" xmlns="" val="2343148695"/>
                   </a:ext>
                 </a:extLst>
               </a:tr>
@@ -9415,11 +9414,11 @@
   <p:clrMapOvr>
     <a:masterClrMapping/>
   </p:clrMapOvr>
-  <mc:AlternateContent xmlns:mc="http://schemas.openxmlformats.org/markup-compatibility/2006">
-    <mc:Choice xmlns:p14="http://schemas.microsoft.com/office/powerpoint/2010/main" Requires="p14">
+  <mc:AlternateContent xmlns:mc="http://schemas.openxmlformats.org/markup-compatibility/2006" xmlns:p14="http://schemas.microsoft.com/office/powerpoint/2010/main">
+    <mc:Choice Requires="p14">
       <p:transition spd="slow" p14:dur="2000"/>
     </mc:Choice>
-    <mc:Fallback>
+    <mc:Fallback xmlns="">
       <p:transition spd="slow"/>
     </mc:Fallback>
   </mc:AlternateContent>
@@ -9483,7 +9482,6 @@
               <a:rPr lang="en-US" sz="2800" dirty="0"/>
               <a:t>| Adoption Strategies</a:t>
             </a:r>
-            <a:endParaRPr lang="en-US" sz="2800" dirty="0"/>
           </a:p>
         </p:txBody>
       </p:sp>
@@ -9512,7 +9510,6 @@
               <a:rPr lang="en-US" dirty="0"/>
               <a:t>Anthony D. Green | Managed Languages Program Manager</a:t>
             </a:r>
-            <a:endParaRPr lang="en-US" dirty="0"/>
           </a:p>
         </p:txBody>
       </p:sp>
@@ -10334,14 +10331,26 @@
           <a:lstStyle/>
           <a:p>
             <a:r>
-              <a:rPr lang="en-US" b="0" dirty="0" smtClean="0"/>
-              <a:t>tdb.github.com</a:t>
+              <a:rPr lang="en-US" b="0"/>
+              <a:t>https</a:t>
+            </a:r>
+            <a:r>
+              <a:rPr lang="en-US" b="0"/>
+              <a:t>://</a:t>
+            </a:r>
+            <a:r>
+              <a:rPr lang="en-US" b="0" smtClean="0"/>
+              <a:t>github.com/BillWagner/MVA-CSharp6</a:t>
             </a:r>
           </a:p>
           <a:p>
             <a:r>
               <a:rPr lang="en-US" dirty="0" smtClean="0"/>
-              <a:t>Expression Bodied Members, Static </a:t>
+              <a:t>Expression </a:t>
+            </a:r>
+            <a:r>
+              <a:rPr lang="en-US" dirty="0" smtClean="0"/>
+              <a:t>Bodied Members, Static </a:t>
             </a:r>
             <a:r>
               <a:rPr lang="en-US" dirty="0" err="1" smtClean="0"/>
@@ -11998,6 +12007,24 @@
 </file>
 
 <file path=customXml/item1.xml><?xml version="1.0" encoding="utf-8"?>
+<p:properties xmlns:p="http://schemas.microsoft.com/office/2006/metadata/properties" xmlns:xsi="http://www.w3.org/2001/XMLSchema-instance" xmlns:pc="http://schemas.microsoft.com/office/infopath/2007/PartnerControls">
+  <documentManagement>
+    <TaxCatchAll xmlns="230e9df3-be65-4c73-a93b-d1236ebd677e"/>
+    <PublishingExpirationDate xmlns="http://schemas.microsoft.com/sharepoint/v3" xsi:nil="true"/>
+    <PublishingStartDate xmlns="http://schemas.microsoft.com/sharepoint/v3" xsi:nil="true"/>
+    <TaxKeywordTaxHTField xmlns="230e9df3-be65-4c73-a93b-d1236ebd677e">
+      <Terms xmlns="http://schemas.microsoft.com/office/infopath/2007/PartnerControls">
+        <TermInfo xmlns="http://schemas.microsoft.com/office/infopath/2007/PartnerControls">
+          <TermName xmlns="http://schemas.microsoft.com/office/infopath/2007/PartnerControls">&lt;Any Related Keywords&gt;</TermName>
+          <TermId xmlns="http://schemas.microsoft.com/office/infopath/2007/PartnerControls">11111111-1111-1111-1111-111111111111</TermId>
+        </TermInfo>
+      </Terms>
+    </TaxKeywordTaxHTField>
+  </documentManagement>
+</p:properties>
+</file>
+
+<file path=customXml/item2.xml><?xml version="1.0" encoding="utf-8"?>
 <ct:contentTypeSchema xmlns:ct="http://schemas.microsoft.com/office/2006/metadata/contentType" xmlns:ma="http://schemas.microsoft.com/office/2006/metadata/properties/metaAttributes" ct:_="" ma:_="" ma:contentTypeName="Document" ma:contentTypeID="0x010100496889825850D44592AC5D2F43187AE4" ma:contentTypeVersion="5" ma:contentTypeDescription="Create a new document." ma:contentTypeScope="" ma:versionID="2e43eb919f408cd810abfc945a86e7c8">
   <xsd:schema xmlns:xsd="http://www.w3.org/2001/XMLSchema" xmlns:xs="http://www.w3.org/2001/XMLSchema" xmlns:p="http://schemas.microsoft.com/office/2006/metadata/properties" xmlns:ns1="http://schemas.microsoft.com/sharepoint/v3" xmlns:ns2="230e9df3-be65-4c73-a93b-d1236ebd677e" xmlns:ns3="27aa9422-7f1f-4c84-9cdf-302b1a67e513" targetNamespace="http://schemas.microsoft.com/office/2006/metadata/properties" ma:root="true" ma:fieldsID="3b003b013a7c5b8f8e3d494956829bef" ns1:_="" ns2:_="" ns3:_="">
     <xsd:import namespace="http://schemas.microsoft.com/sharepoint/v3"/>
@@ -12179,24 +12206,6 @@
 </ct:contentTypeSchema>
 </file>
 
-<file path=customXml/item2.xml><?xml version="1.0" encoding="utf-8"?>
-<p:properties xmlns:p="http://schemas.microsoft.com/office/2006/metadata/properties" xmlns:xsi="http://www.w3.org/2001/XMLSchema-instance" xmlns:pc="http://schemas.microsoft.com/office/infopath/2007/PartnerControls">
-  <documentManagement>
-    <TaxCatchAll xmlns="230e9df3-be65-4c73-a93b-d1236ebd677e"/>
-    <PublishingExpirationDate xmlns="http://schemas.microsoft.com/sharepoint/v3" xsi:nil="true"/>
-    <PublishingStartDate xmlns="http://schemas.microsoft.com/sharepoint/v3" xsi:nil="true"/>
-    <TaxKeywordTaxHTField xmlns="230e9df3-be65-4c73-a93b-d1236ebd677e">
-      <Terms xmlns="http://schemas.microsoft.com/office/infopath/2007/PartnerControls">
-        <TermInfo xmlns="http://schemas.microsoft.com/office/infopath/2007/PartnerControls">
-          <TermName xmlns="http://schemas.microsoft.com/office/infopath/2007/PartnerControls">&lt;Any Related Keywords&gt;</TermName>
-          <TermId xmlns="http://schemas.microsoft.com/office/infopath/2007/PartnerControls">11111111-1111-1111-1111-111111111111</TermId>
-        </TermInfo>
-      </Terms>
-    </TaxKeywordTaxHTField>
-  </documentManagement>
-</p:properties>
-</file>
-
 <file path=customXml/item3.xml><?xml version="1.0" encoding="utf-8"?>
 <?mso-contentType ?>
 <FormTemplates xmlns="http://schemas.microsoft.com/sharepoint/v3/contenttype/forms">
@@ -12207,6 +12216,24 @@
 </file>
 
 <file path=customXml/itemProps1.xml><?xml version="1.0" encoding="utf-8"?>
+<ds:datastoreItem xmlns:ds="http://schemas.openxmlformats.org/officeDocument/2006/customXml" ds:itemID="{F990F116-B58F-4255-B05B-DA3808E0E5C6}">
+  <ds:schemaRefs>
+    <ds:schemaRef ds:uri="http://purl.org/dc/elements/1.1/"/>
+    <ds:schemaRef ds:uri="http://schemas.microsoft.com/office/2006/metadata/properties"/>
+    <ds:schemaRef ds:uri="http://schemas.openxmlformats.org/package/2006/metadata/core-properties"/>
+    <ds:schemaRef ds:uri="http://schemas.microsoft.com/sharepoint/v3"/>
+    <ds:schemaRef ds:uri="http://schemas.microsoft.com/office/infopath/2007/PartnerControls"/>
+    <ds:schemaRef ds:uri="http://purl.org/dc/terms/"/>
+    <ds:schemaRef ds:uri="http://schemas.microsoft.com/office/2006/documentManagement/types"/>
+    <ds:schemaRef ds:uri="27aa9422-7f1f-4c84-9cdf-302b1a67e513"/>
+    <ds:schemaRef ds:uri="230e9df3-be65-4c73-a93b-d1236ebd677e"/>
+    <ds:schemaRef ds:uri="http://www.w3.org/XML/1998/namespace"/>
+    <ds:schemaRef ds:uri="http://purl.org/dc/dcmitype/"/>
+  </ds:schemaRefs>
+</ds:datastoreItem>
+</file>
+
+<file path=customXml/itemProps2.xml><?xml version="1.0" encoding="utf-8"?>
 <ds:datastoreItem xmlns:ds="http://schemas.openxmlformats.org/officeDocument/2006/customXml" ds:itemID="{8279456A-742D-4736-95C0-19A1E0B853B2}">
   <ds:schemaRefs>
     <ds:schemaRef ds:uri="http://schemas.microsoft.com/office/2006/metadata/contentType"/>
@@ -12226,24 +12253,6 @@
 </ds:datastoreItem>
 </file>
 
-<file path=customXml/itemProps2.xml><?xml version="1.0" encoding="utf-8"?>
-<ds:datastoreItem xmlns:ds="http://schemas.openxmlformats.org/officeDocument/2006/customXml" ds:itemID="{F990F116-B58F-4255-B05B-DA3808E0E5C6}">
-  <ds:schemaRefs>
-    <ds:schemaRef ds:uri="http://purl.org/dc/elements/1.1/"/>
-    <ds:schemaRef ds:uri="http://schemas.microsoft.com/office/2006/metadata/properties"/>
-    <ds:schemaRef ds:uri="http://schemas.openxmlformats.org/package/2006/metadata/core-properties"/>
-    <ds:schemaRef ds:uri="http://schemas.microsoft.com/sharepoint/v3"/>
-    <ds:schemaRef ds:uri="http://schemas.microsoft.com/office/infopath/2007/PartnerControls"/>
-    <ds:schemaRef ds:uri="http://purl.org/dc/terms/"/>
-    <ds:schemaRef ds:uri="http://schemas.microsoft.com/office/2006/documentManagement/types"/>
-    <ds:schemaRef ds:uri="27aa9422-7f1f-4c84-9cdf-302b1a67e513"/>
-    <ds:schemaRef ds:uri="230e9df3-be65-4c73-a93b-d1236ebd677e"/>
-    <ds:schemaRef ds:uri="http://www.w3.org/XML/1998/namespace"/>
-    <ds:schemaRef ds:uri="http://purl.org/dc/dcmitype/"/>
-  </ds:schemaRefs>
-</ds:datastoreItem>
-</file>
-
 <file path=customXml/itemProps3.xml><?xml version="1.0" encoding="utf-8"?>
 <ds:datastoreItem xmlns:ds="http://schemas.openxmlformats.org/officeDocument/2006/customXml" ds:itemID="{758FDAC0-319D-4A54-8D8E-1D42CB1F8004}">
   <ds:schemaRefs>

--- a/Slides/MVA-What'sNewC#6-Module5.pptx
+++ b/Slides/MVA-What'sNewC#6-Module5.pptx
@@ -6,10 +6,10 @@
     <p:sldMasterId id="2147483860" r:id="rId5"/>
   </p:sldMasterIdLst>
   <p:notesMasterIdLst>
-    <p:notesMasterId r:id="rId17"/>
+    <p:notesMasterId r:id="rId20"/>
   </p:notesMasterIdLst>
   <p:handoutMasterIdLst>
-    <p:handoutMasterId r:id="rId18"/>
+    <p:handoutMasterId r:id="rId21"/>
   </p:handoutMasterIdLst>
   <p:sldIdLst>
     <p:sldId id="290" r:id="rId6"/>
@@ -17,12 +17,15 @@
     <p:sldId id="271" r:id="rId8"/>
     <p:sldId id="289" r:id="rId9"/>
     <p:sldId id="291" r:id="rId10"/>
-    <p:sldId id="272" r:id="rId11"/>
-    <p:sldId id="285" r:id="rId12"/>
-    <p:sldId id="267" r:id="rId13"/>
-    <p:sldId id="286" r:id="rId14"/>
-    <p:sldId id="287" r:id="rId15"/>
-    <p:sldId id="288" r:id="rId16"/>
+    <p:sldId id="292" r:id="rId11"/>
+    <p:sldId id="272" r:id="rId12"/>
+    <p:sldId id="285" r:id="rId13"/>
+    <p:sldId id="293" r:id="rId14"/>
+    <p:sldId id="286" r:id="rId15"/>
+    <p:sldId id="287" r:id="rId16"/>
+    <p:sldId id="294" r:id="rId17"/>
+    <p:sldId id="267" r:id="rId18"/>
+    <p:sldId id="288" r:id="rId19"/>
   </p:sldIdLst>
   <p:sldSz cx="12188825" cy="6858000"/>
   <p:notesSz cx="6858000" cy="9144000"/>
@@ -353,7 +356,7 @@
                 <a:latin typeface="Segoe UI" pitchFamily="34" charset="0"/>
               </a:rPr>
               <a:pPr/>
-              <a:t>3/3/2015</a:t>
+              <a:t>3/4/2015</a:t>
             </a:fld>
             <a:endParaRPr lang="en-US" dirty="0">
               <a:latin typeface="Segoe UI" pitchFamily="34" charset="0"/>
@@ -574,7 +577,7 @@
             <a:fld id="{7C3FBCD4-166E-446F-AF18-7D4A0CF9AEF6}" type="datetimeFigureOut">
               <a:rPr lang="en-US" smtClean="0"/>
               <a:pPr/>
-              <a:t>3/3/2015</a:t>
+              <a:t>3/4/2015</a:t>
             </a:fld>
             <a:endParaRPr lang="en-US" dirty="0"/>
           </a:p>
@@ -1079,7 +1082,7 @@
             <a:fld id="{8B263312-38AA-4E1E-B2B5-0F8F122B24FE}" type="slidenum">
               <a:rPr lang="en-US" smtClean="0"/>
               <a:pPr/>
-              <a:t>10</a:t>
+              <a:t>11</a:t>
             </a:fld>
             <a:endParaRPr lang="en-US" dirty="0"/>
           </a:p>
@@ -1089,6 +1092,91 @@
     <p:extLst>
       <p:ext uri="{BB962C8B-B14F-4D97-AF65-F5344CB8AC3E}">
         <p14:creationId xmlns:p14="http://schemas.microsoft.com/office/powerpoint/2010/main" val="2880724726"/>
+      </p:ext>
+    </p:extLst>
+  </p:cSld>
+  <p:clrMapOvr>
+    <a:masterClrMapping/>
+  </p:clrMapOvr>
+</p:notes>
+</file>
+
+<file path=ppt/notesSlides/notesSlide11.xml><?xml version="1.0" encoding="utf-8"?>
+<p:notes xmlns:a="http://schemas.openxmlformats.org/drawingml/2006/main" xmlns:r="http://schemas.openxmlformats.org/officeDocument/2006/relationships" xmlns:p="http://schemas.openxmlformats.org/presentationml/2006/main">
+  <p:cSld>
+    <p:spTree>
+      <p:nvGrpSpPr>
+        <p:cNvPr id="1" name=""/>
+        <p:cNvGrpSpPr/>
+        <p:nvPr/>
+      </p:nvGrpSpPr>
+      <p:grpSpPr>
+        <a:xfrm>
+          <a:off x="0" y="0"/>
+          <a:ext cx="0" cy="0"/>
+          <a:chOff x="0" y="0"/>
+          <a:chExt cx="0" cy="0"/>
+        </a:xfrm>
+      </p:grpSpPr>
+      <p:sp>
+        <p:nvSpPr>
+          <p:cNvPr id="2" name="Slide Image Placeholder 1"/>
+          <p:cNvSpPr>
+            <a:spLocks noGrp="1" noRot="1" noChangeAspect="1"/>
+          </p:cNvSpPr>
+          <p:nvPr>
+            <p:ph type="sldImg"/>
+          </p:nvPr>
+        </p:nvSpPr>
+        <p:spPr/>
+      </p:sp>
+      <p:sp>
+        <p:nvSpPr>
+          <p:cNvPr id="3" name="Notes Placeholder 2"/>
+          <p:cNvSpPr>
+            <a:spLocks noGrp="1"/>
+          </p:cNvSpPr>
+          <p:nvPr>
+            <p:ph type="body" idx="1"/>
+          </p:nvPr>
+        </p:nvSpPr>
+        <p:spPr/>
+        <p:txBody>
+          <a:bodyPr/>
+          <a:lstStyle/>
+          <a:p>
+            <a:endParaRPr lang="en-US" dirty="0"/>
+          </a:p>
+        </p:txBody>
+      </p:sp>
+      <p:sp>
+        <p:nvSpPr>
+          <p:cNvPr id="4" name="Slide Number Placeholder 3"/>
+          <p:cNvSpPr>
+            <a:spLocks noGrp="1"/>
+          </p:cNvSpPr>
+          <p:nvPr>
+            <p:ph type="sldNum" sz="quarter" idx="10"/>
+          </p:nvPr>
+        </p:nvSpPr>
+        <p:spPr/>
+        <p:txBody>
+          <a:bodyPr/>
+          <a:lstStyle/>
+          <a:p>
+            <a:fld id="{8B263312-38AA-4E1E-B2B5-0F8F122B24FE}" type="slidenum">
+              <a:rPr lang="en-US" smtClean="0"/>
+              <a:pPr/>
+              <a:t>13</a:t>
+            </a:fld>
+            <a:endParaRPr lang="en-US" dirty="0"/>
+          </a:p>
+        </p:txBody>
+      </p:sp>
+    </p:spTree>
+    <p:extLst>
+      <p:ext uri="{BB962C8B-B14F-4D97-AF65-F5344CB8AC3E}">
+        <p14:creationId xmlns:p14="http://schemas.microsoft.com/office/powerpoint/2010/main" val="2115829590"/>
       </p:ext>
     </p:extLst>
   </p:cSld>
@@ -1481,7 +1569,7 @@
     </p:spTree>
     <p:extLst>
       <p:ext uri="{BB962C8B-B14F-4D97-AF65-F5344CB8AC3E}">
-        <p14:creationId xmlns:p14="http://schemas.microsoft.com/office/powerpoint/2010/main" val="3989130091"/>
+        <p14:creationId xmlns:p14="http://schemas.microsoft.com/office/powerpoint/2010/main" val="127106858"/>
       </p:ext>
     </p:extLst>
   </p:cSld>
@@ -1566,7 +1654,7 @@
     </p:spTree>
     <p:extLst>
       <p:ext uri="{BB962C8B-B14F-4D97-AF65-F5344CB8AC3E}">
-        <p14:creationId xmlns:p14="http://schemas.microsoft.com/office/powerpoint/2010/main" val="2683605714"/>
+        <p14:creationId xmlns:p14="http://schemas.microsoft.com/office/powerpoint/2010/main" val="3989130091"/>
       </p:ext>
     </p:extLst>
   </p:cSld>
@@ -1651,7 +1739,7 @@
     </p:spTree>
     <p:extLst>
       <p:ext uri="{BB962C8B-B14F-4D97-AF65-F5344CB8AC3E}">
-        <p14:creationId xmlns:p14="http://schemas.microsoft.com/office/powerpoint/2010/main" val="2115829590"/>
+        <p14:creationId xmlns:p14="http://schemas.microsoft.com/office/powerpoint/2010/main" val="2683605714"/>
       </p:ext>
     </p:extLst>
   </p:cSld>
@@ -1727,7 +1815,7 @@
             <a:fld id="{8B263312-38AA-4E1E-B2B5-0F8F122B24FE}" type="slidenum">
               <a:rPr lang="en-US" smtClean="0"/>
               <a:pPr/>
-              <a:t>9</a:t>
+              <a:t>10</a:t>
             </a:fld>
             <a:endParaRPr lang="en-US" dirty="0"/>
           </a:p>
@@ -8381,2096 +8469,6 @@
           <a:lstStyle/>
           <a:p>
             <a:r>
-              <a:rPr lang="en-US" sz="2800" dirty="0" err="1" smtClean="0"/>
-              <a:t>nameof</a:t>
-            </a:r>
-            <a:endParaRPr lang="en-US" sz="2800" dirty="0" smtClean="0"/>
-          </a:p>
-          <a:p>
-            <a:r>
-              <a:rPr lang="en-US" sz="2800" dirty="0" smtClean="0"/>
-              <a:t>Dictionary Initializers</a:t>
-            </a:r>
-          </a:p>
-          <a:p>
-            <a:r>
-              <a:rPr lang="en-US" sz="2800" dirty="0" smtClean="0"/>
-              <a:t>Exception Filters</a:t>
-            </a:r>
-          </a:p>
-          <a:p>
-            <a:r>
-              <a:rPr lang="en-US" sz="2800" dirty="0" smtClean="0"/>
-              <a:t>Await in Catch and Finally</a:t>
-            </a:r>
-          </a:p>
-        </p:txBody>
-      </p:sp>
-    </p:spTree>
-    <p:extLst>
-      <p:ext uri="{BB962C8B-B14F-4D97-AF65-F5344CB8AC3E}">
-        <p14:creationId xmlns:p14="http://schemas.microsoft.com/office/powerpoint/2010/main" val="1206554988"/>
-      </p:ext>
-    </p:extLst>
-  </p:cSld>
-  <p:clrMapOvr>
-    <a:masterClrMapping/>
-  </p:clrMapOvr>
-  <p:transition>
-    <p:fade/>
-  </p:transition>
-  <p:timing>
-    <p:tnLst>
-      <p:par>
-        <p:cTn id="1" dur="indefinite" restart="never" nodeType="tmRoot">
-          <p:childTnLst>
-            <p:seq concurrent="1" nextAc="seek">
-              <p:cTn id="2" dur="indefinite" nodeType="mainSeq">
-                <p:childTnLst>
-                  <p:par>
-                    <p:cTn id="3" fill="hold">
-                      <p:stCondLst>
-                        <p:cond delay="indefinite"/>
-                      </p:stCondLst>
-                      <p:childTnLst>
-                        <p:par>
-                          <p:cTn id="4" fill="hold">
-                            <p:stCondLst>
-                              <p:cond delay="0"/>
-                            </p:stCondLst>
-                            <p:childTnLst>
-                              <p:par>
-                                <p:cTn id="5" presetID="10" presetClass="entr" presetSubtype="0" fill="hold" grpId="0" nodeType="clickEffect">
-                                  <p:stCondLst>
-                                    <p:cond delay="0"/>
-                                  </p:stCondLst>
-                                  <p:childTnLst>
-                                    <p:set>
-                                      <p:cBhvr>
-                                        <p:cTn id="6" dur="1" fill="hold">
-                                          <p:stCondLst>
-                                            <p:cond delay="0"/>
-                                          </p:stCondLst>
-                                        </p:cTn>
-                                        <p:tgtEl>
-                                          <p:spTgt spid="6">
-                                            <p:txEl>
-                                              <p:pRg st="0" end="0"/>
-                                            </p:txEl>
-                                          </p:spTgt>
-                                        </p:tgtEl>
-                                        <p:attrNameLst>
-                                          <p:attrName>style.visibility</p:attrName>
-                                        </p:attrNameLst>
-                                      </p:cBhvr>
-                                      <p:to>
-                                        <p:strVal val="visible"/>
-                                      </p:to>
-                                    </p:set>
-                                    <p:animEffect transition="in" filter="fade">
-                                      <p:cBhvr>
-                                        <p:cTn id="7" dur="500"/>
-                                        <p:tgtEl>
-                                          <p:spTgt spid="6">
-                                            <p:txEl>
-                                              <p:pRg st="0" end="0"/>
-                                            </p:txEl>
-                                          </p:spTgt>
-                                        </p:tgtEl>
-                                      </p:cBhvr>
-                                    </p:animEffect>
-                                  </p:childTnLst>
-                                </p:cTn>
-                              </p:par>
-                            </p:childTnLst>
-                          </p:cTn>
-                        </p:par>
-                      </p:childTnLst>
-                    </p:cTn>
-                  </p:par>
-                  <p:par>
-                    <p:cTn id="8" fill="hold">
-                      <p:stCondLst>
-                        <p:cond delay="indefinite"/>
-                      </p:stCondLst>
-                      <p:childTnLst>
-                        <p:par>
-                          <p:cTn id="9" fill="hold">
-                            <p:stCondLst>
-                              <p:cond delay="0"/>
-                            </p:stCondLst>
-                            <p:childTnLst>
-                              <p:par>
-                                <p:cTn id="10" presetID="10" presetClass="entr" presetSubtype="0" fill="hold" grpId="0" nodeType="clickEffect">
-                                  <p:stCondLst>
-                                    <p:cond delay="0"/>
-                                  </p:stCondLst>
-                                  <p:childTnLst>
-                                    <p:set>
-                                      <p:cBhvr>
-                                        <p:cTn id="11" dur="1" fill="hold">
-                                          <p:stCondLst>
-                                            <p:cond delay="0"/>
-                                          </p:stCondLst>
-                                        </p:cTn>
-                                        <p:tgtEl>
-                                          <p:spTgt spid="6">
-                                            <p:txEl>
-                                              <p:pRg st="1" end="1"/>
-                                            </p:txEl>
-                                          </p:spTgt>
-                                        </p:tgtEl>
-                                        <p:attrNameLst>
-                                          <p:attrName>style.visibility</p:attrName>
-                                        </p:attrNameLst>
-                                      </p:cBhvr>
-                                      <p:to>
-                                        <p:strVal val="visible"/>
-                                      </p:to>
-                                    </p:set>
-                                    <p:animEffect transition="in" filter="fade">
-                                      <p:cBhvr>
-                                        <p:cTn id="12" dur="500"/>
-                                        <p:tgtEl>
-                                          <p:spTgt spid="6">
-                                            <p:txEl>
-                                              <p:pRg st="1" end="1"/>
-                                            </p:txEl>
-                                          </p:spTgt>
-                                        </p:tgtEl>
-                                      </p:cBhvr>
-                                    </p:animEffect>
-                                  </p:childTnLst>
-                                </p:cTn>
-                              </p:par>
-                            </p:childTnLst>
-                          </p:cTn>
-                        </p:par>
-                      </p:childTnLst>
-                    </p:cTn>
-                  </p:par>
-                  <p:par>
-                    <p:cTn id="13" fill="hold">
-                      <p:stCondLst>
-                        <p:cond delay="indefinite"/>
-                      </p:stCondLst>
-                      <p:childTnLst>
-                        <p:par>
-                          <p:cTn id="14" fill="hold">
-                            <p:stCondLst>
-                              <p:cond delay="0"/>
-                            </p:stCondLst>
-                            <p:childTnLst>
-                              <p:par>
-                                <p:cTn id="15" presetID="10" presetClass="entr" presetSubtype="0" fill="hold" grpId="0" nodeType="clickEffect">
-                                  <p:stCondLst>
-                                    <p:cond delay="0"/>
-                                  </p:stCondLst>
-                                  <p:childTnLst>
-                                    <p:set>
-                                      <p:cBhvr>
-                                        <p:cTn id="16" dur="1" fill="hold">
-                                          <p:stCondLst>
-                                            <p:cond delay="0"/>
-                                          </p:stCondLst>
-                                        </p:cTn>
-                                        <p:tgtEl>
-                                          <p:spTgt spid="6">
-                                            <p:txEl>
-                                              <p:pRg st="2" end="2"/>
-                                            </p:txEl>
-                                          </p:spTgt>
-                                        </p:tgtEl>
-                                        <p:attrNameLst>
-                                          <p:attrName>style.visibility</p:attrName>
-                                        </p:attrNameLst>
-                                      </p:cBhvr>
-                                      <p:to>
-                                        <p:strVal val="visible"/>
-                                      </p:to>
-                                    </p:set>
-                                    <p:animEffect transition="in" filter="fade">
-                                      <p:cBhvr>
-                                        <p:cTn id="17" dur="500"/>
-                                        <p:tgtEl>
-                                          <p:spTgt spid="6">
-                                            <p:txEl>
-                                              <p:pRg st="2" end="2"/>
-                                            </p:txEl>
-                                          </p:spTgt>
-                                        </p:tgtEl>
-                                      </p:cBhvr>
-                                    </p:animEffect>
-                                  </p:childTnLst>
-                                </p:cTn>
-                              </p:par>
-                            </p:childTnLst>
-                          </p:cTn>
-                        </p:par>
-                      </p:childTnLst>
-                    </p:cTn>
-                  </p:par>
-                  <p:par>
-                    <p:cTn id="18" fill="hold">
-                      <p:stCondLst>
-                        <p:cond delay="indefinite"/>
-                      </p:stCondLst>
-                      <p:childTnLst>
-                        <p:par>
-                          <p:cTn id="19" fill="hold">
-                            <p:stCondLst>
-                              <p:cond delay="0"/>
-                            </p:stCondLst>
-                            <p:childTnLst>
-                              <p:par>
-                                <p:cTn id="20" presetID="10" presetClass="entr" presetSubtype="0" fill="hold" grpId="0" nodeType="clickEffect">
-                                  <p:stCondLst>
-                                    <p:cond delay="0"/>
-                                  </p:stCondLst>
-                                  <p:childTnLst>
-                                    <p:set>
-                                      <p:cBhvr>
-                                        <p:cTn id="21" dur="1" fill="hold">
-                                          <p:stCondLst>
-                                            <p:cond delay="0"/>
-                                          </p:stCondLst>
-                                        </p:cTn>
-                                        <p:tgtEl>
-                                          <p:spTgt spid="6">
-                                            <p:txEl>
-                                              <p:pRg st="3" end="3"/>
-                                            </p:txEl>
-                                          </p:spTgt>
-                                        </p:tgtEl>
-                                        <p:attrNameLst>
-                                          <p:attrName>style.visibility</p:attrName>
-                                        </p:attrNameLst>
-                                      </p:cBhvr>
-                                      <p:to>
-                                        <p:strVal val="visible"/>
-                                      </p:to>
-                                    </p:set>
-                                    <p:animEffect transition="in" filter="fade">
-                                      <p:cBhvr>
-                                        <p:cTn id="22" dur="500"/>
-                                        <p:tgtEl>
-                                          <p:spTgt spid="6">
-                                            <p:txEl>
-                                              <p:pRg st="3" end="3"/>
-                                            </p:txEl>
-                                          </p:spTgt>
-                                        </p:tgtEl>
-                                      </p:cBhvr>
-                                    </p:animEffect>
-                                  </p:childTnLst>
-                                </p:cTn>
-                              </p:par>
-                            </p:childTnLst>
-                          </p:cTn>
-                        </p:par>
-                      </p:childTnLst>
-                    </p:cTn>
-                  </p:par>
-                </p:childTnLst>
-              </p:cTn>
-              <p:prevCondLst>
-                <p:cond evt="onPrev" delay="0">
-                  <p:tgtEl>
-                    <p:sldTgt/>
-                  </p:tgtEl>
-                </p:cond>
-              </p:prevCondLst>
-              <p:nextCondLst>
-                <p:cond evt="onNext" delay="0">
-                  <p:tgtEl>
-                    <p:sldTgt/>
-                  </p:tgtEl>
-                </p:cond>
-              </p:nextCondLst>
-            </p:seq>
-          </p:childTnLst>
-        </p:cTn>
-      </p:par>
-    </p:tnLst>
-    <p:bldLst>
-      <p:bldP spid="6" grpId="0" build="p"/>
-    </p:bldLst>
-  </p:timing>
-</p:sld>
-</file>
-
-<file path=ppt/slides/slide11.xml><?xml version="1.0" encoding="utf-8"?>
-<p:sld xmlns:a="http://schemas.openxmlformats.org/drawingml/2006/main" xmlns:r="http://schemas.openxmlformats.org/officeDocument/2006/relationships" xmlns:p="http://schemas.openxmlformats.org/presentationml/2006/main">
-  <p:cSld>
-    <p:spTree>
-      <p:nvGrpSpPr>
-        <p:cNvPr id="1" name=""/>
-        <p:cNvGrpSpPr/>
-        <p:nvPr/>
-      </p:nvGrpSpPr>
-      <p:grpSpPr>
-        <a:xfrm>
-          <a:off x="0" y="0"/>
-          <a:ext cx="0" cy="0"/>
-          <a:chOff x="0" y="0"/>
-          <a:chExt cx="0" cy="0"/>
-        </a:xfrm>
-      </p:grpSpPr>
-    </p:spTree>
-    <p:extLst>
-      <p:ext uri="{BB962C8B-B14F-4D97-AF65-F5344CB8AC3E}">
-        <p14:creationId xmlns:p14="http://schemas.microsoft.com/office/powerpoint/2010/main" val="137034456"/>
-      </p:ext>
-    </p:extLst>
-  </p:cSld>
-  <p:clrMapOvr>
-    <a:masterClrMapping/>
-  </p:clrMapOvr>
-</p:sld>
-</file>
-
-<file path=ppt/slides/slide2.xml><?xml version="1.0" encoding="utf-8"?>
-<p:sld xmlns:a="http://schemas.openxmlformats.org/drawingml/2006/main" xmlns:r="http://schemas.openxmlformats.org/officeDocument/2006/relationships" xmlns:p="http://schemas.openxmlformats.org/presentationml/2006/main">
-  <p:cSld>
-    <p:spTree>
-      <p:nvGrpSpPr>
-        <p:cNvPr id="1" name=""/>
-        <p:cNvGrpSpPr/>
-        <p:nvPr/>
-      </p:nvGrpSpPr>
-      <p:grpSpPr>
-        <a:xfrm>
-          <a:off x="0" y="0"/>
-          <a:ext cx="0" cy="0"/>
-          <a:chOff x="0" y="0"/>
-          <a:chExt cx="0" cy="0"/>
-        </a:xfrm>
-      </p:grpSpPr>
-      <p:sp>
-        <p:nvSpPr>
-          <p:cNvPr id="2" name="Title 1"/>
-          <p:cNvSpPr>
-            <a:spLocks noGrp="1"/>
-          </p:cNvSpPr>
-          <p:nvPr>
-            <p:ph type="title"/>
-          </p:nvPr>
-        </p:nvSpPr>
-        <p:spPr/>
-        <p:txBody>
-          <a:bodyPr/>
-          <a:lstStyle/>
-          <a:p>
-            <a:r>
-              <a:rPr lang="en-US" dirty="0" smtClean="0"/>
-              <a:t>Meet </a:t>
-            </a:r>
-            <a:r>
-              <a:rPr lang="en-US" smtClean="0"/>
-              <a:t>Bill Wagner | </a:t>
-            </a:r>
-            <a:r>
-              <a:rPr lang="en-US" dirty="0" smtClean="0"/>
-              <a:t>@</a:t>
-            </a:r>
-            <a:r>
-              <a:rPr lang="en-US" dirty="0" err="1" smtClean="0"/>
-              <a:t>billwagner</a:t>
-            </a:r>
-            <a:endParaRPr lang="en-US" dirty="0"/>
-          </a:p>
-        </p:txBody>
-      </p:sp>
-      <p:sp>
-        <p:nvSpPr>
-          <p:cNvPr id="7" name="Content Placeholder 6"/>
-          <p:cNvSpPr>
-            <a:spLocks noGrp="1"/>
-          </p:cNvSpPr>
-          <p:nvPr>
-            <p:ph sz="quarter" idx="10"/>
-          </p:nvPr>
-        </p:nvSpPr>
-        <p:spPr/>
-        <p:txBody>
-          <a:bodyPr/>
-          <a:lstStyle/>
-          <a:p>
-            <a:r>
-              <a:rPr lang="en-US" dirty="0" smtClean="0">
-                <a:solidFill>
-                  <a:srgbClr val="002050"/>
-                </a:solidFill>
-              </a:rPr>
-              <a:t>Author</a:t>
-            </a:r>
-            <a:endParaRPr lang="en-US" dirty="0">
-              <a:solidFill>
-                <a:srgbClr val="002050"/>
-              </a:solidFill>
-            </a:endParaRPr>
-          </a:p>
-          <a:p>
-            <a:pPr lvl="1"/>
-            <a:r>
-              <a:rPr lang="en-US" dirty="0" smtClean="0">
-                <a:solidFill>
-                  <a:srgbClr val="002050"/>
-                </a:solidFill>
-              </a:rPr>
-              <a:t>Effective C#</a:t>
-            </a:r>
-          </a:p>
-          <a:p>
-            <a:pPr lvl="1"/>
-            <a:r>
-              <a:rPr lang="en-US" dirty="0" smtClean="0">
-                <a:solidFill>
-                  <a:srgbClr val="002050"/>
-                </a:solidFill>
-              </a:rPr>
-              <a:t>More Effective C#</a:t>
-            </a:r>
-          </a:p>
-          <a:p>
-            <a:r>
-              <a:rPr lang="en-US" dirty="0" smtClean="0"/>
-              <a:t>Passion for informing </a:t>
-            </a:r>
-            <a:r>
-              <a:rPr lang="en-US" dirty="0"/>
-              <a:t>and inspiring software developers to write </a:t>
-            </a:r>
-            <a:r>
-              <a:rPr lang="en-US" dirty="0" smtClean="0"/>
-              <a:t>better code be more productive</a:t>
-            </a:r>
-          </a:p>
-          <a:p>
-            <a:pPr lvl="1"/>
-            <a:r>
-              <a:rPr lang="en-US" dirty="0" smtClean="0"/>
-              <a:t>www.thebillwagner.com</a:t>
-            </a:r>
-          </a:p>
-          <a:p>
-            <a:pPr lvl="1"/>
-            <a:r>
-              <a:rPr lang="en-US" dirty="0" smtClean="0"/>
-              <a:t>www.github.com/BillWagner</a:t>
-            </a:r>
-          </a:p>
-        </p:txBody>
-      </p:sp>
-      <p:pic>
-        <p:nvPicPr>
-          <p:cNvPr id="10" name="Picture 9"/>
-          <p:cNvPicPr>
-            <a:picLocks noChangeAspect="1"/>
-          </p:cNvPicPr>
-          <p:nvPr/>
-        </p:nvPicPr>
-        <p:blipFill>
-          <a:blip r:embed="rId3">
-            <a:extLst>
-              <a:ext uri="{28A0092B-C50C-407E-A947-70E740481C1C}">
-                <a14:useLocalDpi xmlns:a14="http://schemas.microsoft.com/office/drawing/2010/main" val="0"/>
-              </a:ext>
-            </a:extLst>
-          </a:blip>
-          <a:stretch>
-            <a:fillRect/>
-          </a:stretch>
-        </p:blipFill>
-        <p:spPr>
-          <a:xfrm>
-            <a:off x="9314831" y="4029046"/>
-            <a:ext cx="2699299" cy="2699299"/>
-          </a:xfrm>
-          <a:prstGeom prst="rect">
-            <a:avLst/>
-          </a:prstGeom>
-          <a:ln>
-            <a:solidFill>
-              <a:schemeClr val="tx1"/>
-            </a:solidFill>
-          </a:ln>
-          <a:effectLst>
-            <a:outerShdw blurRad="50800" dist="38100" dir="2700000" algn="tl" rotWithShape="0">
-              <a:prstClr val="black">
-                <a:alpha val="40000"/>
-              </a:prstClr>
-            </a:outerShdw>
-          </a:effectLst>
-        </p:spPr>
-      </p:pic>
-    </p:spTree>
-    <p:extLst>
-      <p:ext uri="{BB962C8B-B14F-4D97-AF65-F5344CB8AC3E}">
-        <p14:creationId xmlns:p14="http://schemas.microsoft.com/office/powerpoint/2010/main" val="1629309094"/>
-      </p:ext>
-    </p:extLst>
-  </p:cSld>
-  <p:clrMapOvr>
-    <a:masterClrMapping/>
-  </p:clrMapOvr>
-  <p:transition>
-    <p:fade/>
-  </p:transition>
-  <p:timing>
-    <p:tnLst>
-      <p:par>
-        <p:cTn id="1" dur="indefinite" restart="never" nodeType="tmRoot"/>
-      </p:par>
-    </p:tnLst>
-  </p:timing>
-</p:sld>
-</file>
-
-<file path=ppt/slides/slide3.xml><?xml version="1.0" encoding="utf-8"?>
-<p:sld xmlns:a="http://schemas.openxmlformats.org/drawingml/2006/main" xmlns:r="http://schemas.openxmlformats.org/officeDocument/2006/relationships" xmlns:p="http://schemas.openxmlformats.org/presentationml/2006/main">
-  <p:cSld>
-    <p:spTree>
-      <p:nvGrpSpPr>
-        <p:cNvPr id="1" name=""/>
-        <p:cNvGrpSpPr/>
-        <p:nvPr/>
-      </p:nvGrpSpPr>
-      <p:grpSpPr>
-        <a:xfrm>
-          <a:off x="0" y="0"/>
-          <a:ext cx="0" cy="0"/>
-          <a:chOff x="0" y="0"/>
-          <a:chExt cx="0" cy="0"/>
-        </a:xfrm>
-      </p:grpSpPr>
-      <p:sp>
-        <p:nvSpPr>
-          <p:cNvPr id="2" name="Title 1"/>
-          <p:cNvSpPr>
-            <a:spLocks noGrp="1"/>
-          </p:cNvSpPr>
-          <p:nvPr>
-            <p:ph type="title"/>
-          </p:nvPr>
-        </p:nvSpPr>
-        <p:spPr/>
-        <p:txBody>
-          <a:bodyPr/>
-          <a:lstStyle/>
-          <a:p>
-            <a:r>
-              <a:rPr lang="en-US" dirty="0" smtClean="0"/>
-              <a:t>Meet Anthony D. Green</a:t>
-            </a:r>
-            <a:endParaRPr lang="en-US" dirty="0"/>
-          </a:p>
-        </p:txBody>
-      </p:sp>
-      <p:sp>
-        <p:nvSpPr>
-          <p:cNvPr id="9" name="Content Placeholder 8"/>
-          <p:cNvSpPr>
-            <a:spLocks noGrp="1"/>
-          </p:cNvSpPr>
-          <p:nvPr>
-            <p:ph sz="quarter" idx="10"/>
-          </p:nvPr>
-        </p:nvSpPr>
-        <p:spPr/>
-        <p:txBody>
-          <a:bodyPr/>
-          <a:lstStyle/>
-          <a:p>
-            <a:r>
-              <a:rPr lang="en-US" dirty="0"/>
-              <a:t>Microsoft Program Manager</a:t>
-            </a:r>
-          </a:p>
-          <a:p>
-            <a:pPr lvl="1"/>
-            <a:r>
-              <a:rPr lang="en-US" dirty="0"/>
-              <a:t>Managed Languages Team</a:t>
-            </a:r>
-          </a:p>
-          <a:p>
-            <a:r>
-              <a:rPr lang="en-US" dirty="0"/>
-              <a:t>Focus on Language APIs</a:t>
-            </a:r>
-          </a:p>
-          <a:p>
-            <a:pPr lvl="1"/>
-            <a:r>
-              <a:rPr lang="en-US" dirty="0"/>
-              <a:t>Syntactic and semantic analysis tools</a:t>
-            </a:r>
-          </a:p>
-          <a:p>
-            <a:pPr lvl="1"/>
-            <a:r>
-              <a:rPr lang="en-US" dirty="0"/>
-              <a:t>Diagnostics and </a:t>
-            </a:r>
-            <a:r>
-              <a:rPr lang="en-US" dirty="0" err="1"/>
-              <a:t>Refactorings</a:t>
-            </a:r>
-            <a:endParaRPr lang="en-US" dirty="0"/>
-          </a:p>
-          <a:p>
-            <a:pPr lvl="1"/>
-            <a:endParaRPr lang="en-US" dirty="0"/>
-          </a:p>
-        </p:txBody>
-      </p:sp>
-      <p:pic>
-        <p:nvPicPr>
-          <p:cNvPr id="11" name="Picture 10"/>
-          <p:cNvPicPr>
-            <a:picLocks noChangeAspect="1"/>
-          </p:cNvPicPr>
-          <p:nvPr/>
-        </p:nvPicPr>
-        <p:blipFill>
-          <a:blip r:embed="rId3">
-            <a:extLst>
-              <a:ext uri="{28A0092B-C50C-407E-A947-70E740481C1C}">
-                <a14:useLocalDpi xmlns:a14="http://schemas.microsoft.com/office/drawing/2010/main" val="0"/>
-              </a:ext>
-            </a:extLst>
-          </a:blip>
-          <a:stretch>
-            <a:fillRect/>
-          </a:stretch>
-        </p:blipFill>
-        <p:spPr>
-          <a:xfrm>
-            <a:off x="9423687" y="4107561"/>
-            <a:ext cx="2529431" cy="2542271"/>
-          </a:xfrm>
-          <a:prstGeom prst="rect">
-            <a:avLst/>
-          </a:prstGeom>
-          <a:ln>
-            <a:solidFill>
-              <a:schemeClr val="tx1"/>
-            </a:solidFill>
-          </a:ln>
-          <a:effectLst>
-            <a:outerShdw blurRad="50800" dist="38100" dir="2700000" algn="tl" rotWithShape="0">
-              <a:prstClr val="black">
-                <a:alpha val="40000"/>
-              </a:prstClr>
-            </a:outerShdw>
-          </a:effectLst>
-        </p:spPr>
-      </p:pic>
-    </p:spTree>
-    <p:extLst>
-      <p:ext uri="{BB962C8B-B14F-4D97-AF65-F5344CB8AC3E}">
-        <p14:creationId xmlns:p14="http://schemas.microsoft.com/office/powerpoint/2010/main" val="3801980369"/>
-      </p:ext>
-    </p:extLst>
-  </p:cSld>
-  <p:clrMapOvr>
-    <a:masterClrMapping/>
-  </p:clrMapOvr>
-  <p:transition>
-    <p:fade/>
-  </p:transition>
-  <p:timing>
-    <p:tnLst>
-      <p:par>
-        <p:cTn id="1" dur="indefinite" restart="never" nodeType="tmRoot"/>
-      </p:par>
-    </p:tnLst>
-  </p:timing>
-</p:sld>
-</file>
-
-<file path=ppt/slides/slide4.xml><?xml version="1.0" encoding="utf-8"?>
-<p:sld xmlns:a="http://schemas.openxmlformats.org/drawingml/2006/main" xmlns:r="http://schemas.openxmlformats.org/officeDocument/2006/relationships" xmlns:p="http://schemas.openxmlformats.org/presentationml/2006/main">
-  <p:cSld>
-    <p:spTree>
-      <p:nvGrpSpPr>
-        <p:cNvPr id="1" name=""/>
-        <p:cNvGrpSpPr/>
-        <p:nvPr/>
-      </p:nvGrpSpPr>
-      <p:grpSpPr>
-        <a:xfrm>
-          <a:off x="0" y="0"/>
-          <a:ext cx="0" cy="0"/>
-          <a:chOff x="0" y="0"/>
-          <a:chExt cx="0" cy="0"/>
-        </a:xfrm>
-      </p:grpSpPr>
-      <p:sp>
-        <p:nvSpPr>
-          <p:cNvPr id="2" name="Title 1"/>
-          <p:cNvSpPr>
-            <a:spLocks noGrp="1"/>
-          </p:cNvSpPr>
-          <p:nvPr>
-            <p:ph type="title"/>
-          </p:nvPr>
-        </p:nvSpPr>
-        <p:spPr/>
-        <p:txBody>
-          <a:bodyPr>
-            <a:normAutofit/>
-          </a:bodyPr>
-          <a:lstStyle/>
-          <a:p>
-            <a:pPr lvl="0"/>
-            <a:r>
-              <a:rPr lang="en-US" dirty="0"/>
-              <a:t>Developer Productivity: What's New in C# 6</a:t>
-            </a:r>
-          </a:p>
-        </p:txBody>
-      </p:sp>
-      <p:graphicFrame>
-        <p:nvGraphicFramePr>
-          <p:cNvPr id="4" name="Content Placeholder 3"/>
-          <p:cNvGraphicFramePr>
-            <a:graphicFrameLocks noGrp="1"/>
-          </p:cNvGraphicFramePr>
-          <p:nvPr>
-            <p:ph sz="quarter" idx="10"/>
-            <p:extLst/>
-          </p:nvPr>
-        </p:nvGraphicFramePr>
-        <p:xfrm>
-          <a:off x="379314" y="1418160"/>
-          <a:ext cx="11521532" cy="4604592"/>
-        </p:xfrm>
-        <a:graphic>
-          <a:graphicData uri="http://schemas.openxmlformats.org/drawingml/2006/table">
-            <a:tbl>
-              <a:tblPr firstRow="1" bandRow="1">
-                <a:tableStyleId>{5C22544A-7EE6-4342-B048-85BDC9FD1C3A}</a:tableStyleId>
-              </a:tblPr>
-              <a:tblGrid>
-                <a:gridCol w="11521532">
-                  <a:extLst>
-                    <a:ext uri="{9D8B030D-6E8A-4147-A177-3AD203B41FA5}">
-                      <a16:colId xmlns:a16="http://schemas.microsoft.com/office/drawing/2014/main" xmlns="" val="1632794655"/>
-                    </a:ext>
-                  </a:extLst>
-                </a:gridCol>
-              </a:tblGrid>
-              <a:tr h="767432">
-                <a:tc>
-                  <a:txBody>
-                    <a:bodyPr/>
-                    <a:lstStyle/>
-                    <a:p>
-                      <a:r>
-                        <a:rPr lang="en-US" sz="3600" dirty="0" smtClean="0">
-                          <a:latin typeface="Segoe UI Light" panose="020B0502040204020203" pitchFamily="34" charset="0"/>
-                          <a:cs typeface="Segoe UI Light" panose="020B0502040204020203" pitchFamily="34" charset="0"/>
-                        </a:rPr>
-                        <a:t>Getting Started with PowerShell</a:t>
-                      </a:r>
-                      <a:endParaRPr lang="en-US" sz="3600" dirty="0">
-                        <a:latin typeface="Segoe UI Light" panose="020B0502040204020203" pitchFamily="34" charset="0"/>
-                        <a:cs typeface="Segoe UI Light" panose="020B0502040204020203" pitchFamily="34" charset="0"/>
-                      </a:endParaRPr>
-                    </a:p>
-                  </a:txBody>
-                  <a:tcPr marL="91416" marR="91416" marT="45708" marB="45708" anchor="ctr"/>
-                </a:tc>
-                <a:extLst>
-                  <a:ext uri="{0D108BD9-81ED-4DB2-BD59-A6C34878D82A}">
-                    <a16:rowId xmlns:a16="http://schemas.microsoft.com/office/drawing/2014/main" xmlns="" val="1789177411"/>
-                  </a:ext>
-                </a:extLst>
-              </a:tr>
-              <a:tr h="767432">
-                <a:tc>
-                  <a:txBody>
-                    <a:bodyPr/>
-                    <a:lstStyle/>
-                    <a:p>
-                      <a:r>
-                        <a:rPr lang="en-US" sz="2400" dirty="0" smtClean="0">
-                          <a:latin typeface="Segoe UI Light" panose="020B0502040204020203" pitchFamily="34" charset="0"/>
-                          <a:cs typeface="Segoe UI Light" panose="020B0502040204020203" pitchFamily="34" charset="0"/>
-                        </a:rPr>
-                        <a:t>01 | </a:t>
-                      </a:r>
-                      <a:r>
-                        <a:rPr lang="en-US" sz="2400" dirty="0" smtClean="0"/>
-                        <a:t>C#</a:t>
-                      </a:r>
-                      <a:r>
-                        <a:rPr lang="en-US" sz="2400" baseline="0" dirty="0" smtClean="0"/>
-                        <a:t> features add productivity and conciseness</a:t>
-                      </a:r>
-                      <a:endParaRPr lang="en-US" sz="2400" dirty="0">
-                        <a:latin typeface="Segoe UI Light" panose="020B0502040204020203" pitchFamily="34" charset="0"/>
-                        <a:cs typeface="Segoe UI Light" panose="020B0502040204020203" pitchFamily="34" charset="0"/>
-                      </a:endParaRPr>
-                    </a:p>
-                  </a:txBody>
-                  <a:tcPr marL="91416" marR="91416" marT="45708" marB="45708" anchor="ctr"/>
-                </a:tc>
-                <a:extLst>
-                  <a:ext uri="{0D108BD9-81ED-4DB2-BD59-A6C34878D82A}">
-                    <a16:rowId xmlns:a16="http://schemas.microsoft.com/office/drawing/2014/main" xmlns="" val="3842815335"/>
-                  </a:ext>
-                </a:extLst>
-              </a:tr>
-              <a:tr h="767432">
-                <a:tc>
-                  <a:txBody>
-                    <a:bodyPr/>
-                    <a:lstStyle/>
-                    <a:p>
-                      <a:pPr marL="0" marR="0" indent="0" algn="l" defTabSz="913814" rtl="0" eaLnBrk="1" fontAlgn="auto" latinLnBrk="0" hangingPunct="1">
-                        <a:lnSpc>
-                          <a:spcPct val="100000"/>
-                        </a:lnSpc>
-                        <a:spcBef>
-                          <a:spcPts val="0"/>
-                        </a:spcBef>
-                        <a:spcAft>
-                          <a:spcPts val="0"/>
-                        </a:spcAft>
-                        <a:buClrTx/>
-                        <a:buSzTx/>
-                        <a:buFontTx/>
-                        <a:buNone/>
-                        <a:tabLst/>
-                        <a:defRPr/>
-                      </a:pPr>
-                      <a:r>
-                        <a:rPr lang="en-US" sz="2400" dirty="0" smtClean="0">
-                          <a:latin typeface="Segoe UI Light" panose="020B0502040204020203" pitchFamily="34" charset="0"/>
-                          <a:cs typeface="Segoe UI Light" panose="020B0502040204020203" pitchFamily="34" charset="0"/>
-                        </a:rPr>
-                        <a:t>02 | </a:t>
-                      </a:r>
-                      <a:r>
-                        <a:rPr lang="en-US" sz="2400" dirty="0" smtClean="0"/>
-                        <a:t>Data Transfer Object Enhancements</a:t>
-                      </a:r>
-                    </a:p>
-                  </a:txBody>
-                  <a:tcPr marL="91416" marR="91416" marT="45708" marB="45708" anchor="ctr"/>
-                </a:tc>
-                <a:extLst>
-                  <a:ext uri="{0D108BD9-81ED-4DB2-BD59-A6C34878D82A}">
-                    <a16:rowId xmlns:a16="http://schemas.microsoft.com/office/drawing/2014/main" xmlns="" val="321066646"/>
-                  </a:ext>
-                </a:extLst>
-              </a:tr>
-              <a:tr h="767432">
-                <a:tc>
-                  <a:txBody>
-                    <a:bodyPr/>
-                    <a:lstStyle/>
-                    <a:p>
-                      <a:pPr marL="0" marR="0" indent="0" algn="l" defTabSz="914088" rtl="0" eaLnBrk="1" fontAlgn="auto" latinLnBrk="0" hangingPunct="1">
-                        <a:lnSpc>
-                          <a:spcPct val="100000"/>
-                        </a:lnSpc>
-                        <a:spcBef>
-                          <a:spcPts val="0"/>
-                        </a:spcBef>
-                        <a:spcAft>
-                          <a:spcPts val="0"/>
-                        </a:spcAft>
-                        <a:buClrTx/>
-                        <a:buSzTx/>
-                        <a:buFontTx/>
-                        <a:buNone/>
-                        <a:tabLst/>
-                        <a:defRPr/>
-                      </a:pPr>
-                      <a:r>
-                        <a:rPr lang="en-US" sz="2400" dirty="0" smtClean="0">
-                          <a:latin typeface="Segoe UI Light" panose="020B0502040204020203" pitchFamily="34" charset="0"/>
-                          <a:cs typeface="Segoe UI Light" panose="020B0502040204020203" pitchFamily="34" charset="0"/>
-                        </a:rPr>
-                        <a:t>03</a:t>
-                      </a:r>
-                      <a:r>
-                        <a:rPr lang="en-US" sz="2400" baseline="0" dirty="0" smtClean="0">
-                          <a:latin typeface="Segoe UI Light" panose="020B0502040204020203" pitchFamily="34" charset="0"/>
-                          <a:cs typeface="Segoe UI Light" panose="020B0502040204020203" pitchFamily="34" charset="0"/>
-                        </a:rPr>
-                        <a:t> | </a:t>
-                      </a:r>
-                      <a:r>
-                        <a:rPr lang="en-US" sz="2400" dirty="0" smtClean="0"/>
-                        <a:t>Handling Strings</a:t>
-                      </a:r>
-                      <a:r>
-                        <a:rPr lang="en-US" sz="2400" baseline="0" dirty="0" smtClean="0"/>
-                        <a:t> More Easily</a:t>
-                      </a:r>
-                      <a:endParaRPr lang="en-US" sz="2400" dirty="0" smtClean="0">
-                        <a:latin typeface="Segoe UI Light" panose="020B0502040204020203" pitchFamily="34" charset="0"/>
-                        <a:cs typeface="Segoe UI Light" panose="020B0502040204020203" pitchFamily="34" charset="0"/>
-                      </a:endParaRPr>
-                    </a:p>
-                  </a:txBody>
-                  <a:tcPr marL="91416" marR="91416" marT="45708" marB="45708" anchor="ctr"/>
-                </a:tc>
-                <a:extLst>
-                  <a:ext uri="{0D108BD9-81ED-4DB2-BD59-A6C34878D82A}">
-                    <a16:rowId xmlns:a16="http://schemas.microsoft.com/office/drawing/2014/main" xmlns="" val="3812060533"/>
-                  </a:ext>
-                </a:extLst>
-              </a:tr>
-              <a:tr h="767432">
-                <a:tc>
-                  <a:txBody>
-                    <a:bodyPr/>
-                    <a:lstStyle/>
-                    <a:p>
-                      <a:r>
-                        <a:rPr lang="en-US" sz="2400" dirty="0" smtClean="0">
-                          <a:latin typeface="Segoe UI Light" panose="020B0502040204020203" pitchFamily="34" charset="0"/>
-                          <a:cs typeface="Segoe UI Light" panose="020B0502040204020203" pitchFamily="34" charset="0"/>
-                        </a:rPr>
-                        <a:t>04 | </a:t>
-                      </a:r>
-                      <a:r>
-                        <a:rPr lang="en-US" sz="2400" dirty="0" smtClean="0"/>
-                        <a:t>Exceptions</a:t>
-                      </a:r>
-                      <a:r>
-                        <a:rPr lang="en-US" sz="2400" baseline="0" dirty="0" smtClean="0"/>
-                        <a:t> and Error Handling Improvements</a:t>
-                      </a:r>
-                      <a:endParaRPr lang="en-US" sz="2400" dirty="0">
-                        <a:latin typeface="Segoe UI Light" panose="020B0502040204020203" pitchFamily="34" charset="0"/>
-                        <a:cs typeface="Segoe UI Light" panose="020B0502040204020203" pitchFamily="34" charset="0"/>
-                      </a:endParaRPr>
-                    </a:p>
-                  </a:txBody>
-                  <a:tcPr marL="91416" marR="91416" marT="45708" marB="45708" anchor="ctr"/>
-                </a:tc>
-                <a:extLst>
-                  <a:ext uri="{0D108BD9-81ED-4DB2-BD59-A6C34878D82A}">
-                    <a16:rowId xmlns:a16="http://schemas.microsoft.com/office/drawing/2014/main" xmlns="" val="733235577"/>
-                  </a:ext>
-                </a:extLst>
-              </a:tr>
-              <a:tr h="767432">
-                <a:tc>
-                  <a:txBody>
-                    <a:bodyPr/>
-                    <a:lstStyle/>
-                    <a:p>
-                      <a:r>
-                        <a:rPr lang="en-US" sz="2400" dirty="0" smtClean="0">
-                          <a:latin typeface="Segoe UI Light" panose="020B0502040204020203" pitchFamily="34" charset="0"/>
-                          <a:cs typeface="Segoe UI Light" panose="020B0502040204020203" pitchFamily="34" charset="0"/>
-                        </a:rPr>
-                        <a:t>05</a:t>
-                      </a:r>
-                      <a:r>
-                        <a:rPr lang="en-US" sz="2400" baseline="0" dirty="0" smtClean="0">
-                          <a:latin typeface="Segoe UI Light" panose="020B0502040204020203" pitchFamily="34" charset="0"/>
-                          <a:cs typeface="Segoe UI Light" panose="020B0502040204020203" pitchFamily="34" charset="0"/>
-                        </a:rPr>
-                        <a:t> | </a:t>
-                      </a:r>
-                      <a:r>
-                        <a:rPr lang="en-US" sz="2400" baseline="0" dirty="0" smtClean="0"/>
-                        <a:t>Adopting C# 6</a:t>
-                      </a:r>
-                      <a:endParaRPr lang="en-US" sz="2400" dirty="0">
-                        <a:latin typeface="Segoe UI Light" panose="020B0502040204020203" pitchFamily="34" charset="0"/>
-                        <a:cs typeface="Segoe UI Light" panose="020B0502040204020203" pitchFamily="34" charset="0"/>
-                      </a:endParaRPr>
-                    </a:p>
-                  </a:txBody>
-                  <a:tcPr marL="91416" marR="91416" marT="45708" marB="45708" anchor="ctr"/>
-                </a:tc>
-                <a:extLst>
-                  <a:ext uri="{0D108BD9-81ED-4DB2-BD59-A6C34878D82A}">
-                    <a16:rowId xmlns:a16="http://schemas.microsoft.com/office/drawing/2014/main" xmlns="" val="2343148695"/>
-                  </a:ext>
-                </a:extLst>
-              </a:tr>
-            </a:tbl>
-          </a:graphicData>
-        </a:graphic>
-      </p:graphicFrame>
-    </p:spTree>
-    <p:extLst>
-      <p:ext uri="{BB962C8B-B14F-4D97-AF65-F5344CB8AC3E}">
-        <p14:creationId xmlns:p14="http://schemas.microsoft.com/office/powerpoint/2010/main" val="2738260567"/>
-      </p:ext>
-    </p:extLst>
-  </p:cSld>
-  <p:clrMapOvr>
-    <a:masterClrMapping/>
-  </p:clrMapOvr>
-  <mc:AlternateContent xmlns:mc="http://schemas.openxmlformats.org/markup-compatibility/2006" xmlns:p14="http://schemas.microsoft.com/office/powerpoint/2010/main">
-    <mc:Choice Requires="p14">
-      <p:transition spd="slow" p14:dur="2000"/>
-    </mc:Choice>
-    <mc:Fallback xmlns="">
-      <p:transition spd="slow"/>
-    </mc:Fallback>
-  </mc:AlternateContent>
-  <p:timing>
-    <p:tnLst>
-      <p:par>
-        <p:cTn id="1" dur="indefinite" restart="never" nodeType="tmRoot"/>
-      </p:par>
-    </p:tnLst>
-  </p:timing>
-</p:sld>
-</file>
-
-<file path=ppt/slides/slide5.xml><?xml version="1.0" encoding="utf-8"?>
-<p:sld xmlns:a="http://schemas.openxmlformats.org/drawingml/2006/main" xmlns:r="http://schemas.openxmlformats.org/officeDocument/2006/relationships" xmlns:p="http://schemas.openxmlformats.org/presentationml/2006/main">
-  <p:cSld>
-    <p:spTree>
-      <p:nvGrpSpPr>
-        <p:cNvPr id="1" name=""/>
-        <p:cNvGrpSpPr/>
-        <p:nvPr/>
-      </p:nvGrpSpPr>
-      <p:grpSpPr>
-        <a:xfrm>
-          <a:off x="0" y="0"/>
-          <a:ext cx="0" cy="0"/>
-          <a:chOff x="0" y="0"/>
-          <a:chExt cx="0" cy="0"/>
-        </a:xfrm>
-      </p:grpSpPr>
-      <p:sp>
-        <p:nvSpPr>
-          <p:cNvPr id="5" name="Text Placeholder 4"/>
-          <p:cNvSpPr>
-            <a:spLocks noGrp="1"/>
-          </p:cNvSpPr>
-          <p:nvPr>
-            <p:ph type="body" sz="quarter" idx="10"/>
-          </p:nvPr>
-        </p:nvSpPr>
-        <p:spPr>
-          <a:solidFill>
-            <a:srgbClr val="007233"/>
-          </a:solidFill>
-          <a:ln>
-            <a:noFill/>
-          </a:ln>
-        </p:spPr>
-        <p:txBody>
-          <a:bodyPr>
-            <a:normAutofit/>
-          </a:bodyPr>
-          <a:lstStyle/>
-          <a:p>
-            <a:pPr marL="914126" indent="-914126"/>
-            <a:r>
-              <a:rPr lang="en-US" sz="2800" dirty="0" smtClean="0"/>
-              <a:t>05 </a:t>
-            </a:r>
-            <a:r>
-              <a:rPr lang="en-US" sz="2800" dirty="0"/>
-              <a:t>| Adoption Strategies</a:t>
-            </a:r>
-          </a:p>
-        </p:txBody>
-      </p:sp>
-      <p:sp>
-        <p:nvSpPr>
-          <p:cNvPr id="4" name="Subtitle 3"/>
-          <p:cNvSpPr>
-            <a:spLocks noGrp="1"/>
-          </p:cNvSpPr>
-          <p:nvPr>
-            <p:ph type="subTitle" idx="1"/>
-          </p:nvPr>
-        </p:nvSpPr>
-        <p:spPr/>
-        <p:txBody>
-          <a:bodyPr/>
-          <a:lstStyle/>
-          <a:p>
-            <a:r>
-              <a:rPr lang="en-US" dirty="0"/>
-              <a:t>Bill Wagner | Author, Consultant</a:t>
-            </a:r>
-          </a:p>
-          <a:p>
-            <a:r>
-              <a:rPr lang="en-US" dirty="0"/>
-              <a:t>Anthony D. Green | Managed Languages Program Manager</a:t>
-            </a:r>
-          </a:p>
-        </p:txBody>
-      </p:sp>
-    </p:spTree>
-    <p:extLst>
-      <p:ext uri="{BB962C8B-B14F-4D97-AF65-F5344CB8AC3E}">
-        <p14:creationId xmlns:p14="http://schemas.microsoft.com/office/powerpoint/2010/main" val="320262887"/>
-      </p:ext>
-    </p:extLst>
-  </p:cSld>
-  <p:clrMapOvr>
-    <a:masterClrMapping/>
-  </p:clrMapOvr>
-  <p:timing>
-    <p:tnLst>
-      <p:par>
-        <p:cTn id="1" dur="indefinite" restart="never" nodeType="tmRoot"/>
-      </p:par>
-    </p:tnLst>
-  </p:timing>
-</p:sld>
-</file>
-
-<file path=ppt/slides/slide6.xml><?xml version="1.0" encoding="utf-8"?>
-<p:sld xmlns:a="http://schemas.openxmlformats.org/drawingml/2006/main" xmlns:r="http://schemas.openxmlformats.org/officeDocument/2006/relationships" xmlns:p="http://schemas.openxmlformats.org/presentationml/2006/main">
-  <p:cSld>
-    <p:spTree>
-      <p:nvGrpSpPr>
-        <p:cNvPr id="1" name=""/>
-        <p:cNvGrpSpPr/>
-        <p:nvPr/>
-      </p:nvGrpSpPr>
-      <p:grpSpPr>
-        <a:xfrm>
-          <a:off x="0" y="0"/>
-          <a:ext cx="0" cy="0"/>
-          <a:chOff x="0" y="0"/>
-          <a:chExt cx="0" cy="0"/>
-        </a:xfrm>
-      </p:grpSpPr>
-      <p:sp>
-        <p:nvSpPr>
-          <p:cNvPr id="7" name="Title 6"/>
-          <p:cNvSpPr>
-            <a:spLocks noGrp="1"/>
-          </p:cNvSpPr>
-          <p:nvPr>
-            <p:ph type="title"/>
-          </p:nvPr>
-        </p:nvSpPr>
-        <p:spPr/>
-        <p:txBody>
-          <a:bodyPr/>
-          <a:lstStyle/>
-          <a:p>
-            <a:r>
-              <a:rPr lang="en-US" dirty="0" smtClean="0"/>
-              <a:t>Adoption Strategies</a:t>
-            </a:r>
-            <a:endParaRPr lang="en-US" dirty="0"/>
-          </a:p>
-        </p:txBody>
-      </p:sp>
-      <p:sp>
-        <p:nvSpPr>
-          <p:cNvPr id="8" name="Text Placeholder 7"/>
-          <p:cNvSpPr>
-            <a:spLocks noGrp="1"/>
-          </p:cNvSpPr>
-          <p:nvPr>
-            <p:ph sz="quarter" idx="10"/>
-          </p:nvPr>
-        </p:nvSpPr>
-        <p:spPr>
-          <a:xfrm>
-            <a:off x="327503" y="2031324"/>
-            <a:ext cx="11533187" cy="5159375"/>
-          </a:xfrm>
-        </p:spPr>
-        <p:txBody>
-          <a:bodyPr/>
-          <a:lstStyle/>
-          <a:p>
-            <a:r>
-              <a:rPr lang="en-US" sz="2800" dirty="0" smtClean="0"/>
-              <a:t>Key | Your existing code won’t break</a:t>
-            </a:r>
-            <a:endParaRPr lang="en-US" sz="2800" dirty="0"/>
-          </a:p>
-          <a:p>
-            <a:r>
-              <a:rPr lang="en-US" sz="2800" dirty="0" smtClean="0"/>
-              <a:t>Key | No reason to bulk replace</a:t>
-            </a:r>
-          </a:p>
-          <a:p>
-            <a:r>
-              <a:rPr lang="en-US" sz="2800" dirty="0" smtClean="0"/>
-              <a:t>Key | Improve Readability with Adoption as you add features</a:t>
-            </a:r>
-          </a:p>
-          <a:p>
-            <a:r>
-              <a:rPr lang="en-US" sz="2800" dirty="0" smtClean="0"/>
-              <a:t>Key | Diagnostics and </a:t>
-            </a:r>
-            <a:r>
-              <a:rPr lang="en-US" sz="2800" dirty="0" err="1" smtClean="0"/>
-              <a:t>CodeFixes</a:t>
-            </a:r>
-            <a:r>
-              <a:rPr lang="en-US" sz="2800" dirty="0" smtClean="0"/>
-              <a:t> can automate the process</a:t>
-            </a:r>
-          </a:p>
-        </p:txBody>
-      </p:sp>
-    </p:spTree>
-    <p:extLst>
-      <p:ext uri="{BB962C8B-B14F-4D97-AF65-F5344CB8AC3E}">
-        <p14:creationId xmlns:p14="http://schemas.microsoft.com/office/powerpoint/2010/main" val="3853447311"/>
-      </p:ext>
-    </p:extLst>
-  </p:cSld>
-  <p:clrMapOvr>
-    <a:masterClrMapping/>
-  </p:clrMapOvr>
-  <p:transition>
-    <p:fade/>
-  </p:transition>
-  <p:timing>
-    <p:tnLst>
-      <p:par>
-        <p:cTn id="1" dur="indefinite" restart="never" nodeType="tmRoot">
-          <p:childTnLst>
-            <p:seq concurrent="1" nextAc="seek">
-              <p:cTn id="2" dur="indefinite" nodeType="mainSeq">
-                <p:childTnLst>
-                  <p:par>
-                    <p:cTn id="3" fill="hold">
-                      <p:stCondLst>
-                        <p:cond delay="indefinite"/>
-                      </p:stCondLst>
-                      <p:childTnLst>
-                        <p:par>
-                          <p:cTn id="4" fill="hold">
-                            <p:stCondLst>
-                              <p:cond delay="0"/>
-                            </p:stCondLst>
-                            <p:childTnLst>
-                              <p:par>
-                                <p:cTn id="5" presetID="10" presetClass="entr" presetSubtype="0" fill="hold" grpId="0" nodeType="clickEffect">
-                                  <p:stCondLst>
-                                    <p:cond delay="0"/>
-                                  </p:stCondLst>
-                                  <p:childTnLst>
-                                    <p:set>
-                                      <p:cBhvr>
-                                        <p:cTn id="6" dur="1" fill="hold">
-                                          <p:stCondLst>
-                                            <p:cond delay="0"/>
-                                          </p:stCondLst>
-                                        </p:cTn>
-                                        <p:tgtEl>
-                                          <p:spTgt spid="8">
-                                            <p:txEl>
-                                              <p:pRg st="0" end="0"/>
-                                            </p:txEl>
-                                          </p:spTgt>
-                                        </p:tgtEl>
-                                        <p:attrNameLst>
-                                          <p:attrName>style.visibility</p:attrName>
-                                        </p:attrNameLst>
-                                      </p:cBhvr>
-                                      <p:to>
-                                        <p:strVal val="visible"/>
-                                      </p:to>
-                                    </p:set>
-                                    <p:animEffect transition="in" filter="fade">
-                                      <p:cBhvr>
-                                        <p:cTn id="7" dur="500"/>
-                                        <p:tgtEl>
-                                          <p:spTgt spid="8">
-                                            <p:txEl>
-                                              <p:pRg st="0" end="0"/>
-                                            </p:txEl>
-                                          </p:spTgt>
-                                        </p:tgtEl>
-                                      </p:cBhvr>
-                                    </p:animEffect>
-                                  </p:childTnLst>
-                                </p:cTn>
-                              </p:par>
-                            </p:childTnLst>
-                          </p:cTn>
-                        </p:par>
-                      </p:childTnLst>
-                    </p:cTn>
-                  </p:par>
-                  <p:par>
-                    <p:cTn id="8" fill="hold">
-                      <p:stCondLst>
-                        <p:cond delay="indefinite"/>
-                      </p:stCondLst>
-                      <p:childTnLst>
-                        <p:par>
-                          <p:cTn id="9" fill="hold">
-                            <p:stCondLst>
-                              <p:cond delay="0"/>
-                            </p:stCondLst>
-                            <p:childTnLst>
-                              <p:par>
-                                <p:cTn id="10" presetID="10" presetClass="entr" presetSubtype="0" fill="hold" grpId="0" nodeType="clickEffect">
-                                  <p:stCondLst>
-                                    <p:cond delay="0"/>
-                                  </p:stCondLst>
-                                  <p:childTnLst>
-                                    <p:set>
-                                      <p:cBhvr>
-                                        <p:cTn id="11" dur="1" fill="hold">
-                                          <p:stCondLst>
-                                            <p:cond delay="0"/>
-                                          </p:stCondLst>
-                                        </p:cTn>
-                                        <p:tgtEl>
-                                          <p:spTgt spid="8">
-                                            <p:txEl>
-                                              <p:pRg st="1" end="1"/>
-                                            </p:txEl>
-                                          </p:spTgt>
-                                        </p:tgtEl>
-                                        <p:attrNameLst>
-                                          <p:attrName>style.visibility</p:attrName>
-                                        </p:attrNameLst>
-                                      </p:cBhvr>
-                                      <p:to>
-                                        <p:strVal val="visible"/>
-                                      </p:to>
-                                    </p:set>
-                                    <p:animEffect transition="in" filter="fade">
-                                      <p:cBhvr>
-                                        <p:cTn id="12" dur="500"/>
-                                        <p:tgtEl>
-                                          <p:spTgt spid="8">
-                                            <p:txEl>
-                                              <p:pRg st="1" end="1"/>
-                                            </p:txEl>
-                                          </p:spTgt>
-                                        </p:tgtEl>
-                                      </p:cBhvr>
-                                    </p:animEffect>
-                                  </p:childTnLst>
-                                </p:cTn>
-                              </p:par>
-                            </p:childTnLst>
-                          </p:cTn>
-                        </p:par>
-                      </p:childTnLst>
-                    </p:cTn>
-                  </p:par>
-                  <p:par>
-                    <p:cTn id="13" fill="hold">
-                      <p:stCondLst>
-                        <p:cond delay="indefinite"/>
-                      </p:stCondLst>
-                      <p:childTnLst>
-                        <p:par>
-                          <p:cTn id="14" fill="hold">
-                            <p:stCondLst>
-                              <p:cond delay="0"/>
-                            </p:stCondLst>
-                            <p:childTnLst>
-                              <p:par>
-                                <p:cTn id="15" presetID="10" presetClass="entr" presetSubtype="0" fill="hold" grpId="0" nodeType="clickEffect">
-                                  <p:stCondLst>
-                                    <p:cond delay="0"/>
-                                  </p:stCondLst>
-                                  <p:childTnLst>
-                                    <p:set>
-                                      <p:cBhvr>
-                                        <p:cTn id="16" dur="1" fill="hold">
-                                          <p:stCondLst>
-                                            <p:cond delay="0"/>
-                                          </p:stCondLst>
-                                        </p:cTn>
-                                        <p:tgtEl>
-                                          <p:spTgt spid="8">
-                                            <p:txEl>
-                                              <p:pRg st="2" end="2"/>
-                                            </p:txEl>
-                                          </p:spTgt>
-                                        </p:tgtEl>
-                                        <p:attrNameLst>
-                                          <p:attrName>style.visibility</p:attrName>
-                                        </p:attrNameLst>
-                                      </p:cBhvr>
-                                      <p:to>
-                                        <p:strVal val="visible"/>
-                                      </p:to>
-                                    </p:set>
-                                    <p:animEffect transition="in" filter="fade">
-                                      <p:cBhvr>
-                                        <p:cTn id="17" dur="500"/>
-                                        <p:tgtEl>
-                                          <p:spTgt spid="8">
-                                            <p:txEl>
-                                              <p:pRg st="2" end="2"/>
-                                            </p:txEl>
-                                          </p:spTgt>
-                                        </p:tgtEl>
-                                      </p:cBhvr>
-                                    </p:animEffect>
-                                  </p:childTnLst>
-                                </p:cTn>
-                              </p:par>
-                            </p:childTnLst>
-                          </p:cTn>
-                        </p:par>
-                      </p:childTnLst>
-                    </p:cTn>
-                  </p:par>
-                  <p:par>
-                    <p:cTn id="18" fill="hold">
-                      <p:stCondLst>
-                        <p:cond delay="indefinite"/>
-                      </p:stCondLst>
-                      <p:childTnLst>
-                        <p:par>
-                          <p:cTn id="19" fill="hold">
-                            <p:stCondLst>
-                              <p:cond delay="0"/>
-                            </p:stCondLst>
-                            <p:childTnLst>
-                              <p:par>
-                                <p:cTn id="20" presetID="10" presetClass="entr" presetSubtype="0" fill="hold" grpId="0" nodeType="clickEffect">
-                                  <p:stCondLst>
-                                    <p:cond delay="0"/>
-                                  </p:stCondLst>
-                                  <p:childTnLst>
-                                    <p:set>
-                                      <p:cBhvr>
-                                        <p:cTn id="21" dur="1" fill="hold">
-                                          <p:stCondLst>
-                                            <p:cond delay="0"/>
-                                          </p:stCondLst>
-                                        </p:cTn>
-                                        <p:tgtEl>
-                                          <p:spTgt spid="8">
-                                            <p:txEl>
-                                              <p:pRg st="3" end="3"/>
-                                            </p:txEl>
-                                          </p:spTgt>
-                                        </p:tgtEl>
-                                        <p:attrNameLst>
-                                          <p:attrName>style.visibility</p:attrName>
-                                        </p:attrNameLst>
-                                      </p:cBhvr>
-                                      <p:to>
-                                        <p:strVal val="visible"/>
-                                      </p:to>
-                                    </p:set>
-                                    <p:animEffect transition="in" filter="fade">
-                                      <p:cBhvr>
-                                        <p:cTn id="22" dur="500"/>
-                                        <p:tgtEl>
-                                          <p:spTgt spid="8">
-                                            <p:txEl>
-                                              <p:pRg st="3" end="3"/>
-                                            </p:txEl>
-                                          </p:spTgt>
-                                        </p:tgtEl>
-                                      </p:cBhvr>
-                                    </p:animEffect>
-                                  </p:childTnLst>
-                                </p:cTn>
-                              </p:par>
-                            </p:childTnLst>
-                          </p:cTn>
-                        </p:par>
-                      </p:childTnLst>
-                    </p:cTn>
-                  </p:par>
-                </p:childTnLst>
-              </p:cTn>
-              <p:prevCondLst>
-                <p:cond evt="onPrev" delay="0">
-                  <p:tgtEl>
-                    <p:sldTgt/>
-                  </p:tgtEl>
-                </p:cond>
-              </p:prevCondLst>
-              <p:nextCondLst>
-                <p:cond evt="onNext" delay="0">
-                  <p:tgtEl>
-                    <p:sldTgt/>
-                  </p:tgtEl>
-                </p:cond>
-              </p:nextCondLst>
-            </p:seq>
-          </p:childTnLst>
-        </p:cTn>
-      </p:par>
-    </p:tnLst>
-    <p:bldLst>
-      <p:bldP spid="8" grpId="0" uiExpand="1" build="p"/>
-    </p:bldLst>
-  </p:timing>
-</p:sld>
-</file>
-
-<file path=ppt/slides/slide7.xml><?xml version="1.0" encoding="utf-8"?>
-<p:sld xmlns:a="http://schemas.openxmlformats.org/drawingml/2006/main" xmlns:r="http://schemas.openxmlformats.org/officeDocument/2006/relationships" xmlns:p="http://schemas.openxmlformats.org/presentationml/2006/main">
-  <p:cSld>
-    <p:spTree>
-      <p:nvGrpSpPr>
-        <p:cNvPr id="1" name=""/>
-        <p:cNvGrpSpPr/>
-        <p:nvPr/>
-      </p:nvGrpSpPr>
-      <p:grpSpPr>
-        <a:xfrm>
-          <a:off x="0" y="0"/>
-          <a:ext cx="0" cy="0"/>
-          <a:chOff x="0" y="0"/>
-          <a:chExt cx="0" cy="0"/>
-        </a:xfrm>
-      </p:grpSpPr>
-      <p:sp>
-        <p:nvSpPr>
-          <p:cNvPr id="5" name="Title 4"/>
-          <p:cNvSpPr>
-            <a:spLocks noGrp="1"/>
-          </p:cNvSpPr>
-          <p:nvPr>
-            <p:ph type="title"/>
-          </p:nvPr>
-        </p:nvSpPr>
-        <p:spPr/>
-        <p:txBody>
-          <a:bodyPr/>
-          <a:lstStyle/>
-          <a:p>
-            <a:r>
-              <a:rPr lang="en-US" dirty="0" smtClean="0"/>
-              <a:t>Thoughtful Adoption</a:t>
-            </a:r>
-            <a:endParaRPr lang="en-US" dirty="0"/>
-          </a:p>
-        </p:txBody>
-      </p:sp>
-      <p:sp>
-        <p:nvSpPr>
-          <p:cNvPr id="6" name="Text Placeholder 7"/>
-          <p:cNvSpPr>
-            <a:spLocks noGrp="1"/>
-          </p:cNvSpPr>
-          <p:nvPr>
-            <p:ph sz="quarter" idx="10"/>
-          </p:nvPr>
-        </p:nvSpPr>
-        <p:spPr>
-          <a:xfrm>
-            <a:off x="327503" y="2031324"/>
-            <a:ext cx="11533187" cy="5159375"/>
-          </a:xfrm>
-        </p:spPr>
-        <p:txBody>
-          <a:bodyPr/>
-          <a:lstStyle/>
-          <a:p>
-            <a:r>
-              <a:rPr lang="en-US" sz="2800" dirty="0" smtClean="0"/>
-              <a:t>Any New Code Leverages the features that we’ve discussed</a:t>
-            </a:r>
-          </a:p>
-          <a:p>
-            <a:r>
-              <a:rPr lang="en-US" sz="2800" dirty="0" smtClean="0"/>
-              <a:t>Look for Diagnostics and Code Fixes</a:t>
-            </a:r>
-          </a:p>
-          <a:p>
-            <a:r>
-              <a:rPr lang="en-US" sz="2800" dirty="0" smtClean="0"/>
-              <a:t>Automate the process</a:t>
-            </a:r>
-          </a:p>
-          <a:p>
-            <a:r>
-              <a:rPr lang="en-US" sz="2800" dirty="0" smtClean="0"/>
-              <a:t>Only update when modifying the class</a:t>
-            </a:r>
-          </a:p>
-        </p:txBody>
-      </p:sp>
-    </p:spTree>
-    <p:extLst>
-      <p:ext uri="{BB962C8B-B14F-4D97-AF65-F5344CB8AC3E}">
-        <p14:creationId xmlns:p14="http://schemas.microsoft.com/office/powerpoint/2010/main" val="326740596"/>
-      </p:ext>
-    </p:extLst>
-  </p:cSld>
-  <p:clrMapOvr>
-    <a:masterClrMapping/>
-  </p:clrMapOvr>
-  <p:transition>
-    <p:fade/>
-  </p:transition>
-  <p:timing>
-    <p:tnLst>
-      <p:par>
-        <p:cTn id="1" dur="indefinite" restart="never" nodeType="tmRoot">
-          <p:childTnLst>
-            <p:seq concurrent="1" nextAc="seek">
-              <p:cTn id="2" dur="indefinite" nodeType="mainSeq">
-                <p:childTnLst>
-                  <p:par>
-                    <p:cTn id="3" fill="hold">
-                      <p:stCondLst>
-                        <p:cond delay="indefinite"/>
-                      </p:stCondLst>
-                      <p:childTnLst>
-                        <p:par>
-                          <p:cTn id="4" fill="hold">
-                            <p:stCondLst>
-                              <p:cond delay="0"/>
-                            </p:stCondLst>
-                            <p:childTnLst>
-                              <p:par>
-                                <p:cTn id="5" presetID="10" presetClass="entr" presetSubtype="0" fill="hold" grpId="0" nodeType="clickEffect">
-                                  <p:stCondLst>
-                                    <p:cond delay="0"/>
-                                  </p:stCondLst>
-                                  <p:childTnLst>
-                                    <p:set>
-                                      <p:cBhvr>
-                                        <p:cTn id="6" dur="1" fill="hold">
-                                          <p:stCondLst>
-                                            <p:cond delay="0"/>
-                                          </p:stCondLst>
-                                        </p:cTn>
-                                        <p:tgtEl>
-                                          <p:spTgt spid="6">
-                                            <p:txEl>
-                                              <p:pRg st="0" end="0"/>
-                                            </p:txEl>
-                                          </p:spTgt>
-                                        </p:tgtEl>
-                                        <p:attrNameLst>
-                                          <p:attrName>style.visibility</p:attrName>
-                                        </p:attrNameLst>
-                                      </p:cBhvr>
-                                      <p:to>
-                                        <p:strVal val="visible"/>
-                                      </p:to>
-                                    </p:set>
-                                    <p:animEffect transition="in" filter="fade">
-                                      <p:cBhvr>
-                                        <p:cTn id="7" dur="500"/>
-                                        <p:tgtEl>
-                                          <p:spTgt spid="6">
-                                            <p:txEl>
-                                              <p:pRg st="0" end="0"/>
-                                            </p:txEl>
-                                          </p:spTgt>
-                                        </p:tgtEl>
-                                      </p:cBhvr>
-                                    </p:animEffect>
-                                  </p:childTnLst>
-                                </p:cTn>
-                              </p:par>
-                            </p:childTnLst>
-                          </p:cTn>
-                        </p:par>
-                      </p:childTnLst>
-                    </p:cTn>
-                  </p:par>
-                  <p:par>
-                    <p:cTn id="8" fill="hold">
-                      <p:stCondLst>
-                        <p:cond delay="indefinite"/>
-                      </p:stCondLst>
-                      <p:childTnLst>
-                        <p:par>
-                          <p:cTn id="9" fill="hold">
-                            <p:stCondLst>
-                              <p:cond delay="0"/>
-                            </p:stCondLst>
-                            <p:childTnLst>
-                              <p:par>
-                                <p:cTn id="10" presetID="10" presetClass="entr" presetSubtype="0" fill="hold" grpId="0" nodeType="clickEffect">
-                                  <p:stCondLst>
-                                    <p:cond delay="0"/>
-                                  </p:stCondLst>
-                                  <p:childTnLst>
-                                    <p:set>
-                                      <p:cBhvr>
-                                        <p:cTn id="11" dur="1" fill="hold">
-                                          <p:stCondLst>
-                                            <p:cond delay="0"/>
-                                          </p:stCondLst>
-                                        </p:cTn>
-                                        <p:tgtEl>
-                                          <p:spTgt spid="6">
-                                            <p:txEl>
-                                              <p:pRg st="1" end="1"/>
-                                            </p:txEl>
-                                          </p:spTgt>
-                                        </p:tgtEl>
-                                        <p:attrNameLst>
-                                          <p:attrName>style.visibility</p:attrName>
-                                        </p:attrNameLst>
-                                      </p:cBhvr>
-                                      <p:to>
-                                        <p:strVal val="visible"/>
-                                      </p:to>
-                                    </p:set>
-                                    <p:animEffect transition="in" filter="fade">
-                                      <p:cBhvr>
-                                        <p:cTn id="12" dur="500"/>
-                                        <p:tgtEl>
-                                          <p:spTgt spid="6">
-                                            <p:txEl>
-                                              <p:pRg st="1" end="1"/>
-                                            </p:txEl>
-                                          </p:spTgt>
-                                        </p:tgtEl>
-                                      </p:cBhvr>
-                                    </p:animEffect>
-                                  </p:childTnLst>
-                                </p:cTn>
-                              </p:par>
-                            </p:childTnLst>
-                          </p:cTn>
-                        </p:par>
-                      </p:childTnLst>
-                    </p:cTn>
-                  </p:par>
-                  <p:par>
-                    <p:cTn id="13" fill="hold">
-                      <p:stCondLst>
-                        <p:cond delay="indefinite"/>
-                      </p:stCondLst>
-                      <p:childTnLst>
-                        <p:par>
-                          <p:cTn id="14" fill="hold">
-                            <p:stCondLst>
-                              <p:cond delay="0"/>
-                            </p:stCondLst>
-                            <p:childTnLst>
-                              <p:par>
-                                <p:cTn id="15" presetID="10" presetClass="entr" presetSubtype="0" fill="hold" grpId="0" nodeType="clickEffect">
-                                  <p:stCondLst>
-                                    <p:cond delay="0"/>
-                                  </p:stCondLst>
-                                  <p:childTnLst>
-                                    <p:set>
-                                      <p:cBhvr>
-                                        <p:cTn id="16" dur="1" fill="hold">
-                                          <p:stCondLst>
-                                            <p:cond delay="0"/>
-                                          </p:stCondLst>
-                                        </p:cTn>
-                                        <p:tgtEl>
-                                          <p:spTgt spid="6">
-                                            <p:txEl>
-                                              <p:pRg st="2" end="2"/>
-                                            </p:txEl>
-                                          </p:spTgt>
-                                        </p:tgtEl>
-                                        <p:attrNameLst>
-                                          <p:attrName>style.visibility</p:attrName>
-                                        </p:attrNameLst>
-                                      </p:cBhvr>
-                                      <p:to>
-                                        <p:strVal val="visible"/>
-                                      </p:to>
-                                    </p:set>
-                                    <p:animEffect transition="in" filter="fade">
-                                      <p:cBhvr>
-                                        <p:cTn id="17" dur="500"/>
-                                        <p:tgtEl>
-                                          <p:spTgt spid="6">
-                                            <p:txEl>
-                                              <p:pRg st="2" end="2"/>
-                                            </p:txEl>
-                                          </p:spTgt>
-                                        </p:tgtEl>
-                                      </p:cBhvr>
-                                    </p:animEffect>
-                                  </p:childTnLst>
-                                </p:cTn>
-                              </p:par>
-                            </p:childTnLst>
-                          </p:cTn>
-                        </p:par>
-                      </p:childTnLst>
-                    </p:cTn>
-                  </p:par>
-                  <p:par>
-                    <p:cTn id="18" fill="hold">
-                      <p:stCondLst>
-                        <p:cond delay="indefinite"/>
-                      </p:stCondLst>
-                      <p:childTnLst>
-                        <p:par>
-                          <p:cTn id="19" fill="hold">
-                            <p:stCondLst>
-                              <p:cond delay="0"/>
-                            </p:stCondLst>
-                            <p:childTnLst>
-                              <p:par>
-                                <p:cTn id="20" presetID="10" presetClass="entr" presetSubtype="0" fill="hold" grpId="0" nodeType="clickEffect">
-                                  <p:stCondLst>
-                                    <p:cond delay="0"/>
-                                  </p:stCondLst>
-                                  <p:childTnLst>
-                                    <p:set>
-                                      <p:cBhvr>
-                                        <p:cTn id="21" dur="1" fill="hold">
-                                          <p:stCondLst>
-                                            <p:cond delay="0"/>
-                                          </p:stCondLst>
-                                        </p:cTn>
-                                        <p:tgtEl>
-                                          <p:spTgt spid="6">
-                                            <p:txEl>
-                                              <p:pRg st="3" end="3"/>
-                                            </p:txEl>
-                                          </p:spTgt>
-                                        </p:tgtEl>
-                                        <p:attrNameLst>
-                                          <p:attrName>style.visibility</p:attrName>
-                                        </p:attrNameLst>
-                                      </p:cBhvr>
-                                      <p:to>
-                                        <p:strVal val="visible"/>
-                                      </p:to>
-                                    </p:set>
-                                    <p:animEffect transition="in" filter="fade">
-                                      <p:cBhvr>
-                                        <p:cTn id="22" dur="500"/>
-                                        <p:tgtEl>
-                                          <p:spTgt spid="6">
-                                            <p:txEl>
-                                              <p:pRg st="3" end="3"/>
-                                            </p:txEl>
-                                          </p:spTgt>
-                                        </p:tgtEl>
-                                      </p:cBhvr>
-                                    </p:animEffect>
-                                  </p:childTnLst>
-                                </p:cTn>
-                              </p:par>
-                            </p:childTnLst>
-                          </p:cTn>
-                        </p:par>
-                      </p:childTnLst>
-                    </p:cTn>
-                  </p:par>
-                </p:childTnLst>
-              </p:cTn>
-              <p:prevCondLst>
-                <p:cond evt="onPrev" delay="0">
-                  <p:tgtEl>
-                    <p:sldTgt/>
-                  </p:tgtEl>
-                </p:cond>
-              </p:prevCondLst>
-              <p:nextCondLst>
-                <p:cond evt="onNext" delay="0">
-                  <p:tgtEl>
-                    <p:sldTgt/>
-                  </p:tgtEl>
-                </p:cond>
-              </p:nextCondLst>
-            </p:seq>
-          </p:childTnLst>
-        </p:cTn>
-      </p:par>
-    </p:tnLst>
-    <p:bldLst>
-      <p:bldP spid="6" grpId="0" build="p"/>
-    </p:bldLst>
-  </p:timing>
-</p:sld>
-</file>
-
-<file path=ppt/slides/slide8.xml><?xml version="1.0" encoding="utf-8"?>
-<p:sld xmlns:a="http://schemas.openxmlformats.org/drawingml/2006/main" xmlns:r="http://schemas.openxmlformats.org/officeDocument/2006/relationships" xmlns:p="http://schemas.openxmlformats.org/presentationml/2006/main">
-  <p:cSld>
-    <p:spTree>
-      <p:nvGrpSpPr>
-        <p:cNvPr id="1" name=""/>
-        <p:cNvGrpSpPr/>
-        <p:nvPr/>
-      </p:nvGrpSpPr>
-      <p:grpSpPr>
-        <a:xfrm>
-          <a:off x="0" y="0"/>
-          <a:ext cx="0" cy="0"/>
-          <a:chOff x="0" y="0"/>
-          <a:chExt cx="0" cy="0"/>
-        </a:xfrm>
-      </p:grpSpPr>
-      <p:sp>
-        <p:nvSpPr>
-          <p:cNvPr id="4" name="Subtitle 3"/>
-          <p:cNvSpPr>
-            <a:spLocks noGrp="1"/>
-          </p:cNvSpPr>
-          <p:nvPr>
-            <p:ph type="subTitle" idx="1"/>
-          </p:nvPr>
-        </p:nvSpPr>
-        <p:spPr/>
-        <p:txBody>
-          <a:bodyPr/>
-          <a:lstStyle/>
-          <a:p>
-            <a:r>
-              <a:rPr lang="en-US" b="0"/>
-              <a:t>https</a:t>
-            </a:r>
-            <a:r>
-              <a:rPr lang="en-US" b="0"/>
-              <a:t>://</a:t>
-            </a:r>
-            <a:r>
-              <a:rPr lang="en-US" b="0" smtClean="0"/>
-              <a:t>github.com/BillWagner/MVA-CSharp6</a:t>
-            </a:r>
-          </a:p>
-          <a:p>
-            <a:r>
-              <a:rPr lang="en-US" dirty="0" smtClean="0"/>
-              <a:t>Expression </a:t>
-            </a:r>
-            <a:r>
-              <a:rPr lang="en-US" dirty="0" smtClean="0"/>
-              <a:t>Bodied Members, Static </a:t>
-            </a:r>
-            <a:r>
-              <a:rPr lang="en-US" dirty="0" err="1" smtClean="0"/>
-              <a:t>Usings</a:t>
-            </a:r>
-            <a:r>
-              <a:rPr lang="en-US" dirty="0" smtClean="0"/>
-              <a:t>, and Elvis</a:t>
-            </a:r>
-            <a:endParaRPr lang="en-US" dirty="0"/>
-          </a:p>
-        </p:txBody>
-      </p:sp>
-      <p:sp>
-        <p:nvSpPr>
-          <p:cNvPr id="2" name="Text Placeholder 1"/>
-          <p:cNvSpPr>
-            <a:spLocks noGrp="1"/>
-          </p:cNvSpPr>
-          <p:nvPr>
-            <p:ph type="body" sz="quarter" idx="10"/>
-          </p:nvPr>
-        </p:nvSpPr>
-        <p:spPr/>
-        <p:txBody>
-          <a:bodyPr/>
-          <a:lstStyle/>
-          <a:p>
-            <a:r>
-              <a:rPr lang="en-US" smtClean="0"/>
-              <a:t>demo</a:t>
-            </a:r>
-            <a:endParaRPr lang="en-US" dirty="0"/>
-          </a:p>
-        </p:txBody>
-      </p:sp>
-    </p:spTree>
-    <p:extLst>
-      <p:ext uri="{BB962C8B-B14F-4D97-AF65-F5344CB8AC3E}">
-        <p14:creationId xmlns:p14="http://schemas.microsoft.com/office/powerpoint/2010/main" val="3993867577"/>
-      </p:ext>
-    </p:extLst>
-  </p:cSld>
-  <p:clrMapOvr>
-    <a:masterClrMapping/>
-  </p:clrMapOvr>
-  <p:transition>
-    <p:fade/>
-  </p:transition>
-  <p:timing>
-    <p:tnLst>
-      <p:par>
-        <p:cTn id="1" dur="indefinite" restart="never" nodeType="tmRoot"/>
-      </p:par>
-    </p:tnLst>
-  </p:timing>
-</p:sld>
-</file>
-
-<file path=ppt/slides/slide9.xml><?xml version="1.0" encoding="utf-8"?>
-<p:sld xmlns:a="http://schemas.openxmlformats.org/drawingml/2006/main" xmlns:r="http://schemas.openxmlformats.org/officeDocument/2006/relationships" xmlns:p="http://schemas.openxmlformats.org/presentationml/2006/main">
-  <p:cSld>
-    <p:spTree>
-      <p:nvGrpSpPr>
-        <p:cNvPr id="1" name=""/>
-        <p:cNvGrpSpPr/>
-        <p:nvPr/>
-      </p:nvGrpSpPr>
-      <p:grpSpPr>
-        <a:xfrm>
-          <a:off x="0" y="0"/>
-          <a:ext cx="0" cy="0"/>
-          <a:chOff x="0" y="0"/>
-          <a:chExt cx="0" cy="0"/>
-        </a:xfrm>
-      </p:grpSpPr>
-      <p:sp>
-        <p:nvSpPr>
-          <p:cNvPr id="5" name="Title 4"/>
-          <p:cNvSpPr>
-            <a:spLocks noGrp="1"/>
-          </p:cNvSpPr>
-          <p:nvPr>
-            <p:ph type="title"/>
-          </p:nvPr>
-        </p:nvSpPr>
-        <p:spPr/>
-        <p:txBody>
-          <a:bodyPr/>
-          <a:lstStyle/>
-          <a:p>
-            <a:r>
-              <a:rPr lang="en-US" dirty="0" smtClean="0"/>
-              <a:t>Feature Review</a:t>
-            </a:r>
-            <a:endParaRPr lang="en-US" dirty="0"/>
-          </a:p>
-        </p:txBody>
-      </p:sp>
-      <p:sp>
-        <p:nvSpPr>
-          <p:cNvPr id="6" name="Text Placeholder 7"/>
-          <p:cNvSpPr>
-            <a:spLocks noGrp="1"/>
-          </p:cNvSpPr>
-          <p:nvPr>
-            <p:ph sz="quarter" idx="10"/>
-          </p:nvPr>
-        </p:nvSpPr>
-        <p:spPr>
-          <a:xfrm>
-            <a:off x="327503" y="2031324"/>
-            <a:ext cx="11533187" cy="5159375"/>
-          </a:xfrm>
-        </p:spPr>
-        <p:txBody>
-          <a:bodyPr/>
-          <a:lstStyle/>
-          <a:p>
-            <a:r>
               <a:rPr lang="en-US" sz="2800" dirty="0" smtClean="0"/>
               <a:t>Expression Bodied Members</a:t>
             </a:r>
@@ -10861,6 +8859,2414 @@
       <p:bldP spid="6" grpId="0" build="p"/>
     </p:bldLst>
   </p:timing>
+</p:sld>
+</file>
+
+<file path=ppt/slides/slide11.xml><?xml version="1.0" encoding="utf-8"?>
+<p:sld xmlns:a="http://schemas.openxmlformats.org/drawingml/2006/main" xmlns:r="http://schemas.openxmlformats.org/officeDocument/2006/relationships" xmlns:p="http://schemas.openxmlformats.org/presentationml/2006/main">
+  <p:cSld>
+    <p:spTree>
+      <p:nvGrpSpPr>
+        <p:cNvPr id="1" name=""/>
+        <p:cNvGrpSpPr/>
+        <p:nvPr/>
+      </p:nvGrpSpPr>
+      <p:grpSpPr>
+        <a:xfrm>
+          <a:off x="0" y="0"/>
+          <a:ext cx="0" cy="0"/>
+          <a:chOff x="0" y="0"/>
+          <a:chExt cx="0" cy="0"/>
+        </a:xfrm>
+      </p:grpSpPr>
+      <p:sp>
+        <p:nvSpPr>
+          <p:cNvPr id="5" name="Title 4"/>
+          <p:cNvSpPr>
+            <a:spLocks noGrp="1"/>
+          </p:cNvSpPr>
+          <p:nvPr>
+            <p:ph type="title"/>
+          </p:nvPr>
+        </p:nvSpPr>
+        <p:spPr/>
+        <p:txBody>
+          <a:bodyPr/>
+          <a:lstStyle/>
+          <a:p>
+            <a:r>
+              <a:rPr lang="en-US" dirty="0" smtClean="0"/>
+              <a:t>Feature Review</a:t>
+            </a:r>
+            <a:endParaRPr lang="en-US" dirty="0"/>
+          </a:p>
+        </p:txBody>
+      </p:sp>
+      <p:sp>
+        <p:nvSpPr>
+          <p:cNvPr id="6" name="Text Placeholder 7"/>
+          <p:cNvSpPr>
+            <a:spLocks noGrp="1"/>
+          </p:cNvSpPr>
+          <p:nvPr>
+            <p:ph sz="quarter" idx="10"/>
+          </p:nvPr>
+        </p:nvSpPr>
+        <p:spPr>
+          <a:xfrm>
+            <a:off x="327503" y="2031324"/>
+            <a:ext cx="11533187" cy="5159375"/>
+          </a:xfrm>
+        </p:spPr>
+        <p:txBody>
+          <a:bodyPr/>
+          <a:lstStyle/>
+          <a:p>
+            <a:r>
+              <a:rPr lang="en-US" sz="2800" dirty="0" err="1" smtClean="0"/>
+              <a:t>nameof</a:t>
+            </a:r>
+            <a:endParaRPr lang="en-US" sz="2800" dirty="0" smtClean="0"/>
+          </a:p>
+          <a:p>
+            <a:r>
+              <a:rPr lang="en-US" sz="2800" dirty="0" smtClean="0"/>
+              <a:t>Dictionary Initializers</a:t>
+            </a:r>
+          </a:p>
+          <a:p>
+            <a:r>
+              <a:rPr lang="en-US" sz="2800" dirty="0" smtClean="0"/>
+              <a:t>Exception Filters</a:t>
+            </a:r>
+          </a:p>
+          <a:p>
+            <a:r>
+              <a:rPr lang="en-US" sz="2800" dirty="0" smtClean="0"/>
+              <a:t>Await in Catch and Finally</a:t>
+            </a:r>
+          </a:p>
+        </p:txBody>
+      </p:sp>
+    </p:spTree>
+    <p:extLst>
+      <p:ext uri="{BB962C8B-B14F-4D97-AF65-F5344CB8AC3E}">
+        <p14:creationId xmlns:p14="http://schemas.microsoft.com/office/powerpoint/2010/main" val="1206554988"/>
+      </p:ext>
+    </p:extLst>
+  </p:cSld>
+  <p:clrMapOvr>
+    <a:masterClrMapping/>
+  </p:clrMapOvr>
+  <p:transition>
+    <p:fade/>
+  </p:transition>
+  <p:timing>
+    <p:tnLst>
+      <p:par>
+        <p:cTn id="1" dur="indefinite" restart="never" nodeType="tmRoot">
+          <p:childTnLst>
+            <p:seq concurrent="1" nextAc="seek">
+              <p:cTn id="2" dur="indefinite" nodeType="mainSeq">
+                <p:childTnLst>
+                  <p:par>
+                    <p:cTn id="3" fill="hold">
+                      <p:stCondLst>
+                        <p:cond delay="indefinite"/>
+                      </p:stCondLst>
+                      <p:childTnLst>
+                        <p:par>
+                          <p:cTn id="4" fill="hold">
+                            <p:stCondLst>
+                              <p:cond delay="0"/>
+                            </p:stCondLst>
+                            <p:childTnLst>
+                              <p:par>
+                                <p:cTn id="5" presetID="10" presetClass="entr" presetSubtype="0" fill="hold" grpId="0" nodeType="clickEffect">
+                                  <p:stCondLst>
+                                    <p:cond delay="0"/>
+                                  </p:stCondLst>
+                                  <p:childTnLst>
+                                    <p:set>
+                                      <p:cBhvr>
+                                        <p:cTn id="6" dur="1" fill="hold">
+                                          <p:stCondLst>
+                                            <p:cond delay="0"/>
+                                          </p:stCondLst>
+                                        </p:cTn>
+                                        <p:tgtEl>
+                                          <p:spTgt spid="6">
+                                            <p:txEl>
+                                              <p:pRg st="0" end="0"/>
+                                            </p:txEl>
+                                          </p:spTgt>
+                                        </p:tgtEl>
+                                        <p:attrNameLst>
+                                          <p:attrName>style.visibility</p:attrName>
+                                        </p:attrNameLst>
+                                      </p:cBhvr>
+                                      <p:to>
+                                        <p:strVal val="visible"/>
+                                      </p:to>
+                                    </p:set>
+                                    <p:animEffect transition="in" filter="fade">
+                                      <p:cBhvr>
+                                        <p:cTn id="7" dur="500"/>
+                                        <p:tgtEl>
+                                          <p:spTgt spid="6">
+                                            <p:txEl>
+                                              <p:pRg st="0" end="0"/>
+                                            </p:txEl>
+                                          </p:spTgt>
+                                        </p:tgtEl>
+                                      </p:cBhvr>
+                                    </p:animEffect>
+                                  </p:childTnLst>
+                                </p:cTn>
+                              </p:par>
+                            </p:childTnLst>
+                          </p:cTn>
+                        </p:par>
+                      </p:childTnLst>
+                    </p:cTn>
+                  </p:par>
+                  <p:par>
+                    <p:cTn id="8" fill="hold">
+                      <p:stCondLst>
+                        <p:cond delay="indefinite"/>
+                      </p:stCondLst>
+                      <p:childTnLst>
+                        <p:par>
+                          <p:cTn id="9" fill="hold">
+                            <p:stCondLst>
+                              <p:cond delay="0"/>
+                            </p:stCondLst>
+                            <p:childTnLst>
+                              <p:par>
+                                <p:cTn id="10" presetID="10" presetClass="entr" presetSubtype="0" fill="hold" grpId="0" nodeType="clickEffect">
+                                  <p:stCondLst>
+                                    <p:cond delay="0"/>
+                                  </p:stCondLst>
+                                  <p:childTnLst>
+                                    <p:set>
+                                      <p:cBhvr>
+                                        <p:cTn id="11" dur="1" fill="hold">
+                                          <p:stCondLst>
+                                            <p:cond delay="0"/>
+                                          </p:stCondLst>
+                                        </p:cTn>
+                                        <p:tgtEl>
+                                          <p:spTgt spid="6">
+                                            <p:txEl>
+                                              <p:pRg st="1" end="1"/>
+                                            </p:txEl>
+                                          </p:spTgt>
+                                        </p:tgtEl>
+                                        <p:attrNameLst>
+                                          <p:attrName>style.visibility</p:attrName>
+                                        </p:attrNameLst>
+                                      </p:cBhvr>
+                                      <p:to>
+                                        <p:strVal val="visible"/>
+                                      </p:to>
+                                    </p:set>
+                                    <p:animEffect transition="in" filter="fade">
+                                      <p:cBhvr>
+                                        <p:cTn id="12" dur="500"/>
+                                        <p:tgtEl>
+                                          <p:spTgt spid="6">
+                                            <p:txEl>
+                                              <p:pRg st="1" end="1"/>
+                                            </p:txEl>
+                                          </p:spTgt>
+                                        </p:tgtEl>
+                                      </p:cBhvr>
+                                    </p:animEffect>
+                                  </p:childTnLst>
+                                </p:cTn>
+                              </p:par>
+                            </p:childTnLst>
+                          </p:cTn>
+                        </p:par>
+                      </p:childTnLst>
+                    </p:cTn>
+                  </p:par>
+                  <p:par>
+                    <p:cTn id="13" fill="hold">
+                      <p:stCondLst>
+                        <p:cond delay="indefinite"/>
+                      </p:stCondLst>
+                      <p:childTnLst>
+                        <p:par>
+                          <p:cTn id="14" fill="hold">
+                            <p:stCondLst>
+                              <p:cond delay="0"/>
+                            </p:stCondLst>
+                            <p:childTnLst>
+                              <p:par>
+                                <p:cTn id="15" presetID="10" presetClass="entr" presetSubtype="0" fill="hold" grpId="0" nodeType="clickEffect">
+                                  <p:stCondLst>
+                                    <p:cond delay="0"/>
+                                  </p:stCondLst>
+                                  <p:childTnLst>
+                                    <p:set>
+                                      <p:cBhvr>
+                                        <p:cTn id="16" dur="1" fill="hold">
+                                          <p:stCondLst>
+                                            <p:cond delay="0"/>
+                                          </p:stCondLst>
+                                        </p:cTn>
+                                        <p:tgtEl>
+                                          <p:spTgt spid="6">
+                                            <p:txEl>
+                                              <p:pRg st="2" end="2"/>
+                                            </p:txEl>
+                                          </p:spTgt>
+                                        </p:tgtEl>
+                                        <p:attrNameLst>
+                                          <p:attrName>style.visibility</p:attrName>
+                                        </p:attrNameLst>
+                                      </p:cBhvr>
+                                      <p:to>
+                                        <p:strVal val="visible"/>
+                                      </p:to>
+                                    </p:set>
+                                    <p:animEffect transition="in" filter="fade">
+                                      <p:cBhvr>
+                                        <p:cTn id="17" dur="500"/>
+                                        <p:tgtEl>
+                                          <p:spTgt spid="6">
+                                            <p:txEl>
+                                              <p:pRg st="2" end="2"/>
+                                            </p:txEl>
+                                          </p:spTgt>
+                                        </p:tgtEl>
+                                      </p:cBhvr>
+                                    </p:animEffect>
+                                  </p:childTnLst>
+                                </p:cTn>
+                              </p:par>
+                            </p:childTnLst>
+                          </p:cTn>
+                        </p:par>
+                      </p:childTnLst>
+                    </p:cTn>
+                  </p:par>
+                  <p:par>
+                    <p:cTn id="18" fill="hold">
+                      <p:stCondLst>
+                        <p:cond delay="indefinite"/>
+                      </p:stCondLst>
+                      <p:childTnLst>
+                        <p:par>
+                          <p:cTn id="19" fill="hold">
+                            <p:stCondLst>
+                              <p:cond delay="0"/>
+                            </p:stCondLst>
+                            <p:childTnLst>
+                              <p:par>
+                                <p:cTn id="20" presetID="10" presetClass="entr" presetSubtype="0" fill="hold" grpId="0" nodeType="clickEffect">
+                                  <p:stCondLst>
+                                    <p:cond delay="0"/>
+                                  </p:stCondLst>
+                                  <p:childTnLst>
+                                    <p:set>
+                                      <p:cBhvr>
+                                        <p:cTn id="21" dur="1" fill="hold">
+                                          <p:stCondLst>
+                                            <p:cond delay="0"/>
+                                          </p:stCondLst>
+                                        </p:cTn>
+                                        <p:tgtEl>
+                                          <p:spTgt spid="6">
+                                            <p:txEl>
+                                              <p:pRg st="3" end="3"/>
+                                            </p:txEl>
+                                          </p:spTgt>
+                                        </p:tgtEl>
+                                        <p:attrNameLst>
+                                          <p:attrName>style.visibility</p:attrName>
+                                        </p:attrNameLst>
+                                      </p:cBhvr>
+                                      <p:to>
+                                        <p:strVal val="visible"/>
+                                      </p:to>
+                                    </p:set>
+                                    <p:animEffect transition="in" filter="fade">
+                                      <p:cBhvr>
+                                        <p:cTn id="22" dur="500"/>
+                                        <p:tgtEl>
+                                          <p:spTgt spid="6">
+                                            <p:txEl>
+                                              <p:pRg st="3" end="3"/>
+                                            </p:txEl>
+                                          </p:spTgt>
+                                        </p:tgtEl>
+                                      </p:cBhvr>
+                                    </p:animEffect>
+                                  </p:childTnLst>
+                                </p:cTn>
+                              </p:par>
+                            </p:childTnLst>
+                          </p:cTn>
+                        </p:par>
+                      </p:childTnLst>
+                    </p:cTn>
+                  </p:par>
+                </p:childTnLst>
+              </p:cTn>
+              <p:prevCondLst>
+                <p:cond evt="onPrev" delay="0">
+                  <p:tgtEl>
+                    <p:sldTgt/>
+                  </p:tgtEl>
+                </p:cond>
+              </p:prevCondLst>
+              <p:nextCondLst>
+                <p:cond evt="onNext" delay="0">
+                  <p:tgtEl>
+                    <p:sldTgt/>
+                  </p:tgtEl>
+                </p:cond>
+              </p:nextCondLst>
+            </p:seq>
+          </p:childTnLst>
+        </p:cTn>
+      </p:par>
+    </p:tnLst>
+    <p:bldLst>
+      <p:bldP spid="6" grpId="0" build="p"/>
+    </p:bldLst>
+  </p:timing>
+</p:sld>
+</file>
+
+<file path=ppt/slides/slide12.xml><?xml version="1.0" encoding="utf-8"?>
+<p:sld xmlns:a="http://schemas.openxmlformats.org/drawingml/2006/main" xmlns:r="http://schemas.openxmlformats.org/officeDocument/2006/relationships" xmlns:p="http://schemas.openxmlformats.org/presentationml/2006/main">
+  <p:cSld>
+    <p:spTree>
+      <p:nvGrpSpPr>
+        <p:cNvPr id="1" name=""/>
+        <p:cNvGrpSpPr/>
+        <p:nvPr/>
+      </p:nvGrpSpPr>
+      <p:grpSpPr>
+        <a:xfrm>
+          <a:off x="0" y="0"/>
+          <a:ext cx="0" cy="0"/>
+          <a:chOff x="0" y="0"/>
+          <a:chExt cx="0" cy="0"/>
+        </a:xfrm>
+      </p:grpSpPr>
+      <p:sp>
+        <p:nvSpPr>
+          <p:cNvPr id="2" name="Text Placeholder 1"/>
+          <p:cNvSpPr>
+            <a:spLocks noGrp="1"/>
+          </p:cNvSpPr>
+          <p:nvPr>
+            <p:ph type="body" sz="quarter" idx="10"/>
+          </p:nvPr>
+        </p:nvSpPr>
+        <p:spPr/>
+        <p:txBody>
+          <a:bodyPr/>
+          <a:lstStyle/>
+          <a:p>
+            <a:r>
+              <a:rPr lang="en-US" sz="3600" dirty="0" smtClean="0">
+                <a:ln w="0"/>
+                <a:effectLst>
+                  <a:outerShdw blurRad="38100" dist="19050" dir="2700000" algn="tl" rotWithShape="0">
+                    <a:schemeClr val="dk1">
+                      <a:alpha val="40000"/>
+                    </a:schemeClr>
+                  </a:outerShdw>
+                </a:effectLst>
+              </a:rPr>
+              <a:t>Analyzers and Code Fixes</a:t>
+            </a:r>
+            <a:endParaRPr lang="en-US" sz="3600" dirty="0">
+              <a:ln w="0"/>
+              <a:effectLst>
+                <a:outerShdw blurRad="38100" dist="19050" dir="2700000" algn="tl" rotWithShape="0">
+                  <a:schemeClr val="dk1">
+                    <a:alpha val="40000"/>
+                  </a:schemeClr>
+                </a:outerShdw>
+              </a:effectLst>
+            </a:endParaRPr>
+          </a:p>
+          <a:p>
+            <a:endParaRPr lang="en-US" dirty="0"/>
+          </a:p>
+        </p:txBody>
+      </p:sp>
+      <p:sp>
+        <p:nvSpPr>
+          <p:cNvPr id="3" name="Subtitle 2"/>
+          <p:cNvSpPr>
+            <a:spLocks noGrp="1"/>
+          </p:cNvSpPr>
+          <p:nvPr>
+            <p:ph type="subTitle" idx="1"/>
+          </p:nvPr>
+        </p:nvSpPr>
+        <p:spPr/>
+        <p:txBody>
+          <a:bodyPr/>
+          <a:lstStyle/>
+          <a:p>
+            <a:endParaRPr lang="en-US"/>
+          </a:p>
+        </p:txBody>
+      </p:sp>
+    </p:spTree>
+    <p:extLst>
+      <p:ext uri="{BB962C8B-B14F-4D97-AF65-F5344CB8AC3E}">
+        <p14:creationId xmlns:p14="http://schemas.microsoft.com/office/powerpoint/2010/main" val="2944465784"/>
+      </p:ext>
+    </p:extLst>
+  </p:cSld>
+  <p:clrMapOvr>
+    <a:masterClrMapping/>
+  </p:clrMapOvr>
+</p:sld>
+</file>
+
+<file path=ppt/slides/slide13.xml><?xml version="1.0" encoding="utf-8"?>
+<p:sld xmlns:a="http://schemas.openxmlformats.org/drawingml/2006/main" xmlns:r="http://schemas.openxmlformats.org/officeDocument/2006/relationships" xmlns:p="http://schemas.openxmlformats.org/presentationml/2006/main">
+  <p:cSld>
+    <p:spTree>
+      <p:nvGrpSpPr>
+        <p:cNvPr id="1" name=""/>
+        <p:cNvGrpSpPr/>
+        <p:nvPr/>
+      </p:nvGrpSpPr>
+      <p:grpSpPr>
+        <a:xfrm>
+          <a:off x="0" y="0"/>
+          <a:ext cx="0" cy="0"/>
+          <a:chOff x="0" y="0"/>
+          <a:chExt cx="0" cy="0"/>
+        </a:xfrm>
+      </p:grpSpPr>
+      <p:sp>
+        <p:nvSpPr>
+          <p:cNvPr id="4" name="Subtitle 3"/>
+          <p:cNvSpPr>
+            <a:spLocks noGrp="1"/>
+          </p:cNvSpPr>
+          <p:nvPr>
+            <p:ph type="subTitle" idx="1"/>
+          </p:nvPr>
+        </p:nvSpPr>
+        <p:spPr/>
+        <p:txBody>
+          <a:bodyPr/>
+          <a:lstStyle/>
+          <a:p>
+            <a:r>
+              <a:rPr lang="en-US" b="0" dirty="0"/>
+              <a:t>https://</a:t>
+            </a:r>
+            <a:r>
+              <a:rPr lang="en-US" b="0" dirty="0" smtClean="0"/>
+              <a:t>github.com/BillWagner/MVA-CSharp6</a:t>
+            </a:r>
+          </a:p>
+          <a:p>
+            <a:r>
+              <a:rPr lang="en-US" dirty="0" smtClean="0"/>
+              <a:t>Analyzers and Code Fixes</a:t>
+            </a:r>
+            <a:endParaRPr lang="en-US" dirty="0"/>
+          </a:p>
+        </p:txBody>
+      </p:sp>
+      <p:sp>
+        <p:nvSpPr>
+          <p:cNvPr id="2" name="Text Placeholder 1"/>
+          <p:cNvSpPr>
+            <a:spLocks noGrp="1"/>
+          </p:cNvSpPr>
+          <p:nvPr>
+            <p:ph type="body" sz="quarter" idx="10"/>
+          </p:nvPr>
+        </p:nvSpPr>
+        <p:spPr/>
+        <p:txBody>
+          <a:bodyPr/>
+          <a:lstStyle/>
+          <a:p>
+            <a:r>
+              <a:rPr lang="en-US" smtClean="0"/>
+              <a:t>demo</a:t>
+            </a:r>
+            <a:endParaRPr lang="en-US" dirty="0"/>
+          </a:p>
+        </p:txBody>
+      </p:sp>
+    </p:spTree>
+    <p:extLst>
+      <p:ext uri="{BB962C8B-B14F-4D97-AF65-F5344CB8AC3E}">
+        <p14:creationId xmlns:p14="http://schemas.microsoft.com/office/powerpoint/2010/main" val="3993867577"/>
+      </p:ext>
+    </p:extLst>
+  </p:cSld>
+  <p:clrMapOvr>
+    <a:masterClrMapping/>
+  </p:clrMapOvr>
+  <p:transition>
+    <p:fade/>
+  </p:transition>
+  <p:timing>
+    <p:tnLst>
+      <p:par>
+        <p:cTn id="1" dur="indefinite" restart="never" nodeType="tmRoot"/>
+      </p:par>
+    </p:tnLst>
+  </p:timing>
+</p:sld>
+</file>
+
+<file path=ppt/slides/slide14.xml><?xml version="1.0" encoding="utf-8"?>
+<p:sld xmlns:a="http://schemas.openxmlformats.org/drawingml/2006/main" xmlns:r="http://schemas.openxmlformats.org/officeDocument/2006/relationships" xmlns:p="http://schemas.openxmlformats.org/presentationml/2006/main">
+  <p:cSld>
+    <p:spTree>
+      <p:nvGrpSpPr>
+        <p:cNvPr id="1" name=""/>
+        <p:cNvGrpSpPr/>
+        <p:nvPr/>
+      </p:nvGrpSpPr>
+      <p:grpSpPr>
+        <a:xfrm>
+          <a:off x="0" y="0"/>
+          <a:ext cx="0" cy="0"/>
+          <a:chOff x="0" y="0"/>
+          <a:chExt cx="0" cy="0"/>
+        </a:xfrm>
+      </p:grpSpPr>
+    </p:spTree>
+    <p:extLst>
+      <p:ext uri="{BB962C8B-B14F-4D97-AF65-F5344CB8AC3E}">
+        <p14:creationId xmlns:p14="http://schemas.microsoft.com/office/powerpoint/2010/main" val="137034456"/>
+      </p:ext>
+    </p:extLst>
+  </p:cSld>
+  <p:clrMapOvr>
+    <a:masterClrMapping/>
+  </p:clrMapOvr>
+</p:sld>
+</file>
+
+<file path=ppt/slides/slide2.xml><?xml version="1.0" encoding="utf-8"?>
+<p:sld xmlns:a="http://schemas.openxmlformats.org/drawingml/2006/main" xmlns:r="http://schemas.openxmlformats.org/officeDocument/2006/relationships" xmlns:p="http://schemas.openxmlformats.org/presentationml/2006/main">
+  <p:cSld>
+    <p:spTree>
+      <p:nvGrpSpPr>
+        <p:cNvPr id="1" name=""/>
+        <p:cNvGrpSpPr/>
+        <p:nvPr/>
+      </p:nvGrpSpPr>
+      <p:grpSpPr>
+        <a:xfrm>
+          <a:off x="0" y="0"/>
+          <a:ext cx="0" cy="0"/>
+          <a:chOff x="0" y="0"/>
+          <a:chExt cx="0" cy="0"/>
+        </a:xfrm>
+      </p:grpSpPr>
+      <p:sp>
+        <p:nvSpPr>
+          <p:cNvPr id="2" name="Title 1"/>
+          <p:cNvSpPr>
+            <a:spLocks noGrp="1"/>
+          </p:cNvSpPr>
+          <p:nvPr>
+            <p:ph type="title"/>
+          </p:nvPr>
+        </p:nvSpPr>
+        <p:spPr/>
+        <p:txBody>
+          <a:bodyPr/>
+          <a:lstStyle/>
+          <a:p>
+            <a:r>
+              <a:rPr lang="en-US" dirty="0" smtClean="0"/>
+              <a:t>Meet </a:t>
+            </a:r>
+            <a:r>
+              <a:rPr lang="en-US" smtClean="0"/>
+              <a:t>Bill Wagner | </a:t>
+            </a:r>
+            <a:r>
+              <a:rPr lang="en-US" dirty="0" smtClean="0"/>
+              <a:t>@</a:t>
+            </a:r>
+            <a:r>
+              <a:rPr lang="en-US" dirty="0" err="1" smtClean="0"/>
+              <a:t>billwagner</a:t>
+            </a:r>
+            <a:endParaRPr lang="en-US" dirty="0"/>
+          </a:p>
+        </p:txBody>
+      </p:sp>
+      <p:sp>
+        <p:nvSpPr>
+          <p:cNvPr id="7" name="Content Placeholder 6"/>
+          <p:cNvSpPr>
+            <a:spLocks noGrp="1"/>
+          </p:cNvSpPr>
+          <p:nvPr>
+            <p:ph sz="quarter" idx="10"/>
+          </p:nvPr>
+        </p:nvSpPr>
+        <p:spPr/>
+        <p:txBody>
+          <a:bodyPr/>
+          <a:lstStyle/>
+          <a:p>
+            <a:r>
+              <a:rPr lang="en-US" dirty="0" smtClean="0">
+                <a:solidFill>
+                  <a:srgbClr val="002050"/>
+                </a:solidFill>
+              </a:rPr>
+              <a:t>Author</a:t>
+            </a:r>
+            <a:endParaRPr lang="en-US" dirty="0">
+              <a:solidFill>
+                <a:srgbClr val="002050"/>
+              </a:solidFill>
+            </a:endParaRPr>
+          </a:p>
+          <a:p>
+            <a:pPr lvl="1"/>
+            <a:r>
+              <a:rPr lang="en-US" dirty="0" smtClean="0">
+                <a:solidFill>
+                  <a:srgbClr val="002050"/>
+                </a:solidFill>
+              </a:rPr>
+              <a:t>Effective C#</a:t>
+            </a:r>
+          </a:p>
+          <a:p>
+            <a:pPr lvl="1"/>
+            <a:r>
+              <a:rPr lang="en-US" dirty="0" smtClean="0">
+                <a:solidFill>
+                  <a:srgbClr val="002050"/>
+                </a:solidFill>
+              </a:rPr>
+              <a:t>More Effective C#</a:t>
+            </a:r>
+          </a:p>
+          <a:p>
+            <a:r>
+              <a:rPr lang="en-US" dirty="0" smtClean="0"/>
+              <a:t>Passion for informing </a:t>
+            </a:r>
+            <a:r>
+              <a:rPr lang="en-US" dirty="0"/>
+              <a:t>and inspiring software developers to write </a:t>
+            </a:r>
+            <a:r>
+              <a:rPr lang="en-US" dirty="0" smtClean="0"/>
+              <a:t>better code be more productive</a:t>
+            </a:r>
+          </a:p>
+          <a:p>
+            <a:pPr lvl="1"/>
+            <a:r>
+              <a:rPr lang="en-US" dirty="0" smtClean="0"/>
+              <a:t>www.thebillwagner.com</a:t>
+            </a:r>
+          </a:p>
+          <a:p>
+            <a:pPr lvl="1"/>
+            <a:r>
+              <a:rPr lang="en-US" dirty="0" smtClean="0"/>
+              <a:t>www.github.com/BillWagner</a:t>
+            </a:r>
+          </a:p>
+        </p:txBody>
+      </p:sp>
+      <p:pic>
+        <p:nvPicPr>
+          <p:cNvPr id="10" name="Picture 9"/>
+          <p:cNvPicPr>
+            <a:picLocks noChangeAspect="1"/>
+          </p:cNvPicPr>
+          <p:nvPr/>
+        </p:nvPicPr>
+        <p:blipFill>
+          <a:blip r:embed="rId3">
+            <a:extLst>
+              <a:ext uri="{28A0092B-C50C-407E-A947-70E740481C1C}">
+                <a14:useLocalDpi xmlns:a14="http://schemas.microsoft.com/office/drawing/2010/main" val="0"/>
+              </a:ext>
+            </a:extLst>
+          </a:blip>
+          <a:stretch>
+            <a:fillRect/>
+          </a:stretch>
+        </p:blipFill>
+        <p:spPr>
+          <a:xfrm>
+            <a:off x="9314831" y="4029046"/>
+            <a:ext cx="2699299" cy="2699299"/>
+          </a:xfrm>
+          <a:prstGeom prst="rect">
+            <a:avLst/>
+          </a:prstGeom>
+          <a:ln>
+            <a:solidFill>
+              <a:schemeClr val="tx1"/>
+            </a:solidFill>
+          </a:ln>
+          <a:effectLst>
+            <a:outerShdw blurRad="50800" dist="38100" dir="2700000" algn="tl" rotWithShape="0">
+              <a:prstClr val="black">
+                <a:alpha val="40000"/>
+              </a:prstClr>
+            </a:outerShdw>
+          </a:effectLst>
+        </p:spPr>
+      </p:pic>
+    </p:spTree>
+    <p:extLst>
+      <p:ext uri="{BB962C8B-B14F-4D97-AF65-F5344CB8AC3E}">
+        <p14:creationId xmlns:p14="http://schemas.microsoft.com/office/powerpoint/2010/main" val="1629309094"/>
+      </p:ext>
+    </p:extLst>
+  </p:cSld>
+  <p:clrMapOvr>
+    <a:masterClrMapping/>
+  </p:clrMapOvr>
+  <p:transition>
+    <p:fade/>
+  </p:transition>
+  <p:timing>
+    <p:tnLst>
+      <p:par>
+        <p:cTn id="1" dur="indefinite" restart="never" nodeType="tmRoot"/>
+      </p:par>
+    </p:tnLst>
+  </p:timing>
+</p:sld>
+</file>
+
+<file path=ppt/slides/slide3.xml><?xml version="1.0" encoding="utf-8"?>
+<p:sld xmlns:a="http://schemas.openxmlformats.org/drawingml/2006/main" xmlns:r="http://schemas.openxmlformats.org/officeDocument/2006/relationships" xmlns:p="http://schemas.openxmlformats.org/presentationml/2006/main">
+  <p:cSld>
+    <p:spTree>
+      <p:nvGrpSpPr>
+        <p:cNvPr id="1" name=""/>
+        <p:cNvGrpSpPr/>
+        <p:nvPr/>
+      </p:nvGrpSpPr>
+      <p:grpSpPr>
+        <a:xfrm>
+          <a:off x="0" y="0"/>
+          <a:ext cx="0" cy="0"/>
+          <a:chOff x="0" y="0"/>
+          <a:chExt cx="0" cy="0"/>
+        </a:xfrm>
+      </p:grpSpPr>
+      <p:sp>
+        <p:nvSpPr>
+          <p:cNvPr id="2" name="Title 1"/>
+          <p:cNvSpPr>
+            <a:spLocks noGrp="1"/>
+          </p:cNvSpPr>
+          <p:nvPr>
+            <p:ph type="title"/>
+          </p:nvPr>
+        </p:nvSpPr>
+        <p:spPr/>
+        <p:txBody>
+          <a:bodyPr/>
+          <a:lstStyle/>
+          <a:p>
+            <a:r>
+              <a:rPr lang="en-US" dirty="0" smtClean="0"/>
+              <a:t>Meet Anthony D. Green</a:t>
+            </a:r>
+            <a:endParaRPr lang="en-US" dirty="0"/>
+          </a:p>
+        </p:txBody>
+      </p:sp>
+      <p:sp>
+        <p:nvSpPr>
+          <p:cNvPr id="9" name="Content Placeholder 8"/>
+          <p:cNvSpPr>
+            <a:spLocks noGrp="1"/>
+          </p:cNvSpPr>
+          <p:nvPr>
+            <p:ph sz="quarter" idx="10"/>
+          </p:nvPr>
+        </p:nvSpPr>
+        <p:spPr/>
+        <p:txBody>
+          <a:bodyPr/>
+          <a:lstStyle/>
+          <a:p>
+            <a:r>
+              <a:rPr lang="en-US" dirty="0"/>
+              <a:t>Microsoft Program Manager</a:t>
+            </a:r>
+          </a:p>
+          <a:p>
+            <a:pPr lvl="1"/>
+            <a:r>
+              <a:rPr lang="en-US" dirty="0"/>
+              <a:t>Managed Languages Team</a:t>
+            </a:r>
+          </a:p>
+          <a:p>
+            <a:r>
+              <a:rPr lang="en-US" dirty="0"/>
+              <a:t>Focus on Language APIs</a:t>
+            </a:r>
+          </a:p>
+          <a:p>
+            <a:pPr lvl="1"/>
+            <a:r>
+              <a:rPr lang="en-US" dirty="0"/>
+              <a:t>Syntactic and semantic analysis tools</a:t>
+            </a:r>
+          </a:p>
+          <a:p>
+            <a:pPr lvl="1"/>
+            <a:r>
+              <a:rPr lang="en-US" dirty="0"/>
+              <a:t>Diagnostics and </a:t>
+            </a:r>
+            <a:r>
+              <a:rPr lang="en-US" dirty="0" err="1"/>
+              <a:t>Refactorings</a:t>
+            </a:r>
+            <a:endParaRPr lang="en-US" dirty="0"/>
+          </a:p>
+          <a:p>
+            <a:pPr lvl="1"/>
+            <a:endParaRPr lang="en-US" dirty="0"/>
+          </a:p>
+        </p:txBody>
+      </p:sp>
+      <p:pic>
+        <p:nvPicPr>
+          <p:cNvPr id="11" name="Picture 10"/>
+          <p:cNvPicPr>
+            <a:picLocks noChangeAspect="1"/>
+          </p:cNvPicPr>
+          <p:nvPr/>
+        </p:nvPicPr>
+        <p:blipFill>
+          <a:blip r:embed="rId3">
+            <a:extLst>
+              <a:ext uri="{28A0092B-C50C-407E-A947-70E740481C1C}">
+                <a14:useLocalDpi xmlns:a14="http://schemas.microsoft.com/office/drawing/2010/main" val="0"/>
+              </a:ext>
+            </a:extLst>
+          </a:blip>
+          <a:stretch>
+            <a:fillRect/>
+          </a:stretch>
+        </p:blipFill>
+        <p:spPr>
+          <a:xfrm>
+            <a:off x="9423687" y="4107561"/>
+            <a:ext cx="2529431" cy="2542271"/>
+          </a:xfrm>
+          <a:prstGeom prst="rect">
+            <a:avLst/>
+          </a:prstGeom>
+          <a:ln>
+            <a:solidFill>
+              <a:schemeClr val="tx1"/>
+            </a:solidFill>
+          </a:ln>
+          <a:effectLst>
+            <a:outerShdw blurRad="50800" dist="38100" dir="2700000" algn="tl" rotWithShape="0">
+              <a:prstClr val="black">
+                <a:alpha val="40000"/>
+              </a:prstClr>
+            </a:outerShdw>
+          </a:effectLst>
+        </p:spPr>
+      </p:pic>
+    </p:spTree>
+    <p:extLst>
+      <p:ext uri="{BB962C8B-B14F-4D97-AF65-F5344CB8AC3E}">
+        <p14:creationId xmlns:p14="http://schemas.microsoft.com/office/powerpoint/2010/main" val="3801980369"/>
+      </p:ext>
+    </p:extLst>
+  </p:cSld>
+  <p:clrMapOvr>
+    <a:masterClrMapping/>
+  </p:clrMapOvr>
+  <p:transition>
+    <p:fade/>
+  </p:transition>
+  <p:timing>
+    <p:tnLst>
+      <p:par>
+        <p:cTn id="1" dur="indefinite" restart="never" nodeType="tmRoot"/>
+      </p:par>
+    </p:tnLst>
+  </p:timing>
+</p:sld>
+</file>
+
+<file path=ppt/slides/slide4.xml><?xml version="1.0" encoding="utf-8"?>
+<p:sld xmlns:a="http://schemas.openxmlformats.org/drawingml/2006/main" xmlns:r="http://schemas.openxmlformats.org/officeDocument/2006/relationships" xmlns:p="http://schemas.openxmlformats.org/presentationml/2006/main">
+  <p:cSld>
+    <p:spTree>
+      <p:nvGrpSpPr>
+        <p:cNvPr id="1" name=""/>
+        <p:cNvGrpSpPr/>
+        <p:nvPr/>
+      </p:nvGrpSpPr>
+      <p:grpSpPr>
+        <a:xfrm>
+          <a:off x="0" y="0"/>
+          <a:ext cx="0" cy="0"/>
+          <a:chOff x="0" y="0"/>
+          <a:chExt cx="0" cy="0"/>
+        </a:xfrm>
+      </p:grpSpPr>
+      <p:sp>
+        <p:nvSpPr>
+          <p:cNvPr id="2" name="Title 1"/>
+          <p:cNvSpPr>
+            <a:spLocks noGrp="1"/>
+          </p:cNvSpPr>
+          <p:nvPr>
+            <p:ph type="title"/>
+          </p:nvPr>
+        </p:nvSpPr>
+        <p:spPr/>
+        <p:txBody>
+          <a:bodyPr>
+            <a:normAutofit/>
+          </a:bodyPr>
+          <a:lstStyle/>
+          <a:p>
+            <a:pPr lvl="0"/>
+            <a:r>
+              <a:rPr lang="en-US" dirty="0"/>
+              <a:t>Developer Productivity: What's New in C# 6</a:t>
+            </a:r>
+          </a:p>
+        </p:txBody>
+      </p:sp>
+      <p:graphicFrame>
+        <p:nvGraphicFramePr>
+          <p:cNvPr id="4" name="Content Placeholder 3"/>
+          <p:cNvGraphicFramePr>
+            <a:graphicFrameLocks noGrp="1"/>
+          </p:cNvGraphicFramePr>
+          <p:nvPr>
+            <p:ph sz="quarter" idx="10"/>
+            <p:extLst>
+              <p:ext uri="{D42A27DB-BD31-4B8C-83A1-F6EECF244321}">
+                <p14:modId xmlns:p14="http://schemas.microsoft.com/office/powerpoint/2010/main" val="1740267766"/>
+              </p:ext>
+            </p:extLst>
+          </p:nvPr>
+        </p:nvGraphicFramePr>
+        <p:xfrm>
+          <a:off x="379314" y="1418160"/>
+          <a:ext cx="11521532" cy="4604592"/>
+        </p:xfrm>
+        <a:graphic>
+          <a:graphicData uri="http://schemas.openxmlformats.org/drawingml/2006/table">
+            <a:tbl>
+              <a:tblPr firstRow="1" bandRow="1">
+                <a:tableStyleId>{5C22544A-7EE6-4342-B048-85BDC9FD1C3A}</a:tableStyleId>
+              </a:tblPr>
+              <a:tblGrid>
+                <a:gridCol w="11521532">
+                  <a:extLst>
+                    <a:ext uri="{9D8B030D-6E8A-4147-A177-3AD203B41FA5}">
+                      <a16:colId xmlns="" xmlns:a16="http://schemas.microsoft.com/office/drawing/2014/main" val="1632794655"/>
+                    </a:ext>
+                  </a:extLst>
+                </a:gridCol>
+              </a:tblGrid>
+              <a:tr h="767432">
+                <a:tc>
+                  <a:txBody>
+                    <a:bodyPr/>
+                    <a:lstStyle/>
+                    <a:p>
+                      <a:r>
+                        <a:rPr lang="en-US" sz="3600" dirty="0" smtClean="0">
+                          <a:latin typeface="Segoe UI Light" panose="020B0502040204020203" pitchFamily="34" charset="0"/>
+                          <a:cs typeface="Segoe UI Light" panose="020B0502040204020203" pitchFamily="34" charset="0"/>
+                        </a:rPr>
+                        <a:t>Getting Started with PowerShell</a:t>
+                      </a:r>
+                      <a:endParaRPr lang="en-US" sz="3600" dirty="0">
+                        <a:latin typeface="Segoe UI Light" panose="020B0502040204020203" pitchFamily="34" charset="0"/>
+                        <a:cs typeface="Segoe UI Light" panose="020B0502040204020203" pitchFamily="34" charset="0"/>
+                      </a:endParaRPr>
+                    </a:p>
+                  </a:txBody>
+                  <a:tcPr marL="91416" marR="91416" marT="45708" marB="45708" anchor="ctr"/>
+                </a:tc>
+                <a:extLst>
+                  <a:ext uri="{0D108BD9-81ED-4DB2-BD59-A6C34878D82A}">
+                    <a16:rowId xmlns="" xmlns:a16="http://schemas.microsoft.com/office/drawing/2014/main" val="1789177411"/>
+                  </a:ext>
+                </a:extLst>
+              </a:tr>
+              <a:tr h="767432">
+                <a:tc>
+                  <a:txBody>
+                    <a:bodyPr/>
+                    <a:lstStyle/>
+                    <a:p>
+                      <a:r>
+                        <a:rPr lang="en-US" sz="2400" dirty="0" smtClean="0">
+                          <a:latin typeface="Segoe UI Light" panose="020B0502040204020203" pitchFamily="34" charset="0"/>
+                          <a:cs typeface="Segoe UI Light" panose="020B0502040204020203" pitchFamily="34" charset="0"/>
+                        </a:rPr>
+                        <a:t>01 | </a:t>
+                      </a:r>
+                      <a:r>
+                        <a:rPr lang="en-US" sz="2400" dirty="0" smtClean="0"/>
+                        <a:t>C#</a:t>
+                      </a:r>
+                      <a:r>
+                        <a:rPr lang="en-US" sz="2400" baseline="0" dirty="0" smtClean="0"/>
+                        <a:t> features add productivity and conciseness</a:t>
+                      </a:r>
+                      <a:endParaRPr lang="en-US" sz="2400" dirty="0">
+                        <a:latin typeface="Segoe UI Light" panose="020B0502040204020203" pitchFamily="34" charset="0"/>
+                        <a:cs typeface="Segoe UI Light" panose="020B0502040204020203" pitchFamily="34" charset="0"/>
+                      </a:endParaRPr>
+                    </a:p>
+                  </a:txBody>
+                  <a:tcPr marL="91416" marR="91416" marT="45708" marB="45708" anchor="ctr"/>
+                </a:tc>
+                <a:extLst>
+                  <a:ext uri="{0D108BD9-81ED-4DB2-BD59-A6C34878D82A}">
+                    <a16:rowId xmlns="" xmlns:a16="http://schemas.microsoft.com/office/drawing/2014/main" val="3842815335"/>
+                  </a:ext>
+                </a:extLst>
+              </a:tr>
+              <a:tr h="767432">
+                <a:tc>
+                  <a:txBody>
+                    <a:bodyPr/>
+                    <a:lstStyle/>
+                    <a:p>
+                      <a:pPr marL="0" marR="0" indent="0" algn="l" defTabSz="913814" rtl="0" eaLnBrk="1" fontAlgn="auto" latinLnBrk="0" hangingPunct="1">
+                        <a:lnSpc>
+                          <a:spcPct val="100000"/>
+                        </a:lnSpc>
+                        <a:spcBef>
+                          <a:spcPts val="0"/>
+                        </a:spcBef>
+                        <a:spcAft>
+                          <a:spcPts val="0"/>
+                        </a:spcAft>
+                        <a:buClrTx/>
+                        <a:buSzTx/>
+                        <a:buFontTx/>
+                        <a:buNone/>
+                        <a:tabLst/>
+                        <a:defRPr/>
+                      </a:pPr>
+                      <a:r>
+                        <a:rPr lang="en-US" sz="2400" dirty="0" smtClean="0">
+                          <a:latin typeface="Segoe UI Light" panose="020B0502040204020203" pitchFamily="34" charset="0"/>
+                          <a:cs typeface="Segoe UI Light" panose="020B0502040204020203" pitchFamily="34" charset="0"/>
+                        </a:rPr>
+                        <a:t>02 | </a:t>
+                      </a:r>
+                      <a:r>
+                        <a:rPr lang="en-US" sz="2400" dirty="0" smtClean="0"/>
+                        <a:t>Data Transfer Object Enhancements</a:t>
+                      </a:r>
+                    </a:p>
+                  </a:txBody>
+                  <a:tcPr marL="91416" marR="91416" marT="45708" marB="45708" anchor="ctr"/>
+                </a:tc>
+                <a:extLst>
+                  <a:ext uri="{0D108BD9-81ED-4DB2-BD59-A6C34878D82A}">
+                    <a16:rowId xmlns="" xmlns:a16="http://schemas.microsoft.com/office/drawing/2014/main" val="321066646"/>
+                  </a:ext>
+                </a:extLst>
+              </a:tr>
+              <a:tr h="767432">
+                <a:tc>
+                  <a:txBody>
+                    <a:bodyPr/>
+                    <a:lstStyle/>
+                    <a:p>
+                      <a:pPr marL="0" marR="0" indent="0" algn="l" defTabSz="914088" rtl="0" eaLnBrk="1" fontAlgn="auto" latinLnBrk="0" hangingPunct="1">
+                        <a:lnSpc>
+                          <a:spcPct val="100000"/>
+                        </a:lnSpc>
+                        <a:spcBef>
+                          <a:spcPts val="0"/>
+                        </a:spcBef>
+                        <a:spcAft>
+                          <a:spcPts val="0"/>
+                        </a:spcAft>
+                        <a:buClrTx/>
+                        <a:buSzTx/>
+                        <a:buFontTx/>
+                        <a:buNone/>
+                        <a:tabLst/>
+                        <a:defRPr/>
+                      </a:pPr>
+                      <a:r>
+                        <a:rPr lang="en-US" sz="2400" dirty="0" smtClean="0">
+                          <a:latin typeface="Segoe UI Light" panose="020B0502040204020203" pitchFamily="34" charset="0"/>
+                          <a:cs typeface="Segoe UI Light" panose="020B0502040204020203" pitchFamily="34" charset="0"/>
+                        </a:rPr>
+                        <a:t>03</a:t>
+                      </a:r>
+                      <a:r>
+                        <a:rPr lang="en-US" sz="2400" baseline="0" dirty="0" smtClean="0">
+                          <a:latin typeface="Segoe UI Light" panose="020B0502040204020203" pitchFamily="34" charset="0"/>
+                          <a:cs typeface="Segoe UI Light" panose="020B0502040204020203" pitchFamily="34" charset="0"/>
+                        </a:rPr>
+                        <a:t> | </a:t>
+                      </a:r>
+                      <a:r>
+                        <a:rPr lang="en-US" sz="2400" dirty="0" smtClean="0"/>
+                        <a:t>Handling Strings</a:t>
+                      </a:r>
+                      <a:r>
+                        <a:rPr lang="en-US" sz="2400" baseline="0" dirty="0" smtClean="0"/>
+                        <a:t> More Easily</a:t>
+                      </a:r>
+                      <a:endParaRPr lang="en-US" sz="2400" dirty="0" smtClean="0">
+                        <a:latin typeface="Segoe UI Light" panose="020B0502040204020203" pitchFamily="34" charset="0"/>
+                        <a:cs typeface="Segoe UI Light" panose="020B0502040204020203" pitchFamily="34" charset="0"/>
+                      </a:endParaRPr>
+                    </a:p>
+                  </a:txBody>
+                  <a:tcPr marL="91416" marR="91416" marT="45708" marB="45708" anchor="ctr"/>
+                </a:tc>
+                <a:extLst>
+                  <a:ext uri="{0D108BD9-81ED-4DB2-BD59-A6C34878D82A}">
+                    <a16:rowId xmlns="" xmlns:a16="http://schemas.microsoft.com/office/drawing/2014/main" val="3812060533"/>
+                  </a:ext>
+                </a:extLst>
+              </a:tr>
+              <a:tr h="767432">
+                <a:tc>
+                  <a:txBody>
+                    <a:bodyPr/>
+                    <a:lstStyle/>
+                    <a:p>
+                      <a:r>
+                        <a:rPr lang="en-US" sz="2400" dirty="0" smtClean="0">
+                          <a:latin typeface="Segoe UI Light" panose="020B0502040204020203" pitchFamily="34" charset="0"/>
+                          <a:cs typeface="Segoe UI Light" panose="020B0502040204020203" pitchFamily="34" charset="0"/>
+                        </a:rPr>
+                        <a:t>04 | </a:t>
+                      </a:r>
+                      <a:r>
+                        <a:rPr lang="en-US" sz="2400" dirty="0" smtClean="0"/>
+                        <a:t>Exceptions</a:t>
+                      </a:r>
+                      <a:r>
+                        <a:rPr lang="en-US" sz="2400" baseline="0" dirty="0" smtClean="0"/>
+                        <a:t> and Error Handling Improvements</a:t>
+                      </a:r>
+                      <a:endParaRPr lang="en-US" sz="2400" dirty="0">
+                        <a:latin typeface="Segoe UI Light" panose="020B0502040204020203" pitchFamily="34" charset="0"/>
+                        <a:cs typeface="Segoe UI Light" panose="020B0502040204020203" pitchFamily="34" charset="0"/>
+                      </a:endParaRPr>
+                    </a:p>
+                  </a:txBody>
+                  <a:tcPr marL="91416" marR="91416" marT="45708" marB="45708" anchor="ctr"/>
+                </a:tc>
+                <a:extLst>
+                  <a:ext uri="{0D108BD9-81ED-4DB2-BD59-A6C34878D82A}">
+                    <a16:rowId xmlns="" xmlns:a16="http://schemas.microsoft.com/office/drawing/2014/main" val="733235577"/>
+                  </a:ext>
+                </a:extLst>
+              </a:tr>
+              <a:tr h="767432">
+                <a:tc>
+                  <a:txBody>
+                    <a:bodyPr/>
+                    <a:lstStyle/>
+                    <a:p>
+                      <a:r>
+                        <a:rPr lang="en-US" sz="2400" b="1" i="1" dirty="0" smtClean="0">
+                          <a:latin typeface="Segoe UI Light" panose="020B0502040204020203" pitchFamily="34" charset="0"/>
+                          <a:cs typeface="Segoe UI Light" panose="020B0502040204020203" pitchFamily="34" charset="0"/>
+                        </a:rPr>
+                        <a:t>05</a:t>
+                      </a:r>
+                      <a:r>
+                        <a:rPr lang="en-US" sz="2400" b="1" i="1" baseline="0" dirty="0" smtClean="0">
+                          <a:latin typeface="Segoe UI Light" panose="020B0502040204020203" pitchFamily="34" charset="0"/>
+                          <a:cs typeface="Segoe UI Light" panose="020B0502040204020203" pitchFamily="34" charset="0"/>
+                        </a:rPr>
+                        <a:t> | </a:t>
+                      </a:r>
+                      <a:r>
+                        <a:rPr lang="en-US" sz="2400" b="1" i="1" baseline="0" dirty="0" smtClean="0"/>
+                        <a:t>Adopting C# 6</a:t>
+                      </a:r>
+                      <a:endParaRPr lang="en-US" sz="2400" b="1" i="1" dirty="0">
+                        <a:latin typeface="Segoe UI Light" panose="020B0502040204020203" pitchFamily="34" charset="0"/>
+                        <a:cs typeface="Segoe UI Light" panose="020B0502040204020203" pitchFamily="34" charset="0"/>
+                      </a:endParaRPr>
+                    </a:p>
+                  </a:txBody>
+                  <a:tcPr marL="91416" marR="91416" marT="45708" marB="45708" anchor="ctr"/>
+                </a:tc>
+                <a:extLst>
+                  <a:ext uri="{0D108BD9-81ED-4DB2-BD59-A6C34878D82A}">
+                    <a16:rowId xmlns="" xmlns:a16="http://schemas.microsoft.com/office/drawing/2014/main" val="2343148695"/>
+                  </a:ext>
+                </a:extLst>
+              </a:tr>
+            </a:tbl>
+          </a:graphicData>
+        </a:graphic>
+      </p:graphicFrame>
+    </p:spTree>
+    <p:extLst>
+      <p:ext uri="{BB962C8B-B14F-4D97-AF65-F5344CB8AC3E}">
+        <p14:creationId xmlns:p14="http://schemas.microsoft.com/office/powerpoint/2010/main" val="2738260567"/>
+      </p:ext>
+    </p:extLst>
+  </p:cSld>
+  <p:clrMapOvr>
+    <a:masterClrMapping/>
+  </p:clrMapOvr>
+  <mc:AlternateContent xmlns:mc="http://schemas.openxmlformats.org/markup-compatibility/2006" xmlns:p14="http://schemas.microsoft.com/office/powerpoint/2010/main">
+    <mc:Choice Requires="p14">
+      <p:transition spd="slow" p14:dur="2000"/>
+    </mc:Choice>
+    <mc:Fallback xmlns="">
+      <p:transition spd="slow"/>
+    </mc:Fallback>
+  </mc:AlternateContent>
+  <p:timing>
+    <p:tnLst>
+      <p:par>
+        <p:cTn id="1" dur="indefinite" restart="never" nodeType="tmRoot"/>
+      </p:par>
+    </p:tnLst>
+  </p:timing>
+</p:sld>
+</file>
+
+<file path=ppt/slides/slide5.xml><?xml version="1.0" encoding="utf-8"?>
+<p:sld xmlns:a="http://schemas.openxmlformats.org/drawingml/2006/main" xmlns:r="http://schemas.openxmlformats.org/officeDocument/2006/relationships" xmlns:p="http://schemas.openxmlformats.org/presentationml/2006/main">
+  <p:cSld>
+    <p:spTree>
+      <p:nvGrpSpPr>
+        <p:cNvPr id="1" name=""/>
+        <p:cNvGrpSpPr/>
+        <p:nvPr/>
+      </p:nvGrpSpPr>
+      <p:grpSpPr>
+        <a:xfrm>
+          <a:off x="0" y="0"/>
+          <a:ext cx="0" cy="0"/>
+          <a:chOff x="0" y="0"/>
+          <a:chExt cx="0" cy="0"/>
+        </a:xfrm>
+      </p:grpSpPr>
+      <p:sp>
+        <p:nvSpPr>
+          <p:cNvPr id="5" name="Text Placeholder 4"/>
+          <p:cNvSpPr>
+            <a:spLocks noGrp="1"/>
+          </p:cNvSpPr>
+          <p:nvPr>
+            <p:ph type="body" sz="quarter" idx="10"/>
+          </p:nvPr>
+        </p:nvSpPr>
+        <p:spPr>
+          <a:solidFill>
+            <a:srgbClr val="007233"/>
+          </a:solidFill>
+          <a:ln>
+            <a:noFill/>
+          </a:ln>
+        </p:spPr>
+        <p:txBody>
+          <a:bodyPr>
+            <a:normAutofit/>
+          </a:bodyPr>
+          <a:lstStyle/>
+          <a:p>
+            <a:pPr marL="914126" indent="-914126"/>
+            <a:r>
+              <a:rPr lang="en-US" sz="2800" dirty="0" smtClean="0"/>
+              <a:t>05 </a:t>
+            </a:r>
+            <a:r>
+              <a:rPr lang="en-US" sz="2800" dirty="0"/>
+              <a:t>| Adoption Strategies</a:t>
+            </a:r>
+          </a:p>
+        </p:txBody>
+      </p:sp>
+      <p:sp>
+        <p:nvSpPr>
+          <p:cNvPr id="4" name="Subtitle 3"/>
+          <p:cNvSpPr>
+            <a:spLocks noGrp="1"/>
+          </p:cNvSpPr>
+          <p:nvPr>
+            <p:ph type="subTitle" idx="1"/>
+          </p:nvPr>
+        </p:nvSpPr>
+        <p:spPr/>
+        <p:txBody>
+          <a:bodyPr/>
+          <a:lstStyle/>
+          <a:p>
+            <a:r>
+              <a:rPr lang="en-US" dirty="0"/>
+              <a:t>Bill Wagner | Author, Consultant</a:t>
+            </a:r>
+          </a:p>
+          <a:p>
+            <a:r>
+              <a:rPr lang="en-US" dirty="0"/>
+              <a:t>Anthony D. Green | Managed Languages Program Manager</a:t>
+            </a:r>
+          </a:p>
+        </p:txBody>
+      </p:sp>
+    </p:spTree>
+    <p:extLst>
+      <p:ext uri="{BB962C8B-B14F-4D97-AF65-F5344CB8AC3E}">
+        <p14:creationId xmlns:p14="http://schemas.microsoft.com/office/powerpoint/2010/main" val="320262887"/>
+      </p:ext>
+    </p:extLst>
+  </p:cSld>
+  <p:clrMapOvr>
+    <a:masterClrMapping/>
+  </p:clrMapOvr>
+  <p:timing>
+    <p:tnLst>
+      <p:par>
+        <p:cTn id="1" dur="indefinite" restart="never" nodeType="tmRoot"/>
+      </p:par>
+    </p:tnLst>
+  </p:timing>
+</p:sld>
+</file>
+
+<file path=ppt/slides/slide6.xml><?xml version="1.0" encoding="utf-8"?>
+<p:sld xmlns:a="http://schemas.openxmlformats.org/drawingml/2006/main" xmlns:r="http://schemas.openxmlformats.org/officeDocument/2006/relationships" xmlns:p="http://schemas.openxmlformats.org/presentationml/2006/main">
+  <p:cSld>
+    <p:spTree>
+      <p:nvGrpSpPr>
+        <p:cNvPr id="1" name=""/>
+        <p:cNvGrpSpPr/>
+        <p:nvPr/>
+      </p:nvGrpSpPr>
+      <p:grpSpPr>
+        <a:xfrm>
+          <a:off x="0" y="0"/>
+          <a:ext cx="0" cy="0"/>
+          <a:chOff x="0" y="0"/>
+          <a:chExt cx="0" cy="0"/>
+        </a:xfrm>
+      </p:grpSpPr>
+      <p:sp>
+        <p:nvSpPr>
+          <p:cNvPr id="5" name="Title 4"/>
+          <p:cNvSpPr>
+            <a:spLocks noGrp="1"/>
+          </p:cNvSpPr>
+          <p:nvPr>
+            <p:ph type="title"/>
+          </p:nvPr>
+        </p:nvSpPr>
+        <p:spPr/>
+        <p:txBody>
+          <a:bodyPr/>
+          <a:lstStyle/>
+          <a:p>
+            <a:r>
+              <a:rPr lang="en-US" sz="4800" dirty="0" smtClean="0"/>
+              <a:t>Module Overview</a:t>
+            </a:r>
+            <a:endParaRPr lang="en-US" sz="4800" dirty="0"/>
+          </a:p>
+        </p:txBody>
+      </p:sp>
+      <p:sp>
+        <p:nvSpPr>
+          <p:cNvPr id="2" name="TextBox 1"/>
+          <p:cNvSpPr txBox="1"/>
+          <p:nvPr/>
+        </p:nvSpPr>
+        <p:spPr>
+          <a:xfrm flipH="1">
+            <a:off x="704882" y="2321591"/>
+            <a:ext cx="10450456" cy="1231106"/>
+          </a:xfrm>
+          <a:prstGeom prst="rect">
+            <a:avLst/>
+          </a:prstGeom>
+          <a:noFill/>
+        </p:spPr>
+        <p:txBody>
+          <a:bodyPr wrap="square" lIns="0" tIns="0" rIns="0" bIns="0" rtlCol="0" anchor="ctr">
+            <a:spAutoFit/>
+          </a:bodyPr>
+          <a:lstStyle/>
+          <a:p>
+            <a:pPr marL="857250" indent="-857250">
+              <a:buFont typeface="Arial" panose="020B0604020202020204" pitchFamily="34" charset="0"/>
+              <a:buChar char="•"/>
+            </a:pPr>
+            <a:r>
+              <a:rPr lang="en-US" sz="4000" dirty="0" smtClean="0">
+                <a:ln w="0"/>
+                <a:effectLst>
+                  <a:outerShdw blurRad="38100" dist="19050" dir="2700000" algn="tl" rotWithShape="0">
+                    <a:schemeClr val="dk1">
+                      <a:alpha val="40000"/>
+                    </a:schemeClr>
+                  </a:outerShdw>
+                </a:effectLst>
+              </a:rPr>
+              <a:t>Language Review</a:t>
+            </a:r>
+            <a:endParaRPr lang="en-US" sz="4000" dirty="0" smtClean="0">
+              <a:ln w="0"/>
+              <a:effectLst>
+                <a:outerShdw blurRad="38100" dist="19050" dir="2700000" algn="tl" rotWithShape="0">
+                  <a:schemeClr val="dk1">
+                    <a:alpha val="40000"/>
+                  </a:schemeClr>
+                </a:outerShdw>
+              </a:effectLst>
+            </a:endParaRPr>
+          </a:p>
+          <a:p>
+            <a:pPr marL="857250" indent="-857250">
+              <a:buFont typeface="Arial" panose="020B0604020202020204" pitchFamily="34" charset="0"/>
+              <a:buChar char="•"/>
+            </a:pPr>
+            <a:r>
+              <a:rPr lang="en-US" sz="4000" dirty="0" smtClean="0">
+                <a:ln w="0"/>
+                <a:effectLst>
+                  <a:outerShdw blurRad="38100" dist="19050" dir="2700000" algn="tl" rotWithShape="0">
+                    <a:schemeClr val="dk1">
+                      <a:alpha val="40000"/>
+                    </a:schemeClr>
+                  </a:outerShdw>
+                </a:effectLst>
+              </a:rPr>
+              <a:t>Analyzers and Code Fixes</a:t>
+            </a:r>
+            <a:endParaRPr lang="en-US" sz="4000" dirty="0" smtClean="0">
+              <a:ln w="0"/>
+              <a:effectLst>
+                <a:outerShdw blurRad="38100" dist="19050" dir="2700000" algn="tl" rotWithShape="0">
+                  <a:schemeClr val="dk1">
+                    <a:alpha val="40000"/>
+                  </a:schemeClr>
+                </a:outerShdw>
+              </a:effectLst>
+            </a:endParaRPr>
+          </a:p>
+        </p:txBody>
+      </p:sp>
+    </p:spTree>
+    <p:extLst>
+      <p:ext uri="{BB962C8B-B14F-4D97-AF65-F5344CB8AC3E}">
+        <p14:creationId xmlns:p14="http://schemas.microsoft.com/office/powerpoint/2010/main" val="3221817029"/>
+      </p:ext>
+    </p:extLst>
+  </p:cSld>
+  <p:clrMapOvr>
+    <a:masterClrMapping/>
+  </p:clrMapOvr>
+  <p:transition>
+    <p:fade/>
+  </p:transition>
+  <p:timing>
+    <p:tnLst>
+      <p:par>
+        <p:cTn id="1" dur="indefinite" restart="never" nodeType="tmRoot"/>
+      </p:par>
+    </p:tnLst>
+  </p:timing>
+</p:sld>
+</file>
+
+<file path=ppt/slides/slide7.xml><?xml version="1.0" encoding="utf-8"?>
+<p:sld xmlns:a="http://schemas.openxmlformats.org/drawingml/2006/main" xmlns:r="http://schemas.openxmlformats.org/officeDocument/2006/relationships" xmlns:p="http://schemas.openxmlformats.org/presentationml/2006/main">
+  <p:cSld>
+    <p:spTree>
+      <p:nvGrpSpPr>
+        <p:cNvPr id="1" name=""/>
+        <p:cNvGrpSpPr/>
+        <p:nvPr/>
+      </p:nvGrpSpPr>
+      <p:grpSpPr>
+        <a:xfrm>
+          <a:off x="0" y="0"/>
+          <a:ext cx="0" cy="0"/>
+          <a:chOff x="0" y="0"/>
+          <a:chExt cx="0" cy="0"/>
+        </a:xfrm>
+      </p:grpSpPr>
+      <p:sp>
+        <p:nvSpPr>
+          <p:cNvPr id="7" name="Title 6"/>
+          <p:cNvSpPr>
+            <a:spLocks noGrp="1"/>
+          </p:cNvSpPr>
+          <p:nvPr>
+            <p:ph type="title"/>
+          </p:nvPr>
+        </p:nvSpPr>
+        <p:spPr/>
+        <p:txBody>
+          <a:bodyPr/>
+          <a:lstStyle/>
+          <a:p>
+            <a:r>
+              <a:rPr lang="en-US" dirty="0" smtClean="0"/>
+              <a:t>Adoption Strategies</a:t>
+            </a:r>
+            <a:endParaRPr lang="en-US" dirty="0"/>
+          </a:p>
+        </p:txBody>
+      </p:sp>
+      <p:sp>
+        <p:nvSpPr>
+          <p:cNvPr id="8" name="Text Placeholder 7"/>
+          <p:cNvSpPr>
+            <a:spLocks noGrp="1"/>
+          </p:cNvSpPr>
+          <p:nvPr>
+            <p:ph sz="quarter" idx="10"/>
+          </p:nvPr>
+        </p:nvSpPr>
+        <p:spPr>
+          <a:xfrm>
+            <a:off x="327503" y="2031324"/>
+            <a:ext cx="11533187" cy="5159375"/>
+          </a:xfrm>
+        </p:spPr>
+        <p:txBody>
+          <a:bodyPr/>
+          <a:lstStyle/>
+          <a:p>
+            <a:r>
+              <a:rPr lang="en-US" sz="2800" dirty="0" smtClean="0"/>
+              <a:t>Key | Your existing code won’t break</a:t>
+            </a:r>
+            <a:endParaRPr lang="en-US" sz="2800" dirty="0"/>
+          </a:p>
+          <a:p>
+            <a:r>
+              <a:rPr lang="en-US" sz="2800" dirty="0" smtClean="0"/>
+              <a:t>Key | No reason to bulk replace</a:t>
+            </a:r>
+          </a:p>
+          <a:p>
+            <a:r>
+              <a:rPr lang="en-US" sz="2800" dirty="0" smtClean="0"/>
+              <a:t>Key | Improve Readability with Adoption as you add features</a:t>
+            </a:r>
+          </a:p>
+          <a:p>
+            <a:r>
+              <a:rPr lang="en-US" sz="2800" dirty="0" smtClean="0"/>
+              <a:t>Key | Diagnostics and </a:t>
+            </a:r>
+            <a:r>
+              <a:rPr lang="en-US" sz="2800" dirty="0" err="1" smtClean="0"/>
+              <a:t>CodeFixes</a:t>
+            </a:r>
+            <a:r>
+              <a:rPr lang="en-US" sz="2800" dirty="0" smtClean="0"/>
+              <a:t> can automate the process</a:t>
+            </a:r>
+          </a:p>
+        </p:txBody>
+      </p:sp>
+    </p:spTree>
+    <p:extLst>
+      <p:ext uri="{BB962C8B-B14F-4D97-AF65-F5344CB8AC3E}">
+        <p14:creationId xmlns:p14="http://schemas.microsoft.com/office/powerpoint/2010/main" val="3853447311"/>
+      </p:ext>
+    </p:extLst>
+  </p:cSld>
+  <p:clrMapOvr>
+    <a:masterClrMapping/>
+  </p:clrMapOvr>
+  <p:transition>
+    <p:fade/>
+  </p:transition>
+  <p:timing>
+    <p:tnLst>
+      <p:par>
+        <p:cTn id="1" dur="indefinite" restart="never" nodeType="tmRoot">
+          <p:childTnLst>
+            <p:seq concurrent="1" nextAc="seek">
+              <p:cTn id="2" dur="indefinite" nodeType="mainSeq">
+                <p:childTnLst>
+                  <p:par>
+                    <p:cTn id="3" fill="hold">
+                      <p:stCondLst>
+                        <p:cond delay="indefinite"/>
+                      </p:stCondLst>
+                      <p:childTnLst>
+                        <p:par>
+                          <p:cTn id="4" fill="hold">
+                            <p:stCondLst>
+                              <p:cond delay="0"/>
+                            </p:stCondLst>
+                            <p:childTnLst>
+                              <p:par>
+                                <p:cTn id="5" presetID="10" presetClass="entr" presetSubtype="0" fill="hold" grpId="0" nodeType="clickEffect">
+                                  <p:stCondLst>
+                                    <p:cond delay="0"/>
+                                  </p:stCondLst>
+                                  <p:childTnLst>
+                                    <p:set>
+                                      <p:cBhvr>
+                                        <p:cTn id="6" dur="1" fill="hold">
+                                          <p:stCondLst>
+                                            <p:cond delay="0"/>
+                                          </p:stCondLst>
+                                        </p:cTn>
+                                        <p:tgtEl>
+                                          <p:spTgt spid="8">
+                                            <p:txEl>
+                                              <p:pRg st="0" end="0"/>
+                                            </p:txEl>
+                                          </p:spTgt>
+                                        </p:tgtEl>
+                                        <p:attrNameLst>
+                                          <p:attrName>style.visibility</p:attrName>
+                                        </p:attrNameLst>
+                                      </p:cBhvr>
+                                      <p:to>
+                                        <p:strVal val="visible"/>
+                                      </p:to>
+                                    </p:set>
+                                    <p:animEffect transition="in" filter="fade">
+                                      <p:cBhvr>
+                                        <p:cTn id="7" dur="500"/>
+                                        <p:tgtEl>
+                                          <p:spTgt spid="8">
+                                            <p:txEl>
+                                              <p:pRg st="0" end="0"/>
+                                            </p:txEl>
+                                          </p:spTgt>
+                                        </p:tgtEl>
+                                      </p:cBhvr>
+                                    </p:animEffect>
+                                  </p:childTnLst>
+                                </p:cTn>
+                              </p:par>
+                            </p:childTnLst>
+                          </p:cTn>
+                        </p:par>
+                      </p:childTnLst>
+                    </p:cTn>
+                  </p:par>
+                  <p:par>
+                    <p:cTn id="8" fill="hold">
+                      <p:stCondLst>
+                        <p:cond delay="indefinite"/>
+                      </p:stCondLst>
+                      <p:childTnLst>
+                        <p:par>
+                          <p:cTn id="9" fill="hold">
+                            <p:stCondLst>
+                              <p:cond delay="0"/>
+                            </p:stCondLst>
+                            <p:childTnLst>
+                              <p:par>
+                                <p:cTn id="10" presetID="10" presetClass="entr" presetSubtype="0" fill="hold" grpId="0" nodeType="clickEffect">
+                                  <p:stCondLst>
+                                    <p:cond delay="0"/>
+                                  </p:stCondLst>
+                                  <p:childTnLst>
+                                    <p:set>
+                                      <p:cBhvr>
+                                        <p:cTn id="11" dur="1" fill="hold">
+                                          <p:stCondLst>
+                                            <p:cond delay="0"/>
+                                          </p:stCondLst>
+                                        </p:cTn>
+                                        <p:tgtEl>
+                                          <p:spTgt spid="8">
+                                            <p:txEl>
+                                              <p:pRg st="1" end="1"/>
+                                            </p:txEl>
+                                          </p:spTgt>
+                                        </p:tgtEl>
+                                        <p:attrNameLst>
+                                          <p:attrName>style.visibility</p:attrName>
+                                        </p:attrNameLst>
+                                      </p:cBhvr>
+                                      <p:to>
+                                        <p:strVal val="visible"/>
+                                      </p:to>
+                                    </p:set>
+                                    <p:animEffect transition="in" filter="fade">
+                                      <p:cBhvr>
+                                        <p:cTn id="12" dur="500"/>
+                                        <p:tgtEl>
+                                          <p:spTgt spid="8">
+                                            <p:txEl>
+                                              <p:pRg st="1" end="1"/>
+                                            </p:txEl>
+                                          </p:spTgt>
+                                        </p:tgtEl>
+                                      </p:cBhvr>
+                                    </p:animEffect>
+                                  </p:childTnLst>
+                                </p:cTn>
+                              </p:par>
+                            </p:childTnLst>
+                          </p:cTn>
+                        </p:par>
+                      </p:childTnLst>
+                    </p:cTn>
+                  </p:par>
+                  <p:par>
+                    <p:cTn id="13" fill="hold">
+                      <p:stCondLst>
+                        <p:cond delay="indefinite"/>
+                      </p:stCondLst>
+                      <p:childTnLst>
+                        <p:par>
+                          <p:cTn id="14" fill="hold">
+                            <p:stCondLst>
+                              <p:cond delay="0"/>
+                            </p:stCondLst>
+                            <p:childTnLst>
+                              <p:par>
+                                <p:cTn id="15" presetID="10" presetClass="entr" presetSubtype="0" fill="hold" grpId="0" nodeType="clickEffect">
+                                  <p:stCondLst>
+                                    <p:cond delay="0"/>
+                                  </p:stCondLst>
+                                  <p:childTnLst>
+                                    <p:set>
+                                      <p:cBhvr>
+                                        <p:cTn id="16" dur="1" fill="hold">
+                                          <p:stCondLst>
+                                            <p:cond delay="0"/>
+                                          </p:stCondLst>
+                                        </p:cTn>
+                                        <p:tgtEl>
+                                          <p:spTgt spid="8">
+                                            <p:txEl>
+                                              <p:pRg st="2" end="2"/>
+                                            </p:txEl>
+                                          </p:spTgt>
+                                        </p:tgtEl>
+                                        <p:attrNameLst>
+                                          <p:attrName>style.visibility</p:attrName>
+                                        </p:attrNameLst>
+                                      </p:cBhvr>
+                                      <p:to>
+                                        <p:strVal val="visible"/>
+                                      </p:to>
+                                    </p:set>
+                                    <p:animEffect transition="in" filter="fade">
+                                      <p:cBhvr>
+                                        <p:cTn id="17" dur="500"/>
+                                        <p:tgtEl>
+                                          <p:spTgt spid="8">
+                                            <p:txEl>
+                                              <p:pRg st="2" end="2"/>
+                                            </p:txEl>
+                                          </p:spTgt>
+                                        </p:tgtEl>
+                                      </p:cBhvr>
+                                    </p:animEffect>
+                                  </p:childTnLst>
+                                </p:cTn>
+                              </p:par>
+                            </p:childTnLst>
+                          </p:cTn>
+                        </p:par>
+                      </p:childTnLst>
+                    </p:cTn>
+                  </p:par>
+                  <p:par>
+                    <p:cTn id="18" fill="hold">
+                      <p:stCondLst>
+                        <p:cond delay="indefinite"/>
+                      </p:stCondLst>
+                      <p:childTnLst>
+                        <p:par>
+                          <p:cTn id="19" fill="hold">
+                            <p:stCondLst>
+                              <p:cond delay="0"/>
+                            </p:stCondLst>
+                            <p:childTnLst>
+                              <p:par>
+                                <p:cTn id="20" presetID="10" presetClass="entr" presetSubtype="0" fill="hold" grpId="0" nodeType="clickEffect">
+                                  <p:stCondLst>
+                                    <p:cond delay="0"/>
+                                  </p:stCondLst>
+                                  <p:childTnLst>
+                                    <p:set>
+                                      <p:cBhvr>
+                                        <p:cTn id="21" dur="1" fill="hold">
+                                          <p:stCondLst>
+                                            <p:cond delay="0"/>
+                                          </p:stCondLst>
+                                        </p:cTn>
+                                        <p:tgtEl>
+                                          <p:spTgt spid="8">
+                                            <p:txEl>
+                                              <p:pRg st="3" end="3"/>
+                                            </p:txEl>
+                                          </p:spTgt>
+                                        </p:tgtEl>
+                                        <p:attrNameLst>
+                                          <p:attrName>style.visibility</p:attrName>
+                                        </p:attrNameLst>
+                                      </p:cBhvr>
+                                      <p:to>
+                                        <p:strVal val="visible"/>
+                                      </p:to>
+                                    </p:set>
+                                    <p:animEffect transition="in" filter="fade">
+                                      <p:cBhvr>
+                                        <p:cTn id="22" dur="500"/>
+                                        <p:tgtEl>
+                                          <p:spTgt spid="8">
+                                            <p:txEl>
+                                              <p:pRg st="3" end="3"/>
+                                            </p:txEl>
+                                          </p:spTgt>
+                                        </p:tgtEl>
+                                      </p:cBhvr>
+                                    </p:animEffect>
+                                  </p:childTnLst>
+                                </p:cTn>
+                              </p:par>
+                            </p:childTnLst>
+                          </p:cTn>
+                        </p:par>
+                      </p:childTnLst>
+                    </p:cTn>
+                  </p:par>
+                </p:childTnLst>
+              </p:cTn>
+              <p:prevCondLst>
+                <p:cond evt="onPrev" delay="0">
+                  <p:tgtEl>
+                    <p:sldTgt/>
+                  </p:tgtEl>
+                </p:cond>
+              </p:prevCondLst>
+              <p:nextCondLst>
+                <p:cond evt="onNext" delay="0">
+                  <p:tgtEl>
+                    <p:sldTgt/>
+                  </p:tgtEl>
+                </p:cond>
+              </p:nextCondLst>
+            </p:seq>
+          </p:childTnLst>
+        </p:cTn>
+      </p:par>
+    </p:tnLst>
+    <p:bldLst>
+      <p:bldP spid="8" grpId="0" uiExpand="1" build="p"/>
+    </p:bldLst>
+  </p:timing>
+</p:sld>
+</file>
+
+<file path=ppt/slides/slide8.xml><?xml version="1.0" encoding="utf-8"?>
+<p:sld xmlns:a="http://schemas.openxmlformats.org/drawingml/2006/main" xmlns:r="http://schemas.openxmlformats.org/officeDocument/2006/relationships" xmlns:p="http://schemas.openxmlformats.org/presentationml/2006/main">
+  <p:cSld>
+    <p:spTree>
+      <p:nvGrpSpPr>
+        <p:cNvPr id="1" name=""/>
+        <p:cNvGrpSpPr/>
+        <p:nvPr/>
+      </p:nvGrpSpPr>
+      <p:grpSpPr>
+        <a:xfrm>
+          <a:off x="0" y="0"/>
+          <a:ext cx="0" cy="0"/>
+          <a:chOff x="0" y="0"/>
+          <a:chExt cx="0" cy="0"/>
+        </a:xfrm>
+      </p:grpSpPr>
+      <p:sp>
+        <p:nvSpPr>
+          <p:cNvPr id="5" name="Title 4"/>
+          <p:cNvSpPr>
+            <a:spLocks noGrp="1"/>
+          </p:cNvSpPr>
+          <p:nvPr>
+            <p:ph type="title"/>
+          </p:nvPr>
+        </p:nvSpPr>
+        <p:spPr/>
+        <p:txBody>
+          <a:bodyPr/>
+          <a:lstStyle/>
+          <a:p>
+            <a:r>
+              <a:rPr lang="en-US" dirty="0" smtClean="0"/>
+              <a:t>Thoughtful Adoption</a:t>
+            </a:r>
+            <a:endParaRPr lang="en-US" dirty="0"/>
+          </a:p>
+        </p:txBody>
+      </p:sp>
+      <p:sp>
+        <p:nvSpPr>
+          <p:cNvPr id="6" name="Text Placeholder 7"/>
+          <p:cNvSpPr>
+            <a:spLocks noGrp="1"/>
+          </p:cNvSpPr>
+          <p:nvPr>
+            <p:ph sz="quarter" idx="10"/>
+          </p:nvPr>
+        </p:nvSpPr>
+        <p:spPr>
+          <a:xfrm>
+            <a:off x="327503" y="2031324"/>
+            <a:ext cx="11533187" cy="5159375"/>
+          </a:xfrm>
+        </p:spPr>
+        <p:txBody>
+          <a:bodyPr/>
+          <a:lstStyle/>
+          <a:p>
+            <a:r>
+              <a:rPr lang="en-US" sz="2800" dirty="0" smtClean="0"/>
+              <a:t>Any New Code Leverages the features that we’ve discussed</a:t>
+            </a:r>
+          </a:p>
+          <a:p>
+            <a:r>
+              <a:rPr lang="en-US" sz="2800" dirty="0" smtClean="0"/>
+              <a:t>Look for Diagnostics and Code Fixes</a:t>
+            </a:r>
+          </a:p>
+          <a:p>
+            <a:r>
+              <a:rPr lang="en-US" sz="2800" dirty="0" smtClean="0"/>
+              <a:t>Automate the process</a:t>
+            </a:r>
+          </a:p>
+          <a:p>
+            <a:r>
+              <a:rPr lang="en-US" sz="2800" dirty="0" smtClean="0"/>
+              <a:t>Only update when modifying the class</a:t>
+            </a:r>
+          </a:p>
+        </p:txBody>
+      </p:sp>
+    </p:spTree>
+    <p:extLst>
+      <p:ext uri="{BB962C8B-B14F-4D97-AF65-F5344CB8AC3E}">
+        <p14:creationId xmlns:p14="http://schemas.microsoft.com/office/powerpoint/2010/main" val="326740596"/>
+      </p:ext>
+    </p:extLst>
+  </p:cSld>
+  <p:clrMapOvr>
+    <a:masterClrMapping/>
+  </p:clrMapOvr>
+  <p:transition>
+    <p:fade/>
+  </p:transition>
+  <p:timing>
+    <p:tnLst>
+      <p:par>
+        <p:cTn id="1" dur="indefinite" restart="never" nodeType="tmRoot">
+          <p:childTnLst>
+            <p:seq concurrent="1" nextAc="seek">
+              <p:cTn id="2" dur="indefinite" nodeType="mainSeq">
+                <p:childTnLst>
+                  <p:par>
+                    <p:cTn id="3" fill="hold">
+                      <p:stCondLst>
+                        <p:cond delay="indefinite"/>
+                      </p:stCondLst>
+                      <p:childTnLst>
+                        <p:par>
+                          <p:cTn id="4" fill="hold">
+                            <p:stCondLst>
+                              <p:cond delay="0"/>
+                            </p:stCondLst>
+                            <p:childTnLst>
+                              <p:par>
+                                <p:cTn id="5" presetID="10" presetClass="entr" presetSubtype="0" fill="hold" grpId="0" nodeType="clickEffect">
+                                  <p:stCondLst>
+                                    <p:cond delay="0"/>
+                                  </p:stCondLst>
+                                  <p:childTnLst>
+                                    <p:set>
+                                      <p:cBhvr>
+                                        <p:cTn id="6" dur="1" fill="hold">
+                                          <p:stCondLst>
+                                            <p:cond delay="0"/>
+                                          </p:stCondLst>
+                                        </p:cTn>
+                                        <p:tgtEl>
+                                          <p:spTgt spid="6">
+                                            <p:txEl>
+                                              <p:pRg st="0" end="0"/>
+                                            </p:txEl>
+                                          </p:spTgt>
+                                        </p:tgtEl>
+                                        <p:attrNameLst>
+                                          <p:attrName>style.visibility</p:attrName>
+                                        </p:attrNameLst>
+                                      </p:cBhvr>
+                                      <p:to>
+                                        <p:strVal val="visible"/>
+                                      </p:to>
+                                    </p:set>
+                                    <p:animEffect transition="in" filter="fade">
+                                      <p:cBhvr>
+                                        <p:cTn id="7" dur="500"/>
+                                        <p:tgtEl>
+                                          <p:spTgt spid="6">
+                                            <p:txEl>
+                                              <p:pRg st="0" end="0"/>
+                                            </p:txEl>
+                                          </p:spTgt>
+                                        </p:tgtEl>
+                                      </p:cBhvr>
+                                    </p:animEffect>
+                                  </p:childTnLst>
+                                </p:cTn>
+                              </p:par>
+                            </p:childTnLst>
+                          </p:cTn>
+                        </p:par>
+                      </p:childTnLst>
+                    </p:cTn>
+                  </p:par>
+                  <p:par>
+                    <p:cTn id="8" fill="hold">
+                      <p:stCondLst>
+                        <p:cond delay="indefinite"/>
+                      </p:stCondLst>
+                      <p:childTnLst>
+                        <p:par>
+                          <p:cTn id="9" fill="hold">
+                            <p:stCondLst>
+                              <p:cond delay="0"/>
+                            </p:stCondLst>
+                            <p:childTnLst>
+                              <p:par>
+                                <p:cTn id="10" presetID="10" presetClass="entr" presetSubtype="0" fill="hold" grpId="0" nodeType="clickEffect">
+                                  <p:stCondLst>
+                                    <p:cond delay="0"/>
+                                  </p:stCondLst>
+                                  <p:childTnLst>
+                                    <p:set>
+                                      <p:cBhvr>
+                                        <p:cTn id="11" dur="1" fill="hold">
+                                          <p:stCondLst>
+                                            <p:cond delay="0"/>
+                                          </p:stCondLst>
+                                        </p:cTn>
+                                        <p:tgtEl>
+                                          <p:spTgt spid="6">
+                                            <p:txEl>
+                                              <p:pRg st="1" end="1"/>
+                                            </p:txEl>
+                                          </p:spTgt>
+                                        </p:tgtEl>
+                                        <p:attrNameLst>
+                                          <p:attrName>style.visibility</p:attrName>
+                                        </p:attrNameLst>
+                                      </p:cBhvr>
+                                      <p:to>
+                                        <p:strVal val="visible"/>
+                                      </p:to>
+                                    </p:set>
+                                    <p:animEffect transition="in" filter="fade">
+                                      <p:cBhvr>
+                                        <p:cTn id="12" dur="500"/>
+                                        <p:tgtEl>
+                                          <p:spTgt spid="6">
+                                            <p:txEl>
+                                              <p:pRg st="1" end="1"/>
+                                            </p:txEl>
+                                          </p:spTgt>
+                                        </p:tgtEl>
+                                      </p:cBhvr>
+                                    </p:animEffect>
+                                  </p:childTnLst>
+                                </p:cTn>
+                              </p:par>
+                            </p:childTnLst>
+                          </p:cTn>
+                        </p:par>
+                      </p:childTnLst>
+                    </p:cTn>
+                  </p:par>
+                  <p:par>
+                    <p:cTn id="13" fill="hold">
+                      <p:stCondLst>
+                        <p:cond delay="indefinite"/>
+                      </p:stCondLst>
+                      <p:childTnLst>
+                        <p:par>
+                          <p:cTn id="14" fill="hold">
+                            <p:stCondLst>
+                              <p:cond delay="0"/>
+                            </p:stCondLst>
+                            <p:childTnLst>
+                              <p:par>
+                                <p:cTn id="15" presetID="10" presetClass="entr" presetSubtype="0" fill="hold" grpId="0" nodeType="clickEffect">
+                                  <p:stCondLst>
+                                    <p:cond delay="0"/>
+                                  </p:stCondLst>
+                                  <p:childTnLst>
+                                    <p:set>
+                                      <p:cBhvr>
+                                        <p:cTn id="16" dur="1" fill="hold">
+                                          <p:stCondLst>
+                                            <p:cond delay="0"/>
+                                          </p:stCondLst>
+                                        </p:cTn>
+                                        <p:tgtEl>
+                                          <p:spTgt spid="6">
+                                            <p:txEl>
+                                              <p:pRg st="2" end="2"/>
+                                            </p:txEl>
+                                          </p:spTgt>
+                                        </p:tgtEl>
+                                        <p:attrNameLst>
+                                          <p:attrName>style.visibility</p:attrName>
+                                        </p:attrNameLst>
+                                      </p:cBhvr>
+                                      <p:to>
+                                        <p:strVal val="visible"/>
+                                      </p:to>
+                                    </p:set>
+                                    <p:animEffect transition="in" filter="fade">
+                                      <p:cBhvr>
+                                        <p:cTn id="17" dur="500"/>
+                                        <p:tgtEl>
+                                          <p:spTgt spid="6">
+                                            <p:txEl>
+                                              <p:pRg st="2" end="2"/>
+                                            </p:txEl>
+                                          </p:spTgt>
+                                        </p:tgtEl>
+                                      </p:cBhvr>
+                                    </p:animEffect>
+                                  </p:childTnLst>
+                                </p:cTn>
+                              </p:par>
+                            </p:childTnLst>
+                          </p:cTn>
+                        </p:par>
+                      </p:childTnLst>
+                    </p:cTn>
+                  </p:par>
+                  <p:par>
+                    <p:cTn id="18" fill="hold">
+                      <p:stCondLst>
+                        <p:cond delay="indefinite"/>
+                      </p:stCondLst>
+                      <p:childTnLst>
+                        <p:par>
+                          <p:cTn id="19" fill="hold">
+                            <p:stCondLst>
+                              <p:cond delay="0"/>
+                            </p:stCondLst>
+                            <p:childTnLst>
+                              <p:par>
+                                <p:cTn id="20" presetID="10" presetClass="entr" presetSubtype="0" fill="hold" grpId="0" nodeType="clickEffect">
+                                  <p:stCondLst>
+                                    <p:cond delay="0"/>
+                                  </p:stCondLst>
+                                  <p:childTnLst>
+                                    <p:set>
+                                      <p:cBhvr>
+                                        <p:cTn id="21" dur="1" fill="hold">
+                                          <p:stCondLst>
+                                            <p:cond delay="0"/>
+                                          </p:stCondLst>
+                                        </p:cTn>
+                                        <p:tgtEl>
+                                          <p:spTgt spid="6">
+                                            <p:txEl>
+                                              <p:pRg st="3" end="3"/>
+                                            </p:txEl>
+                                          </p:spTgt>
+                                        </p:tgtEl>
+                                        <p:attrNameLst>
+                                          <p:attrName>style.visibility</p:attrName>
+                                        </p:attrNameLst>
+                                      </p:cBhvr>
+                                      <p:to>
+                                        <p:strVal val="visible"/>
+                                      </p:to>
+                                    </p:set>
+                                    <p:animEffect transition="in" filter="fade">
+                                      <p:cBhvr>
+                                        <p:cTn id="22" dur="500"/>
+                                        <p:tgtEl>
+                                          <p:spTgt spid="6">
+                                            <p:txEl>
+                                              <p:pRg st="3" end="3"/>
+                                            </p:txEl>
+                                          </p:spTgt>
+                                        </p:tgtEl>
+                                      </p:cBhvr>
+                                    </p:animEffect>
+                                  </p:childTnLst>
+                                </p:cTn>
+                              </p:par>
+                            </p:childTnLst>
+                          </p:cTn>
+                        </p:par>
+                      </p:childTnLst>
+                    </p:cTn>
+                  </p:par>
+                </p:childTnLst>
+              </p:cTn>
+              <p:prevCondLst>
+                <p:cond evt="onPrev" delay="0">
+                  <p:tgtEl>
+                    <p:sldTgt/>
+                  </p:tgtEl>
+                </p:cond>
+              </p:prevCondLst>
+              <p:nextCondLst>
+                <p:cond evt="onNext" delay="0">
+                  <p:tgtEl>
+                    <p:sldTgt/>
+                  </p:tgtEl>
+                </p:cond>
+              </p:nextCondLst>
+            </p:seq>
+          </p:childTnLst>
+        </p:cTn>
+      </p:par>
+    </p:tnLst>
+    <p:bldLst>
+      <p:bldP spid="6" grpId="0" build="p"/>
+    </p:bldLst>
+  </p:timing>
+</p:sld>
+</file>
+
+<file path=ppt/slides/slide9.xml><?xml version="1.0" encoding="utf-8"?>
+<p:sld xmlns:a="http://schemas.openxmlformats.org/drawingml/2006/main" xmlns:r="http://schemas.openxmlformats.org/officeDocument/2006/relationships" xmlns:p="http://schemas.openxmlformats.org/presentationml/2006/main">
+  <p:cSld>
+    <p:spTree>
+      <p:nvGrpSpPr>
+        <p:cNvPr id="1" name=""/>
+        <p:cNvGrpSpPr/>
+        <p:nvPr/>
+      </p:nvGrpSpPr>
+      <p:grpSpPr>
+        <a:xfrm>
+          <a:off x="0" y="0"/>
+          <a:ext cx="0" cy="0"/>
+          <a:chOff x="0" y="0"/>
+          <a:chExt cx="0" cy="0"/>
+        </a:xfrm>
+      </p:grpSpPr>
+      <p:sp>
+        <p:nvSpPr>
+          <p:cNvPr id="2" name="Text Placeholder 1"/>
+          <p:cNvSpPr>
+            <a:spLocks noGrp="1"/>
+          </p:cNvSpPr>
+          <p:nvPr>
+            <p:ph type="body" sz="quarter" idx="10"/>
+          </p:nvPr>
+        </p:nvSpPr>
+        <p:spPr/>
+        <p:txBody>
+          <a:bodyPr/>
+          <a:lstStyle/>
+          <a:p>
+            <a:r>
+              <a:rPr lang="en-US" sz="3600" dirty="0" smtClean="0">
+                <a:ln w="0"/>
+                <a:effectLst>
+                  <a:outerShdw blurRad="38100" dist="19050" dir="2700000" algn="tl" rotWithShape="0">
+                    <a:schemeClr val="dk1">
+                      <a:alpha val="40000"/>
+                    </a:schemeClr>
+                  </a:outerShdw>
+                </a:effectLst>
+              </a:rPr>
+              <a:t>Language Review</a:t>
+            </a:r>
+            <a:endParaRPr lang="en-US" sz="3600" dirty="0">
+              <a:ln w="0"/>
+              <a:effectLst>
+                <a:outerShdw blurRad="38100" dist="19050" dir="2700000" algn="tl" rotWithShape="0">
+                  <a:schemeClr val="dk1">
+                    <a:alpha val="40000"/>
+                  </a:schemeClr>
+                </a:outerShdw>
+              </a:effectLst>
+            </a:endParaRPr>
+          </a:p>
+          <a:p>
+            <a:endParaRPr lang="en-US" dirty="0"/>
+          </a:p>
+        </p:txBody>
+      </p:sp>
+      <p:sp>
+        <p:nvSpPr>
+          <p:cNvPr id="3" name="Subtitle 2"/>
+          <p:cNvSpPr>
+            <a:spLocks noGrp="1"/>
+          </p:cNvSpPr>
+          <p:nvPr>
+            <p:ph type="subTitle" idx="1"/>
+          </p:nvPr>
+        </p:nvSpPr>
+        <p:spPr/>
+        <p:txBody>
+          <a:bodyPr/>
+          <a:lstStyle/>
+          <a:p>
+            <a:endParaRPr lang="en-US"/>
+          </a:p>
+        </p:txBody>
+      </p:sp>
+    </p:spTree>
+    <p:extLst>
+      <p:ext uri="{BB962C8B-B14F-4D97-AF65-F5344CB8AC3E}">
+        <p14:creationId xmlns:p14="http://schemas.microsoft.com/office/powerpoint/2010/main" val="294388277"/>
+      </p:ext>
+    </p:extLst>
+  </p:cSld>
+  <p:clrMapOvr>
+    <a:masterClrMapping/>
+  </p:clrMapOvr>
 </p:sld>
 </file>
 
@@ -12007,24 +12413,6 @@
 </file>
 
 <file path=customXml/item1.xml><?xml version="1.0" encoding="utf-8"?>
-<p:properties xmlns:p="http://schemas.microsoft.com/office/2006/metadata/properties" xmlns:xsi="http://www.w3.org/2001/XMLSchema-instance" xmlns:pc="http://schemas.microsoft.com/office/infopath/2007/PartnerControls">
-  <documentManagement>
-    <TaxCatchAll xmlns="230e9df3-be65-4c73-a93b-d1236ebd677e"/>
-    <PublishingExpirationDate xmlns="http://schemas.microsoft.com/sharepoint/v3" xsi:nil="true"/>
-    <PublishingStartDate xmlns="http://schemas.microsoft.com/sharepoint/v3" xsi:nil="true"/>
-    <TaxKeywordTaxHTField xmlns="230e9df3-be65-4c73-a93b-d1236ebd677e">
-      <Terms xmlns="http://schemas.microsoft.com/office/infopath/2007/PartnerControls">
-        <TermInfo xmlns="http://schemas.microsoft.com/office/infopath/2007/PartnerControls">
-          <TermName xmlns="http://schemas.microsoft.com/office/infopath/2007/PartnerControls">&lt;Any Related Keywords&gt;</TermName>
-          <TermId xmlns="http://schemas.microsoft.com/office/infopath/2007/PartnerControls">11111111-1111-1111-1111-111111111111</TermId>
-        </TermInfo>
-      </Terms>
-    </TaxKeywordTaxHTField>
-  </documentManagement>
-</p:properties>
-</file>
-
-<file path=customXml/item2.xml><?xml version="1.0" encoding="utf-8"?>
 <ct:contentTypeSchema xmlns:ct="http://schemas.microsoft.com/office/2006/metadata/contentType" xmlns:ma="http://schemas.microsoft.com/office/2006/metadata/properties/metaAttributes" ct:_="" ma:_="" ma:contentTypeName="Document" ma:contentTypeID="0x010100496889825850D44592AC5D2F43187AE4" ma:contentTypeVersion="5" ma:contentTypeDescription="Create a new document." ma:contentTypeScope="" ma:versionID="2e43eb919f408cd810abfc945a86e7c8">
   <xsd:schema xmlns:xsd="http://www.w3.org/2001/XMLSchema" xmlns:xs="http://www.w3.org/2001/XMLSchema" xmlns:p="http://schemas.microsoft.com/office/2006/metadata/properties" xmlns:ns1="http://schemas.microsoft.com/sharepoint/v3" xmlns:ns2="230e9df3-be65-4c73-a93b-d1236ebd677e" xmlns:ns3="27aa9422-7f1f-4c84-9cdf-302b1a67e513" targetNamespace="http://schemas.microsoft.com/office/2006/metadata/properties" ma:root="true" ma:fieldsID="3b003b013a7c5b8f8e3d494956829bef" ns1:_="" ns2:_="" ns3:_="">
     <xsd:import namespace="http://schemas.microsoft.com/sharepoint/v3"/>
@@ -12206,6 +12594,24 @@
 </ct:contentTypeSchema>
 </file>
 
+<file path=customXml/item2.xml><?xml version="1.0" encoding="utf-8"?>
+<p:properties xmlns:p="http://schemas.microsoft.com/office/2006/metadata/properties" xmlns:xsi="http://www.w3.org/2001/XMLSchema-instance" xmlns:pc="http://schemas.microsoft.com/office/infopath/2007/PartnerControls">
+  <documentManagement>
+    <TaxCatchAll xmlns="230e9df3-be65-4c73-a93b-d1236ebd677e"/>
+    <PublishingExpirationDate xmlns="http://schemas.microsoft.com/sharepoint/v3" xsi:nil="true"/>
+    <PublishingStartDate xmlns="http://schemas.microsoft.com/sharepoint/v3" xsi:nil="true"/>
+    <TaxKeywordTaxHTField xmlns="230e9df3-be65-4c73-a93b-d1236ebd677e">
+      <Terms xmlns="http://schemas.microsoft.com/office/infopath/2007/PartnerControls">
+        <TermInfo xmlns="http://schemas.microsoft.com/office/infopath/2007/PartnerControls">
+          <TermName xmlns="http://schemas.microsoft.com/office/infopath/2007/PartnerControls">&lt;Any Related Keywords&gt;</TermName>
+          <TermId xmlns="http://schemas.microsoft.com/office/infopath/2007/PartnerControls">11111111-1111-1111-1111-111111111111</TermId>
+        </TermInfo>
+      </Terms>
+    </TaxKeywordTaxHTField>
+  </documentManagement>
+</p:properties>
+</file>
+
 <file path=customXml/item3.xml><?xml version="1.0" encoding="utf-8"?>
 <?mso-contentType ?>
 <FormTemplates xmlns="http://schemas.microsoft.com/sharepoint/v3/contenttype/forms">
@@ -12216,24 +12622,6 @@
 </file>
 
 <file path=customXml/itemProps1.xml><?xml version="1.0" encoding="utf-8"?>
-<ds:datastoreItem xmlns:ds="http://schemas.openxmlformats.org/officeDocument/2006/customXml" ds:itemID="{F990F116-B58F-4255-B05B-DA3808E0E5C6}">
-  <ds:schemaRefs>
-    <ds:schemaRef ds:uri="http://purl.org/dc/elements/1.1/"/>
-    <ds:schemaRef ds:uri="http://schemas.microsoft.com/office/2006/metadata/properties"/>
-    <ds:schemaRef ds:uri="http://schemas.openxmlformats.org/package/2006/metadata/core-properties"/>
-    <ds:schemaRef ds:uri="http://schemas.microsoft.com/sharepoint/v3"/>
-    <ds:schemaRef ds:uri="http://schemas.microsoft.com/office/infopath/2007/PartnerControls"/>
-    <ds:schemaRef ds:uri="http://purl.org/dc/terms/"/>
-    <ds:schemaRef ds:uri="http://schemas.microsoft.com/office/2006/documentManagement/types"/>
-    <ds:schemaRef ds:uri="27aa9422-7f1f-4c84-9cdf-302b1a67e513"/>
-    <ds:schemaRef ds:uri="230e9df3-be65-4c73-a93b-d1236ebd677e"/>
-    <ds:schemaRef ds:uri="http://www.w3.org/XML/1998/namespace"/>
-    <ds:schemaRef ds:uri="http://purl.org/dc/dcmitype/"/>
-  </ds:schemaRefs>
-</ds:datastoreItem>
-</file>
-
-<file path=customXml/itemProps2.xml><?xml version="1.0" encoding="utf-8"?>
 <ds:datastoreItem xmlns:ds="http://schemas.openxmlformats.org/officeDocument/2006/customXml" ds:itemID="{8279456A-742D-4736-95C0-19A1E0B853B2}">
   <ds:schemaRefs>
     <ds:schemaRef ds:uri="http://schemas.microsoft.com/office/2006/metadata/contentType"/>
@@ -12253,6 +12641,24 @@
 </ds:datastoreItem>
 </file>
 
+<file path=customXml/itemProps2.xml><?xml version="1.0" encoding="utf-8"?>
+<ds:datastoreItem xmlns:ds="http://schemas.openxmlformats.org/officeDocument/2006/customXml" ds:itemID="{F990F116-B58F-4255-B05B-DA3808E0E5C6}">
+  <ds:schemaRefs>
+    <ds:schemaRef ds:uri="http://purl.org/dc/elements/1.1/"/>
+    <ds:schemaRef ds:uri="http://schemas.microsoft.com/office/2006/metadata/properties"/>
+    <ds:schemaRef ds:uri="http://schemas.openxmlformats.org/package/2006/metadata/core-properties"/>
+    <ds:schemaRef ds:uri="http://schemas.microsoft.com/sharepoint/v3"/>
+    <ds:schemaRef ds:uri="http://schemas.microsoft.com/office/infopath/2007/PartnerControls"/>
+    <ds:schemaRef ds:uri="http://purl.org/dc/terms/"/>
+    <ds:schemaRef ds:uri="http://schemas.microsoft.com/office/2006/documentManagement/types"/>
+    <ds:schemaRef ds:uri="27aa9422-7f1f-4c84-9cdf-302b1a67e513"/>
+    <ds:schemaRef ds:uri="230e9df3-be65-4c73-a93b-d1236ebd677e"/>
+    <ds:schemaRef ds:uri="http://www.w3.org/XML/1998/namespace"/>
+    <ds:schemaRef ds:uri="http://purl.org/dc/dcmitype/"/>
+  </ds:schemaRefs>
+</ds:datastoreItem>
+</file>
+
 <file path=customXml/itemProps3.xml><?xml version="1.0" encoding="utf-8"?>
 <ds:datastoreItem xmlns:ds="http://schemas.openxmlformats.org/officeDocument/2006/customXml" ds:itemID="{758FDAC0-319D-4A54-8D8E-1D42CB1F8004}">
   <ds:schemaRefs>
